--- a/Civilworks cost/RADP Preparations/RADP Actions and Followups.pptx
+++ b/Civilworks cost/RADP Preparations/RADP Actions and Followups.pptx
@@ -5,7 +5,7 @@
     <p:sldMasterId id="2147483648" r:id="rId1"/>
   </p:sldMasterIdLst>
   <p:notesMasterIdLst>
-    <p:notesMasterId r:id="rId39"/>
+    <p:notesMasterId r:id="rId40"/>
   </p:notesMasterIdLst>
   <p:sldIdLst>
     <p:sldId id="296" r:id="rId2"/>
@@ -19,32 +19,33 @@
     <p:sldId id="304" r:id="rId10"/>
     <p:sldId id="305" r:id="rId11"/>
     <p:sldId id="257" r:id="rId12"/>
-    <p:sldId id="306" r:id="rId13"/>
-    <p:sldId id="260" r:id="rId14"/>
-    <p:sldId id="258" r:id="rId15"/>
-    <p:sldId id="293" r:id="rId16"/>
-    <p:sldId id="294" r:id="rId17"/>
-    <p:sldId id="295" r:id="rId18"/>
-    <p:sldId id="276" r:id="rId19"/>
-    <p:sldId id="259" r:id="rId20"/>
-    <p:sldId id="264" r:id="rId21"/>
-    <p:sldId id="274" r:id="rId22"/>
-    <p:sldId id="268" r:id="rId23"/>
-    <p:sldId id="275" r:id="rId24"/>
-    <p:sldId id="277" r:id="rId25"/>
-    <p:sldId id="278" r:id="rId26"/>
-    <p:sldId id="279" r:id="rId27"/>
-    <p:sldId id="280" r:id="rId28"/>
-    <p:sldId id="281" r:id="rId29"/>
-    <p:sldId id="282" r:id="rId30"/>
-    <p:sldId id="283" r:id="rId31"/>
-    <p:sldId id="284" r:id="rId32"/>
-    <p:sldId id="285" r:id="rId33"/>
-    <p:sldId id="286" r:id="rId34"/>
-    <p:sldId id="287" r:id="rId35"/>
-    <p:sldId id="288" r:id="rId36"/>
-    <p:sldId id="289" r:id="rId37"/>
-    <p:sldId id="273" r:id="rId38"/>
+    <p:sldId id="307" r:id="rId13"/>
+    <p:sldId id="306" r:id="rId14"/>
+    <p:sldId id="260" r:id="rId15"/>
+    <p:sldId id="258" r:id="rId16"/>
+    <p:sldId id="293" r:id="rId17"/>
+    <p:sldId id="294" r:id="rId18"/>
+    <p:sldId id="295" r:id="rId19"/>
+    <p:sldId id="276" r:id="rId20"/>
+    <p:sldId id="259" r:id="rId21"/>
+    <p:sldId id="264" r:id="rId22"/>
+    <p:sldId id="274" r:id="rId23"/>
+    <p:sldId id="268" r:id="rId24"/>
+    <p:sldId id="275" r:id="rId25"/>
+    <p:sldId id="277" r:id="rId26"/>
+    <p:sldId id="278" r:id="rId27"/>
+    <p:sldId id="279" r:id="rId28"/>
+    <p:sldId id="280" r:id="rId29"/>
+    <p:sldId id="281" r:id="rId30"/>
+    <p:sldId id="282" r:id="rId31"/>
+    <p:sldId id="283" r:id="rId32"/>
+    <p:sldId id="284" r:id="rId33"/>
+    <p:sldId id="285" r:id="rId34"/>
+    <p:sldId id="286" r:id="rId35"/>
+    <p:sldId id="287" r:id="rId36"/>
+    <p:sldId id="288" r:id="rId37"/>
+    <p:sldId id="289" r:id="rId38"/>
+    <p:sldId id="273" r:id="rId39"/>
   </p:sldIdLst>
   <p:sldSz cx="12192000" cy="6858000"/>
   <p:notesSz cx="7010400" cy="9296400"/>
@@ -2855,7 +2856,6 @@
             <c:showLeaderLines val="0"/>
             <c:extLst>
               <c:ext xmlns:c15="http://schemas.microsoft.com/office/drawing/2012/chart" uri="{CE6537A1-D6FC-4f65-9D91-7224C49458BB}">
-                <c15:layout/>
                 <c15:showLeaderLines val="1"/>
               </c:ext>
             </c:extLst>
@@ -2991,7 +2991,6 @@
             <c:showLeaderLines val="0"/>
             <c:extLst>
               <c:ext xmlns:c15="http://schemas.microsoft.com/office/drawing/2012/chart" uri="{CE6537A1-D6FC-4f65-9D91-7224C49458BB}">
-                <c15:layout/>
                 <c15:showLeaderLines val="1"/>
               </c:ext>
             </c:extLst>
@@ -3157,7 +3156,6 @@
               </a:p>
             </c:rich>
           </c:tx>
-          <c:layout/>
           <c:overlay val="0"/>
           <c:spPr>
             <a:noFill/>
@@ -6632,6 +6630,90 @@
           <a:bodyPr/>
           <a:lstStyle/>
           <a:p>
+            <a:endParaRPr lang="en-US" dirty="0"/>
+          </a:p>
+        </p:txBody>
+      </p:sp>
+      <p:sp>
+        <p:nvSpPr>
+          <p:cNvPr id="4" name="Slide Number Placeholder 3"/>
+          <p:cNvSpPr>
+            <a:spLocks noGrp="1"/>
+          </p:cNvSpPr>
+          <p:nvPr>
+            <p:ph type="sldNum" sz="quarter" idx="10"/>
+          </p:nvPr>
+        </p:nvSpPr>
+        <p:spPr/>
+        <p:txBody>
+          <a:bodyPr/>
+          <a:lstStyle/>
+          <a:p>
+            <a:fld id="{F44672D5-5F1B-405C-833E-51F817CC1E29}" type="slidenum">
+              <a:rPr lang="en-US" smtClean="0"/>
+              <a:t>12</a:t>
+            </a:fld>
+            <a:endParaRPr lang="en-US"/>
+          </a:p>
+        </p:txBody>
+      </p:sp>
+    </p:spTree>
+    <p:extLst>
+      <p:ext uri="{BB962C8B-B14F-4D97-AF65-F5344CB8AC3E}">
+        <p14:creationId xmlns:p14="http://schemas.microsoft.com/office/powerpoint/2010/main" val="4276805574"/>
+      </p:ext>
+    </p:extLst>
+  </p:cSld>
+  <p:clrMapOvr>
+    <a:masterClrMapping/>
+  </p:clrMapOvr>
+</p:notes>
+</file>
+
+<file path=ppt/notesSlides/notesSlide12.xml><?xml version="1.0" encoding="utf-8"?>
+<p:notes xmlns:a="http://schemas.openxmlformats.org/drawingml/2006/main" xmlns:r="http://schemas.openxmlformats.org/officeDocument/2006/relationships" xmlns:p="http://schemas.openxmlformats.org/presentationml/2006/main">
+  <p:cSld>
+    <p:spTree>
+      <p:nvGrpSpPr>
+        <p:cNvPr id="1" name=""/>
+        <p:cNvGrpSpPr/>
+        <p:nvPr/>
+      </p:nvGrpSpPr>
+      <p:grpSpPr>
+        <a:xfrm>
+          <a:off x="0" y="0"/>
+          <a:ext cx="0" cy="0"/>
+          <a:chOff x="0" y="0"/>
+          <a:chExt cx="0" cy="0"/>
+        </a:xfrm>
+      </p:grpSpPr>
+      <p:sp>
+        <p:nvSpPr>
+          <p:cNvPr id="2" name="Slide Image Placeholder 1"/>
+          <p:cNvSpPr>
+            <a:spLocks noGrp="1" noRot="1" noChangeAspect="1"/>
+          </p:cNvSpPr>
+          <p:nvPr>
+            <p:ph type="sldImg"/>
+          </p:nvPr>
+        </p:nvSpPr>
+        <p:spPr/>
+      </p:sp>
+      <p:sp>
+        <p:nvSpPr>
+          <p:cNvPr id="3" name="Notes Placeholder 2"/>
+          <p:cNvSpPr>
+            <a:spLocks noGrp="1"/>
+          </p:cNvSpPr>
+          <p:nvPr>
+            <p:ph type="body" idx="1"/>
+          </p:nvPr>
+        </p:nvSpPr>
+        <p:spPr/>
+        <p:txBody>
+          <a:bodyPr/>
+          <a:lstStyle/>
+          <a:p>
             <a:endParaRPr lang="en-US"/>
           </a:p>
         </p:txBody>
@@ -6653,7 +6735,7 @@
           <a:p>
             <a:fld id="{6DAA5B04-FAAE-495A-85E4-0EA1FBA4C7FE}" type="slidenum">
               <a:rPr lang="en-CA" smtClean="0"/>
-              <a:t>13</a:t>
+              <a:t>14</a:t>
             </a:fld>
             <a:endParaRPr lang="en-CA"/>
           </a:p>
@@ -13381,11 +13463,7 @@
           <a:p>
             <a:r>
               <a:rPr lang="en-US" sz="2800" dirty="0" smtClean="0"/>
-              <a:t>IMMEDIATE ACTIONS REQUIRED </a:t>
-            </a:r>
-            <a:r>
-              <a:rPr lang="en-US" sz="2800" dirty="0" smtClean="0"/>
-              <a:t>FOR KISHOREGONJ</a:t>
+              <a:t>IMMEDIATE ACTIONS REQUIRED FOR KISHOREGONJ</a:t>
             </a:r>
             <a:endParaRPr lang="en-US" sz="2800" dirty="0"/>
           </a:p>
@@ -16479,6 +16557,2892 @@
         </p:nvSpPr>
         <p:spPr>
           <a:xfrm>
+            <a:off x="0" y="-505838"/>
+            <a:ext cx="11734801" cy="1382137"/>
+          </a:xfrm>
+        </p:spPr>
+        <p:txBody>
+          <a:bodyPr>
+            <a:normAutofit/>
+          </a:bodyPr>
+          <a:lstStyle/>
+          <a:p>
+            <a:r>
+              <a:rPr lang="en-US" sz="2800" dirty="0" smtClean="0"/>
+              <a:t>IMMEDIATE ACTIONS REQUIRED FOR </a:t>
+            </a:r>
+            <a:r>
+              <a:rPr lang="en-US" sz="2800" dirty="0" smtClean="0"/>
+              <a:t>HOBIGANJ</a:t>
+            </a:r>
+            <a:endParaRPr lang="en-US" sz="2800" dirty="0"/>
+          </a:p>
+        </p:txBody>
+      </p:sp>
+      <p:sp>
+        <p:nvSpPr>
+          <p:cNvPr id="3" name="Subtitle 2"/>
+          <p:cNvSpPr>
+            <a:spLocks noGrp="1"/>
+          </p:cNvSpPr>
+          <p:nvPr>
+            <p:ph type="subTitle" idx="1"/>
+          </p:nvPr>
+        </p:nvSpPr>
+        <p:spPr>
+          <a:xfrm>
+            <a:off x="548642" y="876299"/>
+            <a:ext cx="11186160" cy="5257801"/>
+          </a:xfrm>
+        </p:spPr>
+        <p:txBody>
+          <a:bodyPr/>
+          <a:lstStyle/>
+          <a:p>
+            <a:endParaRPr lang="en-US" b="1" dirty="0"/>
+          </a:p>
+        </p:txBody>
+      </p:sp>
+      <p:graphicFrame>
+        <p:nvGraphicFramePr>
+          <p:cNvPr id="6" name="Table 5"/>
+          <p:cNvGraphicFramePr>
+            <a:graphicFrameLocks noGrp="1"/>
+          </p:cNvGraphicFramePr>
+          <p:nvPr>
+            <p:extLst>
+              <p:ext uri="{D42A27DB-BD31-4B8C-83A1-F6EECF244321}">
+                <p14:modId xmlns:p14="http://schemas.microsoft.com/office/powerpoint/2010/main" val="774517631"/>
+              </p:ext>
+            </p:extLst>
+          </p:nvPr>
+        </p:nvGraphicFramePr>
+        <p:xfrm>
+          <a:off x="453107" y="876299"/>
+          <a:ext cx="11186160" cy="2604728"/>
+        </p:xfrm>
+        <a:graphic>
+          <a:graphicData uri="http://schemas.openxmlformats.org/drawingml/2006/table">
+            <a:tbl>
+              <a:tblPr>
+                <a:tableStyleId>{125E5076-3810-47DD-B79F-674D7AD40C01}</a:tableStyleId>
+              </a:tblPr>
+              <a:tblGrid>
+                <a:gridCol w="1470696">
+                  <a:extLst>
+                    <a:ext uri="{9D8B030D-6E8A-4147-A177-3AD203B41FA5}">
+                      <a16:colId xmlns:a16="http://schemas.microsoft.com/office/drawing/2014/main" val="716727480"/>
+                    </a:ext>
+                  </a:extLst>
+                </a:gridCol>
+                <a:gridCol w="724394">
+                  <a:extLst>
+                    <a:ext uri="{9D8B030D-6E8A-4147-A177-3AD203B41FA5}">
+                      <a16:colId xmlns:a16="http://schemas.microsoft.com/office/drawing/2014/main" val="3099680683"/>
+                    </a:ext>
+                  </a:extLst>
+                </a:gridCol>
+                <a:gridCol w="5415148">
+                  <a:extLst>
+                    <a:ext uri="{9D8B030D-6E8A-4147-A177-3AD203B41FA5}">
+                      <a16:colId xmlns:a16="http://schemas.microsoft.com/office/drawing/2014/main" val="3982956662"/>
+                    </a:ext>
+                  </a:extLst>
+                </a:gridCol>
+                <a:gridCol w="583239">
+                  <a:extLst>
+                    <a:ext uri="{9D8B030D-6E8A-4147-A177-3AD203B41FA5}">
+                      <a16:colId xmlns:a16="http://schemas.microsoft.com/office/drawing/2014/main" val="970511234"/>
+                    </a:ext>
+                  </a:extLst>
+                </a:gridCol>
+                <a:gridCol w="1166156">
+                  <a:extLst>
+                    <a:ext uri="{9D8B030D-6E8A-4147-A177-3AD203B41FA5}">
+                      <a16:colId xmlns:a16="http://schemas.microsoft.com/office/drawing/2014/main" val="1127496685"/>
+                    </a:ext>
+                  </a:extLst>
+                </a:gridCol>
+                <a:gridCol w="1826527">
+                  <a:extLst>
+                    <a:ext uri="{9D8B030D-6E8A-4147-A177-3AD203B41FA5}">
+                      <a16:colId xmlns:a16="http://schemas.microsoft.com/office/drawing/2014/main" val="3310797096"/>
+                    </a:ext>
+                  </a:extLst>
+                </a:gridCol>
+              </a:tblGrid>
+              <a:tr h="670406">
+                <a:tc>
+                  <a:txBody>
+                    <a:bodyPr/>
+                    <a:lstStyle/>
+                    <a:p>
+                      <a:pPr marL="0" algn="ctr" defTabSz="914400" rtl="0" eaLnBrk="1" fontAlgn="b" latinLnBrk="0" hangingPunct="1"/>
+                      <a:r>
+                        <a:rPr lang="en-US" sz="2000" u="none" strike="noStrike" kern="1200" dirty="0">
+                          <a:solidFill>
+                            <a:schemeClr val="lt1"/>
+                          </a:solidFill>
+                          <a:effectLst/>
+                          <a:latin typeface="+mn-lt"/>
+                          <a:ea typeface="+mn-ea"/>
+                          <a:cs typeface="+mn-cs"/>
+                        </a:rPr>
+                        <a:t>Package</a:t>
+                      </a:r>
+                    </a:p>
+                  </a:txBody>
+                  <a:tcPr marL="9525" marR="9525" marT="9525" marB="0" anchor="ctr">
+                    <a:lnL w="12700" cap="flat" cmpd="sng" algn="ctr">
+                      <a:solidFill>
+                        <a:schemeClr val="bg1"/>
+                      </a:solidFill>
+                      <a:prstDash val="solid"/>
+                      <a:round/>
+                      <a:headEnd type="none" w="med" len="med"/>
+                      <a:tailEnd type="none" w="med" len="med"/>
+                    </a:lnL>
+                    <a:lnR w="12700" cap="flat" cmpd="sng" algn="ctr">
+                      <a:solidFill>
+                        <a:schemeClr val="bg1"/>
+                      </a:solidFill>
+                      <a:prstDash val="solid"/>
+                      <a:round/>
+                      <a:headEnd type="none" w="med" len="med"/>
+                      <a:tailEnd type="none" w="med" len="med"/>
+                    </a:lnR>
+                    <a:lnT w="12700" cap="flat" cmpd="sng" algn="ctr">
+                      <a:solidFill>
+                        <a:schemeClr val="bg1"/>
+                      </a:solidFill>
+                      <a:prstDash val="solid"/>
+                      <a:round/>
+                      <a:headEnd type="none" w="med" len="med"/>
+                      <a:tailEnd type="none" w="med" len="med"/>
+                    </a:lnT>
+                    <a:lnB w="12700" cap="flat" cmpd="sng" algn="ctr">
+                      <a:solidFill>
+                        <a:schemeClr val="bg1"/>
+                      </a:solidFill>
+                      <a:prstDash val="solid"/>
+                      <a:round/>
+                      <a:headEnd type="none" w="med" len="med"/>
+                      <a:tailEnd type="none" w="med" len="med"/>
+                    </a:lnB>
+                  </a:tcPr>
+                </a:tc>
+                <a:tc>
+                  <a:txBody>
+                    <a:bodyPr/>
+                    <a:lstStyle/>
+                    <a:p>
+                      <a:pPr marL="0" algn="ctr" defTabSz="914400" rtl="0" eaLnBrk="1" fontAlgn="b" latinLnBrk="0" hangingPunct="1"/>
+                      <a:r>
+                        <a:rPr lang="en-US" sz="2000" u="none" strike="noStrike" kern="1200" dirty="0">
+                          <a:solidFill>
+                            <a:schemeClr val="lt1"/>
+                          </a:solidFill>
+                          <a:effectLst/>
+                          <a:latin typeface="+mn-lt"/>
+                          <a:ea typeface="+mn-ea"/>
+                          <a:cs typeface="+mn-cs"/>
+                        </a:rPr>
+                        <a:t>STC</a:t>
+                      </a:r>
+                    </a:p>
+                  </a:txBody>
+                  <a:tcPr marL="9525" marR="9525" marT="9525" marB="0" anchor="ctr">
+                    <a:lnL w="12700" cap="flat" cmpd="sng" algn="ctr">
+                      <a:solidFill>
+                        <a:schemeClr val="bg1"/>
+                      </a:solidFill>
+                      <a:prstDash val="solid"/>
+                      <a:round/>
+                      <a:headEnd type="none" w="med" len="med"/>
+                      <a:tailEnd type="none" w="med" len="med"/>
+                    </a:lnL>
+                    <a:lnR w="12700" cap="flat" cmpd="sng" algn="ctr">
+                      <a:solidFill>
+                        <a:schemeClr val="bg1"/>
+                      </a:solidFill>
+                      <a:prstDash val="solid"/>
+                      <a:round/>
+                      <a:headEnd type="none" w="med" len="med"/>
+                      <a:tailEnd type="none" w="med" len="med"/>
+                    </a:lnR>
+                    <a:lnT w="12700" cap="flat" cmpd="sng" algn="ctr">
+                      <a:solidFill>
+                        <a:schemeClr val="bg1"/>
+                      </a:solidFill>
+                      <a:prstDash val="solid"/>
+                      <a:round/>
+                      <a:headEnd type="none" w="med" len="med"/>
+                      <a:tailEnd type="none" w="med" len="med"/>
+                    </a:lnT>
+                    <a:lnB w="12700" cap="flat" cmpd="sng" algn="ctr">
+                      <a:solidFill>
+                        <a:schemeClr val="bg1"/>
+                      </a:solidFill>
+                      <a:prstDash val="solid"/>
+                      <a:round/>
+                      <a:headEnd type="none" w="med" len="med"/>
+                      <a:tailEnd type="none" w="med" len="med"/>
+                    </a:lnB>
+                  </a:tcPr>
+                </a:tc>
+                <a:tc>
+                  <a:txBody>
+                    <a:bodyPr/>
+                    <a:lstStyle/>
+                    <a:p>
+                      <a:pPr marL="0" algn="ctr" defTabSz="914400" rtl="0" eaLnBrk="1" fontAlgn="b" latinLnBrk="0" hangingPunct="1"/>
+                      <a:r>
+                        <a:rPr lang="en-US" sz="2000" u="none" strike="noStrike" kern="1200" dirty="0">
+                          <a:solidFill>
+                            <a:schemeClr val="lt1"/>
+                          </a:solidFill>
+                          <a:effectLst/>
+                          <a:latin typeface="+mn-lt"/>
+                          <a:ea typeface="+mn-ea"/>
+                          <a:cs typeface="+mn-cs"/>
+                        </a:rPr>
+                        <a:t>Name</a:t>
+                      </a:r>
+                    </a:p>
+                  </a:txBody>
+                  <a:tcPr marL="9525" marR="9525" marT="9525" marB="0" anchor="ctr">
+                    <a:lnL w="12700" cap="flat" cmpd="sng" algn="ctr">
+                      <a:solidFill>
+                        <a:schemeClr val="bg1"/>
+                      </a:solidFill>
+                      <a:prstDash val="solid"/>
+                      <a:round/>
+                      <a:headEnd type="none" w="med" len="med"/>
+                      <a:tailEnd type="none" w="med" len="med"/>
+                    </a:lnL>
+                    <a:lnR w="12700" cap="flat" cmpd="sng" algn="ctr">
+                      <a:solidFill>
+                        <a:schemeClr val="bg1"/>
+                      </a:solidFill>
+                      <a:prstDash val="solid"/>
+                      <a:round/>
+                      <a:headEnd type="none" w="med" len="med"/>
+                      <a:tailEnd type="none" w="med" len="med"/>
+                    </a:lnR>
+                    <a:lnT w="12700" cap="flat" cmpd="sng" algn="ctr">
+                      <a:solidFill>
+                        <a:schemeClr val="bg1"/>
+                      </a:solidFill>
+                      <a:prstDash val="solid"/>
+                      <a:round/>
+                      <a:headEnd type="none" w="med" len="med"/>
+                      <a:tailEnd type="none" w="med" len="med"/>
+                    </a:lnT>
+                    <a:lnB w="12700" cap="flat" cmpd="sng" algn="ctr">
+                      <a:solidFill>
+                        <a:schemeClr val="bg1"/>
+                      </a:solidFill>
+                      <a:prstDash val="solid"/>
+                      <a:round/>
+                      <a:headEnd type="none" w="med" len="med"/>
+                      <a:tailEnd type="none" w="med" len="med"/>
+                    </a:lnB>
+                  </a:tcPr>
+                </a:tc>
+                <a:tc>
+                  <a:txBody>
+                    <a:bodyPr/>
+                    <a:lstStyle/>
+                    <a:p>
+                      <a:pPr marL="0" algn="ctr" defTabSz="914400" rtl="0" eaLnBrk="1" fontAlgn="b" latinLnBrk="0" hangingPunct="1"/>
+                      <a:r>
+                        <a:rPr lang="en-US" sz="2000" u="none" strike="noStrike" kern="1200" dirty="0">
+                          <a:solidFill>
+                            <a:schemeClr val="lt1"/>
+                          </a:solidFill>
+                          <a:effectLst/>
+                          <a:latin typeface="+mn-lt"/>
+                          <a:ea typeface="+mn-ea"/>
+                          <a:cs typeface="+mn-cs"/>
+                        </a:rPr>
+                        <a:t>Unit</a:t>
+                      </a:r>
+                    </a:p>
+                  </a:txBody>
+                  <a:tcPr marL="9525" marR="9525" marT="9525" marB="0" anchor="ctr">
+                    <a:lnL w="12700" cap="flat" cmpd="sng" algn="ctr">
+                      <a:solidFill>
+                        <a:schemeClr val="bg1"/>
+                      </a:solidFill>
+                      <a:prstDash val="solid"/>
+                      <a:round/>
+                      <a:headEnd type="none" w="med" len="med"/>
+                      <a:tailEnd type="none" w="med" len="med"/>
+                    </a:lnL>
+                    <a:lnR w="12700" cap="flat" cmpd="sng" algn="ctr">
+                      <a:solidFill>
+                        <a:schemeClr val="bg1"/>
+                      </a:solidFill>
+                      <a:prstDash val="solid"/>
+                      <a:round/>
+                      <a:headEnd type="none" w="med" len="med"/>
+                      <a:tailEnd type="none" w="med" len="med"/>
+                    </a:lnR>
+                    <a:lnT w="12700" cap="flat" cmpd="sng" algn="ctr">
+                      <a:solidFill>
+                        <a:schemeClr val="bg1"/>
+                      </a:solidFill>
+                      <a:prstDash val="solid"/>
+                      <a:round/>
+                      <a:headEnd type="none" w="med" len="med"/>
+                      <a:tailEnd type="none" w="med" len="med"/>
+                    </a:lnT>
+                    <a:lnB w="12700" cap="flat" cmpd="sng" algn="ctr">
+                      <a:solidFill>
+                        <a:schemeClr val="bg1"/>
+                      </a:solidFill>
+                      <a:prstDash val="solid"/>
+                      <a:round/>
+                      <a:headEnd type="none" w="med" len="med"/>
+                      <a:tailEnd type="none" w="med" len="med"/>
+                    </a:lnB>
+                  </a:tcPr>
+                </a:tc>
+                <a:tc>
+                  <a:txBody>
+                    <a:bodyPr/>
+                    <a:lstStyle/>
+                    <a:p>
+                      <a:pPr marL="0" algn="ctr" defTabSz="914400" rtl="0" eaLnBrk="1" fontAlgn="b" latinLnBrk="0" hangingPunct="1"/>
+                      <a:r>
+                        <a:rPr lang="en-US" sz="2000" u="none" strike="noStrike" kern="1200" dirty="0">
+                          <a:solidFill>
+                            <a:schemeClr val="lt1"/>
+                          </a:solidFill>
+                          <a:effectLst/>
+                          <a:latin typeface="+mn-lt"/>
+                          <a:ea typeface="+mn-ea"/>
+                          <a:cs typeface="+mn-cs"/>
+                        </a:rPr>
+                        <a:t>Quantity</a:t>
+                      </a:r>
+                    </a:p>
+                  </a:txBody>
+                  <a:tcPr marL="9525" marR="9525" marT="9525" marB="0" anchor="ctr">
+                    <a:lnL w="12700" cap="flat" cmpd="sng" algn="ctr">
+                      <a:solidFill>
+                        <a:schemeClr val="bg1"/>
+                      </a:solidFill>
+                      <a:prstDash val="solid"/>
+                      <a:round/>
+                      <a:headEnd type="none" w="med" len="med"/>
+                      <a:tailEnd type="none" w="med" len="med"/>
+                    </a:lnL>
+                    <a:lnR w="12700" cap="flat" cmpd="sng" algn="ctr">
+                      <a:solidFill>
+                        <a:schemeClr val="bg1"/>
+                      </a:solidFill>
+                      <a:prstDash val="solid"/>
+                      <a:round/>
+                      <a:headEnd type="none" w="med" len="med"/>
+                      <a:tailEnd type="none" w="med" len="med"/>
+                    </a:lnR>
+                    <a:lnT w="12700" cap="flat" cmpd="sng" algn="ctr">
+                      <a:solidFill>
+                        <a:schemeClr val="bg1"/>
+                      </a:solidFill>
+                      <a:prstDash val="solid"/>
+                      <a:round/>
+                      <a:headEnd type="none" w="med" len="med"/>
+                      <a:tailEnd type="none" w="med" len="med"/>
+                    </a:lnT>
+                    <a:lnB w="12700" cap="flat" cmpd="sng" algn="ctr">
+                      <a:solidFill>
+                        <a:schemeClr val="bg1"/>
+                      </a:solidFill>
+                      <a:prstDash val="solid"/>
+                      <a:round/>
+                      <a:headEnd type="none" w="med" len="med"/>
+                      <a:tailEnd type="none" w="med" len="med"/>
+                    </a:lnB>
+                  </a:tcPr>
+                </a:tc>
+                <a:tc>
+                  <a:txBody>
+                    <a:bodyPr/>
+                    <a:lstStyle/>
+                    <a:p>
+                      <a:pPr marL="0" algn="ctr" defTabSz="914400" rtl="0" eaLnBrk="1" fontAlgn="b" latinLnBrk="0" hangingPunct="1"/>
+                      <a:r>
+                        <a:rPr lang="en-US" sz="2000" u="none" strike="noStrike" kern="1200" dirty="0">
+                          <a:solidFill>
+                            <a:schemeClr val="lt1"/>
+                          </a:solidFill>
+                          <a:effectLst/>
+                          <a:latin typeface="+mn-lt"/>
+                          <a:ea typeface="+mn-ea"/>
+                          <a:cs typeface="+mn-cs"/>
+                        </a:rPr>
+                        <a:t>Contract value</a:t>
+                      </a:r>
+                    </a:p>
+                  </a:txBody>
+                  <a:tcPr marL="9525" marR="9525" marT="9525" marB="0" anchor="ctr">
+                    <a:lnL w="12700" cap="flat" cmpd="sng" algn="ctr">
+                      <a:solidFill>
+                        <a:schemeClr val="bg1"/>
+                      </a:solidFill>
+                      <a:prstDash val="solid"/>
+                      <a:round/>
+                      <a:headEnd type="none" w="med" len="med"/>
+                      <a:tailEnd type="none" w="med" len="med"/>
+                    </a:lnL>
+                    <a:lnR w="12700" cap="flat" cmpd="sng" algn="ctr">
+                      <a:solidFill>
+                        <a:schemeClr val="bg1"/>
+                      </a:solidFill>
+                      <a:prstDash val="solid"/>
+                      <a:round/>
+                      <a:headEnd type="none" w="med" len="med"/>
+                      <a:tailEnd type="none" w="med" len="med"/>
+                    </a:lnR>
+                    <a:lnT w="12700" cap="flat" cmpd="sng" algn="ctr">
+                      <a:solidFill>
+                        <a:schemeClr val="bg1"/>
+                      </a:solidFill>
+                      <a:prstDash val="solid"/>
+                      <a:round/>
+                      <a:headEnd type="none" w="med" len="med"/>
+                      <a:tailEnd type="none" w="med" len="med"/>
+                    </a:lnT>
+                    <a:lnB w="12700" cap="flat" cmpd="sng" algn="ctr">
+                      <a:solidFill>
+                        <a:schemeClr val="bg1"/>
+                      </a:solidFill>
+                      <a:prstDash val="solid"/>
+                      <a:round/>
+                      <a:headEnd type="none" w="med" len="med"/>
+                      <a:tailEnd type="none" w="med" len="med"/>
+                    </a:lnB>
+                  </a:tcPr>
+                </a:tc>
+                <a:extLst>
+                  <a:ext uri="{0D108BD9-81ED-4DB2-BD59-A6C34878D82A}">
+                    <a16:rowId xmlns:a16="http://schemas.microsoft.com/office/drawing/2014/main" val="3234166121"/>
+                  </a:ext>
+                </a:extLst>
+              </a:tr>
+              <a:tr h="309390">
+                <a:tc>
+                  <a:txBody>
+                    <a:bodyPr/>
+                    <a:lstStyle/>
+                    <a:p>
+                      <a:pPr marL="0" algn="ctr" defTabSz="914400" rtl="0" eaLnBrk="1" fontAlgn="b" latinLnBrk="0" hangingPunct="1"/>
+                      <a:r>
+                        <a:rPr lang="en-US" sz="2000" u="none" strike="noStrike" kern="1200" dirty="0">
+                          <a:solidFill>
+                            <a:schemeClr val="lt1"/>
+                          </a:solidFill>
+                          <a:effectLst/>
+                          <a:latin typeface="+mn-lt"/>
+                          <a:ea typeface="+mn-ea"/>
+                          <a:cs typeface="+mn-cs"/>
+                        </a:rPr>
+                        <a:t>HOBI/PW-01</a:t>
+                      </a:r>
+                    </a:p>
+                  </a:txBody>
+                  <a:tcPr marL="9525" marR="9525" marT="9525" marB="0" anchor="b">
+                    <a:lnL w="12700" cap="flat" cmpd="sng" algn="ctr">
+                      <a:solidFill>
+                        <a:schemeClr val="bg1"/>
+                      </a:solidFill>
+                      <a:prstDash val="solid"/>
+                      <a:round/>
+                      <a:headEnd type="none" w="med" len="med"/>
+                      <a:tailEnd type="none" w="med" len="med"/>
+                    </a:lnL>
+                    <a:lnR w="12700" cap="flat" cmpd="sng" algn="ctr">
+                      <a:solidFill>
+                        <a:schemeClr val="bg1"/>
+                      </a:solidFill>
+                      <a:prstDash val="solid"/>
+                      <a:round/>
+                      <a:headEnd type="none" w="med" len="med"/>
+                      <a:tailEnd type="none" w="med" len="med"/>
+                    </a:lnR>
+                    <a:lnT w="12700" cap="flat" cmpd="sng" algn="ctr">
+                      <a:solidFill>
+                        <a:schemeClr val="bg1"/>
+                      </a:solidFill>
+                      <a:prstDash val="solid"/>
+                      <a:round/>
+                      <a:headEnd type="none" w="med" len="med"/>
+                      <a:tailEnd type="none" w="med" len="med"/>
+                    </a:lnT>
+                    <a:lnB w="12700" cap="flat" cmpd="sng" algn="ctr">
+                      <a:solidFill>
+                        <a:schemeClr val="bg1"/>
+                      </a:solidFill>
+                      <a:prstDash val="solid"/>
+                      <a:round/>
+                      <a:headEnd type="none" w="med" len="med"/>
+                      <a:tailEnd type="none" w="med" len="med"/>
+                    </a:lnB>
+                  </a:tcPr>
+                </a:tc>
+                <a:tc>
+                  <a:txBody>
+                    <a:bodyPr/>
+                    <a:lstStyle/>
+                    <a:p>
+                      <a:pPr marL="0" algn="ctr" defTabSz="914400" rtl="0" eaLnBrk="1" fontAlgn="b" latinLnBrk="0" hangingPunct="1"/>
+                      <a:r>
+                        <a:rPr lang="en-US" sz="2000" u="none" strike="noStrike" kern="1200">
+                          <a:solidFill>
+                            <a:schemeClr val="lt1"/>
+                          </a:solidFill>
+                          <a:effectLst/>
+                          <a:latin typeface="+mn-lt"/>
+                          <a:ea typeface="+mn-ea"/>
+                          <a:cs typeface="+mn-cs"/>
+                        </a:rPr>
+                        <a:t>3</a:t>
+                      </a:r>
+                    </a:p>
+                  </a:txBody>
+                  <a:tcPr marL="9525" marR="9525" marT="9525" marB="0" anchor="b">
+                    <a:lnL w="12700" cap="flat" cmpd="sng" algn="ctr">
+                      <a:solidFill>
+                        <a:schemeClr val="bg1"/>
+                      </a:solidFill>
+                      <a:prstDash val="solid"/>
+                      <a:round/>
+                      <a:headEnd type="none" w="med" len="med"/>
+                      <a:tailEnd type="none" w="med" len="med"/>
+                    </a:lnL>
+                    <a:lnR w="12700" cap="flat" cmpd="sng" algn="ctr">
+                      <a:solidFill>
+                        <a:schemeClr val="bg1"/>
+                      </a:solidFill>
+                      <a:prstDash val="solid"/>
+                      <a:round/>
+                      <a:headEnd type="none" w="med" len="med"/>
+                      <a:tailEnd type="none" w="med" len="med"/>
+                    </a:lnR>
+                    <a:lnT w="12700" cap="flat" cmpd="sng" algn="ctr">
+                      <a:solidFill>
+                        <a:schemeClr val="bg1"/>
+                      </a:solidFill>
+                      <a:prstDash val="solid"/>
+                      <a:round/>
+                      <a:headEnd type="none" w="med" len="med"/>
+                      <a:tailEnd type="none" w="med" len="med"/>
+                    </a:lnT>
+                    <a:lnB w="12700" cap="flat" cmpd="sng" algn="ctr">
+                      <a:solidFill>
+                        <a:schemeClr val="bg1"/>
+                      </a:solidFill>
+                      <a:prstDash val="solid"/>
+                      <a:round/>
+                      <a:headEnd type="none" w="med" len="med"/>
+                      <a:tailEnd type="none" w="med" len="med"/>
+                    </a:lnB>
+                  </a:tcPr>
+                </a:tc>
+                <a:tc>
+                  <a:txBody>
+                    <a:bodyPr/>
+                    <a:lstStyle/>
+                    <a:p>
+                      <a:pPr marL="0" algn="ctr" defTabSz="914400" rtl="0" eaLnBrk="1" fontAlgn="b" latinLnBrk="0" hangingPunct="1"/>
+                      <a:r>
+                        <a:rPr lang="en-US" sz="1800" kern="1200" baseline="0" dirty="0" smtClean="0">
+                          <a:solidFill>
+                            <a:schemeClr val="lt1"/>
+                          </a:solidFill>
+                          <a:effectLst/>
+                          <a:latin typeface="+mn-lt"/>
+                          <a:ea typeface="+mn-ea"/>
+                          <a:cs typeface="+mn-cs"/>
+                        </a:rPr>
+                        <a:t>  Construction </a:t>
+                      </a:r>
+                      <a:r>
+                        <a:rPr lang="en-US" sz="1800" kern="1200" dirty="0" smtClean="0">
+                          <a:solidFill>
+                            <a:schemeClr val="lt1"/>
+                          </a:solidFill>
+                          <a:effectLst/>
+                          <a:latin typeface="+mn-lt"/>
+                          <a:ea typeface="+mn-ea"/>
+                          <a:cs typeface="+mn-cs"/>
+                        </a:rPr>
+                        <a:t>of 6.00 m Wide Causeway-1 no. </a:t>
+                      </a:r>
+                      <a:endParaRPr lang="en-US" sz="2000" u="none" strike="noStrike" kern="1200" dirty="0">
+                        <a:solidFill>
+                          <a:schemeClr val="lt1"/>
+                        </a:solidFill>
+                        <a:effectLst/>
+                        <a:latin typeface="+mn-lt"/>
+                        <a:ea typeface="+mn-ea"/>
+                        <a:cs typeface="+mn-cs"/>
+                      </a:endParaRPr>
+                    </a:p>
+                  </a:txBody>
+                  <a:tcPr marL="9525" marR="9525" marT="9525" marB="0" anchor="b">
+                    <a:lnL w="12700" cap="flat" cmpd="sng" algn="ctr">
+                      <a:solidFill>
+                        <a:schemeClr val="bg1"/>
+                      </a:solidFill>
+                      <a:prstDash val="solid"/>
+                      <a:round/>
+                      <a:headEnd type="none" w="med" len="med"/>
+                      <a:tailEnd type="none" w="med" len="med"/>
+                    </a:lnL>
+                    <a:lnR w="12700" cap="flat" cmpd="sng" algn="ctr">
+                      <a:solidFill>
+                        <a:schemeClr val="bg1"/>
+                      </a:solidFill>
+                      <a:prstDash val="solid"/>
+                      <a:round/>
+                      <a:headEnd type="none" w="med" len="med"/>
+                      <a:tailEnd type="none" w="med" len="med"/>
+                    </a:lnR>
+                    <a:lnT w="12700" cap="flat" cmpd="sng" algn="ctr">
+                      <a:solidFill>
+                        <a:schemeClr val="bg1"/>
+                      </a:solidFill>
+                      <a:prstDash val="solid"/>
+                      <a:round/>
+                      <a:headEnd type="none" w="med" len="med"/>
+                      <a:tailEnd type="none" w="med" len="med"/>
+                    </a:lnT>
+                    <a:lnB w="12700" cap="flat" cmpd="sng" algn="ctr">
+                      <a:solidFill>
+                        <a:schemeClr val="bg1"/>
+                      </a:solidFill>
+                      <a:prstDash val="solid"/>
+                      <a:round/>
+                      <a:headEnd type="none" w="med" len="med"/>
+                      <a:tailEnd type="none" w="med" len="med"/>
+                    </a:lnB>
+                  </a:tcPr>
+                </a:tc>
+                <a:tc>
+                  <a:txBody>
+                    <a:bodyPr/>
+                    <a:lstStyle/>
+                    <a:p>
+                      <a:pPr marL="0" algn="ctr" defTabSz="914400" rtl="0" eaLnBrk="1" fontAlgn="b" latinLnBrk="0" hangingPunct="1"/>
+                      <a:r>
+                        <a:rPr lang="en-US" sz="2000" u="none" strike="noStrike" kern="1200">
+                          <a:solidFill>
+                            <a:schemeClr val="lt1"/>
+                          </a:solidFill>
+                          <a:effectLst/>
+                          <a:latin typeface="+mn-lt"/>
+                          <a:ea typeface="+mn-ea"/>
+                          <a:cs typeface="+mn-cs"/>
+                        </a:rPr>
+                        <a:t>nos.</a:t>
+                      </a:r>
+                    </a:p>
+                  </a:txBody>
+                  <a:tcPr marL="9525" marR="9525" marT="9525" marB="0" anchor="b">
+                    <a:lnL w="12700" cap="flat" cmpd="sng" algn="ctr">
+                      <a:solidFill>
+                        <a:schemeClr val="bg1"/>
+                      </a:solidFill>
+                      <a:prstDash val="solid"/>
+                      <a:round/>
+                      <a:headEnd type="none" w="med" len="med"/>
+                      <a:tailEnd type="none" w="med" len="med"/>
+                    </a:lnL>
+                    <a:lnR w="12700" cap="flat" cmpd="sng" algn="ctr">
+                      <a:solidFill>
+                        <a:schemeClr val="bg1"/>
+                      </a:solidFill>
+                      <a:prstDash val="solid"/>
+                      <a:round/>
+                      <a:headEnd type="none" w="med" len="med"/>
+                      <a:tailEnd type="none" w="med" len="med"/>
+                    </a:lnR>
+                    <a:lnT w="12700" cap="flat" cmpd="sng" algn="ctr">
+                      <a:solidFill>
+                        <a:schemeClr val="bg1"/>
+                      </a:solidFill>
+                      <a:prstDash val="solid"/>
+                      <a:round/>
+                      <a:headEnd type="none" w="med" len="med"/>
+                      <a:tailEnd type="none" w="med" len="med"/>
+                    </a:lnT>
+                    <a:lnB w="12700" cap="flat" cmpd="sng" algn="ctr">
+                      <a:solidFill>
+                        <a:schemeClr val="bg1"/>
+                      </a:solidFill>
+                      <a:prstDash val="solid"/>
+                      <a:round/>
+                      <a:headEnd type="none" w="med" len="med"/>
+                      <a:tailEnd type="none" w="med" len="med"/>
+                    </a:lnB>
+                  </a:tcPr>
+                </a:tc>
+                <a:tc>
+                  <a:txBody>
+                    <a:bodyPr/>
+                    <a:lstStyle/>
+                    <a:p>
+                      <a:pPr marL="0" algn="ctr" defTabSz="914400" rtl="0" eaLnBrk="1" fontAlgn="b" latinLnBrk="0" hangingPunct="1"/>
+                      <a:r>
+                        <a:rPr lang="en-US" sz="2000" u="none" strike="noStrike" kern="1200">
+                          <a:solidFill>
+                            <a:schemeClr val="lt1"/>
+                          </a:solidFill>
+                          <a:effectLst/>
+                          <a:latin typeface="+mn-lt"/>
+                          <a:ea typeface="+mn-ea"/>
+                          <a:cs typeface="+mn-cs"/>
+                        </a:rPr>
+                        <a:t>1</a:t>
+                      </a:r>
+                    </a:p>
+                  </a:txBody>
+                  <a:tcPr marL="9525" marR="9525" marT="9525" marB="0" anchor="b">
+                    <a:lnL w="12700" cap="flat" cmpd="sng" algn="ctr">
+                      <a:solidFill>
+                        <a:schemeClr val="bg1"/>
+                      </a:solidFill>
+                      <a:prstDash val="solid"/>
+                      <a:round/>
+                      <a:headEnd type="none" w="med" len="med"/>
+                      <a:tailEnd type="none" w="med" len="med"/>
+                    </a:lnL>
+                    <a:lnR w="12700" cap="flat" cmpd="sng" algn="ctr">
+                      <a:solidFill>
+                        <a:schemeClr val="bg1"/>
+                      </a:solidFill>
+                      <a:prstDash val="solid"/>
+                      <a:round/>
+                      <a:headEnd type="none" w="med" len="med"/>
+                      <a:tailEnd type="none" w="med" len="med"/>
+                    </a:lnR>
+                    <a:lnT w="12700" cap="flat" cmpd="sng" algn="ctr">
+                      <a:solidFill>
+                        <a:schemeClr val="bg1"/>
+                      </a:solidFill>
+                      <a:prstDash val="solid"/>
+                      <a:round/>
+                      <a:headEnd type="none" w="med" len="med"/>
+                      <a:tailEnd type="none" w="med" len="med"/>
+                    </a:lnT>
+                    <a:lnB w="12700" cap="flat" cmpd="sng" algn="ctr">
+                      <a:solidFill>
+                        <a:schemeClr val="bg1"/>
+                      </a:solidFill>
+                      <a:prstDash val="solid"/>
+                      <a:round/>
+                      <a:headEnd type="none" w="med" len="med"/>
+                      <a:tailEnd type="none" w="med" len="med"/>
+                    </a:lnB>
+                  </a:tcPr>
+                </a:tc>
+                <a:tc>
+                  <a:txBody>
+                    <a:bodyPr/>
+                    <a:lstStyle/>
+                    <a:p>
+                      <a:pPr marL="0" algn="ctr" defTabSz="914400" rtl="0" eaLnBrk="1" fontAlgn="b" latinLnBrk="0" hangingPunct="1"/>
+                      <a:r>
+                        <a:rPr lang="en-US" sz="2000" u="none" strike="noStrike" kern="1200" dirty="0" smtClean="0">
+                          <a:solidFill>
+                            <a:schemeClr val="lt1"/>
+                          </a:solidFill>
+                          <a:effectLst/>
+                          <a:latin typeface="+mn-lt"/>
+                          <a:ea typeface="+mn-ea"/>
+                          <a:cs typeface="+mn-cs"/>
+                        </a:rPr>
+                        <a:t>247.53</a:t>
+                      </a:r>
+                      <a:endParaRPr lang="en-US" sz="2000" u="none" strike="noStrike" kern="1200" dirty="0">
+                        <a:solidFill>
+                          <a:schemeClr val="lt1"/>
+                        </a:solidFill>
+                        <a:effectLst/>
+                        <a:latin typeface="+mn-lt"/>
+                        <a:ea typeface="+mn-ea"/>
+                        <a:cs typeface="+mn-cs"/>
+                      </a:endParaRPr>
+                    </a:p>
+                  </a:txBody>
+                  <a:tcPr marL="9525" marR="9525" marT="9525" marB="0" anchor="b">
+                    <a:lnL w="12700" cap="flat" cmpd="sng" algn="ctr">
+                      <a:solidFill>
+                        <a:schemeClr val="bg1"/>
+                      </a:solidFill>
+                      <a:prstDash val="solid"/>
+                      <a:round/>
+                      <a:headEnd type="none" w="med" len="med"/>
+                      <a:tailEnd type="none" w="med" len="med"/>
+                    </a:lnL>
+                    <a:lnR w="12700" cap="flat" cmpd="sng" algn="ctr">
+                      <a:solidFill>
+                        <a:schemeClr val="bg1"/>
+                      </a:solidFill>
+                      <a:prstDash val="solid"/>
+                      <a:round/>
+                      <a:headEnd type="none" w="med" len="med"/>
+                      <a:tailEnd type="none" w="med" len="med"/>
+                    </a:lnR>
+                    <a:lnT w="12700" cap="flat" cmpd="sng" algn="ctr">
+                      <a:solidFill>
+                        <a:schemeClr val="bg1"/>
+                      </a:solidFill>
+                      <a:prstDash val="solid"/>
+                      <a:round/>
+                      <a:headEnd type="none" w="med" len="med"/>
+                      <a:tailEnd type="none" w="med" len="med"/>
+                    </a:lnT>
+                    <a:lnB w="12700" cap="flat" cmpd="sng" algn="ctr">
+                      <a:solidFill>
+                        <a:schemeClr val="bg1"/>
+                      </a:solidFill>
+                      <a:prstDash val="solid"/>
+                      <a:round/>
+                      <a:headEnd type="none" w="med" len="med"/>
+                      <a:tailEnd type="none" w="med" len="med"/>
+                    </a:lnB>
+                  </a:tcPr>
+                </a:tc>
+                <a:extLst>
+                  <a:ext uri="{0D108BD9-81ED-4DB2-BD59-A6C34878D82A}">
+                    <a16:rowId xmlns:a16="http://schemas.microsoft.com/office/drawing/2014/main" val="4059896130"/>
+                  </a:ext>
+                </a:extLst>
+              </a:tr>
+              <a:tr h="308963">
+                <a:tc>
+                  <a:txBody>
+                    <a:bodyPr/>
+                    <a:lstStyle/>
+                    <a:p>
+                      <a:pPr marL="0" algn="ctr" defTabSz="914400" rtl="0" eaLnBrk="1" fontAlgn="b" latinLnBrk="0" hangingPunct="1"/>
+                      <a:r>
+                        <a:rPr lang="en-US" sz="2000" u="none" strike="noStrike" kern="1200" dirty="0">
+                          <a:solidFill>
+                            <a:schemeClr val="lt1"/>
+                          </a:solidFill>
+                          <a:effectLst/>
+                          <a:latin typeface="+mn-lt"/>
+                          <a:ea typeface="+mn-ea"/>
+                          <a:cs typeface="+mn-cs"/>
+                        </a:rPr>
+                        <a:t>HOBI/PW-02</a:t>
+                      </a:r>
+                    </a:p>
+                  </a:txBody>
+                  <a:tcPr marL="9525" marR="9525" marT="9525" marB="0" anchor="b">
+                    <a:lnL w="12700" cap="flat" cmpd="sng" algn="ctr">
+                      <a:solidFill>
+                        <a:schemeClr val="bg1"/>
+                      </a:solidFill>
+                      <a:prstDash val="solid"/>
+                      <a:round/>
+                      <a:headEnd type="none" w="med" len="med"/>
+                      <a:tailEnd type="none" w="med" len="med"/>
+                    </a:lnL>
+                    <a:lnR w="12700" cap="flat" cmpd="sng" algn="ctr">
+                      <a:solidFill>
+                        <a:schemeClr val="bg1"/>
+                      </a:solidFill>
+                      <a:prstDash val="solid"/>
+                      <a:round/>
+                      <a:headEnd type="none" w="med" len="med"/>
+                      <a:tailEnd type="none" w="med" len="med"/>
+                    </a:lnR>
+                    <a:lnT w="12700" cap="flat" cmpd="sng" algn="ctr">
+                      <a:solidFill>
+                        <a:schemeClr val="bg1"/>
+                      </a:solidFill>
+                      <a:prstDash val="solid"/>
+                      <a:round/>
+                      <a:headEnd type="none" w="med" len="med"/>
+                      <a:tailEnd type="none" w="med" len="med"/>
+                    </a:lnT>
+                    <a:lnB w="12700" cap="flat" cmpd="sng" algn="ctr">
+                      <a:solidFill>
+                        <a:schemeClr val="bg1"/>
+                      </a:solidFill>
+                      <a:prstDash val="solid"/>
+                      <a:round/>
+                      <a:headEnd type="none" w="med" len="med"/>
+                      <a:tailEnd type="none" w="med" len="med"/>
+                    </a:lnB>
+                  </a:tcPr>
+                </a:tc>
+                <a:tc>
+                  <a:txBody>
+                    <a:bodyPr/>
+                    <a:lstStyle/>
+                    <a:p>
+                      <a:pPr marL="0" algn="ctr" defTabSz="914400" rtl="0" eaLnBrk="1" fontAlgn="b" latinLnBrk="0" hangingPunct="1"/>
+                      <a:r>
+                        <a:rPr lang="en-US" sz="2000" u="none" strike="noStrike" kern="1200">
+                          <a:solidFill>
+                            <a:schemeClr val="lt1"/>
+                          </a:solidFill>
+                          <a:effectLst/>
+                          <a:latin typeface="+mn-lt"/>
+                          <a:ea typeface="+mn-ea"/>
+                          <a:cs typeface="+mn-cs"/>
+                        </a:rPr>
+                        <a:t>8</a:t>
+                      </a:r>
+                    </a:p>
+                  </a:txBody>
+                  <a:tcPr marL="9525" marR="9525" marT="9525" marB="0" anchor="b">
+                    <a:lnL w="12700" cap="flat" cmpd="sng" algn="ctr">
+                      <a:solidFill>
+                        <a:schemeClr val="bg1"/>
+                      </a:solidFill>
+                      <a:prstDash val="solid"/>
+                      <a:round/>
+                      <a:headEnd type="none" w="med" len="med"/>
+                      <a:tailEnd type="none" w="med" len="med"/>
+                    </a:lnL>
+                    <a:lnR w="12700" cap="flat" cmpd="sng" algn="ctr">
+                      <a:solidFill>
+                        <a:schemeClr val="bg1"/>
+                      </a:solidFill>
+                      <a:prstDash val="solid"/>
+                      <a:round/>
+                      <a:headEnd type="none" w="med" len="med"/>
+                      <a:tailEnd type="none" w="med" len="med"/>
+                    </a:lnR>
+                    <a:lnT w="12700" cap="flat" cmpd="sng" algn="ctr">
+                      <a:solidFill>
+                        <a:schemeClr val="bg1"/>
+                      </a:solidFill>
+                      <a:prstDash val="solid"/>
+                      <a:round/>
+                      <a:headEnd type="none" w="med" len="med"/>
+                      <a:tailEnd type="none" w="med" len="med"/>
+                    </a:lnT>
+                    <a:lnB w="12700" cap="flat" cmpd="sng" algn="ctr">
+                      <a:solidFill>
+                        <a:schemeClr val="bg1"/>
+                      </a:solidFill>
+                      <a:prstDash val="solid"/>
+                      <a:round/>
+                      <a:headEnd type="none" w="med" len="med"/>
+                      <a:tailEnd type="none" w="med" len="med"/>
+                    </a:lnB>
+                  </a:tcPr>
+                </a:tc>
+                <a:tc>
+                  <a:txBody>
+                    <a:bodyPr/>
+                    <a:lstStyle/>
+                    <a:p>
+                      <a:pPr marL="0" algn="ctr" defTabSz="914400" rtl="0" eaLnBrk="1" fontAlgn="b" latinLnBrk="0" hangingPunct="1"/>
+                      <a:r>
+                        <a:rPr lang="en-US" sz="1800" u="none" strike="noStrike" kern="1200" dirty="0" err="1">
+                          <a:solidFill>
+                            <a:schemeClr val="lt1"/>
+                          </a:solidFill>
+                          <a:effectLst/>
+                          <a:latin typeface="+mn-lt"/>
+                          <a:ea typeface="+mn-ea"/>
+                          <a:cs typeface="+mn-cs"/>
+                        </a:rPr>
+                        <a:t>Reexcavation</a:t>
+                      </a:r>
+                      <a:r>
+                        <a:rPr lang="en-US" sz="1800" u="none" strike="noStrike" kern="1200" dirty="0">
+                          <a:solidFill>
+                            <a:schemeClr val="lt1"/>
+                          </a:solidFill>
+                          <a:effectLst/>
+                          <a:latin typeface="+mn-lt"/>
+                          <a:ea typeface="+mn-ea"/>
+                          <a:cs typeface="+mn-cs"/>
+                        </a:rPr>
+                        <a:t> of </a:t>
+                      </a:r>
+                      <a:r>
+                        <a:rPr lang="en-US" sz="1800" u="none" strike="noStrike" kern="1200" dirty="0" err="1">
+                          <a:solidFill>
+                            <a:schemeClr val="lt1"/>
+                          </a:solidFill>
+                          <a:effectLst/>
+                          <a:latin typeface="+mn-lt"/>
+                          <a:ea typeface="+mn-ea"/>
+                          <a:cs typeface="+mn-cs"/>
+                        </a:rPr>
+                        <a:t>Kairdhala</a:t>
+                      </a:r>
+                      <a:r>
+                        <a:rPr lang="en-US" sz="1800" u="none" strike="noStrike" kern="1200" dirty="0">
+                          <a:solidFill>
+                            <a:schemeClr val="lt1"/>
+                          </a:solidFill>
+                          <a:effectLst/>
+                          <a:latin typeface="+mn-lt"/>
+                          <a:ea typeface="+mn-ea"/>
+                          <a:cs typeface="+mn-cs"/>
+                        </a:rPr>
+                        <a:t> Khal from 0.000 to 1.6950 km</a:t>
+                      </a:r>
+                    </a:p>
+                  </a:txBody>
+                  <a:tcPr marL="9525" marR="9525" marT="9525" marB="0" anchor="b">
+                    <a:lnL w="12700" cap="flat" cmpd="sng" algn="ctr">
+                      <a:solidFill>
+                        <a:schemeClr val="bg1"/>
+                      </a:solidFill>
+                      <a:prstDash val="solid"/>
+                      <a:round/>
+                      <a:headEnd type="none" w="med" len="med"/>
+                      <a:tailEnd type="none" w="med" len="med"/>
+                    </a:lnL>
+                    <a:lnR w="12700" cap="flat" cmpd="sng" algn="ctr">
+                      <a:solidFill>
+                        <a:schemeClr val="bg1"/>
+                      </a:solidFill>
+                      <a:prstDash val="solid"/>
+                      <a:round/>
+                      <a:headEnd type="none" w="med" len="med"/>
+                      <a:tailEnd type="none" w="med" len="med"/>
+                    </a:lnR>
+                    <a:lnT w="12700" cap="flat" cmpd="sng" algn="ctr">
+                      <a:solidFill>
+                        <a:schemeClr val="bg1"/>
+                      </a:solidFill>
+                      <a:prstDash val="solid"/>
+                      <a:round/>
+                      <a:headEnd type="none" w="med" len="med"/>
+                      <a:tailEnd type="none" w="med" len="med"/>
+                    </a:lnT>
+                    <a:lnB w="12700" cap="flat" cmpd="sng" algn="ctr">
+                      <a:solidFill>
+                        <a:schemeClr val="bg1"/>
+                      </a:solidFill>
+                      <a:prstDash val="solid"/>
+                      <a:round/>
+                      <a:headEnd type="none" w="med" len="med"/>
+                      <a:tailEnd type="none" w="med" len="med"/>
+                    </a:lnB>
+                  </a:tcPr>
+                </a:tc>
+                <a:tc>
+                  <a:txBody>
+                    <a:bodyPr/>
+                    <a:lstStyle/>
+                    <a:p>
+                      <a:pPr marL="0" algn="ctr" defTabSz="914400" rtl="0" eaLnBrk="1" fontAlgn="b" latinLnBrk="0" hangingPunct="1"/>
+                      <a:r>
+                        <a:rPr lang="en-US" sz="2000" u="none" strike="noStrike" kern="1200">
+                          <a:solidFill>
+                            <a:schemeClr val="lt1"/>
+                          </a:solidFill>
+                          <a:effectLst/>
+                          <a:latin typeface="+mn-lt"/>
+                          <a:ea typeface="+mn-ea"/>
+                          <a:cs typeface="+mn-cs"/>
+                        </a:rPr>
+                        <a:t>Km</a:t>
+                      </a:r>
+                    </a:p>
+                  </a:txBody>
+                  <a:tcPr marL="9525" marR="9525" marT="9525" marB="0" anchor="b">
+                    <a:lnL w="12700" cap="flat" cmpd="sng" algn="ctr">
+                      <a:solidFill>
+                        <a:schemeClr val="bg1"/>
+                      </a:solidFill>
+                      <a:prstDash val="solid"/>
+                      <a:round/>
+                      <a:headEnd type="none" w="med" len="med"/>
+                      <a:tailEnd type="none" w="med" len="med"/>
+                    </a:lnL>
+                    <a:lnR w="12700" cap="flat" cmpd="sng" algn="ctr">
+                      <a:solidFill>
+                        <a:schemeClr val="bg1"/>
+                      </a:solidFill>
+                      <a:prstDash val="solid"/>
+                      <a:round/>
+                      <a:headEnd type="none" w="med" len="med"/>
+                      <a:tailEnd type="none" w="med" len="med"/>
+                    </a:lnR>
+                    <a:lnT w="12700" cap="flat" cmpd="sng" algn="ctr">
+                      <a:solidFill>
+                        <a:schemeClr val="bg1"/>
+                      </a:solidFill>
+                      <a:prstDash val="solid"/>
+                      <a:round/>
+                      <a:headEnd type="none" w="med" len="med"/>
+                      <a:tailEnd type="none" w="med" len="med"/>
+                    </a:lnT>
+                    <a:lnB w="12700" cap="flat" cmpd="sng" algn="ctr">
+                      <a:solidFill>
+                        <a:schemeClr val="bg1"/>
+                      </a:solidFill>
+                      <a:prstDash val="solid"/>
+                      <a:round/>
+                      <a:headEnd type="none" w="med" len="med"/>
+                      <a:tailEnd type="none" w="med" len="med"/>
+                    </a:lnB>
+                  </a:tcPr>
+                </a:tc>
+                <a:tc>
+                  <a:txBody>
+                    <a:bodyPr/>
+                    <a:lstStyle/>
+                    <a:p>
+                      <a:pPr marL="0" algn="ctr" defTabSz="914400" rtl="0" eaLnBrk="1" fontAlgn="b" latinLnBrk="0" hangingPunct="1"/>
+                      <a:r>
+                        <a:rPr lang="en-US" sz="2000" u="none" strike="noStrike" kern="1200">
+                          <a:solidFill>
+                            <a:schemeClr val="lt1"/>
+                          </a:solidFill>
+                          <a:effectLst/>
+                          <a:latin typeface="+mn-lt"/>
+                          <a:ea typeface="+mn-ea"/>
+                          <a:cs typeface="+mn-cs"/>
+                        </a:rPr>
+                        <a:t>1.695</a:t>
+                      </a:r>
+                    </a:p>
+                  </a:txBody>
+                  <a:tcPr marL="9525" marR="9525" marT="9525" marB="0" anchor="b">
+                    <a:lnL w="12700" cap="flat" cmpd="sng" algn="ctr">
+                      <a:solidFill>
+                        <a:schemeClr val="bg1"/>
+                      </a:solidFill>
+                      <a:prstDash val="solid"/>
+                      <a:round/>
+                      <a:headEnd type="none" w="med" len="med"/>
+                      <a:tailEnd type="none" w="med" len="med"/>
+                    </a:lnL>
+                    <a:lnR w="12700" cap="flat" cmpd="sng" algn="ctr">
+                      <a:solidFill>
+                        <a:schemeClr val="bg1"/>
+                      </a:solidFill>
+                      <a:prstDash val="solid"/>
+                      <a:round/>
+                      <a:headEnd type="none" w="med" len="med"/>
+                      <a:tailEnd type="none" w="med" len="med"/>
+                    </a:lnR>
+                    <a:lnT w="12700" cap="flat" cmpd="sng" algn="ctr">
+                      <a:solidFill>
+                        <a:schemeClr val="bg1"/>
+                      </a:solidFill>
+                      <a:prstDash val="solid"/>
+                      <a:round/>
+                      <a:headEnd type="none" w="med" len="med"/>
+                      <a:tailEnd type="none" w="med" len="med"/>
+                    </a:lnT>
+                    <a:lnB w="12700" cap="flat" cmpd="sng" algn="ctr">
+                      <a:solidFill>
+                        <a:schemeClr val="bg1"/>
+                      </a:solidFill>
+                      <a:prstDash val="solid"/>
+                      <a:round/>
+                      <a:headEnd type="none" w="med" len="med"/>
+                      <a:tailEnd type="none" w="med" len="med"/>
+                    </a:lnB>
+                  </a:tcPr>
+                </a:tc>
+                <a:tc>
+                  <a:txBody>
+                    <a:bodyPr/>
+                    <a:lstStyle/>
+                    <a:p>
+                      <a:pPr marL="0" algn="ctr" defTabSz="914400" rtl="0" eaLnBrk="1" fontAlgn="b" latinLnBrk="0" hangingPunct="1"/>
+                      <a:r>
+                        <a:rPr lang="en-US" sz="2000" u="none" strike="noStrike" kern="1200" dirty="0" smtClean="0">
+                          <a:solidFill>
+                            <a:schemeClr val="lt1"/>
+                          </a:solidFill>
+                          <a:effectLst/>
+                          <a:latin typeface="+mn-lt"/>
+                          <a:ea typeface="+mn-ea"/>
+                          <a:cs typeface="+mn-cs"/>
+                        </a:rPr>
+                        <a:t>132.87</a:t>
+                      </a:r>
+                      <a:endParaRPr lang="en-US" sz="2000" u="none" strike="noStrike" kern="1200" dirty="0">
+                        <a:solidFill>
+                          <a:schemeClr val="lt1"/>
+                        </a:solidFill>
+                        <a:effectLst/>
+                        <a:latin typeface="+mn-lt"/>
+                        <a:ea typeface="+mn-ea"/>
+                        <a:cs typeface="+mn-cs"/>
+                      </a:endParaRPr>
+                    </a:p>
+                  </a:txBody>
+                  <a:tcPr marL="9525" marR="9525" marT="9525" marB="0" anchor="b">
+                    <a:lnL w="12700" cap="flat" cmpd="sng" algn="ctr">
+                      <a:solidFill>
+                        <a:schemeClr val="bg1"/>
+                      </a:solidFill>
+                      <a:prstDash val="solid"/>
+                      <a:round/>
+                      <a:headEnd type="none" w="med" len="med"/>
+                      <a:tailEnd type="none" w="med" len="med"/>
+                    </a:lnL>
+                    <a:lnR w="12700" cap="flat" cmpd="sng" algn="ctr">
+                      <a:solidFill>
+                        <a:schemeClr val="bg1"/>
+                      </a:solidFill>
+                      <a:prstDash val="solid"/>
+                      <a:round/>
+                      <a:headEnd type="none" w="med" len="med"/>
+                      <a:tailEnd type="none" w="med" len="med"/>
+                    </a:lnR>
+                    <a:lnT w="12700" cap="flat" cmpd="sng" algn="ctr">
+                      <a:solidFill>
+                        <a:schemeClr val="bg1"/>
+                      </a:solidFill>
+                      <a:prstDash val="solid"/>
+                      <a:round/>
+                      <a:headEnd type="none" w="med" len="med"/>
+                      <a:tailEnd type="none" w="med" len="med"/>
+                    </a:lnT>
+                    <a:lnB w="12700" cap="flat" cmpd="sng" algn="ctr">
+                      <a:solidFill>
+                        <a:schemeClr val="bg1"/>
+                      </a:solidFill>
+                      <a:prstDash val="solid"/>
+                      <a:round/>
+                      <a:headEnd type="none" w="med" len="med"/>
+                      <a:tailEnd type="none" w="med" len="med"/>
+                    </a:lnB>
+                  </a:tcPr>
+                </a:tc>
+                <a:extLst>
+                  <a:ext uri="{0D108BD9-81ED-4DB2-BD59-A6C34878D82A}">
+                    <a16:rowId xmlns:a16="http://schemas.microsoft.com/office/drawing/2014/main" val="124385808"/>
+                  </a:ext>
+                </a:extLst>
+              </a:tr>
+              <a:tr h="185707">
+                <a:tc>
+                  <a:txBody>
+                    <a:bodyPr/>
+                    <a:lstStyle/>
+                    <a:p>
+                      <a:pPr marL="0" algn="ctr" defTabSz="914400" rtl="0" eaLnBrk="1" fontAlgn="b" latinLnBrk="0" hangingPunct="1"/>
+                      <a:r>
+                        <a:rPr lang="en-US" sz="2000" u="none" strike="noStrike" kern="1200" dirty="0">
+                          <a:solidFill>
+                            <a:schemeClr val="lt1"/>
+                          </a:solidFill>
+                          <a:effectLst/>
+                          <a:latin typeface="+mn-lt"/>
+                          <a:ea typeface="+mn-ea"/>
+                          <a:cs typeface="+mn-cs"/>
+                        </a:rPr>
+                        <a:t>HOBI/PW-05</a:t>
+                      </a:r>
+                    </a:p>
+                  </a:txBody>
+                  <a:tcPr marL="9525" marR="9525" marT="9525" marB="0" anchor="b">
+                    <a:lnL w="12700" cap="flat" cmpd="sng" algn="ctr">
+                      <a:solidFill>
+                        <a:schemeClr val="bg1"/>
+                      </a:solidFill>
+                      <a:prstDash val="solid"/>
+                      <a:round/>
+                      <a:headEnd type="none" w="med" len="med"/>
+                      <a:tailEnd type="none" w="med" len="med"/>
+                    </a:lnL>
+                    <a:lnR w="12700" cap="flat" cmpd="sng" algn="ctr">
+                      <a:solidFill>
+                        <a:schemeClr val="bg1"/>
+                      </a:solidFill>
+                      <a:prstDash val="solid"/>
+                      <a:round/>
+                      <a:headEnd type="none" w="med" len="med"/>
+                      <a:tailEnd type="none" w="med" len="med"/>
+                    </a:lnR>
+                    <a:lnT w="12700" cap="flat" cmpd="sng" algn="ctr">
+                      <a:solidFill>
+                        <a:schemeClr val="bg1"/>
+                      </a:solidFill>
+                      <a:prstDash val="solid"/>
+                      <a:round/>
+                      <a:headEnd type="none" w="med" len="med"/>
+                      <a:tailEnd type="none" w="med" len="med"/>
+                    </a:lnT>
+                    <a:lnB w="12700" cap="flat" cmpd="sng" algn="ctr">
+                      <a:solidFill>
+                        <a:schemeClr val="bg1"/>
+                      </a:solidFill>
+                      <a:prstDash val="solid"/>
+                      <a:round/>
+                      <a:headEnd type="none" w="med" len="med"/>
+                      <a:tailEnd type="none" w="med" len="med"/>
+                    </a:lnB>
+                  </a:tcPr>
+                </a:tc>
+                <a:tc>
+                  <a:txBody>
+                    <a:bodyPr/>
+                    <a:lstStyle/>
+                    <a:p>
+                      <a:pPr marL="0" algn="ctr" defTabSz="914400" rtl="0" eaLnBrk="1" fontAlgn="b" latinLnBrk="0" hangingPunct="1"/>
+                      <a:r>
+                        <a:rPr lang="en-US" sz="2000" u="none" strike="noStrike" kern="1200">
+                          <a:solidFill>
+                            <a:schemeClr val="lt1"/>
+                          </a:solidFill>
+                          <a:effectLst/>
+                          <a:latin typeface="+mn-lt"/>
+                          <a:ea typeface="+mn-ea"/>
+                          <a:cs typeface="+mn-cs"/>
+                        </a:rPr>
+                        <a:t>3</a:t>
+                      </a:r>
+                    </a:p>
+                  </a:txBody>
+                  <a:tcPr marL="9525" marR="9525" marT="9525" marB="0" anchor="b">
+                    <a:lnL w="12700" cap="flat" cmpd="sng" algn="ctr">
+                      <a:solidFill>
+                        <a:schemeClr val="bg1"/>
+                      </a:solidFill>
+                      <a:prstDash val="solid"/>
+                      <a:round/>
+                      <a:headEnd type="none" w="med" len="med"/>
+                      <a:tailEnd type="none" w="med" len="med"/>
+                    </a:lnL>
+                    <a:lnR w="12700" cap="flat" cmpd="sng" algn="ctr">
+                      <a:solidFill>
+                        <a:schemeClr val="bg1"/>
+                      </a:solidFill>
+                      <a:prstDash val="solid"/>
+                      <a:round/>
+                      <a:headEnd type="none" w="med" len="med"/>
+                      <a:tailEnd type="none" w="med" len="med"/>
+                    </a:lnR>
+                    <a:lnT w="12700" cap="flat" cmpd="sng" algn="ctr">
+                      <a:solidFill>
+                        <a:schemeClr val="bg1"/>
+                      </a:solidFill>
+                      <a:prstDash val="solid"/>
+                      <a:round/>
+                      <a:headEnd type="none" w="med" len="med"/>
+                      <a:tailEnd type="none" w="med" len="med"/>
+                    </a:lnT>
+                    <a:lnB w="12700" cap="flat" cmpd="sng" algn="ctr">
+                      <a:solidFill>
+                        <a:schemeClr val="bg1"/>
+                      </a:solidFill>
+                      <a:prstDash val="solid"/>
+                      <a:round/>
+                      <a:headEnd type="none" w="med" len="med"/>
+                      <a:tailEnd type="none" w="med" len="med"/>
+                    </a:lnB>
+                  </a:tcPr>
+                </a:tc>
+                <a:tc>
+                  <a:txBody>
+                    <a:bodyPr/>
+                    <a:lstStyle/>
+                    <a:p>
+                      <a:pPr marL="0" algn="ctr" defTabSz="914400" rtl="0" eaLnBrk="1" fontAlgn="b" latinLnBrk="0" hangingPunct="1"/>
+                      <a:r>
+                        <a:rPr lang="en-US" sz="2000" u="none" strike="noStrike" kern="1200" dirty="0" err="1">
+                          <a:solidFill>
+                            <a:schemeClr val="lt1"/>
+                          </a:solidFill>
+                          <a:effectLst/>
+                          <a:latin typeface="+mn-lt"/>
+                          <a:ea typeface="+mn-ea"/>
+                          <a:cs typeface="+mn-cs"/>
+                        </a:rPr>
+                        <a:t>Boranbil</a:t>
+                      </a:r>
+                      <a:r>
+                        <a:rPr lang="en-US" sz="2000" u="none" strike="noStrike" kern="1200" dirty="0">
+                          <a:solidFill>
+                            <a:schemeClr val="lt1"/>
+                          </a:solidFill>
+                          <a:effectLst/>
+                          <a:latin typeface="+mn-lt"/>
+                          <a:ea typeface="+mn-ea"/>
+                          <a:cs typeface="+mn-cs"/>
+                        </a:rPr>
+                        <a:t> </a:t>
+                      </a:r>
+                      <a:r>
+                        <a:rPr lang="en-US" sz="2000" u="none" strike="noStrike" kern="1200" dirty="0" err="1">
+                          <a:solidFill>
+                            <a:schemeClr val="lt1"/>
+                          </a:solidFill>
+                          <a:effectLst/>
+                          <a:latin typeface="+mn-lt"/>
+                          <a:ea typeface="+mn-ea"/>
+                          <a:cs typeface="+mn-cs"/>
+                        </a:rPr>
+                        <a:t>khal</a:t>
+                      </a:r>
+                      <a:r>
+                        <a:rPr lang="en-US" sz="2000" u="none" strike="noStrike" kern="1200" dirty="0">
+                          <a:solidFill>
+                            <a:schemeClr val="lt1"/>
+                          </a:solidFill>
+                          <a:effectLst/>
+                          <a:latin typeface="+mn-lt"/>
+                          <a:ea typeface="+mn-ea"/>
+                          <a:cs typeface="+mn-cs"/>
+                        </a:rPr>
+                        <a:t> Regulator (1-vent)</a:t>
+                      </a:r>
+                    </a:p>
+                  </a:txBody>
+                  <a:tcPr marL="9525" marR="9525" marT="9525" marB="0" anchor="b">
+                    <a:lnL w="12700" cap="flat" cmpd="sng" algn="ctr">
+                      <a:solidFill>
+                        <a:schemeClr val="bg1"/>
+                      </a:solidFill>
+                      <a:prstDash val="solid"/>
+                      <a:round/>
+                      <a:headEnd type="none" w="med" len="med"/>
+                      <a:tailEnd type="none" w="med" len="med"/>
+                    </a:lnL>
+                    <a:lnR w="12700" cap="flat" cmpd="sng" algn="ctr">
+                      <a:solidFill>
+                        <a:schemeClr val="bg1"/>
+                      </a:solidFill>
+                      <a:prstDash val="solid"/>
+                      <a:round/>
+                      <a:headEnd type="none" w="med" len="med"/>
+                      <a:tailEnd type="none" w="med" len="med"/>
+                    </a:lnR>
+                    <a:lnT w="12700" cap="flat" cmpd="sng" algn="ctr">
+                      <a:solidFill>
+                        <a:schemeClr val="bg1"/>
+                      </a:solidFill>
+                      <a:prstDash val="solid"/>
+                      <a:round/>
+                      <a:headEnd type="none" w="med" len="med"/>
+                      <a:tailEnd type="none" w="med" len="med"/>
+                    </a:lnT>
+                    <a:lnB w="12700" cap="flat" cmpd="sng" algn="ctr">
+                      <a:solidFill>
+                        <a:schemeClr val="bg1"/>
+                      </a:solidFill>
+                      <a:prstDash val="solid"/>
+                      <a:round/>
+                      <a:headEnd type="none" w="med" len="med"/>
+                      <a:tailEnd type="none" w="med" len="med"/>
+                    </a:lnB>
+                  </a:tcPr>
+                </a:tc>
+                <a:tc>
+                  <a:txBody>
+                    <a:bodyPr/>
+                    <a:lstStyle/>
+                    <a:p>
+                      <a:pPr marL="0" algn="ctr" defTabSz="914400" rtl="0" eaLnBrk="1" fontAlgn="b" latinLnBrk="0" hangingPunct="1"/>
+                      <a:r>
+                        <a:rPr lang="en-US" sz="2000" u="none" strike="noStrike" kern="1200">
+                          <a:solidFill>
+                            <a:schemeClr val="lt1"/>
+                          </a:solidFill>
+                          <a:effectLst/>
+                          <a:latin typeface="+mn-lt"/>
+                          <a:ea typeface="+mn-ea"/>
+                          <a:cs typeface="+mn-cs"/>
+                        </a:rPr>
+                        <a:t>nos.</a:t>
+                      </a:r>
+                    </a:p>
+                  </a:txBody>
+                  <a:tcPr marL="9525" marR="9525" marT="9525" marB="0" anchor="b">
+                    <a:lnL w="12700" cap="flat" cmpd="sng" algn="ctr">
+                      <a:solidFill>
+                        <a:schemeClr val="bg1"/>
+                      </a:solidFill>
+                      <a:prstDash val="solid"/>
+                      <a:round/>
+                      <a:headEnd type="none" w="med" len="med"/>
+                      <a:tailEnd type="none" w="med" len="med"/>
+                    </a:lnL>
+                    <a:lnR w="12700" cap="flat" cmpd="sng" algn="ctr">
+                      <a:solidFill>
+                        <a:schemeClr val="bg1"/>
+                      </a:solidFill>
+                      <a:prstDash val="solid"/>
+                      <a:round/>
+                      <a:headEnd type="none" w="med" len="med"/>
+                      <a:tailEnd type="none" w="med" len="med"/>
+                    </a:lnR>
+                    <a:lnT w="12700" cap="flat" cmpd="sng" algn="ctr">
+                      <a:solidFill>
+                        <a:schemeClr val="bg1"/>
+                      </a:solidFill>
+                      <a:prstDash val="solid"/>
+                      <a:round/>
+                      <a:headEnd type="none" w="med" len="med"/>
+                      <a:tailEnd type="none" w="med" len="med"/>
+                    </a:lnT>
+                    <a:lnB w="12700" cap="flat" cmpd="sng" algn="ctr">
+                      <a:solidFill>
+                        <a:schemeClr val="bg1"/>
+                      </a:solidFill>
+                      <a:prstDash val="solid"/>
+                      <a:round/>
+                      <a:headEnd type="none" w="med" len="med"/>
+                      <a:tailEnd type="none" w="med" len="med"/>
+                    </a:lnB>
+                  </a:tcPr>
+                </a:tc>
+                <a:tc>
+                  <a:txBody>
+                    <a:bodyPr/>
+                    <a:lstStyle/>
+                    <a:p>
+                      <a:pPr marL="0" algn="ctr" defTabSz="914400" rtl="0" eaLnBrk="1" fontAlgn="b" latinLnBrk="0" hangingPunct="1"/>
+                      <a:r>
+                        <a:rPr lang="en-US" sz="2000" u="none" strike="noStrike" kern="1200">
+                          <a:solidFill>
+                            <a:schemeClr val="lt1"/>
+                          </a:solidFill>
+                          <a:effectLst/>
+                          <a:latin typeface="+mn-lt"/>
+                          <a:ea typeface="+mn-ea"/>
+                          <a:cs typeface="+mn-cs"/>
+                        </a:rPr>
+                        <a:t>1</a:t>
+                      </a:r>
+                    </a:p>
+                  </a:txBody>
+                  <a:tcPr marL="9525" marR="9525" marT="9525" marB="0" anchor="b">
+                    <a:lnL w="12700" cap="flat" cmpd="sng" algn="ctr">
+                      <a:solidFill>
+                        <a:schemeClr val="bg1"/>
+                      </a:solidFill>
+                      <a:prstDash val="solid"/>
+                      <a:round/>
+                      <a:headEnd type="none" w="med" len="med"/>
+                      <a:tailEnd type="none" w="med" len="med"/>
+                    </a:lnL>
+                    <a:lnR w="12700" cap="flat" cmpd="sng" algn="ctr">
+                      <a:solidFill>
+                        <a:schemeClr val="bg1"/>
+                      </a:solidFill>
+                      <a:prstDash val="solid"/>
+                      <a:round/>
+                      <a:headEnd type="none" w="med" len="med"/>
+                      <a:tailEnd type="none" w="med" len="med"/>
+                    </a:lnR>
+                    <a:lnT w="12700" cap="flat" cmpd="sng" algn="ctr">
+                      <a:solidFill>
+                        <a:schemeClr val="bg1"/>
+                      </a:solidFill>
+                      <a:prstDash val="solid"/>
+                      <a:round/>
+                      <a:headEnd type="none" w="med" len="med"/>
+                      <a:tailEnd type="none" w="med" len="med"/>
+                    </a:lnT>
+                    <a:lnB w="12700" cap="flat" cmpd="sng" algn="ctr">
+                      <a:solidFill>
+                        <a:schemeClr val="bg1"/>
+                      </a:solidFill>
+                      <a:prstDash val="solid"/>
+                      <a:round/>
+                      <a:headEnd type="none" w="med" len="med"/>
+                      <a:tailEnd type="none" w="med" len="med"/>
+                    </a:lnB>
+                  </a:tcPr>
+                </a:tc>
+                <a:tc>
+                  <a:txBody>
+                    <a:bodyPr/>
+                    <a:lstStyle/>
+                    <a:p>
+                      <a:pPr marL="0" algn="ctr" defTabSz="914400" rtl="0" eaLnBrk="1" fontAlgn="b" latinLnBrk="0" hangingPunct="1"/>
+                      <a:r>
+                        <a:rPr lang="en-US" sz="2000" u="none" strike="noStrike" kern="1200" dirty="0" smtClean="0">
+                          <a:solidFill>
+                            <a:schemeClr val="lt1"/>
+                          </a:solidFill>
+                          <a:effectLst/>
+                          <a:latin typeface="+mn-lt"/>
+                          <a:ea typeface="+mn-ea"/>
+                          <a:cs typeface="+mn-cs"/>
+                        </a:rPr>
+                        <a:t>141.32</a:t>
+                      </a:r>
+                      <a:endParaRPr lang="en-US" sz="2000" u="none" strike="noStrike" kern="1200" dirty="0">
+                        <a:solidFill>
+                          <a:schemeClr val="lt1"/>
+                        </a:solidFill>
+                        <a:effectLst/>
+                        <a:latin typeface="+mn-lt"/>
+                        <a:ea typeface="+mn-ea"/>
+                        <a:cs typeface="+mn-cs"/>
+                      </a:endParaRPr>
+                    </a:p>
+                  </a:txBody>
+                  <a:tcPr marL="9525" marR="9525" marT="9525" marB="0" anchor="b">
+                    <a:lnL w="12700" cap="flat" cmpd="sng" algn="ctr">
+                      <a:solidFill>
+                        <a:schemeClr val="bg1"/>
+                      </a:solidFill>
+                      <a:prstDash val="solid"/>
+                      <a:round/>
+                      <a:headEnd type="none" w="med" len="med"/>
+                      <a:tailEnd type="none" w="med" len="med"/>
+                    </a:lnL>
+                    <a:lnR w="12700" cap="flat" cmpd="sng" algn="ctr">
+                      <a:solidFill>
+                        <a:schemeClr val="bg1"/>
+                      </a:solidFill>
+                      <a:prstDash val="solid"/>
+                      <a:round/>
+                      <a:headEnd type="none" w="med" len="med"/>
+                      <a:tailEnd type="none" w="med" len="med"/>
+                    </a:lnR>
+                    <a:lnT w="12700" cap="flat" cmpd="sng" algn="ctr">
+                      <a:solidFill>
+                        <a:schemeClr val="bg1"/>
+                      </a:solidFill>
+                      <a:prstDash val="solid"/>
+                      <a:round/>
+                      <a:headEnd type="none" w="med" len="med"/>
+                      <a:tailEnd type="none" w="med" len="med"/>
+                    </a:lnT>
+                    <a:lnB w="12700" cap="flat" cmpd="sng" algn="ctr">
+                      <a:solidFill>
+                        <a:schemeClr val="bg1"/>
+                      </a:solidFill>
+                      <a:prstDash val="solid"/>
+                      <a:round/>
+                      <a:headEnd type="none" w="med" len="med"/>
+                      <a:tailEnd type="none" w="med" len="med"/>
+                    </a:lnB>
+                  </a:tcPr>
+                </a:tc>
+                <a:extLst>
+                  <a:ext uri="{0D108BD9-81ED-4DB2-BD59-A6C34878D82A}">
+                    <a16:rowId xmlns:a16="http://schemas.microsoft.com/office/drawing/2014/main" val="2726100849"/>
+                  </a:ext>
+                </a:extLst>
+              </a:tr>
+              <a:tr h="277271">
+                <a:tc>
+                  <a:txBody>
+                    <a:bodyPr/>
+                    <a:lstStyle/>
+                    <a:p>
+                      <a:pPr marL="0" algn="ctr" defTabSz="914400" rtl="0" eaLnBrk="1" fontAlgn="b" latinLnBrk="0" hangingPunct="1"/>
+                      <a:r>
+                        <a:rPr lang="en-US" sz="2000" u="none" strike="noStrike" kern="1200">
+                          <a:solidFill>
+                            <a:schemeClr val="lt1"/>
+                          </a:solidFill>
+                          <a:effectLst/>
+                          <a:latin typeface="+mn-lt"/>
+                          <a:ea typeface="+mn-ea"/>
+                          <a:cs typeface="+mn-cs"/>
+                        </a:rPr>
+                        <a:t>HOBI/PW-05</a:t>
+                      </a:r>
+                    </a:p>
+                  </a:txBody>
+                  <a:tcPr marL="9525" marR="9525" marT="9525" marB="0" anchor="b">
+                    <a:lnL w="12700" cap="flat" cmpd="sng" algn="ctr">
+                      <a:solidFill>
+                        <a:schemeClr val="bg1"/>
+                      </a:solidFill>
+                      <a:prstDash val="solid"/>
+                      <a:round/>
+                      <a:headEnd type="none" w="med" len="med"/>
+                      <a:tailEnd type="none" w="med" len="med"/>
+                    </a:lnL>
+                    <a:lnR w="12700" cap="flat" cmpd="sng" algn="ctr">
+                      <a:solidFill>
+                        <a:schemeClr val="bg1"/>
+                      </a:solidFill>
+                      <a:prstDash val="solid"/>
+                      <a:round/>
+                      <a:headEnd type="none" w="med" len="med"/>
+                      <a:tailEnd type="none" w="med" len="med"/>
+                    </a:lnR>
+                    <a:lnT w="12700" cap="flat" cmpd="sng" algn="ctr">
+                      <a:solidFill>
+                        <a:schemeClr val="bg1"/>
+                      </a:solidFill>
+                      <a:prstDash val="solid"/>
+                      <a:round/>
+                      <a:headEnd type="none" w="med" len="med"/>
+                      <a:tailEnd type="none" w="med" len="med"/>
+                    </a:lnT>
+                    <a:lnB w="12700" cap="flat" cmpd="sng" algn="ctr">
+                      <a:solidFill>
+                        <a:schemeClr val="bg1"/>
+                      </a:solidFill>
+                      <a:prstDash val="solid"/>
+                      <a:round/>
+                      <a:headEnd type="none" w="med" len="med"/>
+                      <a:tailEnd type="none" w="med" len="med"/>
+                    </a:lnB>
+                  </a:tcPr>
+                </a:tc>
+                <a:tc>
+                  <a:txBody>
+                    <a:bodyPr/>
+                    <a:lstStyle/>
+                    <a:p>
+                      <a:pPr marL="0" algn="ctr" defTabSz="914400" rtl="0" eaLnBrk="1" fontAlgn="b" latinLnBrk="0" hangingPunct="1"/>
+                      <a:r>
+                        <a:rPr lang="en-US" sz="2000" u="none" strike="noStrike" kern="1200" dirty="0">
+                          <a:solidFill>
+                            <a:schemeClr val="lt1"/>
+                          </a:solidFill>
+                          <a:effectLst/>
+                          <a:latin typeface="+mn-lt"/>
+                          <a:ea typeface="+mn-ea"/>
+                          <a:cs typeface="+mn-cs"/>
+                        </a:rPr>
+                        <a:t>3</a:t>
+                      </a:r>
+                    </a:p>
+                  </a:txBody>
+                  <a:tcPr marL="9525" marR="9525" marT="9525" marB="0" anchor="b">
+                    <a:lnL w="12700" cap="flat" cmpd="sng" algn="ctr">
+                      <a:solidFill>
+                        <a:schemeClr val="bg1"/>
+                      </a:solidFill>
+                      <a:prstDash val="solid"/>
+                      <a:round/>
+                      <a:headEnd type="none" w="med" len="med"/>
+                      <a:tailEnd type="none" w="med" len="med"/>
+                    </a:lnL>
+                    <a:lnR w="12700" cap="flat" cmpd="sng" algn="ctr">
+                      <a:solidFill>
+                        <a:schemeClr val="bg1"/>
+                      </a:solidFill>
+                      <a:prstDash val="solid"/>
+                      <a:round/>
+                      <a:headEnd type="none" w="med" len="med"/>
+                      <a:tailEnd type="none" w="med" len="med"/>
+                    </a:lnR>
+                    <a:lnT w="12700" cap="flat" cmpd="sng" algn="ctr">
+                      <a:solidFill>
+                        <a:schemeClr val="bg1"/>
+                      </a:solidFill>
+                      <a:prstDash val="solid"/>
+                      <a:round/>
+                      <a:headEnd type="none" w="med" len="med"/>
+                      <a:tailEnd type="none" w="med" len="med"/>
+                    </a:lnT>
+                    <a:lnB w="12700" cap="flat" cmpd="sng" algn="ctr">
+                      <a:solidFill>
+                        <a:schemeClr val="bg1"/>
+                      </a:solidFill>
+                      <a:prstDash val="solid"/>
+                      <a:round/>
+                      <a:headEnd type="none" w="med" len="med"/>
+                      <a:tailEnd type="none" w="med" len="med"/>
+                    </a:lnB>
+                  </a:tcPr>
+                </a:tc>
+                <a:tc>
+                  <a:txBody>
+                    <a:bodyPr/>
+                    <a:lstStyle/>
+                    <a:p>
+                      <a:pPr marL="0" algn="ctr" defTabSz="914400" rtl="0" eaLnBrk="1" fontAlgn="b" latinLnBrk="0" hangingPunct="1"/>
+                      <a:r>
+                        <a:rPr lang="en-US" sz="2000" u="none" strike="noStrike" kern="1200" dirty="0" err="1">
+                          <a:solidFill>
+                            <a:schemeClr val="lt1"/>
+                          </a:solidFill>
+                          <a:effectLst/>
+                          <a:latin typeface="+mn-lt"/>
+                          <a:ea typeface="+mn-ea"/>
+                          <a:cs typeface="+mn-cs"/>
+                        </a:rPr>
+                        <a:t>Chandakhali</a:t>
+                      </a:r>
+                      <a:r>
+                        <a:rPr lang="en-US" sz="2000" u="none" strike="noStrike" kern="1200" dirty="0">
+                          <a:solidFill>
+                            <a:schemeClr val="lt1"/>
+                          </a:solidFill>
+                          <a:effectLst/>
+                          <a:latin typeface="+mn-lt"/>
+                          <a:ea typeface="+mn-ea"/>
+                          <a:cs typeface="+mn-cs"/>
+                        </a:rPr>
+                        <a:t> </a:t>
+                      </a:r>
+                      <a:r>
+                        <a:rPr lang="en-US" sz="2000" u="none" strike="noStrike" kern="1200" dirty="0" err="1">
+                          <a:solidFill>
+                            <a:schemeClr val="lt1"/>
+                          </a:solidFill>
+                          <a:effectLst/>
+                          <a:latin typeface="+mn-lt"/>
+                          <a:ea typeface="+mn-ea"/>
+                          <a:cs typeface="+mn-cs"/>
+                        </a:rPr>
+                        <a:t>khal</a:t>
+                      </a:r>
+                      <a:r>
+                        <a:rPr lang="en-US" sz="2000" u="none" strike="noStrike" kern="1200" dirty="0">
+                          <a:solidFill>
+                            <a:schemeClr val="lt1"/>
+                          </a:solidFill>
+                          <a:effectLst/>
+                          <a:latin typeface="+mn-lt"/>
+                          <a:ea typeface="+mn-ea"/>
+                          <a:cs typeface="+mn-cs"/>
+                        </a:rPr>
+                        <a:t> Regulator(1-vent)</a:t>
+                      </a:r>
+                    </a:p>
+                  </a:txBody>
+                  <a:tcPr marL="9525" marR="9525" marT="9525" marB="0" anchor="b">
+                    <a:lnL w="12700" cap="flat" cmpd="sng" algn="ctr">
+                      <a:solidFill>
+                        <a:schemeClr val="bg1"/>
+                      </a:solidFill>
+                      <a:prstDash val="solid"/>
+                      <a:round/>
+                      <a:headEnd type="none" w="med" len="med"/>
+                      <a:tailEnd type="none" w="med" len="med"/>
+                    </a:lnL>
+                    <a:lnR w="12700" cap="flat" cmpd="sng" algn="ctr">
+                      <a:solidFill>
+                        <a:schemeClr val="bg1"/>
+                      </a:solidFill>
+                      <a:prstDash val="solid"/>
+                      <a:round/>
+                      <a:headEnd type="none" w="med" len="med"/>
+                      <a:tailEnd type="none" w="med" len="med"/>
+                    </a:lnR>
+                    <a:lnT w="12700" cap="flat" cmpd="sng" algn="ctr">
+                      <a:solidFill>
+                        <a:schemeClr val="bg1"/>
+                      </a:solidFill>
+                      <a:prstDash val="solid"/>
+                      <a:round/>
+                      <a:headEnd type="none" w="med" len="med"/>
+                      <a:tailEnd type="none" w="med" len="med"/>
+                    </a:lnT>
+                    <a:lnB w="12700" cap="flat" cmpd="sng" algn="ctr">
+                      <a:solidFill>
+                        <a:schemeClr val="bg1"/>
+                      </a:solidFill>
+                      <a:prstDash val="solid"/>
+                      <a:round/>
+                      <a:headEnd type="none" w="med" len="med"/>
+                      <a:tailEnd type="none" w="med" len="med"/>
+                    </a:lnB>
+                  </a:tcPr>
+                </a:tc>
+                <a:tc>
+                  <a:txBody>
+                    <a:bodyPr/>
+                    <a:lstStyle/>
+                    <a:p>
+                      <a:pPr marL="0" algn="ctr" defTabSz="914400" rtl="0" eaLnBrk="1" fontAlgn="b" latinLnBrk="0" hangingPunct="1"/>
+                      <a:r>
+                        <a:rPr lang="en-US" sz="2000" u="none" strike="noStrike" kern="1200">
+                          <a:solidFill>
+                            <a:schemeClr val="lt1"/>
+                          </a:solidFill>
+                          <a:effectLst/>
+                          <a:latin typeface="+mn-lt"/>
+                          <a:ea typeface="+mn-ea"/>
+                          <a:cs typeface="+mn-cs"/>
+                        </a:rPr>
+                        <a:t>nos.</a:t>
+                      </a:r>
+                    </a:p>
+                  </a:txBody>
+                  <a:tcPr marL="9525" marR="9525" marT="9525" marB="0" anchor="b">
+                    <a:lnL w="12700" cap="flat" cmpd="sng" algn="ctr">
+                      <a:solidFill>
+                        <a:schemeClr val="bg1"/>
+                      </a:solidFill>
+                      <a:prstDash val="solid"/>
+                      <a:round/>
+                      <a:headEnd type="none" w="med" len="med"/>
+                      <a:tailEnd type="none" w="med" len="med"/>
+                    </a:lnL>
+                    <a:lnR w="12700" cap="flat" cmpd="sng" algn="ctr">
+                      <a:solidFill>
+                        <a:schemeClr val="bg1"/>
+                      </a:solidFill>
+                      <a:prstDash val="solid"/>
+                      <a:round/>
+                      <a:headEnd type="none" w="med" len="med"/>
+                      <a:tailEnd type="none" w="med" len="med"/>
+                    </a:lnR>
+                    <a:lnT w="12700" cap="flat" cmpd="sng" algn="ctr">
+                      <a:solidFill>
+                        <a:schemeClr val="bg1"/>
+                      </a:solidFill>
+                      <a:prstDash val="solid"/>
+                      <a:round/>
+                      <a:headEnd type="none" w="med" len="med"/>
+                      <a:tailEnd type="none" w="med" len="med"/>
+                    </a:lnT>
+                    <a:lnB w="12700" cap="flat" cmpd="sng" algn="ctr">
+                      <a:solidFill>
+                        <a:schemeClr val="bg1"/>
+                      </a:solidFill>
+                      <a:prstDash val="solid"/>
+                      <a:round/>
+                      <a:headEnd type="none" w="med" len="med"/>
+                      <a:tailEnd type="none" w="med" len="med"/>
+                    </a:lnB>
+                  </a:tcPr>
+                </a:tc>
+                <a:tc>
+                  <a:txBody>
+                    <a:bodyPr/>
+                    <a:lstStyle/>
+                    <a:p>
+                      <a:pPr marL="0" algn="ctr" defTabSz="914400" rtl="0" eaLnBrk="1" fontAlgn="b" latinLnBrk="0" hangingPunct="1"/>
+                      <a:r>
+                        <a:rPr lang="en-US" sz="2000" u="none" strike="noStrike" kern="1200">
+                          <a:solidFill>
+                            <a:schemeClr val="lt1"/>
+                          </a:solidFill>
+                          <a:effectLst/>
+                          <a:latin typeface="+mn-lt"/>
+                          <a:ea typeface="+mn-ea"/>
+                          <a:cs typeface="+mn-cs"/>
+                        </a:rPr>
+                        <a:t>1</a:t>
+                      </a:r>
+                    </a:p>
+                  </a:txBody>
+                  <a:tcPr marL="9525" marR="9525" marT="9525" marB="0" anchor="b">
+                    <a:lnL w="12700" cap="flat" cmpd="sng" algn="ctr">
+                      <a:solidFill>
+                        <a:schemeClr val="bg1"/>
+                      </a:solidFill>
+                      <a:prstDash val="solid"/>
+                      <a:round/>
+                      <a:headEnd type="none" w="med" len="med"/>
+                      <a:tailEnd type="none" w="med" len="med"/>
+                    </a:lnL>
+                    <a:lnR w="12700" cap="flat" cmpd="sng" algn="ctr">
+                      <a:solidFill>
+                        <a:schemeClr val="bg1"/>
+                      </a:solidFill>
+                      <a:prstDash val="solid"/>
+                      <a:round/>
+                      <a:headEnd type="none" w="med" len="med"/>
+                      <a:tailEnd type="none" w="med" len="med"/>
+                    </a:lnR>
+                    <a:lnT w="12700" cap="flat" cmpd="sng" algn="ctr">
+                      <a:solidFill>
+                        <a:schemeClr val="bg1"/>
+                      </a:solidFill>
+                      <a:prstDash val="solid"/>
+                      <a:round/>
+                      <a:headEnd type="none" w="med" len="med"/>
+                      <a:tailEnd type="none" w="med" len="med"/>
+                    </a:lnT>
+                    <a:lnB w="12700" cap="flat" cmpd="sng" algn="ctr">
+                      <a:solidFill>
+                        <a:schemeClr val="bg1"/>
+                      </a:solidFill>
+                      <a:prstDash val="solid"/>
+                      <a:round/>
+                      <a:headEnd type="none" w="med" len="med"/>
+                      <a:tailEnd type="none" w="med" len="med"/>
+                    </a:lnB>
+                  </a:tcPr>
+                </a:tc>
+                <a:tc>
+                  <a:txBody>
+                    <a:bodyPr/>
+                    <a:lstStyle/>
+                    <a:p>
+                      <a:pPr marL="0" algn="ctr" defTabSz="914400" rtl="0" eaLnBrk="1" fontAlgn="b" latinLnBrk="0" hangingPunct="1"/>
+                      <a:r>
+                        <a:rPr lang="en-US" sz="2000" u="none" strike="noStrike" kern="1200" dirty="0" smtClean="0">
+                          <a:solidFill>
+                            <a:schemeClr val="lt1"/>
+                          </a:solidFill>
+                          <a:effectLst/>
+                          <a:latin typeface="+mn-lt"/>
+                          <a:ea typeface="+mn-ea"/>
+                          <a:cs typeface="+mn-cs"/>
+                        </a:rPr>
+                        <a:t>154.07</a:t>
+                      </a:r>
+                      <a:endParaRPr lang="en-US" sz="2000" u="none" strike="noStrike" kern="1200" dirty="0">
+                        <a:solidFill>
+                          <a:schemeClr val="lt1"/>
+                        </a:solidFill>
+                        <a:effectLst/>
+                        <a:latin typeface="+mn-lt"/>
+                        <a:ea typeface="+mn-ea"/>
+                        <a:cs typeface="+mn-cs"/>
+                      </a:endParaRPr>
+                    </a:p>
+                  </a:txBody>
+                  <a:tcPr marL="9525" marR="9525" marT="9525" marB="0" anchor="b">
+                    <a:lnL w="12700" cap="flat" cmpd="sng" algn="ctr">
+                      <a:solidFill>
+                        <a:schemeClr val="bg1"/>
+                      </a:solidFill>
+                      <a:prstDash val="solid"/>
+                      <a:round/>
+                      <a:headEnd type="none" w="med" len="med"/>
+                      <a:tailEnd type="none" w="med" len="med"/>
+                    </a:lnL>
+                    <a:lnR w="12700" cap="flat" cmpd="sng" algn="ctr">
+                      <a:solidFill>
+                        <a:schemeClr val="bg1"/>
+                      </a:solidFill>
+                      <a:prstDash val="solid"/>
+                      <a:round/>
+                      <a:headEnd type="none" w="med" len="med"/>
+                      <a:tailEnd type="none" w="med" len="med"/>
+                    </a:lnR>
+                    <a:lnT w="12700" cap="flat" cmpd="sng" algn="ctr">
+                      <a:solidFill>
+                        <a:schemeClr val="bg1"/>
+                      </a:solidFill>
+                      <a:prstDash val="solid"/>
+                      <a:round/>
+                      <a:headEnd type="none" w="med" len="med"/>
+                      <a:tailEnd type="none" w="med" len="med"/>
+                    </a:lnT>
+                    <a:lnB w="12700" cap="flat" cmpd="sng" algn="ctr">
+                      <a:solidFill>
+                        <a:schemeClr val="bg1"/>
+                      </a:solidFill>
+                      <a:prstDash val="solid"/>
+                      <a:round/>
+                      <a:headEnd type="none" w="med" len="med"/>
+                      <a:tailEnd type="none" w="med" len="med"/>
+                    </a:lnB>
+                  </a:tcPr>
+                </a:tc>
+                <a:extLst>
+                  <a:ext uri="{0D108BD9-81ED-4DB2-BD59-A6C34878D82A}">
+                    <a16:rowId xmlns:a16="http://schemas.microsoft.com/office/drawing/2014/main" val="1413007241"/>
+                  </a:ext>
+                </a:extLst>
+              </a:tr>
+              <a:tr h="331081">
+                <a:tc>
+                  <a:txBody>
+                    <a:bodyPr/>
+                    <a:lstStyle/>
+                    <a:p>
+                      <a:pPr marL="0" algn="ctr" defTabSz="914400" rtl="0" eaLnBrk="1" fontAlgn="b" latinLnBrk="0" hangingPunct="1"/>
+                      <a:r>
+                        <a:rPr lang="en-US" sz="2000" u="none" strike="noStrike" kern="1200">
+                          <a:solidFill>
+                            <a:schemeClr val="lt1"/>
+                          </a:solidFill>
+                          <a:effectLst/>
+                          <a:latin typeface="+mn-lt"/>
+                          <a:ea typeface="+mn-ea"/>
+                          <a:cs typeface="+mn-cs"/>
+                        </a:rPr>
+                        <a:t>HOBI/PW-05</a:t>
+                      </a:r>
+                    </a:p>
+                  </a:txBody>
+                  <a:tcPr marL="9525" marR="9525" marT="9525" marB="0" anchor="b">
+                    <a:lnL w="12700" cap="flat" cmpd="sng" algn="ctr">
+                      <a:solidFill>
+                        <a:schemeClr val="bg1"/>
+                      </a:solidFill>
+                      <a:prstDash val="solid"/>
+                      <a:round/>
+                      <a:headEnd type="none" w="med" len="med"/>
+                      <a:tailEnd type="none" w="med" len="med"/>
+                    </a:lnL>
+                    <a:lnR w="12700" cap="flat" cmpd="sng" algn="ctr">
+                      <a:solidFill>
+                        <a:schemeClr val="bg1"/>
+                      </a:solidFill>
+                      <a:prstDash val="solid"/>
+                      <a:round/>
+                      <a:headEnd type="none" w="med" len="med"/>
+                      <a:tailEnd type="none" w="med" len="med"/>
+                    </a:lnR>
+                    <a:lnT w="12700" cap="flat" cmpd="sng" algn="ctr">
+                      <a:solidFill>
+                        <a:schemeClr val="bg1"/>
+                      </a:solidFill>
+                      <a:prstDash val="solid"/>
+                      <a:round/>
+                      <a:headEnd type="none" w="med" len="med"/>
+                      <a:tailEnd type="none" w="med" len="med"/>
+                    </a:lnT>
+                    <a:lnB w="12700" cap="flat" cmpd="sng" algn="ctr">
+                      <a:solidFill>
+                        <a:schemeClr val="bg1"/>
+                      </a:solidFill>
+                      <a:prstDash val="solid"/>
+                      <a:round/>
+                      <a:headEnd type="none" w="med" len="med"/>
+                      <a:tailEnd type="none" w="med" len="med"/>
+                    </a:lnB>
+                  </a:tcPr>
+                </a:tc>
+                <a:tc>
+                  <a:txBody>
+                    <a:bodyPr/>
+                    <a:lstStyle/>
+                    <a:p>
+                      <a:pPr marL="0" algn="ctr" defTabSz="914400" rtl="0" eaLnBrk="1" fontAlgn="b" latinLnBrk="0" hangingPunct="1"/>
+                      <a:r>
+                        <a:rPr lang="en-US" sz="2000" u="none" strike="noStrike" kern="1200">
+                          <a:solidFill>
+                            <a:schemeClr val="lt1"/>
+                          </a:solidFill>
+                          <a:effectLst/>
+                          <a:latin typeface="+mn-lt"/>
+                          <a:ea typeface="+mn-ea"/>
+                          <a:cs typeface="+mn-cs"/>
+                        </a:rPr>
+                        <a:t>3</a:t>
+                      </a:r>
+                    </a:p>
+                  </a:txBody>
+                  <a:tcPr marL="9525" marR="9525" marT="9525" marB="0" anchor="b">
+                    <a:lnL w="12700" cap="flat" cmpd="sng" algn="ctr">
+                      <a:solidFill>
+                        <a:schemeClr val="bg1"/>
+                      </a:solidFill>
+                      <a:prstDash val="solid"/>
+                      <a:round/>
+                      <a:headEnd type="none" w="med" len="med"/>
+                      <a:tailEnd type="none" w="med" len="med"/>
+                    </a:lnL>
+                    <a:lnR w="12700" cap="flat" cmpd="sng" algn="ctr">
+                      <a:solidFill>
+                        <a:schemeClr val="bg1"/>
+                      </a:solidFill>
+                      <a:prstDash val="solid"/>
+                      <a:round/>
+                      <a:headEnd type="none" w="med" len="med"/>
+                      <a:tailEnd type="none" w="med" len="med"/>
+                    </a:lnR>
+                    <a:lnT w="12700" cap="flat" cmpd="sng" algn="ctr">
+                      <a:solidFill>
+                        <a:schemeClr val="bg1"/>
+                      </a:solidFill>
+                      <a:prstDash val="solid"/>
+                      <a:round/>
+                      <a:headEnd type="none" w="med" len="med"/>
+                      <a:tailEnd type="none" w="med" len="med"/>
+                    </a:lnT>
+                    <a:lnB w="12700" cap="flat" cmpd="sng" algn="ctr">
+                      <a:solidFill>
+                        <a:schemeClr val="bg1"/>
+                      </a:solidFill>
+                      <a:prstDash val="solid"/>
+                      <a:round/>
+                      <a:headEnd type="none" w="med" len="med"/>
+                      <a:tailEnd type="none" w="med" len="med"/>
+                    </a:lnB>
+                  </a:tcPr>
+                </a:tc>
+                <a:tc>
+                  <a:txBody>
+                    <a:bodyPr/>
+                    <a:lstStyle/>
+                    <a:p>
+                      <a:pPr marL="0" algn="ctr" defTabSz="914400" rtl="0" eaLnBrk="1" fontAlgn="b" latinLnBrk="0" hangingPunct="1"/>
+                      <a:r>
+                        <a:rPr lang="en-US" sz="2000" u="none" strike="noStrike" kern="1200" dirty="0" err="1">
+                          <a:solidFill>
+                            <a:schemeClr val="lt1"/>
+                          </a:solidFill>
+                          <a:effectLst/>
+                          <a:latin typeface="+mn-lt"/>
+                          <a:ea typeface="+mn-ea"/>
+                          <a:cs typeface="+mn-cs"/>
+                        </a:rPr>
+                        <a:t>Tetter</a:t>
+                      </a:r>
+                      <a:r>
+                        <a:rPr lang="en-US" sz="2000" u="none" strike="noStrike" kern="1200" dirty="0">
+                          <a:solidFill>
+                            <a:schemeClr val="lt1"/>
+                          </a:solidFill>
+                          <a:effectLst/>
+                          <a:latin typeface="+mn-lt"/>
+                          <a:ea typeface="+mn-ea"/>
+                          <a:cs typeface="+mn-cs"/>
+                        </a:rPr>
+                        <a:t> </a:t>
+                      </a:r>
+                      <a:r>
+                        <a:rPr lang="en-US" sz="2000" u="none" strike="noStrike" kern="1200" dirty="0" err="1">
+                          <a:solidFill>
+                            <a:schemeClr val="lt1"/>
+                          </a:solidFill>
+                          <a:effectLst/>
+                          <a:latin typeface="+mn-lt"/>
+                          <a:ea typeface="+mn-ea"/>
+                          <a:cs typeface="+mn-cs"/>
+                        </a:rPr>
+                        <a:t>Drepasionkhal</a:t>
+                      </a:r>
+                      <a:r>
+                        <a:rPr lang="en-US" sz="2000" u="none" strike="noStrike" kern="1200" dirty="0">
+                          <a:solidFill>
+                            <a:schemeClr val="lt1"/>
+                          </a:solidFill>
+                          <a:effectLst/>
+                          <a:latin typeface="+mn-lt"/>
+                          <a:ea typeface="+mn-ea"/>
+                          <a:cs typeface="+mn-cs"/>
+                        </a:rPr>
+                        <a:t> Regulator(2-vent)</a:t>
+                      </a:r>
+                    </a:p>
+                  </a:txBody>
+                  <a:tcPr marL="9525" marR="9525" marT="9525" marB="0" anchor="b">
+                    <a:lnL w="12700" cap="flat" cmpd="sng" algn="ctr">
+                      <a:solidFill>
+                        <a:schemeClr val="bg1"/>
+                      </a:solidFill>
+                      <a:prstDash val="solid"/>
+                      <a:round/>
+                      <a:headEnd type="none" w="med" len="med"/>
+                      <a:tailEnd type="none" w="med" len="med"/>
+                    </a:lnL>
+                    <a:lnR w="12700" cap="flat" cmpd="sng" algn="ctr">
+                      <a:solidFill>
+                        <a:schemeClr val="bg1"/>
+                      </a:solidFill>
+                      <a:prstDash val="solid"/>
+                      <a:round/>
+                      <a:headEnd type="none" w="med" len="med"/>
+                      <a:tailEnd type="none" w="med" len="med"/>
+                    </a:lnR>
+                    <a:lnT w="12700" cap="flat" cmpd="sng" algn="ctr">
+                      <a:solidFill>
+                        <a:schemeClr val="bg1"/>
+                      </a:solidFill>
+                      <a:prstDash val="solid"/>
+                      <a:round/>
+                      <a:headEnd type="none" w="med" len="med"/>
+                      <a:tailEnd type="none" w="med" len="med"/>
+                    </a:lnT>
+                    <a:lnB w="12700" cap="flat" cmpd="sng" algn="ctr">
+                      <a:solidFill>
+                        <a:schemeClr val="bg1"/>
+                      </a:solidFill>
+                      <a:prstDash val="solid"/>
+                      <a:round/>
+                      <a:headEnd type="none" w="med" len="med"/>
+                      <a:tailEnd type="none" w="med" len="med"/>
+                    </a:lnB>
+                  </a:tcPr>
+                </a:tc>
+                <a:tc>
+                  <a:txBody>
+                    <a:bodyPr/>
+                    <a:lstStyle/>
+                    <a:p>
+                      <a:pPr marL="0" algn="ctr" defTabSz="914400" rtl="0" eaLnBrk="1" fontAlgn="b" latinLnBrk="0" hangingPunct="1"/>
+                      <a:r>
+                        <a:rPr lang="en-US" sz="2000" u="none" strike="noStrike" kern="1200">
+                          <a:solidFill>
+                            <a:schemeClr val="lt1"/>
+                          </a:solidFill>
+                          <a:effectLst/>
+                          <a:latin typeface="+mn-lt"/>
+                          <a:ea typeface="+mn-ea"/>
+                          <a:cs typeface="+mn-cs"/>
+                        </a:rPr>
+                        <a:t>nos.</a:t>
+                      </a:r>
+                    </a:p>
+                  </a:txBody>
+                  <a:tcPr marL="9525" marR="9525" marT="9525" marB="0" anchor="b">
+                    <a:lnL w="12700" cap="flat" cmpd="sng" algn="ctr">
+                      <a:solidFill>
+                        <a:schemeClr val="bg1"/>
+                      </a:solidFill>
+                      <a:prstDash val="solid"/>
+                      <a:round/>
+                      <a:headEnd type="none" w="med" len="med"/>
+                      <a:tailEnd type="none" w="med" len="med"/>
+                    </a:lnL>
+                    <a:lnR w="12700" cap="flat" cmpd="sng" algn="ctr">
+                      <a:solidFill>
+                        <a:schemeClr val="bg1"/>
+                      </a:solidFill>
+                      <a:prstDash val="solid"/>
+                      <a:round/>
+                      <a:headEnd type="none" w="med" len="med"/>
+                      <a:tailEnd type="none" w="med" len="med"/>
+                    </a:lnR>
+                    <a:lnT w="12700" cap="flat" cmpd="sng" algn="ctr">
+                      <a:solidFill>
+                        <a:schemeClr val="bg1"/>
+                      </a:solidFill>
+                      <a:prstDash val="solid"/>
+                      <a:round/>
+                      <a:headEnd type="none" w="med" len="med"/>
+                      <a:tailEnd type="none" w="med" len="med"/>
+                    </a:lnT>
+                    <a:lnB w="12700" cap="flat" cmpd="sng" algn="ctr">
+                      <a:solidFill>
+                        <a:schemeClr val="bg1"/>
+                      </a:solidFill>
+                      <a:prstDash val="solid"/>
+                      <a:round/>
+                      <a:headEnd type="none" w="med" len="med"/>
+                      <a:tailEnd type="none" w="med" len="med"/>
+                    </a:lnB>
+                  </a:tcPr>
+                </a:tc>
+                <a:tc>
+                  <a:txBody>
+                    <a:bodyPr/>
+                    <a:lstStyle/>
+                    <a:p>
+                      <a:pPr marL="0" algn="ctr" defTabSz="914400" rtl="0" eaLnBrk="1" fontAlgn="b" latinLnBrk="0" hangingPunct="1"/>
+                      <a:r>
+                        <a:rPr lang="en-US" sz="2000" u="none" strike="noStrike" kern="1200">
+                          <a:solidFill>
+                            <a:schemeClr val="lt1"/>
+                          </a:solidFill>
+                          <a:effectLst/>
+                          <a:latin typeface="+mn-lt"/>
+                          <a:ea typeface="+mn-ea"/>
+                          <a:cs typeface="+mn-cs"/>
+                        </a:rPr>
+                        <a:t>1</a:t>
+                      </a:r>
+                    </a:p>
+                  </a:txBody>
+                  <a:tcPr marL="9525" marR="9525" marT="9525" marB="0" anchor="b">
+                    <a:lnL w="12700" cap="flat" cmpd="sng" algn="ctr">
+                      <a:solidFill>
+                        <a:schemeClr val="bg1"/>
+                      </a:solidFill>
+                      <a:prstDash val="solid"/>
+                      <a:round/>
+                      <a:headEnd type="none" w="med" len="med"/>
+                      <a:tailEnd type="none" w="med" len="med"/>
+                    </a:lnL>
+                    <a:lnR w="12700" cap="flat" cmpd="sng" algn="ctr">
+                      <a:solidFill>
+                        <a:schemeClr val="bg1"/>
+                      </a:solidFill>
+                      <a:prstDash val="solid"/>
+                      <a:round/>
+                      <a:headEnd type="none" w="med" len="med"/>
+                      <a:tailEnd type="none" w="med" len="med"/>
+                    </a:lnR>
+                    <a:lnT w="12700" cap="flat" cmpd="sng" algn="ctr">
+                      <a:solidFill>
+                        <a:schemeClr val="bg1"/>
+                      </a:solidFill>
+                      <a:prstDash val="solid"/>
+                      <a:round/>
+                      <a:headEnd type="none" w="med" len="med"/>
+                      <a:tailEnd type="none" w="med" len="med"/>
+                    </a:lnT>
+                    <a:lnB w="12700" cap="flat" cmpd="sng" algn="ctr">
+                      <a:solidFill>
+                        <a:schemeClr val="bg1"/>
+                      </a:solidFill>
+                      <a:prstDash val="solid"/>
+                      <a:round/>
+                      <a:headEnd type="none" w="med" len="med"/>
+                      <a:tailEnd type="none" w="med" len="med"/>
+                    </a:lnB>
+                  </a:tcPr>
+                </a:tc>
+                <a:tc>
+                  <a:txBody>
+                    <a:bodyPr/>
+                    <a:lstStyle/>
+                    <a:p>
+                      <a:pPr marL="0" algn="ctr" defTabSz="914400" rtl="0" eaLnBrk="1" fontAlgn="b" latinLnBrk="0" hangingPunct="1"/>
+                      <a:r>
+                        <a:rPr lang="en-US" sz="2000" u="none" strike="noStrike" kern="1200" dirty="0" smtClean="0">
+                          <a:solidFill>
+                            <a:schemeClr val="lt1"/>
+                          </a:solidFill>
+                          <a:effectLst/>
+                          <a:latin typeface="+mn-lt"/>
+                          <a:ea typeface="+mn-ea"/>
+                          <a:cs typeface="+mn-cs"/>
+                        </a:rPr>
+                        <a:t>216.75</a:t>
+                      </a:r>
+                      <a:endParaRPr lang="en-US" sz="2000" u="none" strike="noStrike" kern="1200" dirty="0">
+                        <a:solidFill>
+                          <a:schemeClr val="lt1"/>
+                        </a:solidFill>
+                        <a:effectLst/>
+                        <a:latin typeface="+mn-lt"/>
+                        <a:ea typeface="+mn-ea"/>
+                        <a:cs typeface="+mn-cs"/>
+                      </a:endParaRPr>
+                    </a:p>
+                  </a:txBody>
+                  <a:tcPr marL="9525" marR="9525" marT="9525" marB="0" anchor="b">
+                    <a:lnL w="12700" cap="flat" cmpd="sng" algn="ctr">
+                      <a:solidFill>
+                        <a:schemeClr val="bg1"/>
+                      </a:solidFill>
+                      <a:prstDash val="solid"/>
+                      <a:round/>
+                      <a:headEnd type="none" w="med" len="med"/>
+                      <a:tailEnd type="none" w="med" len="med"/>
+                    </a:lnL>
+                    <a:lnR w="12700" cap="flat" cmpd="sng" algn="ctr">
+                      <a:solidFill>
+                        <a:schemeClr val="bg1"/>
+                      </a:solidFill>
+                      <a:prstDash val="solid"/>
+                      <a:round/>
+                      <a:headEnd type="none" w="med" len="med"/>
+                      <a:tailEnd type="none" w="med" len="med"/>
+                    </a:lnR>
+                    <a:lnT w="12700" cap="flat" cmpd="sng" algn="ctr">
+                      <a:solidFill>
+                        <a:schemeClr val="bg1"/>
+                      </a:solidFill>
+                      <a:prstDash val="solid"/>
+                      <a:round/>
+                      <a:headEnd type="none" w="med" len="med"/>
+                      <a:tailEnd type="none" w="med" len="med"/>
+                    </a:lnT>
+                    <a:lnB w="12700" cap="flat" cmpd="sng" algn="ctr">
+                      <a:solidFill>
+                        <a:schemeClr val="bg1"/>
+                      </a:solidFill>
+                      <a:prstDash val="solid"/>
+                      <a:round/>
+                      <a:headEnd type="none" w="med" len="med"/>
+                      <a:tailEnd type="none" w="med" len="med"/>
+                    </a:lnB>
+                  </a:tcPr>
+                </a:tc>
+                <a:extLst>
+                  <a:ext uri="{0D108BD9-81ED-4DB2-BD59-A6C34878D82A}">
+                    <a16:rowId xmlns:a16="http://schemas.microsoft.com/office/drawing/2014/main" val="1304379372"/>
+                  </a:ext>
+                </a:extLst>
+              </a:tr>
+              <a:tr h="345941">
+                <a:tc gridSpan="5">
+                  <a:txBody>
+                    <a:bodyPr/>
+                    <a:lstStyle/>
+                    <a:p>
+                      <a:pPr marL="0" marR="0" lvl="0" indent="0" algn="ctr" defTabSz="914400" rtl="0" eaLnBrk="1" fontAlgn="b" latinLnBrk="0" hangingPunct="1">
+                        <a:lnSpc>
+                          <a:spcPct val="100000"/>
+                        </a:lnSpc>
+                        <a:spcBef>
+                          <a:spcPts val="0"/>
+                        </a:spcBef>
+                        <a:spcAft>
+                          <a:spcPts val="0"/>
+                        </a:spcAft>
+                        <a:buClrTx/>
+                        <a:buSzTx/>
+                        <a:buFontTx/>
+                        <a:buNone/>
+                        <a:tabLst/>
+                        <a:defRPr/>
+                      </a:pPr>
+                      <a:r>
+                        <a:rPr lang="en-US" sz="2000" u="none" strike="noStrike" kern="1200" dirty="0" smtClean="0">
+                          <a:solidFill>
+                            <a:schemeClr val="lt1"/>
+                          </a:solidFill>
+                          <a:effectLst/>
+                          <a:latin typeface="+mn-lt"/>
+                          <a:ea typeface="+mn-ea"/>
+                          <a:cs typeface="+mn-cs"/>
+                        </a:rPr>
+                        <a:t>Total </a:t>
+                      </a:r>
+                      <a:r>
+                        <a:rPr lang="en-US" sz="2000" u="none" strike="noStrike" kern="1200" dirty="0" err="1" smtClean="0">
+                          <a:solidFill>
+                            <a:schemeClr val="lt1"/>
+                          </a:solidFill>
+                          <a:effectLst/>
+                          <a:latin typeface="+mn-lt"/>
+                          <a:ea typeface="+mn-ea"/>
+                          <a:cs typeface="+mn-cs"/>
+                        </a:rPr>
+                        <a:t>Hobigonj</a:t>
+                      </a:r>
+                      <a:endParaRPr lang="en-US" sz="2000" u="none" strike="noStrike" kern="1200" dirty="0">
+                        <a:solidFill>
+                          <a:schemeClr val="lt1"/>
+                        </a:solidFill>
+                        <a:effectLst/>
+                        <a:latin typeface="+mn-lt"/>
+                        <a:ea typeface="+mn-ea"/>
+                        <a:cs typeface="+mn-cs"/>
+                      </a:endParaRPr>
+                    </a:p>
+                  </a:txBody>
+                  <a:tcPr marL="9525" marR="9525" marT="9525" marB="0" anchor="b">
+                    <a:lnL w="12700" cap="flat" cmpd="sng" algn="ctr">
+                      <a:solidFill>
+                        <a:schemeClr val="bg1"/>
+                      </a:solidFill>
+                      <a:prstDash val="solid"/>
+                      <a:round/>
+                      <a:headEnd type="none" w="med" len="med"/>
+                      <a:tailEnd type="none" w="med" len="med"/>
+                    </a:lnL>
+                    <a:lnR w="12700" cap="flat" cmpd="sng" algn="ctr">
+                      <a:solidFill>
+                        <a:schemeClr val="bg1"/>
+                      </a:solidFill>
+                      <a:prstDash val="solid"/>
+                      <a:round/>
+                      <a:headEnd type="none" w="med" len="med"/>
+                      <a:tailEnd type="none" w="med" len="med"/>
+                    </a:lnR>
+                    <a:lnT w="12700" cap="flat" cmpd="sng" algn="ctr">
+                      <a:solidFill>
+                        <a:schemeClr val="bg1"/>
+                      </a:solidFill>
+                      <a:prstDash val="solid"/>
+                      <a:round/>
+                      <a:headEnd type="none" w="med" len="med"/>
+                      <a:tailEnd type="none" w="med" len="med"/>
+                    </a:lnT>
+                    <a:lnB w="12700" cap="flat" cmpd="sng" algn="ctr">
+                      <a:solidFill>
+                        <a:schemeClr val="bg1"/>
+                      </a:solidFill>
+                      <a:prstDash val="solid"/>
+                      <a:round/>
+                      <a:headEnd type="none" w="med" len="med"/>
+                      <a:tailEnd type="none" w="med" len="med"/>
+                    </a:lnB>
+                  </a:tcPr>
+                </a:tc>
+                <a:tc hMerge="1">
+                  <a:txBody>
+                    <a:bodyPr/>
+                    <a:lstStyle/>
+                    <a:p>
+                      <a:pPr algn="ctr" fontAlgn="b"/>
+                      <a:endParaRPr lang="en-US" sz="1100" b="0" i="0" u="none" strike="noStrike" dirty="0">
+                        <a:solidFill>
+                          <a:srgbClr val="000000"/>
+                        </a:solidFill>
+                        <a:effectLst/>
+                        <a:latin typeface="Calibri" panose="020F0502020204030204" pitchFamily="34" charset="0"/>
+                      </a:endParaRPr>
+                    </a:p>
+                  </a:txBody>
+                  <a:tcPr marL="9525" marR="9525" marT="9525" marB="0" anchor="b">
+                    <a:lnL w="12700" cap="flat" cmpd="sng" algn="ctr">
+                      <a:solidFill>
+                        <a:schemeClr val="bg1"/>
+                      </a:solidFill>
+                      <a:prstDash val="solid"/>
+                      <a:round/>
+                      <a:headEnd type="none" w="med" len="med"/>
+                      <a:tailEnd type="none" w="med" len="med"/>
+                    </a:lnL>
+                    <a:lnR w="12700" cap="flat" cmpd="sng" algn="ctr">
+                      <a:solidFill>
+                        <a:schemeClr val="bg1"/>
+                      </a:solidFill>
+                      <a:prstDash val="solid"/>
+                      <a:round/>
+                      <a:headEnd type="none" w="med" len="med"/>
+                      <a:tailEnd type="none" w="med" len="med"/>
+                    </a:lnR>
+                    <a:lnT w="12700" cap="flat" cmpd="sng" algn="ctr">
+                      <a:solidFill>
+                        <a:schemeClr val="bg1"/>
+                      </a:solidFill>
+                      <a:prstDash val="solid"/>
+                      <a:round/>
+                      <a:headEnd type="none" w="med" len="med"/>
+                      <a:tailEnd type="none" w="med" len="med"/>
+                    </a:lnT>
+                    <a:lnB w="12700" cap="flat" cmpd="sng" algn="ctr">
+                      <a:solidFill>
+                        <a:schemeClr val="bg1"/>
+                      </a:solidFill>
+                      <a:prstDash val="solid"/>
+                      <a:round/>
+                      <a:headEnd type="none" w="med" len="med"/>
+                      <a:tailEnd type="none" w="med" len="med"/>
+                    </a:lnB>
+                  </a:tcPr>
+                </a:tc>
+                <a:tc hMerge="1">
+                  <a:txBody>
+                    <a:bodyPr/>
+                    <a:lstStyle/>
+                    <a:p>
+                      <a:endParaRPr lang="en-US"/>
+                    </a:p>
+                  </a:txBody>
+                  <a:tcPr/>
+                </a:tc>
+                <a:tc hMerge="1">
+                  <a:txBody>
+                    <a:bodyPr/>
+                    <a:lstStyle/>
+                    <a:p>
+                      <a:pPr algn="l" fontAlgn="b"/>
+                      <a:endParaRPr lang="en-US" sz="1100" b="0" i="0" u="none" strike="noStrike" dirty="0">
+                        <a:solidFill>
+                          <a:srgbClr val="000000"/>
+                        </a:solidFill>
+                        <a:effectLst/>
+                        <a:latin typeface="Calibri" panose="020F0502020204030204" pitchFamily="34" charset="0"/>
+                      </a:endParaRPr>
+                    </a:p>
+                  </a:txBody>
+                  <a:tcPr marL="9525" marR="9525" marT="9525" marB="0" anchor="b">
+                    <a:lnL w="12700" cap="flat" cmpd="sng" algn="ctr">
+                      <a:solidFill>
+                        <a:schemeClr val="bg1"/>
+                      </a:solidFill>
+                      <a:prstDash val="solid"/>
+                      <a:round/>
+                      <a:headEnd type="none" w="med" len="med"/>
+                      <a:tailEnd type="none" w="med" len="med"/>
+                    </a:lnL>
+                    <a:lnR w="12700" cap="flat" cmpd="sng" algn="ctr">
+                      <a:solidFill>
+                        <a:schemeClr val="bg1"/>
+                      </a:solidFill>
+                      <a:prstDash val="solid"/>
+                      <a:round/>
+                      <a:headEnd type="none" w="med" len="med"/>
+                      <a:tailEnd type="none" w="med" len="med"/>
+                    </a:lnR>
+                    <a:lnT w="12700" cap="flat" cmpd="sng" algn="ctr">
+                      <a:solidFill>
+                        <a:schemeClr val="bg1"/>
+                      </a:solidFill>
+                      <a:prstDash val="solid"/>
+                      <a:round/>
+                      <a:headEnd type="none" w="med" len="med"/>
+                      <a:tailEnd type="none" w="med" len="med"/>
+                    </a:lnT>
+                    <a:lnB w="12700" cap="flat" cmpd="sng" algn="ctr">
+                      <a:solidFill>
+                        <a:schemeClr val="bg1"/>
+                      </a:solidFill>
+                      <a:prstDash val="solid"/>
+                      <a:round/>
+                      <a:headEnd type="none" w="med" len="med"/>
+                      <a:tailEnd type="none" w="med" len="med"/>
+                    </a:lnB>
+                  </a:tcPr>
+                </a:tc>
+                <a:tc hMerge="1">
+                  <a:txBody>
+                    <a:bodyPr/>
+                    <a:lstStyle/>
+                    <a:p>
+                      <a:pPr algn="ctr" fontAlgn="b"/>
+                      <a:endParaRPr lang="en-US" sz="1100" b="0" i="0" u="none" strike="noStrike" dirty="0">
+                        <a:solidFill>
+                          <a:srgbClr val="000000"/>
+                        </a:solidFill>
+                        <a:effectLst/>
+                        <a:latin typeface="Calibri" panose="020F0502020204030204" pitchFamily="34" charset="0"/>
+                      </a:endParaRPr>
+                    </a:p>
+                  </a:txBody>
+                  <a:tcPr marL="9525" marR="9525" marT="9525" marB="0" anchor="b">
+                    <a:lnL w="12700" cap="flat" cmpd="sng" algn="ctr">
+                      <a:solidFill>
+                        <a:schemeClr val="bg1"/>
+                      </a:solidFill>
+                      <a:prstDash val="solid"/>
+                      <a:round/>
+                      <a:headEnd type="none" w="med" len="med"/>
+                      <a:tailEnd type="none" w="med" len="med"/>
+                    </a:lnL>
+                    <a:lnR w="12700" cap="flat" cmpd="sng" algn="ctr">
+                      <a:solidFill>
+                        <a:schemeClr val="bg1"/>
+                      </a:solidFill>
+                      <a:prstDash val="solid"/>
+                      <a:round/>
+                      <a:headEnd type="none" w="med" len="med"/>
+                      <a:tailEnd type="none" w="med" len="med"/>
+                    </a:lnR>
+                    <a:lnT w="12700" cap="flat" cmpd="sng" algn="ctr">
+                      <a:solidFill>
+                        <a:schemeClr val="bg1"/>
+                      </a:solidFill>
+                      <a:prstDash val="solid"/>
+                      <a:round/>
+                      <a:headEnd type="none" w="med" len="med"/>
+                      <a:tailEnd type="none" w="med" len="med"/>
+                    </a:lnT>
+                    <a:lnB w="12700" cap="flat" cmpd="sng" algn="ctr">
+                      <a:solidFill>
+                        <a:schemeClr val="bg1"/>
+                      </a:solidFill>
+                      <a:prstDash val="solid"/>
+                      <a:round/>
+                      <a:headEnd type="none" w="med" len="med"/>
+                      <a:tailEnd type="none" w="med" len="med"/>
+                    </a:lnB>
+                  </a:tcPr>
+                </a:tc>
+                <a:tc>
+                  <a:txBody>
+                    <a:bodyPr/>
+                    <a:lstStyle/>
+                    <a:p>
+                      <a:pPr marL="0" algn="ctr" defTabSz="914400" rtl="0" eaLnBrk="1" fontAlgn="b" latinLnBrk="0" hangingPunct="1"/>
+                      <a:r>
+                        <a:rPr lang="en-US" sz="2000" u="none" strike="noStrike" kern="1200" dirty="0" smtClean="0">
+                          <a:solidFill>
+                            <a:schemeClr val="lt1"/>
+                          </a:solidFill>
+                          <a:effectLst/>
+                          <a:latin typeface="+mn-lt"/>
+                          <a:ea typeface="+mn-ea"/>
+                          <a:cs typeface="+mn-cs"/>
+                        </a:rPr>
+                        <a:t>892.54</a:t>
+                      </a:r>
+                      <a:endParaRPr lang="en-US" sz="2000" u="none" strike="noStrike" kern="1200" dirty="0">
+                        <a:solidFill>
+                          <a:schemeClr val="lt1"/>
+                        </a:solidFill>
+                        <a:effectLst/>
+                        <a:latin typeface="+mn-lt"/>
+                        <a:ea typeface="+mn-ea"/>
+                        <a:cs typeface="+mn-cs"/>
+                      </a:endParaRPr>
+                    </a:p>
+                  </a:txBody>
+                  <a:tcPr marL="9525" marR="9525" marT="9525" marB="0" anchor="b">
+                    <a:lnL w="12700" cap="flat" cmpd="sng" algn="ctr">
+                      <a:solidFill>
+                        <a:schemeClr val="bg1"/>
+                      </a:solidFill>
+                      <a:prstDash val="solid"/>
+                      <a:round/>
+                      <a:headEnd type="none" w="med" len="med"/>
+                      <a:tailEnd type="none" w="med" len="med"/>
+                    </a:lnL>
+                    <a:lnR w="12700" cap="flat" cmpd="sng" algn="ctr">
+                      <a:solidFill>
+                        <a:schemeClr val="bg1"/>
+                      </a:solidFill>
+                      <a:prstDash val="solid"/>
+                      <a:round/>
+                      <a:headEnd type="none" w="med" len="med"/>
+                      <a:tailEnd type="none" w="med" len="med"/>
+                    </a:lnR>
+                    <a:lnT w="12700" cap="flat" cmpd="sng" algn="ctr">
+                      <a:solidFill>
+                        <a:schemeClr val="bg1"/>
+                      </a:solidFill>
+                      <a:prstDash val="solid"/>
+                      <a:round/>
+                      <a:headEnd type="none" w="med" len="med"/>
+                      <a:tailEnd type="none" w="med" len="med"/>
+                    </a:lnT>
+                    <a:lnB w="12700" cap="flat" cmpd="sng" algn="ctr">
+                      <a:solidFill>
+                        <a:schemeClr val="bg1"/>
+                      </a:solidFill>
+                      <a:prstDash val="solid"/>
+                      <a:round/>
+                      <a:headEnd type="none" w="med" len="med"/>
+                      <a:tailEnd type="none" w="med" len="med"/>
+                    </a:lnB>
+                  </a:tcPr>
+                </a:tc>
+                <a:extLst>
+                  <a:ext uri="{0D108BD9-81ED-4DB2-BD59-A6C34878D82A}">
+                    <a16:rowId xmlns:a16="http://schemas.microsoft.com/office/drawing/2014/main" val="2874801109"/>
+                  </a:ext>
+                </a:extLst>
+              </a:tr>
+            </a:tbl>
+          </a:graphicData>
+        </a:graphic>
+      </p:graphicFrame>
+    </p:spTree>
+    <p:extLst>
+      <p:ext uri="{BB962C8B-B14F-4D97-AF65-F5344CB8AC3E}">
+        <p14:creationId xmlns:p14="http://schemas.microsoft.com/office/powerpoint/2010/main" val="4128371994"/>
+      </p:ext>
+    </p:extLst>
+  </p:cSld>
+  <p:clrMapOvr>
+    <a:masterClrMapping/>
+  </p:clrMapOvr>
+  <p:timing>
+    <p:tnLst>
+      <p:par>
+        <p:cTn id="1" dur="indefinite" restart="never" nodeType="tmRoot"/>
+      </p:par>
+    </p:tnLst>
+  </p:timing>
+</p:sld>
+</file>
+
+<file path=ppt/slides/slide13.xml><?xml version="1.0" encoding="utf-8"?>
+<p:sld xmlns:a="http://schemas.openxmlformats.org/drawingml/2006/main" xmlns:r="http://schemas.openxmlformats.org/officeDocument/2006/relationships" xmlns:p="http://schemas.openxmlformats.org/presentationml/2006/main">
+  <p:cSld>
+    <p:spTree>
+      <p:nvGrpSpPr>
+        <p:cNvPr id="1" name=""/>
+        <p:cNvGrpSpPr/>
+        <p:nvPr/>
+      </p:nvGrpSpPr>
+      <p:grpSpPr>
+        <a:xfrm>
+          <a:off x="0" y="0"/>
+          <a:ext cx="0" cy="0"/>
+          <a:chOff x="0" y="0"/>
+          <a:chExt cx="0" cy="0"/>
+        </a:xfrm>
+      </p:grpSpPr>
+      <p:sp>
+        <p:nvSpPr>
+          <p:cNvPr id="2" name="Title 1"/>
+          <p:cNvSpPr>
+            <a:spLocks noGrp="1"/>
+          </p:cNvSpPr>
+          <p:nvPr>
+            <p:ph type="ctrTitle"/>
+          </p:nvPr>
+        </p:nvSpPr>
+        <p:spPr>
+          <a:xfrm>
             <a:off x="0" y="265112"/>
             <a:ext cx="11734801" cy="611187"/>
           </a:xfrm>
@@ -16541,7 +19505,7 @@
 </p:sld>
 </file>
 
-<file path=ppt/slides/slide13.xml><?xml version="1.0" encoding="utf-8"?>
+<file path=ppt/slides/slide14.xml><?xml version="1.0" encoding="utf-8"?>
 <p:sld xmlns:a="http://schemas.openxmlformats.org/drawingml/2006/main" xmlns:r="http://schemas.openxmlformats.org/officeDocument/2006/relationships" xmlns:p="http://schemas.openxmlformats.org/presentationml/2006/main">
   <p:cSld>
     <p:spTree>
@@ -16852,7 +19816,7 @@
                   <a:schemeClr val="tx1"/>
                 </a:solidFill>
               </a:rPr>
-              <a:t>13</a:t>
+              <a:t>14</a:t>
             </a:fld>
             <a:endParaRPr lang="en-CA" dirty="0">
               <a:solidFill>
@@ -17483,7 +20447,7 @@
 </p:sld>
 </file>
 
-<file path=ppt/slides/slide14.xml><?xml version="1.0" encoding="utf-8"?>
+<file path=ppt/slides/slide15.xml><?xml version="1.0" encoding="utf-8"?>
 <p:sld xmlns:a="http://schemas.openxmlformats.org/drawingml/2006/main" xmlns:r="http://schemas.openxmlformats.org/officeDocument/2006/relationships" xmlns:p="http://schemas.openxmlformats.org/presentationml/2006/main">
   <p:cSld>
     <p:spTree>
@@ -17959,7 +20923,7 @@
 </p:sld>
 </file>
 
-<file path=ppt/slides/slide15.xml><?xml version="1.0" encoding="utf-8"?>
+<file path=ppt/slides/slide16.xml><?xml version="1.0" encoding="utf-8"?>
 <p:sld xmlns:a="http://schemas.openxmlformats.org/drawingml/2006/main" xmlns:r="http://schemas.openxmlformats.org/officeDocument/2006/relationships" xmlns:p="http://schemas.openxmlformats.org/presentationml/2006/main">
   <p:cSld>
     <p:spTree>
@@ -18321,7 +21285,7 @@
 </p:sld>
 </file>
 
-<file path=ppt/slides/slide16.xml><?xml version="1.0" encoding="utf-8"?>
+<file path=ppt/slides/slide17.xml><?xml version="1.0" encoding="utf-8"?>
 <p:sld xmlns:a="http://schemas.openxmlformats.org/drawingml/2006/main" xmlns:r="http://schemas.openxmlformats.org/officeDocument/2006/relationships" xmlns:p="http://schemas.openxmlformats.org/presentationml/2006/main">
   <p:cSld>
     <p:spTree>
@@ -18416,7 +21380,7 @@
 </p:sld>
 </file>
 
-<file path=ppt/slides/slide17.xml><?xml version="1.0" encoding="utf-8"?>
+<file path=ppt/slides/slide18.xml><?xml version="1.0" encoding="utf-8"?>
 <p:sld xmlns:a="http://schemas.openxmlformats.org/drawingml/2006/main" xmlns:r="http://schemas.openxmlformats.org/officeDocument/2006/relationships" xmlns:p="http://schemas.openxmlformats.org/presentationml/2006/main">
   <p:cSld>
     <p:spTree>
@@ -18702,7 +21666,7 @@
 </p:sld>
 </file>
 
-<file path=ppt/slides/slide18.xml><?xml version="1.0" encoding="utf-8"?>
+<file path=ppt/slides/slide19.xml><?xml version="1.0" encoding="utf-8"?>
 <p:sld xmlns:a="http://schemas.openxmlformats.org/drawingml/2006/main" xmlns:r="http://schemas.openxmlformats.org/officeDocument/2006/relationships" xmlns:p="http://schemas.openxmlformats.org/presentationml/2006/main">
   <p:cSld>
     <p:spTree>
@@ -18779,141 +21743,6 @@
     <p:extLst>
       <p:ext uri="{BB962C8B-B14F-4D97-AF65-F5344CB8AC3E}">
         <p14:creationId xmlns:p14="http://schemas.microsoft.com/office/powerpoint/2010/main" val="3928921083"/>
-      </p:ext>
-    </p:extLst>
-  </p:cSld>
-  <p:clrMapOvr>
-    <a:masterClrMapping/>
-  </p:clrMapOvr>
-  <p:timing>
-    <p:tnLst>
-      <p:par>
-        <p:cTn id="1" dur="indefinite" restart="never" nodeType="tmRoot"/>
-      </p:par>
-    </p:tnLst>
-  </p:timing>
-</p:sld>
-</file>
-
-<file path=ppt/slides/slide19.xml><?xml version="1.0" encoding="utf-8"?>
-<p:sld xmlns:a="http://schemas.openxmlformats.org/drawingml/2006/main" xmlns:r="http://schemas.openxmlformats.org/officeDocument/2006/relationships" xmlns:p="http://schemas.openxmlformats.org/presentationml/2006/main">
-  <p:cSld>
-    <p:spTree>
-      <p:nvGrpSpPr>
-        <p:cNvPr id="1" name=""/>
-        <p:cNvGrpSpPr/>
-        <p:nvPr/>
-      </p:nvGrpSpPr>
-      <p:grpSpPr>
-        <a:xfrm>
-          <a:off x="0" y="0"/>
-          <a:ext cx="0" cy="0"/>
-          <a:chOff x="0" y="0"/>
-          <a:chExt cx="0" cy="0"/>
-        </a:xfrm>
-      </p:grpSpPr>
-      <p:sp>
-        <p:nvSpPr>
-          <p:cNvPr id="2" name="Title 1"/>
-          <p:cNvSpPr>
-            <a:spLocks noGrp="1"/>
-          </p:cNvSpPr>
-          <p:nvPr>
-            <p:ph type="title"/>
-          </p:nvPr>
-        </p:nvSpPr>
-        <p:spPr>
-          <a:xfrm>
-            <a:off x="838200" y="365125"/>
-            <a:ext cx="10515600" cy="549275"/>
-          </a:xfrm>
-        </p:spPr>
-        <p:txBody>
-          <a:bodyPr>
-            <a:normAutofit fontScale="90000"/>
-          </a:bodyPr>
-          <a:lstStyle/>
-          <a:p>
-            <a:r>
-              <a:rPr lang="en-US" dirty="0" smtClean="0"/>
-              <a:t>Activity Plan for Next TWO Years?</a:t>
-            </a:r>
-            <a:endParaRPr lang="en-US" dirty="0"/>
-          </a:p>
-        </p:txBody>
-      </p:sp>
-      <p:sp>
-        <p:nvSpPr>
-          <p:cNvPr id="3" name="Content Placeholder 2"/>
-          <p:cNvSpPr>
-            <a:spLocks noGrp="1"/>
-          </p:cNvSpPr>
-          <p:nvPr>
-            <p:ph idx="1"/>
-          </p:nvPr>
-        </p:nvSpPr>
-        <p:spPr>
-          <a:xfrm>
-            <a:off x="838200" y="914400"/>
-            <a:ext cx="10515600" cy="5262563"/>
-          </a:xfrm>
-        </p:spPr>
-        <p:txBody>
-          <a:bodyPr/>
-          <a:lstStyle/>
-          <a:p>
-            <a:pPr marL="0" indent="0">
-              <a:buNone/>
-            </a:pPr>
-            <a:endParaRPr lang="en-US" dirty="0"/>
-          </a:p>
-        </p:txBody>
-      </p:sp>
-      <p:pic>
-        <p:nvPicPr>
-          <p:cNvPr id="4" name="Picture 12" descr="F:\Downloads\fwddataforppt\Cons_Struc.jpg"/>
-          <p:cNvPicPr>
-            <a:picLocks noChangeAspect="1" noChangeArrowheads="1"/>
-          </p:cNvPicPr>
-          <p:nvPr/>
-        </p:nvPicPr>
-        <p:blipFill>
-          <a:blip r:embed="rId2">
-            <a:extLst>
-              <a:ext uri="{28A0092B-C50C-407E-A947-70E740481C1C}">
-                <a14:useLocalDpi xmlns:a14="http://schemas.microsoft.com/office/drawing/2010/main" val="0"/>
-              </a:ext>
-            </a:extLst>
-          </a:blip>
-          <a:srcRect/>
-          <a:stretch>
-            <a:fillRect/>
-          </a:stretch>
-        </p:blipFill>
-        <p:spPr bwMode="auto">
-          <a:xfrm>
-            <a:off x="530942" y="1076428"/>
-            <a:ext cx="11223523" cy="5279922"/>
-          </a:xfrm>
-          <a:prstGeom prst="rect">
-            <a:avLst/>
-          </a:prstGeom>
-          <a:noFill/>
-          <a:extLst>
-            <a:ext uri="{909E8E84-426E-40DD-AFC4-6F175D3DCCD1}">
-              <a14:hiddenFill xmlns:a14="http://schemas.microsoft.com/office/drawing/2010/main">
-                <a:solidFill>
-                  <a:srgbClr val="FFFFFF"/>
-                </a:solidFill>
-              </a14:hiddenFill>
-            </a:ext>
-          </a:extLst>
-        </p:spPr>
-      </p:pic>
-    </p:spTree>
-    <p:extLst>
-      <p:ext uri="{BB962C8B-B14F-4D97-AF65-F5344CB8AC3E}">
-        <p14:creationId xmlns:p14="http://schemas.microsoft.com/office/powerpoint/2010/main" val="568644879"/>
       </p:ext>
     </p:extLst>
   </p:cSld>
@@ -19078,6 +21907,141 @@
         </p:nvSpPr>
         <p:spPr>
           <a:xfrm>
+            <a:off x="838200" y="365125"/>
+            <a:ext cx="10515600" cy="549275"/>
+          </a:xfrm>
+        </p:spPr>
+        <p:txBody>
+          <a:bodyPr>
+            <a:normAutofit fontScale="90000"/>
+          </a:bodyPr>
+          <a:lstStyle/>
+          <a:p>
+            <a:r>
+              <a:rPr lang="en-US" dirty="0" smtClean="0"/>
+              <a:t>Activity Plan for Next TWO Years?</a:t>
+            </a:r>
+            <a:endParaRPr lang="en-US" dirty="0"/>
+          </a:p>
+        </p:txBody>
+      </p:sp>
+      <p:sp>
+        <p:nvSpPr>
+          <p:cNvPr id="3" name="Content Placeholder 2"/>
+          <p:cNvSpPr>
+            <a:spLocks noGrp="1"/>
+          </p:cNvSpPr>
+          <p:nvPr>
+            <p:ph idx="1"/>
+          </p:nvPr>
+        </p:nvSpPr>
+        <p:spPr>
+          <a:xfrm>
+            <a:off x="838200" y="914400"/>
+            <a:ext cx="10515600" cy="5262563"/>
+          </a:xfrm>
+        </p:spPr>
+        <p:txBody>
+          <a:bodyPr/>
+          <a:lstStyle/>
+          <a:p>
+            <a:pPr marL="0" indent="0">
+              <a:buNone/>
+            </a:pPr>
+            <a:endParaRPr lang="en-US" dirty="0"/>
+          </a:p>
+        </p:txBody>
+      </p:sp>
+      <p:pic>
+        <p:nvPicPr>
+          <p:cNvPr id="4" name="Picture 12" descr="F:\Downloads\fwddataforppt\Cons_Struc.jpg"/>
+          <p:cNvPicPr>
+            <a:picLocks noChangeAspect="1" noChangeArrowheads="1"/>
+          </p:cNvPicPr>
+          <p:nvPr/>
+        </p:nvPicPr>
+        <p:blipFill>
+          <a:blip r:embed="rId2">
+            <a:extLst>
+              <a:ext uri="{28A0092B-C50C-407E-A947-70E740481C1C}">
+                <a14:useLocalDpi xmlns:a14="http://schemas.microsoft.com/office/drawing/2010/main" val="0"/>
+              </a:ext>
+            </a:extLst>
+          </a:blip>
+          <a:srcRect/>
+          <a:stretch>
+            <a:fillRect/>
+          </a:stretch>
+        </p:blipFill>
+        <p:spPr bwMode="auto">
+          <a:xfrm>
+            <a:off x="530942" y="1076428"/>
+            <a:ext cx="11223523" cy="5279922"/>
+          </a:xfrm>
+          <a:prstGeom prst="rect">
+            <a:avLst/>
+          </a:prstGeom>
+          <a:noFill/>
+          <a:extLst>
+            <a:ext uri="{909E8E84-426E-40DD-AFC4-6F175D3DCCD1}">
+              <a14:hiddenFill xmlns:a14="http://schemas.microsoft.com/office/drawing/2010/main">
+                <a:solidFill>
+                  <a:srgbClr val="FFFFFF"/>
+                </a:solidFill>
+              </a14:hiddenFill>
+            </a:ext>
+          </a:extLst>
+        </p:spPr>
+      </p:pic>
+    </p:spTree>
+    <p:extLst>
+      <p:ext uri="{BB962C8B-B14F-4D97-AF65-F5344CB8AC3E}">
+        <p14:creationId xmlns:p14="http://schemas.microsoft.com/office/powerpoint/2010/main" val="568644879"/>
+      </p:ext>
+    </p:extLst>
+  </p:cSld>
+  <p:clrMapOvr>
+    <a:masterClrMapping/>
+  </p:clrMapOvr>
+  <p:timing>
+    <p:tnLst>
+      <p:par>
+        <p:cTn id="1" dur="indefinite" restart="never" nodeType="tmRoot"/>
+      </p:par>
+    </p:tnLst>
+  </p:timing>
+</p:sld>
+</file>
+
+<file path=ppt/slides/slide21.xml><?xml version="1.0" encoding="utf-8"?>
+<p:sld xmlns:a="http://schemas.openxmlformats.org/drawingml/2006/main" xmlns:r="http://schemas.openxmlformats.org/officeDocument/2006/relationships" xmlns:p="http://schemas.openxmlformats.org/presentationml/2006/main">
+  <p:cSld>
+    <p:spTree>
+      <p:nvGrpSpPr>
+        <p:cNvPr id="1" name=""/>
+        <p:cNvGrpSpPr/>
+        <p:nvPr/>
+      </p:nvGrpSpPr>
+      <p:grpSpPr>
+        <a:xfrm>
+          <a:off x="0" y="0"/>
+          <a:ext cx="0" cy="0"/>
+          <a:chOff x="0" y="0"/>
+          <a:chExt cx="0" cy="0"/>
+        </a:xfrm>
+      </p:grpSpPr>
+      <p:sp>
+        <p:nvSpPr>
+          <p:cNvPr id="2" name="Title 1"/>
+          <p:cNvSpPr>
+            <a:spLocks noGrp="1"/>
+          </p:cNvSpPr>
+          <p:nvPr>
+            <p:ph type="title"/>
+          </p:nvPr>
+        </p:nvSpPr>
+        <p:spPr>
+          <a:xfrm>
             <a:off x="882445" y="261886"/>
             <a:ext cx="10515600" cy="1006475"/>
           </a:xfrm>
@@ -19164,7 +22128,7 @@
             <a:fld id="{826EFCA3-36E9-4263-A920-02DD3CA5B069}" type="slidenum">
               <a:rPr lang="en-CA" smtClean="0"/>
               <a:pPr/>
-              <a:t>20</a:t>
+              <a:t>21</a:t>
             </a:fld>
             <a:endParaRPr lang="en-CA" dirty="0"/>
           </a:p>
@@ -19231,7 +22195,7 @@
 </p:sld>
 </file>
 
-<file path=ppt/slides/slide21.xml><?xml version="1.0" encoding="utf-8"?>
+<file path=ppt/slides/slide22.xml><?xml version="1.0" encoding="utf-8"?>
 <p:sld xmlns:a="http://schemas.openxmlformats.org/drawingml/2006/main" xmlns:r="http://schemas.openxmlformats.org/officeDocument/2006/relationships" xmlns:p="http://schemas.openxmlformats.org/presentationml/2006/main">
   <p:cSld>
     <p:spTree>
@@ -19432,7 +22396,7 @@
 </p:sld>
 </file>
 
-<file path=ppt/slides/slide22.xml><?xml version="1.0" encoding="utf-8"?>
+<file path=ppt/slides/slide23.xml><?xml version="1.0" encoding="utf-8"?>
 <p:sld xmlns:a="http://schemas.openxmlformats.org/drawingml/2006/main" xmlns:r="http://schemas.openxmlformats.org/officeDocument/2006/relationships" xmlns:p="http://schemas.openxmlformats.org/presentationml/2006/main">
   <p:cSld>
     <p:spTree>
@@ -19539,7 +22503,7 @@
             <a:fld id="{826EFCA3-36E9-4263-A920-02DD3CA5B069}" type="slidenum">
               <a:rPr lang="en-CA" smtClean="0"/>
               <a:pPr/>
-              <a:t>22</a:t>
+              <a:t>23</a:t>
             </a:fld>
             <a:endParaRPr lang="en-CA" dirty="0"/>
           </a:p>
@@ -19625,7 +22589,7 @@
 </p:sld>
 </file>
 
-<file path=ppt/slides/slide23.xml><?xml version="1.0" encoding="utf-8"?>
+<file path=ppt/slides/slide24.xml><?xml version="1.0" encoding="utf-8"?>
 <p:sld xmlns:a="http://schemas.openxmlformats.org/drawingml/2006/main" xmlns:r="http://schemas.openxmlformats.org/officeDocument/2006/relationships" xmlns:p="http://schemas.openxmlformats.org/presentationml/2006/main">
   <p:cSld>
     <p:spTree>
@@ -19696,7 +22660,7 @@
           <a:graphicData uri="http://schemas.openxmlformats.org/presentationml/2006/ole">
             <mc:AlternateContent xmlns:mc="http://schemas.openxmlformats.org/markup-compatibility/2006">
               <mc:Choice xmlns:v="urn:schemas-microsoft-com:vml" Requires="v">
-                <p:oleObj spid="_x0000_s1052" name="PDF" r:id="rId3" imgW="0" imgH="360" progId="FoxitPhantomPDF.Document">
+                <p:oleObj spid="_x0000_s1059" name="PDF" r:id="rId3" imgW="0" imgH="360" progId="FoxitPhantomPDF.Document">
                   <p:embed/>
                 </p:oleObj>
               </mc:Choice>
@@ -19751,7 +22715,7 @@
 </p:sld>
 </file>
 
-<file path=ppt/slides/slide24.xml><?xml version="1.0" encoding="utf-8"?>
+<file path=ppt/slides/slide25.xml><?xml version="1.0" encoding="utf-8"?>
 <p:sld xmlns:a="http://schemas.openxmlformats.org/drawingml/2006/main" xmlns:r="http://schemas.openxmlformats.org/officeDocument/2006/relationships" xmlns:p="http://schemas.openxmlformats.org/presentationml/2006/main">
   <p:cSld>
     <p:spTree>
@@ -20198,7 +23162,7 @@
 </p:sld>
 </file>
 
-<file path=ppt/slides/slide25.xml><?xml version="1.0" encoding="utf-8"?>
+<file path=ppt/slides/slide26.xml><?xml version="1.0" encoding="utf-8"?>
 <p:sld xmlns:a="http://schemas.openxmlformats.org/drawingml/2006/main" xmlns:r="http://schemas.openxmlformats.org/officeDocument/2006/relationships" xmlns:p="http://schemas.openxmlformats.org/presentationml/2006/main">
   <p:cSld>
     <p:spTree>
@@ -20815,7 +23779,7 @@
 </p:sld>
 </file>
 
-<file path=ppt/slides/slide26.xml><?xml version="1.0" encoding="utf-8"?>
+<file path=ppt/slides/slide27.xml><?xml version="1.0" encoding="utf-8"?>
 <p:sld xmlns:a="http://schemas.openxmlformats.org/drawingml/2006/main" xmlns:r="http://schemas.openxmlformats.org/officeDocument/2006/relationships" xmlns:p="http://schemas.openxmlformats.org/presentationml/2006/main">
   <p:cSld>
     <p:spTree>
@@ -21560,7 +24524,7 @@
 </p:sld>
 </file>
 
-<file path=ppt/slides/slide27.xml><?xml version="1.0" encoding="utf-8"?>
+<file path=ppt/slides/slide28.xml><?xml version="1.0" encoding="utf-8"?>
 <p:sld xmlns:a="http://schemas.openxmlformats.org/drawingml/2006/main" xmlns:r="http://schemas.openxmlformats.org/officeDocument/2006/relationships" xmlns:p="http://schemas.openxmlformats.org/presentationml/2006/main">
   <p:cSld>
     <p:spTree>
@@ -21677,7 +24641,7 @@
           <a:graphicData uri="http://schemas.openxmlformats.org/presentationml/2006/ole">
             <mc:AlternateContent xmlns:mc="http://schemas.openxmlformats.org/markup-compatibility/2006">
               <mc:Choice xmlns:v="urn:schemas-microsoft-com:vml" Requires="v">
-                <p:oleObj spid="_x0000_s2073" name="PDF" r:id="rId3" imgW="0" imgH="360" progId="FoxitPhantomPDF.Document">
+                <p:oleObj spid="_x0000_s2080" name="PDF" r:id="rId3" imgW="0" imgH="360" progId="FoxitPhantomPDF.Document">
                   <p:embed/>
                 </p:oleObj>
               </mc:Choice>
@@ -21716,309 +24680,6 @@
     <p:extLst>
       <p:ext uri="{BB962C8B-B14F-4D97-AF65-F5344CB8AC3E}">
         <p14:creationId xmlns:p14="http://schemas.microsoft.com/office/powerpoint/2010/main" val="2166217940"/>
-      </p:ext>
-    </p:extLst>
-  </p:cSld>
-  <p:clrMapOvr>
-    <a:masterClrMapping/>
-  </p:clrMapOvr>
-  <p:timing>
-    <p:tnLst>
-      <p:par>
-        <p:cTn id="1" dur="indefinite" restart="never" nodeType="tmRoot">
-          <p:childTnLst>
-            <p:seq concurrent="1" nextAc="seek">
-              <p:cTn id="2" dur="indefinite" nodeType="mainSeq">
-                <p:childTnLst>
-                  <p:par>
-                    <p:cTn id="3" fill="hold">
-                      <p:stCondLst>
-                        <p:cond delay="indefinite"/>
-                      </p:stCondLst>
-                      <p:childTnLst>
-                        <p:par>
-                          <p:cTn id="4" fill="hold">
-                            <p:stCondLst>
-                              <p:cond delay="0"/>
-                            </p:stCondLst>
-                            <p:childTnLst>
-                              <p:par>
-                                <p:cTn id="5" presetID="2" presetClass="entr" presetSubtype="4" fill="hold" nodeType="clickEffect" nodePh="1">
-                                  <p:stCondLst>
-                                    <p:cond delay="0"/>
-                                  </p:stCondLst>
-                                  <p:endCondLst>
-                                    <p:cond evt="begin" delay="0">
-                                      <p:tn val="5"/>
-                                    </p:cond>
-                                  </p:endCondLst>
-                                  <p:childTnLst>
-                                    <p:set>
-                                      <p:cBhvr>
-                                        <p:cTn id="6" dur="1" fill="hold">
-                                          <p:stCondLst>
-                                            <p:cond delay="0"/>
-                                          </p:stCondLst>
-                                        </p:cTn>
-                                        <p:tgtEl>
-                                          <p:spTgt spid="5">
-                                            <p:txEl>
-                                              <p:pRg st="0" end="0"/>
-                                            </p:txEl>
-                                          </p:spTgt>
-                                        </p:tgtEl>
-                                        <p:attrNameLst>
-                                          <p:attrName>style.visibility</p:attrName>
-                                        </p:attrNameLst>
-                                      </p:cBhvr>
-                                      <p:to>
-                                        <p:strVal val="visible"/>
-                                      </p:to>
-                                    </p:set>
-                                    <p:anim calcmode="lin" valueType="num">
-                                      <p:cBhvr additive="base">
-                                        <p:cTn id="7" dur="500" fill="hold"/>
-                                        <p:tgtEl>
-                                          <p:spTgt spid="5">
-                                            <p:txEl>
-                                              <p:pRg st="0" end="0"/>
-                                            </p:txEl>
-                                          </p:spTgt>
-                                        </p:tgtEl>
-                                        <p:attrNameLst>
-                                          <p:attrName>ppt_x</p:attrName>
-                                        </p:attrNameLst>
-                                      </p:cBhvr>
-                                      <p:tavLst>
-                                        <p:tav tm="0">
-                                          <p:val>
-                                            <p:strVal val="#ppt_x"/>
-                                          </p:val>
-                                        </p:tav>
-                                        <p:tav tm="100000">
-                                          <p:val>
-                                            <p:strVal val="#ppt_x"/>
-                                          </p:val>
-                                        </p:tav>
-                                      </p:tavLst>
-                                    </p:anim>
-                                    <p:anim calcmode="lin" valueType="num">
-                                      <p:cBhvr additive="base">
-                                        <p:cTn id="8" dur="500" fill="hold"/>
-                                        <p:tgtEl>
-                                          <p:spTgt spid="5">
-                                            <p:txEl>
-                                              <p:pRg st="0" end="0"/>
-                                            </p:txEl>
-                                          </p:spTgt>
-                                        </p:tgtEl>
-                                        <p:attrNameLst>
-                                          <p:attrName>ppt_y</p:attrName>
-                                        </p:attrNameLst>
-                                      </p:cBhvr>
-                                      <p:tavLst>
-                                        <p:tav tm="0">
-                                          <p:val>
-                                            <p:strVal val="1+#ppt_h/2"/>
-                                          </p:val>
-                                        </p:tav>
-                                        <p:tav tm="100000">
-                                          <p:val>
-                                            <p:strVal val="#ppt_y"/>
-                                          </p:val>
-                                        </p:tav>
-                                      </p:tavLst>
-                                    </p:anim>
-                                  </p:childTnLst>
-                                </p:cTn>
-                              </p:par>
-                            </p:childTnLst>
-                          </p:cTn>
-                        </p:par>
-                      </p:childTnLst>
-                    </p:cTn>
-                  </p:par>
-                </p:childTnLst>
-              </p:cTn>
-              <p:prevCondLst>
-                <p:cond evt="onPrev" delay="0">
-                  <p:tgtEl>
-                    <p:sldTgt/>
-                  </p:tgtEl>
-                </p:cond>
-              </p:prevCondLst>
-              <p:nextCondLst>
-                <p:cond evt="onNext" delay="0">
-                  <p:tgtEl>
-                    <p:sldTgt/>
-                  </p:tgtEl>
-                </p:cond>
-              </p:nextCondLst>
-            </p:seq>
-          </p:childTnLst>
-        </p:cTn>
-      </p:par>
-    </p:tnLst>
-  </p:timing>
-</p:sld>
-</file>
-
-<file path=ppt/slides/slide28.xml><?xml version="1.0" encoding="utf-8"?>
-<p:sld xmlns:a="http://schemas.openxmlformats.org/drawingml/2006/main" xmlns:r="http://schemas.openxmlformats.org/officeDocument/2006/relationships" xmlns:p="http://schemas.openxmlformats.org/presentationml/2006/main">
-  <p:cSld>
-    <p:spTree>
-      <p:nvGrpSpPr>
-        <p:cNvPr id="1" name=""/>
-        <p:cNvGrpSpPr/>
-        <p:nvPr/>
-      </p:nvGrpSpPr>
-      <p:grpSpPr>
-        <a:xfrm>
-          <a:off x="0" y="0"/>
-          <a:ext cx="0" cy="0"/>
-          <a:chOff x="0" y="0"/>
-          <a:chExt cx="0" cy="0"/>
-        </a:xfrm>
-      </p:grpSpPr>
-      <p:sp>
-        <p:nvSpPr>
-          <p:cNvPr id="2" name="Title 1"/>
-          <p:cNvSpPr>
-            <a:spLocks noGrp="1"/>
-          </p:cNvSpPr>
-          <p:nvPr>
-            <p:ph type="title"/>
-          </p:nvPr>
-        </p:nvSpPr>
-        <p:spPr>
-          <a:xfrm>
-            <a:off x="313899" y="365126"/>
-            <a:ext cx="11750722" cy="289968"/>
-          </a:xfrm>
-        </p:spPr>
-        <p:txBody>
-          <a:bodyPr>
-            <a:normAutofit fontScale="90000"/>
-          </a:bodyPr>
-          <a:lstStyle/>
-          <a:p>
-            <a:r>
-              <a:rPr lang="en-US" dirty="0" smtClean="0"/>
-              <a:t>Measurement Format for RCC Work</a:t>
-            </a:r>
-            <a:endParaRPr lang="en-US" dirty="0"/>
-          </a:p>
-        </p:txBody>
-      </p:sp>
-      <p:sp>
-        <p:nvSpPr>
-          <p:cNvPr id="5" name="Rectangle 4"/>
-          <p:cNvSpPr/>
-          <p:nvPr/>
-        </p:nvSpPr>
-        <p:spPr>
-          <a:xfrm>
-            <a:off x="313899" y="1693084"/>
-            <a:ext cx="11163868" cy="480837"/>
-          </a:xfrm>
-          <a:prstGeom prst="rect">
-            <a:avLst/>
-          </a:prstGeom>
-        </p:spPr>
-        <p:txBody>
-          <a:bodyPr wrap="square">
-            <a:spAutoFit/>
-          </a:bodyPr>
-          <a:lstStyle/>
-          <a:p>
-            <a:pPr marL="342900" marR="0" lvl="0" indent="-342900" algn="just">
-              <a:lnSpc>
-                <a:spcPct val="115000"/>
-              </a:lnSpc>
-              <a:spcBef>
-                <a:spcPts val="0"/>
-              </a:spcBef>
-              <a:spcAft>
-                <a:spcPts val="0"/>
-              </a:spcAft>
-              <a:buFont typeface="+mj-lt"/>
-              <a:buAutoNum type="romanLcPeriod"/>
-            </a:pPr>
-            <a:endParaRPr lang="en-US" sz="2400" kern="100" dirty="0" smtClean="0">
-              <a:solidFill>
-                <a:schemeClr val="accent2">
-                  <a:lumMod val="75000"/>
-                </a:schemeClr>
-              </a:solidFill>
-              <a:latin typeface="Cambria" panose="02040503050406030204" pitchFamily="18" charset="0"/>
-              <a:ea typeface="MS Mincho"/>
-              <a:cs typeface="Times New Roman" panose="02020603050405020304" pitchFamily="18" charset="0"/>
-            </a:endParaRPr>
-          </a:p>
-        </p:txBody>
-      </p:sp>
-      <p:graphicFrame>
-        <p:nvGraphicFramePr>
-          <p:cNvPr id="6" name="Content Placeholder 5"/>
-          <p:cNvGraphicFramePr>
-            <a:graphicFrameLocks noGrp="1" noChangeAspect="1"/>
-          </p:cNvGraphicFramePr>
-          <p:nvPr>
-            <p:ph idx="1"/>
-            <p:extLst>
-              <p:ext uri="{D42A27DB-BD31-4B8C-83A1-F6EECF244321}">
-                <p14:modId xmlns:p14="http://schemas.microsoft.com/office/powerpoint/2010/main" val="3452493573"/>
-              </p:ext>
-            </p:extLst>
-          </p:nvPr>
-        </p:nvGraphicFramePr>
-        <p:xfrm>
-          <a:off x="313899" y="655094"/>
-          <a:ext cx="11382231" cy="5909479"/>
-        </p:xfrm>
-        <a:graphic>
-          <a:graphicData uri="http://schemas.openxmlformats.org/presentationml/2006/ole">
-            <mc:AlternateContent xmlns:mc="http://schemas.openxmlformats.org/markup-compatibility/2006">
-              <mc:Choice xmlns:v="urn:schemas-microsoft-com:vml" Requires="v">
-                <p:oleObj spid="_x0000_s3097" name="PDF" r:id="rId3" imgW="0" imgH="360" progId="FoxitPhantomPDF.Document">
-                  <p:embed/>
-                </p:oleObj>
-              </mc:Choice>
-              <mc:Fallback>
-                <p:oleObj name="PDF" r:id="rId3" imgW="0" imgH="360" progId="FoxitPhantomPDF.Document">
-                  <p:embed/>
-                  <p:pic>
-                    <p:nvPicPr>
-                      <p:cNvPr id="0" name=""/>
-                      <p:cNvPicPr/>
-                      <p:nvPr/>
-                    </p:nvPicPr>
-                    <p:blipFill>
-                      <a:blip r:embed="rId4"/>
-                      <a:stretch>
-                        <a:fillRect/>
-                      </a:stretch>
-                    </p:blipFill>
-                    <p:spPr>
-                      <a:xfrm>
-                        <a:off x="313899" y="655094"/>
-                        <a:ext cx="11382231" cy="5909479"/>
-                      </a:xfrm>
-                      <a:prstGeom prst="rect">
-                        <a:avLst/>
-                      </a:prstGeom>
-                    </p:spPr>
-                  </p:pic>
-                </p:oleObj>
-              </mc:Fallback>
-            </mc:AlternateContent>
-          </a:graphicData>
-        </a:graphic>
-      </p:graphicFrame>
-    </p:spTree>
-    <p:extLst>
-      <p:ext uri="{BB962C8B-B14F-4D97-AF65-F5344CB8AC3E}">
-        <p14:creationId xmlns:p14="http://schemas.microsoft.com/office/powerpoint/2010/main" val="1316211118"/>
       </p:ext>
     </p:extLst>
   </p:cSld>
@@ -22207,7 +24868,7 @@
           <a:p>
             <a:r>
               <a:rPr lang="en-US" dirty="0" smtClean="0"/>
-              <a:t>Measurement Format for Reinforcement</a:t>
+              <a:t>Measurement Format for RCC Work</a:t>
             </a:r>
             <a:endParaRPr lang="en-US" dirty="0"/>
           </a:p>
@@ -22262,7 +24923,7 @@
       </p:sp>
       <p:graphicFrame>
         <p:nvGraphicFramePr>
-          <p:cNvPr id="4" name="Content Placeholder 3"/>
+          <p:cNvPr id="6" name="Content Placeholder 5"/>
           <p:cNvGraphicFramePr>
             <a:graphicFrameLocks noGrp="1" noChangeAspect="1"/>
           </p:cNvGraphicFramePr>
@@ -22270,20 +24931,20 @@
             <p:ph idx="1"/>
             <p:extLst>
               <p:ext uri="{D42A27DB-BD31-4B8C-83A1-F6EECF244321}">
-                <p14:modId xmlns:p14="http://schemas.microsoft.com/office/powerpoint/2010/main" val="1383837749"/>
+                <p14:modId xmlns:p14="http://schemas.microsoft.com/office/powerpoint/2010/main" val="3452493573"/>
               </p:ext>
             </p:extLst>
           </p:nvPr>
         </p:nvGraphicFramePr>
         <p:xfrm>
-          <a:off x="218364" y="764275"/>
-          <a:ext cx="11846257" cy="5827594"/>
+          <a:off x="313899" y="655094"/>
+          <a:ext cx="11382231" cy="5909479"/>
         </p:xfrm>
         <a:graphic>
           <a:graphicData uri="http://schemas.openxmlformats.org/presentationml/2006/ole">
             <mc:AlternateContent xmlns:mc="http://schemas.openxmlformats.org/markup-compatibility/2006">
               <mc:Choice xmlns:v="urn:schemas-microsoft-com:vml" Requires="v">
-                <p:oleObj spid="_x0000_s4120" name="PDF" r:id="rId3" imgW="0" imgH="360" progId="FoxitPhantomPDF.Document">
+                <p:oleObj spid="_x0000_s3104" name="PDF" r:id="rId3" imgW="0" imgH="360" progId="FoxitPhantomPDF.Document">
                   <p:embed/>
                 </p:oleObj>
               </mc:Choice>
@@ -22304,8 +24965,8 @@
                     </p:blipFill>
                     <p:spPr>
                       <a:xfrm>
-                        <a:off x="218364" y="764275"/>
-                        <a:ext cx="11846257" cy="5827594"/>
+                        <a:off x="313899" y="655094"/>
+                        <a:ext cx="11382231" cy="5909479"/>
                       </a:xfrm>
                       <a:prstGeom prst="rect">
                         <a:avLst/>
@@ -22321,7 +24982,7 @@
     </p:spTree>
     <p:extLst>
       <p:ext uri="{BB962C8B-B14F-4D97-AF65-F5344CB8AC3E}">
-        <p14:creationId xmlns:p14="http://schemas.microsoft.com/office/powerpoint/2010/main" val="400169542"/>
+        <p14:creationId xmlns:p14="http://schemas.microsoft.com/office/powerpoint/2010/main" val="1316211118"/>
       </p:ext>
     </p:extLst>
   </p:cSld>
@@ -22629,7 +25290,7 @@
           <a:p>
             <a:r>
               <a:rPr lang="en-US" dirty="0" smtClean="0"/>
-              <a:t>Measurement Format for Earth Work</a:t>
+              <a:t>Measurement Format for Reinforcement</a:t>
             </a:r>
             <a:endParaRPr lang="en-US" dirty="0"/>
           </a:p>
@@ -22684,7 +25345,7 @@
       </p:sp>
       <p:graphicFrame>
         <p:nvGraphicFramePr>
-          <p:cNvPr id="6" name="Content Placeholder 5"/>
+          <p:cNvPr id="4" name="Content Placeholder 3"/>
           <p:cNvGraphicFramePr>
             <a:graphicFrameLocks noGrp="1" noChangeAspect="1"/>
           </p:cNvGraphicFramePr>
@@ -22692,20 +25353,20 @@
             <p:ph idx="1"/>
             <p:extLst>
               <p:ext uri="{D42A27DB-BD31-4B8C-83A1-F6EECF244321}">
-                <p14:modId xmlns:p14="http://schemas.microsoft.com/office/powerpoint/2010/main" val="110191232"/>
+                <p14:modId xmlns:p14="http://schemas.microsoft.com/office/powerpoint/2010/main" val="1383837749"/>
               </p:ext>
             </p:extLst>
           </p:nvPr>
         </p:nvGraphicFramePr>
         <p:xfrm>
-          <a:off x="196566" y="743994"/>
-          <a:ext cx="11281201" cy="5974306"/>
+          <a:off x="218364" y="764275"/>
+          <a:ext cx="11846257" cy="5827594"/>
         </p:xfrm>
         <a:graphic>
           <a:graphicData uri="http://schemas.openxmlformats.org/presentationml/2006/ole">
             <mc:AlternateContent xmlns:mc="http://schemas.openxmlformats.org/markup-compatibility/2006">
               <mc:Choice xmlns:v="urn:schemas-microsoft-com:vml" Requires="v">
-                <p:oleObj spid="_x0000_s5144" name="PDF" r:id="rId3" imgW="0" imgH="360" progId="FoxitPhantomPDF.Document">
+                <p:oleObj spid="_x0000_s4127" name="PDF" r:id="rId3" imgW="0" imgH="360" progId="FoxitPhantomPDF.Document">
                   <p:embed/>
                 </p:oleObj>
               </mc:Choice>
@@ -22726,8 +25387,8 @@
                     </p:blipFill>
                     <p:spPr>
                       <a:xfrm>
-                        <a:off x="196566" y="743994"/>
-                        <a:ext cx="11281201" cy="5974306"/>
+                        <a:off x="218364" y="764275"/>
+                        <a:ext cx="11846257" cy="5827594"/>
                       </a:xfrm>
                       <a:prstGeom prst="rect">
                         <a:avLst/>
@@ -22743,7 +25404,7 @@
     </p:spTree>
     <p:extLst>
       <p:ext uri="{BB962C8B-B14F-4D97-AF65-F5344CB8AC3E}">
-        <p14:creationId xmlns:p14="http://schemas.microsoft.com/office/powerpoint/2010/main" val="3932218657"/>
+        <p14:creationId xmlns:p14="http://schemas.microsoft.com/office/powerpoint/2010/main" val="400169542"/>
       </p:ext>
     </p:extLst>
   </p:cSld>
@@ -22987,7 +25648,7 @@
       </p:sp>
       <p:graphicFrame>
         <p:nvGraphicFramePr>
-          <p:cNvPr id="4" name="Content Placeholder 3"/>
+          <p:cNvPr id="6" name="Content Placeholder 5"/>
           <p:cNvGraphicFramePr>
             <a:graphicFrameLocks noGrp="1" noChangeAspect="1"/>
           </p:cNvGraphicFramePr>
@@ -22995,20 +25656,20 @@
             <p:ph idx="1"/>
             <p:extLst>
               <p:ext uri="{D42A27DB-BD31-4B8C-83A1-F6EECF244321}">
-                <p14:modId xmlns:p14="http://schemas.microsoft.com/office/powerpoint/2010/main" val="3767209284"/>
+                <p14:modId xmlns:p14="http://schemas.microsoft.com/office/powerpoint/2010/main" val="110191232"/>
               </p:ext>
             </p:extLst>
           </p:nvPr>
         </p:nvGraphicFramePr>
         <p:xfrm>
-          <a:off x="203200" y="774700"/>
-          <a:ext cx="11988800" cy="5930900"/>
+          <a:off x="196566" y="743994"/>
+          <a:ext cx="11281201" cy="5974306"/>
         </p:xfrm>
         <a:graphic>
           <a:graphicData uri="http://schemas.openxmlformats.org/presentationml/2006/ole">
             <mc:AlternateContent xmlns:mc="http://schemas.openxmlformats.org/markup-compatibility/2006">
               <mc:Choice xmlns:v="urn:schemas-microsoft-com:vml" Requires="v">
-                <p:oleObj spid="_x0000_s6168" name="PDF" r:id="rId3" imgW="0" imgH="360" progId="FoxitPhantomPDF.Document">
+                <p:oleObj spid="_x0000_s5151" name="PDF" r:id="rId3" imgW="0" imgH="360" progId="FoxitPhantomPDF.Document">
                   <p:embed/>
                 </p:oleObj>
               </mc:Choice>
@@ -23029,8 +25690,8 @@
                     </p:blipFill>
                     <p:spPr>
                       <a:xfrm>
-                        <a:off x="203200" y="774700"/>
-                        <a:ext cx="11988800" cy="5930900"/>
+                        <a:off x="196566" y="743994"/>
+                        <a:ext cx="11281201" cy="5974306"/>
                       </a:xfrm>
                       <a:prstGeom prst="rect">
                         <a:avLst/>
@@ -23046,7 +25707,7 @@
     </p:spTree>
     <p:extLst>
       <p:ext uri="{BB962C8B-B14F-4D97-AF65-F5344CB8AC3E}">
-        <p14:creationId xmlns:p14="http://schemas.microsoft.com/office/powerpoint/2010/main" val="3611471658"/>
+        <p14:creationId xmlns:p14="http://schemas.microsoft.com/office/powerpoint/2010/main" val="3932218657"/>
       </p:ext>
     </p:extLst>
   </p:cSld>
@@ -23233,10 +25894,9 @@
           </a:bodyPr>
           <a:lstStyle/>
           <a:p>
-            <a:pPr algn="ctr"/>
             <a:r>
               <a:rPr lang="en-US" dirty="0" smtClean="0"/>
-              <a:t>Measurement Format for General Items Not Covered Above</a:t>
+              <a:t>Measurement Format for Earth Work</a:t>
             </a:r>
             <a:endParaRPr lang="en-US" dirty="0"/>
           </a:p>
@@ -23291,7 +25951,7 @@
       </p:sp>
       <p:graphicFrame>
         <p:nvGraphicFramePr>
-          <p:cNvPr id="6" name="Content Placeholder 5"/>
+          <p:cNvPr id="4" name="Content Placeholder 3"/>
           <p:cNvGraphicFramePr>
             <a:graphicFrameLocks noGrp="1" noChangeAspect="1"/>
           </p:cNvGraphicFramePr>
@@ -23299,20 +25959,20 @@
             <p:ph idx="1"/>
             <p:extLst>
               <p:ext uri="{D42A27DB-BD31-4B8C-83A1-F6EECF244321}">
-                <p14:modId xmlns:p14="http://schemas.microsoft.com/office/powerpoint/2010/main" val="2983899406"/>
+                <p14:modId xmlns:p14="http://schemas.microsoft.com/office/powerpoint/2010/main" val="3767209284"/>
               </p:ext>
             </p:extLst>
           </p:nvPr>
         </p:nvGraphicFramePr>
         <p:xfrm>
-          <a:off x="313900" y="927100"/>
-          <a:ext cx="11560600" cy="5638800"/>
+          <a:off x="203200" y="774700"/>
+          <a:ext cx="11988800" cy="5930900"/>
         </p:xfrm>
         <a:graphic>
           <a:graphicData uri="http://schemas.openxmlformats.org/presentationml/2006/ole">
             <mc:AlternateContent xmlns:mc="http://schemas.openxmlformats.org/markup-compatibility/2006">
               <mc:Choice xmlns:v="urn:schemas-microsoft-com:vml" Requires="v">
-                <p:oleObj spid="_x0000_s7191" name="PDF" r:id="rId3" imgW="0" imgH="360" progId="FoxitPhantomPDF.Document">
+                <p:oleObj spid="_x0000_s6175" name="PDF" r:id="rId3" imgW="0" imgH="360" progId="FoxitPhantomPDF.Document">
                   <p:embed/>
                 </p:oleObj>
               </mc:Choice>
@@ -23333,8 +25993,8 @@
                     </p:blipFill>
                     <p:spPr>
                       <a:xfrm>
-                        <a:off x="313900" y="927100"/>
-                        <a:ext cx="11560600" cy="5638800"/>
+                        <a:off x="203200" y="774700"/>
+                        <a:ext cx="11988800" cy="5930900"/>
                       </a:xfrm>
                       <a:prstGeom prst="rect">
                         <a:avLst/>
@@ -23350,7 +26010,7 @@
     </p:spTree>
     <p:extLst>
       <p:ext uri="{BB962C8B-B14F-4D97-AF65-F5344CB8AC3E}">
-        <p14:creationId xmlns:p14="http://schemas.microsoft.com/office/powerpoint/2010/main" val="31238228"/>
+        <p14:creationId xmlns:p14="http://schemas.microsoft.com/office/powerpoint/2010/main" val="3611471658"/>
       </p:ext>
     </p:extLst>
   </p:cSld>
@@ -23540,7 +26200,7 @@
             <a:pPr algn="ctr"/>
             <a:r>
               <a:rPr lang="en-US" dirty="0" smtClean="0"/>
-              <a:t>Summary of Measurement</a:t>
+              <a:t>Measurement Format for General Items Not Covered Above</a:t>
             </a:r>
             <a:endParaRPr lang="en-US" dirty="0"/>
           </a:p>
@@ -23595,7 +26255,7 @@
       </p:sp>
       <p:graphicFrame>
         <p:nvGraphicFramePr>
-          <p:cNvPr id="4" name="Content Placeholder 3"/>
+          <p:cNvPr id="6" name="Content Placeholder 5"/>
           <p:cNvGraphicFramePr>
             <a:graphicFrameLocks noGrp="1" noChangeAspect="1"/>
           </p:cNvGraphicFramePr>
@@ -23603,20 +26263,20 @@
             <p:ph idx="1"/>
             <p:extLst>
               <p:ext uri="{D42A27DB-BD31-4B8C-83A1-F6EECF244321}">
-                <p14:modId xmlns:p14="http://schemas.microsoft.com/office/powerpoint/2010/main" val="1942178247"/>
+                <p14:modId xmlns:p14="http://schemas.microsoft.com/office/powerpoint/2010/main" val="2983899406"/>
               </p:ext>
             </p:extLst>
           </p:nvPr>
         </p:nvGraphicFramePr>
         <p:xfrm>
-          <a:off x="165100" y="812800"/>
-          <a:ext cx="11696700" cy="5740400"/>
+          <a:off x="313900" y="927100"/>
+          <a:ext cx="11560600" cy="5638800"/>
         </p:xfrm>
         <a:graphic>
           <a:graphicData uri="http://schemas.openxmlformats.org/presentationml/2006/ole">
             <mc:AlternateContent xmlns:mc="http://schemas.openxmlformats.org/markup-compatibility/2006">
               <mc:Choice xmlns:v="urn:schemas-microsoft-com:vml" Requires="v">
-                <p:oleObj spid="_x0000_s8215" name="PDF" r:id="rId3" imgW="0" imgH="360" progId="FoxitPhantomPDF.Document">
+                <p:oleObj spid="_x0000_s7198" name="PDF" r:id="rId3" imgW="0" imgH="360" progId="FoxitPhantomPDF.Document">
                   <p:embed/>
                 </p:oleObj>
               </mc:Choice>
@@ -23637,8 +26297,8 @@
                     </p:blipFill>
                     <p:spPr>
                       <a:xfrm>
-                        <a:off x="165100" y="812800"/>
-                        <a:ext cx="11696700" cy="5740400"/>
+                        <a:off x="313900" y="927100"/>
+                        <a:ext cx="11560600" cy="5638800"/>
                       </a:xfrm>
                       <a:prstGeom prst="rect">
                         <a:avLst/>
@@ -23654,7 +26314,7 @@
     </p:spTree>
     <p:extLst>
       <p:ext uri="{BB962C8B-B14F-4D97-AF65-F5344CB8AC3E}">
-        <p14:creationId xmlns:p14="http://schemas.microsoft.com/office/powerpoint/2010/main" val="295378728"/>
+        <p14:creationId xmlns:p14="http://schemas.microsoft.com/office/powerpoint/2010/main" val="31238228"/>
       </p:ext>
     </p:extLst>
   </p:cSld>
@@ -23844,7 +26504,7 @@
             <a:pPr algn="ctr"/>
             <a:r>
               <a:rPr lang="en-US" dirty="0" smtClean="0"/>
-              <a:t>Standard Sampling and Testing for Embankment</a:t>
+              <a:t>Summary of Measurement</a:t>
             </a:r>
             <a:endParaRPr lang="en-US" dirty="0"/>
           </a:p>
@@ -23899,1323 +26559,66 @@
       </p:sp>
       <p:graphicFrame>
         <p:nvGraphicFramePr>
-          <p:cNvPr id="6" name="Table 5"/>
+          <p:cNvPr id="4" name="Content Placeholder 3"/>
           <p:cNvGraphicFramePr>
-            <a:graphicFrameLocks noGrp="1"/>
+            <a:graphicFrameLocks noGrp="1" noChangeAspect="1"/>
           </p:cNvGraphicFramePr>
           <p:nvPr>
+            <p:ph idx="1"/>
             <p:extLst>
               <p:ext uri="{D42A27DB-BD31-4B8C-83A1-F6EECF244321}">
-                <p14:modId xmlns:p14="http://schemas.microsoft.com/office/powerpoint/2010/main" val="743819975"/>
+                <p14:modId xmlns:p14="http://schemas.microsoft.com/office/powerpoint/2010/main" val="1942178247"/>
               </p:ext>
             </p:extLst>
           </p:nvPr>
         </p:nvGraphicFramePr>
         <p:xfrm>
-          <a:off x="635001" y="812324"/>
-          <a:ext cx="10842767" cy="5979807"/>
+          <a:off x="165100" y="812800"/>
+          <a:ext cx="11696700" cy="5740400"/>
         </p:xfrm>
         <a:graphic>
-          <a:graphicData uri="http://schemas.openxmlformats.org/drawingml/2006/table">
-            <a:tbl>
-              <a:tblPr firstRow="1" firstCol="1" lastRow="1" lastCol="1" bandRow="1" bandCol="1">
-                <a:tableStyleId>{5C22544A-7EE6-4342-B048-85BDC9FD1C3A}</a:tableStyleId>
-              </a:tblPr>
-              <a:tblGrid>
-                <a:gridCol w="678413">
-                  <a:extLst>
-                    <a:ext uri="{9D8B030D-6E8A-4147-A177-3AD203B41FA5}">
-                      <a16:colId xmlns:a16="http://schemas.microsoft.com/office/drawing/2014/main" val="1746728612"/>
-                    </a:ext>
-                  </a:extLst>
-                </a:gridCol>
-                <a:gridCol w="2372078">
-                  <a:extLst>
-                    <a:ext uri="{9D8B030D-6E8A-4147-A177-3AD203B41FA5}">
-                      <a16:colId xmlns:a16="http://schemas.microsoft.com/office/drawing/2014/main" val="715445339"/>
-                    </a:ext>
-                  </a:extLst>
-                </a:gridCol>
-                <a:gridCol w="5443919">
-                  <a:extLst>
-                    <a:ext uri="{9D8B030D-6E8A-4147-A177-3AD203B41FA5}">
-                      <a16:colId xmlns:a16="http://schemas.microsoft.com/office/drawing/2014/main" val="3658057331"/>
-                    </a:ext>
-                  </a:extLst>
-                </a:gridCol>
-                <a:gridCol w="2348357">
-                  <a:extLst>
-                    <a:ext uri="{9D8B030D-6E8A-4147-A177-3AD203B41FA5}">
-                      <a16:colId xmlns:a16="http://schemas.microsoft.com/office/drawing/2014/main" val="2749780671"/>
-                    </a:ext>
-                  </a:extLst>
-                </a:gridCol>
-              </a:tblGrid>
-              <a:tr h="290758">
-                <a:tc>
-                  <a:txBody>
-                    <a:bodyPr/>
-                    <a:lstStyle/>
-                    <a:p>
-                      <a:pPr marL="0" marR="0" algn="ctr">
-                        <a:lnSpc>
-                          <a:spcPct val="150000"/>
-                        </a:lnSpc>
-                        <a:spcBef>
-                          <a:spcPts val="0"/>
-                        </a:spcBef>
-                        <a:spcAft>
-                          <a:spcPts val="0"/>
-                        </a:spcAft>
-                      </a:pPr>
-                      <a:r>
-                        <a:rPr lang="en-US" sz="1100">
-                          <a:effectLst/>
-                        </a:rPr>
-                        <a:t>Sl</a:t>
-                      </a:r>
-                      <a:endParaRPr lang="en-US" sz="1000">
-                        <a:effectLst/>
-                        <a:latin typeface="Calibri" panose="020F0502020204030204" pitchFamily="34" charset="0"/>
-                        <a:ea typeface="Calibri" panose="020F0502020204030204" pitchFamily="34" charset="0"/>
-                        <a:cs typeface="Vrinda" panose="020B0502040204020203" pitchFamily="34" charset="0"/>
-                      </a:endParaRPr>
-                    </a:p>
-                  </a:txBody>
-                  <a:tcPr marL="61450" marR="61450" marT="0" marB="0" anchor="ctr"/>
-                </a:tc>
-                <a:tc>
-                  <a:txBody>
-                    <a:bodyPr/>
-                    <a:lstStyle/>
-                    <a:p>
-                      <a:pPr marL="0" marR="0" algn="ctr">
-                        <a:lnSpc>
-                          <a:spcPct val="150000"/>
-                        </a:lnSpc>
-                        <a:spcBef>
-                          <a:spcPts val="0"/>
-                        </a:spcBef>
-                        <a:spcAft>
-                          <a:spcPts val="0"/>
-                        </a:spcAft>
-                      </a:pPr>
-                      <a:r>
-                        <a:rPr lang="en-US" sz="1100">
-                          <a:effectLst/>
-                        </a:rPr>
-                        <a:t>Name of Test</a:t>
-                      </a:r>
-                      <a:endParaRPr lang="en-US" sz="1000">
-                        <a:effectLst/>
-                        <a:latin typeface="Calibri" panose="020F0502020204030204" pitchFamily="34" charset="0"/>
-                        <a:ea typeface="Calibri" panose="020F0502020204030204" pitchFamily="34" charset="0"/>
-                        <a:cs typeface="Vrinda" panose="020B0502040204020203" pitchFamily="34" charset="0"/>
-                      </a:endParaRPr>
-                    </a:p>
-                  </a:txBody>
-                  <a:tcPr marL="61450" marR="61450" marT="0" marB="0" anchor="ctr"/>
-                </a:tc>
-                <a:tc>
-                  <a:txBody>
-                    <a:bodyPr/>
-                    <a:lstStyle/>
-                    <a:p>
-                      <a:pPr marL="0" marR="0" algn="ctr">
-                        <a:lnSpc>
-                          <a:spcPct val="150000"/>
-                        </a:lnSpc>
-                        <a:spcBef>
-                          <a:spcPts val="0"/>
-                        </a:spcBef>
-                        <a:spcAft>
-                          <a:spcPts val="0"/>
-                        </a:spcAft>
-                      </a:pPr>
-                      <a:r>
-                        <a:rPr lang="en-US" sz="1100">
-                          <a:effectLst/>
-                        </a:rPr>
-                        <a:t>Frequency of Test</a:t>
-                      </a:r>
-                      <a:endParaRPr lang="en-US" sz="1000">
-                        <a:effectLst/>
-                        <a:latin typeface="Calibri" panose="020F0502020204030204" pitchFamily="34" charset="0"/>
-                        <a:ea typeface="Calibri" panose="020F0502020204030204" pitchFamily="34" charset="0"/>
-                        <a:cs typeface="Vrinda" panose="020B0502040204020203" pitchFamily="34" charset="0"/>
-                      </a:endParaRPr>
-                    </a:p>
-                  </a:txBody>
-                  <a:tcPr marL="61450" marR="61450" marT="0" marB="0" anchor="ctr"/>
-                </a:tc>
-                <a:tc>
-                  <a:txBody>
-                    <a:bodyPr/>
-                    <a:lstStyle/>
-                    <a:p>
-                      <a:pPr marL="0" marR="0" algn="ctr">
-                        <a:lnSpc>
-                          <a:spcPct val="150000"/>
-                        </a:lnSpc>
-                        <a:spcBef>
-                          <a:spcPts val="0"/>
-                        </a:spcBef>
-                        <a:spcAft>
-                          <a:spcPts val="0"/>
-                        </a:spcAft>
-                      </a:pPr>
-                      <a:r>
-                        <a:rPr lang="en-US" sz="1100">
-                          <a:effectLst/>
-                        </a:rPr>
-                        <a:t>Test Method</a:t>
-                      </a:r>
-                      <a:endParaRPr lang="en-US" sz="1000">
-                        <a:effectLst/>
-                        <a:latin typeface="Calibri" panose="020F0502020204030204" pitchFamily="34" charset="0"/>
-                        <a:ea typeface="Calibri" panose="020F0502020204030204" pitchFamily="34" charset="0"/>
-                        <a:cs typeface="Vrinda" panose="020B0502040204020203" pitchFamily="34" charset="0"/>
-                      </a:endParaRPr>
-                    </a:p>
-                  </a:txBody>
-                  <a:tcPr marL="61450" marR="61450" marT="0" marB="0" anchor="ctr"/>
-                </a:tc>
-                <a:extLst>
-                  <a:ext uri="{0D108BD9-81ED-4DB2-BD59-A6C34878D82A}">
-                    <a16:rowId xmlns:a16="http://schemas.microsoft.com/office/drawing/2014/main" val="885273331"/>
-                  </a:ext>
-                </a:extLst>
-              </a:tr>
-              <a:tr h="1421066">
-                <a:tc>
-                  <a:txBody>
-                    <a:bodyPr/>
-                    <a:lstStyle/>
-                    <a:p>
-                      <a:pPr marL="0" marR="0" algn="just">
-                        <a:lnSpc>
-                          <a:spcPct val="150000"/>
-                        </a:lnSpc>
-                        <a:spcBef>
-                          <a:spcPts val="0"/>
-                        </a:spcBef>
-                        <a:spcAft>
-                          <a:spcPts val="0"/>
-                        </a:spcAft>
-                      </a:pPr>
-                      <a:r>
-                        <a:rPr lang="en-US" sz="1100" kern="100">
-                          <a:effectLst/>
-                        </a:rPr>
-                        <a:t>1</a:t>
-                      </a:r>
-                      <a:endParaRPr lang="en-US" sz="1000">
-                        <a:effectLst/>
-                        <a:latin typeface="Calibri" panose="020F0502020204030204" pitchFamily="34" charset="0"/>
-                        <a:ea typeface="Calibri" panose="020F0502020204030204" pitchFamily="34" charset="0"/>
-                        <a:cs typeface="Vrinda" panose="020B0502040204020203" pitchFamily="34" charset="0"/>
-                      </a:endParaRPr>
-                    </a:p>
-                  </a:txBody>
-                  <a:tcPr marL="61450" marR="61450" marT="0" marB="0" anchor="ctr"/>
-                </a:tc>
-                <a:tc>
-                  <a:txBody>
-                    <a:bodyPr/>
-                    <a:lstStyle/>
-                    <a:p>
-                      <a:pPr marL="0" marR="0" algn="l" defTabSz="914400" rtl="0" eaLnBrk="1" latinLnBrk="0" hangingPunct="1">
-                        <a:lnSpc>
-                          <a:spcPct val="150000"/>
-                        </a:lnSpc>
-                        <a:spcBef>
-                          <a:spcPts val="0"/>
-                        </a:spcBef>
-                        <a:spcAft>
-                          <a:spcPts val="0"/>
-                        </a:spcAft>
-                      </a:pPr>
-                      <a:r>
-                        <a:rPr lang="en-US" sz="1600" b="1" kern="100" dirty="0" err="1">
-                          <a:solidFill>
-                            <a:schemeClr val="tx1"/>
-                          </a:solidFill>
-                          <a:effectLst/>
-                          <a:latin typeface="+mn-lt"/>
-                          <a:ea typeface="+mn-ea"/>
-                          <a:cs typeface="+mn-cs"/>
-                        </a:rPr>
-                        <a:t>Atterberg's</a:t>
-                      </a:r>
-                      <a:r>
-                        <a:rPr lang="en-US" sz="1600" b="1" kern="100" dirty="0">
-                          <a:solidFill>
-                            <a:schemeClr val="tx1"/>
-                          </a:solidFill>
-                          <a:effectLst/>
-                          <a:latin typeface="+mn-lt"/>
-                          <a:ea typeface="+mn-ea"/>
-                          <a:cs typeface="+mn-cs"/>
-                        </a:rPr>
-                        <a:t> Limit</a:t>
-                      </a:r>
-                    </a:p>
-                    <a:p>
-                      <a:pPr marL="0" marR="0" algn="l" defTabSz="914400" rtl="0" eaLnBrk="1" latinLnBrk="0" hangingPunct="1">
-                        <a:lnSpc>
-                          <a:spcPct val="150000"/>
-                        </a:lnSpc>
-                        <a:spcBef>
-                          <a:spcPts val="0"/>
-                        </a:spcBef>
-                        <a:spcAft>
-                          <a:spcPts val="0"/>
-                        </a:spcAft>
-                      </a:pPr>
-                      <a:r>
-                        <a:rPr lang="en-US" sz="1600" b="1" kern="100" dirty="0">
-                          <a:solidFill>
-                            <a:schemeClr val="tx1"/>
-                          </a:solidFill>
-                          <a:effectLst/>
-                          <a:latin typeface="+mn-lt"/>
-                          <a:ea typeface="+mn-ea"/>
-                          <a:cs typeface="+mn-cs"/>
-                        </a:rPr>
-                        <a:t>(Plastic Limit &amp;</a:t>
-                      </a:r>
-                    </a:p>
-                    <a:p>
-                      <a:pPr marL="0" marR="0" algn="l" defTabSz="914400" rtl="0" eaLnBrk="1" latinLnBrk="0" hangingPunct="1">
-                        <a:lnSpc>
-                          <a:spcPct val="150000"/>
-                        </a:lnSpc>
-                        <a:spcBef>
-                          <a:spcPts val="0"/>
-                        </a:spcBef>
-                        <a:spcAft>
-                          <a:spcPts val="0"/>
-                        </a:spcAft>
-                      </a:pPr>
-                      <a:r>
-                        <a:rPr lang="en-US" sz="1600" b="1" kern="100" dirty="0">
-                          <a:solidFill>
-                            <a:schemeClr val="tx1"/>
-                          </a:solidFill>
-                          <a:effectLst/>
-                          <a:latin typeface="+mn-lt"/>
-                          <a:ea typeface="+mn-ea"/>
-                          <a:cs typeface="+mn-cs"/>
-                        </a:rPr>
-                        <a:t>Liquid Limit)</a:t>
-                      </a:r>
-                    </a:p>
-                  </a:txBody>
-                  <a:tcPr marL="61450" marR="61450" marT="0" marB="0" anchor="ctr"/>
-                </a:tc>
-                <a:tc>
-                  <a:txBody>
-                    <a:bodyPr/>
-                    <a:lstStyle/>
-                    <a:p>
-                      <a:pPr marL="0" marR="0" algn="l" defTabSz="914400" rtl="0" eaLnBrk="1" latinLnBrk="0" hangingPunct="1">
-                        <a:lnSpc>
-                          <a:spcPct val="150000"/>
-                        </a:lnSpc>
-                        <a:spcBef>
-                          <a:spcPts val="0"/>
-                        </a:spcBef>
-                        <a:spcAft>
-                          <a:spcPts val="0"/>
-                        </a:spcAft>
-                      </a:pPr>
-                      <a:r>
-                        <a:rPr lang="en-US" sz="1600" b="1" kern="100" dirty="0">
-                          <a:solidFill>
-                            <a:schemeClr val="tx1"/>
-                          </a:solidFill>
-                          <a:effectLst/>
-                          <a:latin typeface="+mn-lt"/>
-                          <a:ea typeface="+mn-ea"/>
-                          <a:cs typeface="+mn-cs"/>
-                        </a:rPr>
-                        <a:t>1. For each source of fill materials</a:t>
-                      </a:r>
-                    </a:p>
-                    <a:p>
-                      <a:pPr marL="0" marR="0" indent="-184150" algn="l" defTabSz="914400" rtl="0" eaLnBrk="1" latinLnBrk="0" hangingPunct="1">
-                        <a:lnSpc>
-                          <a:spcPct val="150000"/>
-                        </a:lnSpc>
-                        <a:spcBef>
-                          <a:spcPts val="0"/>
-                        </a:spcBef>
-                        <a:spcAft>
-                          <a:spcPts val="0"/>
-                        </a:spcAft>
-                      </a:pPr>
-                      <a:r>
-                        <a:rPr lang="en-US" sz="1600" b="1" kern="100" dirty="0">
-                          <a:solidFill>
-                            <a:schemeClr val="tx1"/>
-                          </a:solidFill>
-                          <a:effectLst/>
-                          <a:latin typeface="+mn-lt"/>
-                          <a:ea typeface="+mn-ea"/>
-                          <a:cs typeface="+mn-cs"/>
-                        </a:rPr>
-                        <a:t>2. One Sample for each 10,000 Cum of fill material</a:t>
-                      </a:r>
-                    </a:p>
-                    <a:p>
-                      <a:pPr marL="0" marR="0" indent="-184150" algn="l" defTabSz="914400" rtl="0" eaLnBrk="1" latinLnBrk="0" hangingPunct="1">
-                        <a:lnSpc>
-                          <a:spcPct val="150000"/>
-                        </a:lnSpc>
-                        <a:spcBef>
-                          <a:spcPts val="0"/>
-                        </a:spcBef>
-                        <a:spcAft>
-                          <a:spcPts val="0"/>
-                        </a:spcAft>
-                      </a:pPr>
-                      <a:r>
-                        <a:rPr lang="en-US" sz="1600" b="1" kern="100" dirty="0">
-                          <a:solidFill>
-                            <a:schemeClr val="tx1"/>
-                          </a:solidFill>
-                          <a:effectLst/>
-                          <a:latin typeface="+mn-lt"/>
-                          <a:ea typeface="+mn-ea"/>
-                          <a:cs typeface="+mn-cs"/>
-                        </a:rPr>
-                        <a:t>3. Change in the Characteristics of the material noticed on visual examination.</a:t>
-                      </a:r>
-                    </a:p>
-                  </a:txBody>
-                  <a:tcPr marL="61450" marR="61450" marT="0" marB="0" anchor="ctr"/>
-                </a:tc>
-                <a:tc>
-                  <a:txBody>
-                    <a:bodyPr/>
-                    <a:lstStyle/>
-                    <a:p>
-                      <a:pPr marL="0" marR="0" algn="l">
-                        <a:lnSpc>
-                          <a:spcPct val="150000"/>
-                        </a:lnSpc>
-                        <a:spcBef>
-                          <a:spcPts val="0"/>
-                        </a:spcBef>
-                        <a:spcAft>
-                          <a:spcPts val="0"/>
-                        </a:spcAft>
-                      </a:pPr>
-                      <a:r>
-                        <a:rPr lang="en-US" sz="1600" kern="100" dirty="0">
-                          <a:solidFill>
-                            <a:schemeClr val="tx1"/>
-                          </a:solidFill>
-                          <a:effectLst/>
-                        </a:rPr>
-                        <a:t>ASTM D 4318 </a:t>
-                      </a:r>
-                      <a:br>
-                        <a:rPr lang="en-US" sz="1600" kern="100" dirty="0">
-                          <a:solidFill>
-                            <a:schemeClr val="tx1"/>
-                          </a:solidFill>
-                          <a:effectLst/>
-                        </a:rPr>
-                      </a:br>
-                      <a:r>
-                        <a:rPr lang="en-US" sz="1600" kern="100" dirty="0">
-                          <a:solidFill>
-                            <a:schemeClr val="tx1"/>
-                          </a:solidFill>
-                          <a:effectLst/>
-                        </a:rPr>
-                        <a:t>or Equivalent</a:t>
-                      </a:r>
-                      <a:endParaRPr lang="en-US" sz="1600" dirty="0">
-                        <a:solidFill>
-                          <a:schemeClr val="tx1"/>
-                        </a:solidFill>
-                        <a:effectLst/>
-                        <a:latin typeface="Calibri" panose="020F0502020204030204" pitchFamily="34" charset="0"/>
-                        <a:ea typeface="Calibri" panose="020F0502020204030204" pitchFamily="34" charset="0"/>
-                        <a:cs typeface="Vrinda" panose="020B0502040204020203" pitchFamily="34" charset="0"/>
-                      </a:endParaRPr>
-                    </a:p>
-                  </a:txBody>
-                  <a:tcPr marL="61450" marR="61450" marT="0" marB="0" anchor="ctr"/>
-                </a:tc>
-                <a:extLst>
-                  <a:ext uri="{0D108BD9-81ED-4DB2-BD59-A6C34878D82A}">
-                    <a16:rowId xmlns:a16="http://schemas.microsoft.com/office/drawing/2014/main" val="879665230"/>
-                  </a:ext>
-                </a:extLst>
-              </a:tr>
-              <a:tr h="872274">
-                <a:tc>
-                  <a:txBody>
-                    <a:bodyPr/>
-                    <a:lstStyle/>
-                    <a:p>
-                      <a:pPr marL="0" marR="0" algn="just">
-                        <a:lnSpc>
-                          <a:spcPct val="150000"/>
-                        </a:lnSpc>
-                        <a:spcBef>
-                          <a:spcPts val="0"/>
-                        </a:spcBef>
-                        <a:spcAft>
-                          <a:spcPts val="0"/>
-                        </a:spcAft>
-                      </a:pPr>
-                      <a:r>
-                        <a:rPr lang="en-US" sz="1100" kern="100">
-                          <a:effectLst/>
-                        </a:rPr>
-                        <a:t>2</a:t>
-                      </a:r>
-                      <a:endParaRPr lang="en-US" sz="1000">
-                        <a:effectLst/>
-                        <a:latin typeface="Calibri" panose="020F0502020204030204" pitchFamily="34" charset="0"/>
-                        <a:ea typeface="Calibri" panose="020F0502020204030204" pitchFamily="34" charset="0"/>
-                        <a:cs typeface="Vrinda" panose="020B0502040204020203" pitchFamily="34" charset="0"/>
-                      </a:endParaRPr>
-                    </a:p>
-                  </a:txBody>
-                  <a:tcPr marL="61450" marR="61450" marT="0" marB="0" anchor="ctr"/>
-                </a:tc>
-                <a:tc>
-                  <a:txBody>
-                    <a:bodyPr/>
-                    <a:lstStyle/>
-                    <a:p>
-                      <a:pPr marL="0" marR="0" algn="l" defTabSz="914400" rtl="0" eaLnBrk="1" latinLnBrk="0" hangingPunct="1">
-                        <a:lnSpc>
-                          <a:spcPct val="150000"/>
-                        </a:lnSpc>
-                        <a:spcBef>
-                          <a:spcPts val="0"/>
-                        </a:spcBef>
-                        <a:spcAft>
-                          <a:spcPts val="0"/>
-                        </a:spcAft>
-                      </a:pPr>
-                      <a:r>
-                        <a:rPr lang="en-US" sz="1600" b="1" kern="100" dirty="0">
-                          <a:solidFill>
-                            <a:schemeClr val="tx1"/>
-                          </a:solidFill>
-                          <a:effectLst/>
-                          <a:latin typeface="+mn-lt"/>
-                          <a:ea typeface="+mn-ea"/>
-                          <a:cs typeface="+mn-cs"/>
-                        </a:rPr>
-                        <a:t>Grain Size Distribution </a:t>
-                      </a:r>
-                    </a:p>
-                  </a:txBody>
-                  <a:tcPr marL="61450" marR="61450" marT="0" marB="0" anchor="ctr"/>
-                </a:tc>
-                <a:tc>
-                  <a:txBody>
-                    <a:bodyPr/>
-                    <a:lstStyle/>
-                    <a:p>
-                      <a:pPr marL="0" marR="0" algn="l" defTabSz="914400" rtl="0" eaLnBrk="1" latinLnBrk="0" hangingPunct="1">
-                        <a:lnSpc>
-                          <a:spcPct val="150000"/>
-                        </a:lnSpc>
-                        <a:spcBef>
-                          <a:spcPts val="0"/>
-                        </a:spcBef>
-                        <a:spcAft>
-                          <a:spcPts val="0"/>
-                        </a:spcAft>
-                      </a:pPr>
-                      <a:r>
-                        <a:rPr lang="en-US" sz="1600" b="1" kern="100" dirty="0">
-                          <a:solidFill>
-                            <a:schemeClr val="tx1"/>
-                          </a:solidFill>
-                          <a:effectLst/>
-                          <a:latin typeface="+mn-lt"/>
-                          <a:ea typeface="+mn-ea"/>
-                          <a:cs typeface="+mn-cs"/>
-                        </a:rPr>
-                        <a:t>As stated above </a:t>
-                      </a:r>
-                    </a:p>
-                  </a:txBody>
-                  <a:tcPr marL="61450" marR="61450" marT="0" marB="0" anchor="ctr"/>
-                </a:tc>
-                <a:tc>
-                  <a:txBody>
-                    <a:bodyPr/>
-                    <a:lstStyle/>
-                    <a:p>
-                      <a:pPr marL="0" marR="0" algn="l">
-                        <a:lnSpc>
-                          <a:spcPct val="150000"/>
-                        </a:lnSpc>
-                        <a:spcBef>
-                          <a:spcPts val="0"/>
-                        </a:spcBef>
-                        <a:spcAft>
-                          <a:spcPts val="0"/>
-                        </a:spcAft>
-                      </a:pPr>
-                      <a:r>
-                        <a:rPr lang="en-US" sz="1600" kern="100">
-                          <a:solidFill>
-                            <a:schemeClr val="tx1"/>
-                          </a:solidFill>
-                          <a:effectLst/>
-                        </a:rPr>
-                        <a:t>ASTM D 422 </a:t>
-                      </a:r>
-                      <a:br>
-                        <a:rPr lang="en-US" sz="1600" kern="100">
-                          <a:solidFill>
-                            <a:schemeClr val="tx1"/>
-                          </a:solidFill>
-                          <a:effectLst/>
-                        </a:rPr>
-                      </a:br>
-                      <a:r>
-                        <a:rPr lang="en-US" sz="1600" kern="100">
-                          <a:solidFill>
-                            <a:schemeClr val="tx1"/>
-                          </a:solidFill>
-                          <a:effectLst/>
-                        </a:rPr>
-                        <a:t>or </a:t>
-                      </a:r>
-                      <a:br>
-                        <a:rPr lang="en-US" sz="1600" kern="100">
-                          <a:solidFill>
-                            <a:schemeClr val="tx1"/>
-                          </a:solidFill>
-                          <a:effectLst/>
-                        </a:rPr>
-                      </a:br>
-                      <a:r>
-                        <a:rPr lang="en-US" sz="1600" kern="100">
-                          <a:solidFill>
-                            <a:schemeClr val="tx1"/>
-                          </a:solidFill>
-                          <a:effectLst/>
-                        </a:rPr>
-                        <a:t>Equivalent</a:t>
-                      </a:r>
-                      <a:endParaRPr lang="en-US" sz="1600">
-                        <a:solidFill>
-                          <a:schemeClr val="tx1"/>
-                        </a:solidFill>
-                        <a:effectLst/>
-                        <a:latin typeface="Calibri" panose="020F0502020204030204" pitchFamily="34" charset="0"/>
-                        <a:ea typeface="Calibri" panose="020F0502020204030204" pitchFamily="34" charset="0"/>
-                        <a:cs typeface="Vrinda" panose="020B0502040204020203" pitchFamily="34" charset="0"/>
-                      </a:endParaRPr>
-                    </a:p>
-                  </a:txBody>
-                  <a:tcPr marL="61450" marR="61450" marT="0" marB="0" anchor="ctr"/>
-                </a:tc>
-                <a:extLst>
-                  <a:ext uri="{0D108BD9-81ED-4DB2-BD59-A6C34878D82A}">
-                    <a16:rowId xmlns:a16="http://schemas.microsoft.com/office/drawing/2014/main" val="2926806311"/>
-                  </a:ext>
-                </a:extLst>
-              </a:tr>
-              <a:tr h="581516">
-                <a:tc>
-                  <a:txBody>
-                    <a:bodyPr/>
-                    <a:lstStyle/>
-                    <a:p>
-                      <a:pPr marL="0" marR="0" algn="just">
-                        <a:lnSpc>
-                          <a:spcPct val="150000"/>
-                        </a:lnSpc>
-                        <a:spcBef>
-                          <a:spcPts val="0"/>
-                        </a:spcBef>
-                        <a:spcAft>
-                          <a:spcPts val="0"/>
-                        </a:spcAft>
-                      </a:pPr>
-                      <a:r>
-                        <a:rPr lang="en-US" sz="1100" kern="100">
-                          <a:effectLst/>
-                        </a:rPr>
-                        <a:t>3</a:t>
-                      </a:r>
-                      <a:endParaRPr lang="en-US" sz="1000">
-                        <a:effectLst/>
-                        <a:latin typeface="Calibri" panose="020F0502020204030204" pitchFamily="34" charset="0"/>
-                        <a:ea typeface="Calibri" panose="020F0502020204030204" pitchFamily="34" charset="0"/>
-                        <a:cs typeface="Vrinda" panose="020B0502040204020203" pitchFamily="34" charset="0"/>
-                      </a:endParaRPr>
-                    </a:p>
-                  </a:txBody>
-                  <a:tcPr marL="61450" marR="61450" marT="0" marB="0" anchor="ctr"/>
-                </a:tc>
-                <a:tc>
-                  <a:txBody>
-                    <a:bodyPr/>
-                    <a:lstStyle/>
-                    <a:p>
-                      <a:pPr marL="0" marR="0" algn="l" defTabSz="914400" rtl="0" eaLnBrk="1" latinLnBrk="0" hangingPunct="1">
-                        <a:lnSpc>
-                          <a:spcPct val="150000"/>
-                        </a:lnSpc>
-                        <a:spcBef>
-                          <a:spcPts val="0"/>
-                        </a:spcBef>
-                        <a:spcAft>
-                          <a:spcPts val="0"/>
-                        </a:spcAft>
-                      </a:pPr>
-                      <a:r>
-                        <a:rPr lang="en-US" sz="1600" b="1" kern="100">
-                          <a:solidFill>
-                            <a:schemeClr val="tx1"/>
-                          </a:solidFill>
-                          <a:effectLst/>
-                          <a:latin typeface="+mn-lt"/>
-                          <a:ea typeface="+mn-ea"/>
-                          <a:cs typeface="+mn-cs"/>
-                        </a:rPr>
-                        <a:t>Modified Proctor Test</a:t>
-                      </a:r>
-                    </a:p>
-                  </a:txBody>
-                  <a:tcPr marL="61450" marR="61450" marT="0" marB="0" anchor="ctr"/>
-                </a:tc>
-                <a:tc>
-                  <a:txBody>
-                    <a:bodyPr/>
-                    <a:lstStyle/>
-                    <a:p>
-                      <a:pPr marL="0" marR="0" algn="l" defTabSz="914400" rtl="0" eaLnBrk="1" latinLnBrk="0" hangingPunct="1">
-                        <a:lnSpc>
-                          <a:spcPct val="150000"/>
-                        </a:lnSpc>
-                        <a:spcBef>
-                          <a:spcPts val="0"/>
-                        </a:spcBef>
-                        <a:spcAft>
-                          <a:spcPts val="0"/>
-                        </a:spcAft>
-                      </a:pPr>
-                      <a:r>
-                        <a:rPr lang="en-US" sz="1600" b="1" kern="100" dirty="0">
-                          <a:solidFill>
-                            <a:schemeClr val="tx1"/>
-                          </a:solidFill>
-                          <a:effectLst/>
-                          <a:latin typeface="+mn-lt"/>
-                          <a:ea typeface="+mn-ea"/>
-                          <a:cs typeface="+mn-cs"/>
-                        </a:rPr>
-                        <a:t>As stated above </a:t>
-                      </a:r>
-                    </a:p>
-                  </a:txBody>
-                  <a:tcPr marL="61450" marR="61450" marT="0" marB="0" anchor="ctr"/>
-                </a:tc>
-                <a:tc>
-                  <a:txBody>
-                    <a:bodyPr/>
-                    <a:lstStyle/>
-                    <a:p>
-                      <a:pPr marL="0" marR="0" algn="l">
-                        <a:lnSpc>
-                          <a:spcPct val="150000"/>
-                        </a:lnSpc>
-                        <a:spcBef>
-                          <a:spcPts val="0"/>
-                        </a:spcBef>
-                        <a:spcAft>
-                          <a:spcPts val="0"/>
-                        </a:spcAft>
-                      </a:pPr>
-                      <a:r>
-                        <a:rPr lang="en-US" sz="1600" kern="100">
-                          <a:solidFill>
-                            <a:schemeClr val="tx1"/>
-                          </a:solidFill>
-                          <a:effectLst/>
-                        </a:rPr>
-                        <a:t>ASTM D 1557 &amp;</a:t>
-                      </a:r>
-                      <a:endParaRPr lang="en-US" sz="1600">
-                        <a:solidFill>
-                          <a:schemeClr val="tx1"/>
-                        </a:solidFill>
-                        <a:effectLst/>
-                      </a:endParaRPr>
-                    </a:p>
-                    <a:p>
-                      <a:pPr marL="0" marR="0" algn="l">
-                        <a:lnSpc>
-                          <a:spcPct val="150000"/>
-                        </a:lnSpc>
-                        <a:spcBef>
-                          <a:spcPts val="0"/>
-                        </a:spcBef>
-                        <a:spcAft>
-                          <a:spcPts val="0"/>
-                        </a:spcAft>
-                      </a:pPr>
-                      <a:r>
-                        <a:rPr lang="en-US" sz="1600" kern="100">
-                          <a:solidFill>
-                            <a:schemeClr val="tx1"/>
-                          </a:solidFill>
-                          <a:effectLst/>
-                        </a:rPr>
-                        <a:t>ASSTO T 180 D</a:t>
-                      </a:r>
-                      <a:endParaRPr lang="en-US" sz="1600">
-                        <a:solidFill>
-                          <a:schemeClr val="tx1"/>
-                        </a:solidFill>
-                        <a:effectLst/>
-                        <a:latin typeface="Calibri" panose="020F0502020204030204" pitchFamily="34" charset="0"/>
-                        <a:ea typeface="Calibri" panose="020F0502020204030204" pitchFamily="34" charset="0"/>
-                        <a:cs typeface="Vrinda" panose="020B0502040204020203" pitchFamily="34" charset="0"/>
-                      </a:endParaRPr>
-                    </a:p>
-                  </a:txBody>
-                  <a:tcPr marL="61450" marR="61450" marT="0" marB="0" anchor="ctr"/>
-                </a:tc>
-                <a:extLst>
-                  <a:ext uri="{0D108BD9-81ED-4DB2-BD59-A6C34878D82A}">
-                    <a16:rowId xmlns:a16="http://schemas.microsoft.com/office/drawing/2014/main" val="2811145712"/>
-                  </a:ext>
-                </a:extLst>
-              </a:tr>
-              <a:tr h="852639">
-                <a:tc>
-                  <a:txBody>
-                    <a:bodyPr/>
-                    <a:lstStyle/>
-                    <a:p>
-                      <a:pPr marL="0" marR="0" algn="just">
-                        <a:lnSpc>
-                          <a:spcPct val="150000"/>
-                        </a:lnSpc>
-                        <a:spcBef>
-                          <a:spcPts val="0"/>
-                        </a:spcBef>
-                        <a:spcAft>
-                          <a:spcPts val="0"/>
-                        </a:spcAft>
-                      </a:pPr>
-                      <a:r>
-                        <a:rPr lang="en-US" sz="1100" kern="100">
-                          <a:effectLst/>
-                        </a:rPr>
-                        <a:t>4</a:t>
-                      </a:r>
-                      <a:endParaRPr lang="en-US" sz="1000">
-                        <a:effectLst/>
-                        <a:latin typeface="Calibri" panose="020F0502020204030204" pitchFamily="34" charset="0"/>
-                        <a:ea typeface="Calibri" panose="020F0502020204030204" pitchFamily="34" charset="0"/>
-                        <a:cs typeface="Vrinda" panose="020B0502040204020203" pitchFamily="34" charset="0"/>
-                      </a:endParaRPr>
-                    </a:p>
-                  </a:txBody>
-                  <a:tcPr marL="61450" marR="61450" marT="0" marB="0" anchor="ctr"/>
-                </a:tc>
-                <a:tc>
-                  <a:txBody>
-                    <a:bodyPr/>
-                    <a:lstStyle/>
-                    <a:p>
-                      <a:pPr marL="0" marR="0" algn="l" defTabSz="914400" rtl="0" eaLnBrk="1" latinLnBrk="0" hangingPunct="1">
-                        <a:lnSpc>
-                          <a:spcPct val="150000"/>
-                        </a:lnSpc>
-                        <a:spcBef>
-                          <a:spcPts val="0"/>
-                        </a:spcBef>
-                        <a:spcAft>
-                          <a:spcPts val="0"/>
-                        </a:spcAft>
-                      </a:pPr>
-                      <a:r>
-                        <a:rPr lang="en-US" sz="1600" b="1" kern="100">
-                          <a:solidFill>
-                            <a:schemeClr val="tx1"/>
-                          </a:solidFill>
-                          <a:effectLst/>
-                          <a:latin typeface="+mn-lt"/>
-                          <a:ea typeface="+mn-ea"/>
-                          <a:cs typeface="+mn-cs"/>
-                        </a:rPr>
-                        <a:t>Moisture Content </a:t>
-                      </a:r>
-                    </a:p>
-                  </a:txBody>
-                  <a:tcPr marL="61450" marR="61450" marT="0" marB="0" anchor="ctr"/>
-                </a:tc>
-                <a:tc>
-                  <a:txBody>
-                    <a:bodyPr/>
-                    <a:lstStyle/>
-                    <a:p>
-                      <a:pPr marL="0" marR="0" algn="l" defTabSz="914400" rtl="0" eaLnBrk="1" latinLnBrk="0" hangingPunct="1">
-                        <a:lnSpc>
-                          <a:spcPct val="150000"/>
-                        </a:lnSpc>
-                        <a:spcBef>
-                          <a:spcPts val="0"/>
-                        </a:spcBef>
-                        <a:spcAft>
-                          <a:spcPts val="0"/>
-                        </a:spcAft>
-                      </a:pPr>
-                      <a:r>
-                        <a:rPr lang="en-US" sz="1600" b="1" kern="100" dirty="0">
-                          <a:solidFill>
-                            <a:schemeClr val="tx1"/>
-                          </a:solidFill>
-                          <a:effectLst/>
-                          <a:latin typeface="+mn-lt"/>
-                          <a:ea typeface="+mn-ea"/>
-                          <a:cs typeface="+mn-cs"/>
-                        </a:rPr>
-                        <a:t>I .For each 5000 cum of fill material </a:t>
-                      </a:r>
-                      <a:br>
-                        <a:rPr lang="en-US" sz="1600" b="1" kern="100" dirty="0">
-                          <a:solidFill>
-                            <a:schemeClr val="tx1"/>
-                          </a:solidFill>
-                          <a:effectLst/>
-                          <a:latin typeface="+mn-lt"/>
-                          <a:ea typeface="+mn-ea"/>
-                          <a:cs typeface="+mn-cs"/>
-                        </a:rPr>
-                      </a:br>
-                      <a:r>
-                        <a:rPr lang="en-US" sz="1600" b="1" kern="100" dirty="0">
-                          <a:solidFill>
-                            <a:schemeClr val="tx1"/>
-                          </a:solidFill>
-                          <a:effectLst/>
-                          <a:latin typeface="+mn-lt"/>
-                          <a:ea typeface="+mn-ea"/>
-                          <a:cs typeface="+mn-cs"/>
-                        </a:rPr>
-                        <a:t>2. As per direction of the Project Manager.</a:t>
-                      </a:r>
-                    </a:p>
-                  </a:txBody>
-                  <a:tcPr marL="61450" marR="61450" marT="0" marB="0" anchor="ctr"/>
-                </a:tc>
-                <a:tc>
-                  <a:txBody>
-                    <a:bodyPr/>
-                    <a:lstStyle/>
-                    <a:p>
-                      <a:pPr marL="0" marR="0" algn="l">
-                        <a:lnSpc>
-                          <a:spcPct val="150000"/>
-                        </a:lnSpc>
-                        <a:spcBef>
-                          <a:spcPts val="0"/>
-                        </a:spcBef>
-                        <a:spcAft>
-                          <a:spcPts val="0"/>
-                        </a:spcAft>
-                      </a:pPr>
-                      <a:r>
-                        <a:rPr lang="en-US" sz="1600" kern="100" dirty="0">
-                          <a:solidFill>
-                            <a:schemeClr val="tx1"/>
-                          </a:solidFill>
-                          <a:effectLst/>
-                        </a:rPr>
-                        <a:t>ASTM D 4346 &amp; ASTM D 4944 </a:t>
-                      </a:r>
-                      <a:br>
-                        <a:rPr lang="en-US" sz="1600" kern="100" dirty="0">
-                          <a:solidFill>
-                            <a:schemeClr val="tx1"/>
-                          </a:solidFill>
-                          <a:effectLst/>
-                        </a:rPr>
-                      </a:br>
-                      <a:r>
-                        <a:rPr lang="en-US" sz="1600" kern="100" dirty="0">
-                          <a:solidFill>
-                            <a:schemeClr val="tx1"/>
-                          </a:solidFill>
-                          <a:effectLst/>
-                        </a:rPr>
-                        <a:t>or V Equivalent</a:t>
-                      </a:r>
-                      <a:endParaRPr lang="en-US" sz="1600" dirty="0">
-                        <a:solidFill>
-                          <a:schemeClr val="tx1"/>
-                        </a:solidFill>
-                        <a:effectLst/>
-                        <a:latin typeface="Calibri" panose="020F0502020204030204" pitchFamily="34" charset="0"/>
-                        <a:ea typeface="Calibri" panose="020F0502020204030204" pitchFamily="34" charset="0"/>
-                        <a:cs typeface="Vrinda" panose="020B0502040204020203" pitchFamily="34" charset="0"/>
-                      </a:endParaRPr>
-                    </a:p>
-                  </a:txBody>
-                  <a:tcPr marL="61450" marR="61450" marT="0" marB="0" anchor="ctr"/>
-                </a:tc>
-                <a:extLst>
-                  <a:ext uri="{0D108BD9-81ED-4DB2-BD59-A6C34878D82A}">
-                    <a16:rowId xmlns:a16="http://schemas.microsoft.com/office/drawing/2014/main" val="3343853734"/>
-                  </a:ext>
-                </a:extLst>
-              </a:tr>
-              <a:tr h="872274">
-                <a:tc>
-                  <a:txBody>
-                    <a:bodyPr/>
-                    <a:lstStyle/>
-                    <a:p>
-                      <a:pPr marL="0" marR="0" algn="just">
-                        <a:lnSpc>
-                          <a:spcPct val="150000"/>
-                        </a:lnSpc>
-                        <a:spcBef>
-                          <a:spcPts val="0"/>
-                        </a:spcBef>
-                        <a:spcAft>
-                          <a:spcPts val="0"/>
-                        </a:spcAft>
-                      </a:pPr>
-                      <a:r>
-                        <a:rPr lang="en-US" sz="1100" kern="100">
-                          <a:effectLst/>
-                        </a:rPr>
-                        <a:t>5</a:t>
-                      </a:r>
-                      <a:endParaRPr lang="en-US" sz="1000">
-                        <a:effectLst/>
-                        <a:latin typeface="Calibri" panose="020F0502020204030204" pitchFamily="34" charset="0"/>
-                        <a:ea typeface="Calibri" panose="020F0502020204030204" pitchFamily="34" charset="0"/>
-                        <a:cs typeface="Vrinda" panose="020B0502040204020203" pitchFamily="34" charset="0"/>
-                      </a:endParaRPr>
-                    </a:p>
-                  </a:txBody>
-                  <a:tcPr marL="61450" marR="61450" marT="0" marB="0" anchor="ctr"/>
-                </a:tc>
-                <a:tc>
-                  <a:txBody>
-                    <a:bodyPr/>
-                    <a:lstStyle/>
-                    <a:p>
-                      <a:pPr marL="0" marR="0" algn="l" defTabSz="914400" rtl="0" eaLnBrk="1" latinLnBrk="0" hangingPunct="1">
-                        <a:lnSpc>
-                          <a:spcPct val="150000"/>
-                        </a:lnSpc>
-                        <a:spcBef>
-                          <a:spcPts val="0"/>
-                        </a:spcBef>
-                        <a:spcAft>
-                          <a:spcPts val="0"/>
-                        </a:spcAft>
-                      </a:pPr>
-                      <a:r>
-                        <a:rPr lang="en-US" sz="1600" b="1" kern="100" dirty="0" smtClean="0">
-                          <a:solidFill>
-                            <a:schemeClr val="tx1"/>
-                          </a:solidFill>
-                          <a:effectLst/>
-                          <a:latin typeface="+mn-lt"/>
-                          <a:ea typeface="+mn-ea"/>
-                          <a:cs typeface="+mn-cs"/>
-                        </a:rPr>
-                        <a:t>Field Dry Density Test</a:t>
-                      </a:r>
-                      <a:endParaRPr lang="en-US" sz="1600" b="1" kern="100" dirty="0">
-                        <a:solidFill>
-                          <a:schemeClr val="tx1"/>
-                        </a:solidFill>
-                        <a:effectLst/>
-                        <a:latin typeface="+mn-lt"/>
-                        <a:ea typeface="+mn-ea"/>
-                        <a:cs typeface="+mn-cs"/>
-                      </a:endParaRPr>
-                    </a:p>
-                  </a:txBody>
-                  <a:tcPr marL="61450" marR="61450" marT="0" marB="0" anchor="ctr"/>
-                </a:tc>
-                <a:tc>
-                  <a:txBody>
-                    <a:bodyPr/>
-                    <a:lstStyle/>
-                    <a:p>
-                      <a:pPr marL="0" marR="0" indent="-127000" algn="l" defTabSz="914400" rtl="0" eaLnBrk="1" latinLnBrk="0" hangingPunct="1">
-                        <a:lnSpc>
-                          <a:spcPct val="150000"/>
-                        </a:lnSpc>
-                        <a:spcBef>
-                          <a:spcPts val="0"/>
-                        </a:spcBef>
-                        <a:spcAft>
-                          <a:spcPts val="0"/>
-                        </a:spcAft>
-                      </a:pPr>
-                      <a:r>
-                        <a:rPr lang="en-US" sz="1600" b="1" kern="100" dirty="0">
-                          <a:solidFill>
-                            <a:schemeClr val="tx1"/>
-                          </a:solidFill>
-                          <a:effectLst/>
-                          <a:latin typeface="+mn-lt"/>
-                          <a:ea typeface="+mn-ea"/>
-                          <a:cs typeface="+mn-cs"/>
-                        </a:rPr>
-                        <a:t>1. One Sample for each 1000 </a:t>
-                      </a:r>
-                      <a:r>
-                        <a:rPr lang="en-US" sz="1600" b="1" kern="100" dirty="0" err="1">
-                          <a:solidFill>
-                            <a:schemeClr val="tx1"/>
-                          </a:solidFill>
-                          <a:effectLst/>
-                          <a:latin typeface="+mn-lt"/>
-                          <a:ea typeface="+mn-ea"/>
-                          <a:cs typeface="+mn-cs"/>
-                        </a:rPr>
-                        <a:t>sqm</a:t>
-                      </a:r>
-                      <a:r>
-                        <a:rPr lang="en-US" sz="1600" b="1" kern="100" dirty="0">
-                          <a:solidFill>
-                            <a:schemeClr val="tx1"/>
-                          </a:solidFill>
-                          <a:effectLst/>
-                          <a:latin typeface="+mn-lt"/>
-                          <a:ea typeface="+mn-ea"/>
-                          <a:cs typeface="+mn-cs"/>
-                        </a:rPr>
-                        <a:t> of compacted surface in each layer </a:t>
-                      </a:r>
-                    </a:p>
-                    <a:p>
-                      <a:pPr marL="0" marR="0" algn="l" defTabSz="914400" rtl="0" eaLnBrk="1" latinLnBrk="0" hangingPunct="1">
-                        <a:lnSpc>
-                          <a:spcPct val="150000"/>
-                        </a:lnSpc>
-                        <a:spcBef>
-                          <a:spcPts val="0"/>
-                        </a:spcBef>
-                        <a:spcAft>
-                          <a:spcPts val="0"/>
-                        </a:spcAft>
-                      </a:pPr>
-                      <a:r>
-                        <a:rPr lang="en-US" sz="1600" b="1" kern="100" dirty="0">
-                          <a:solidFill>
-                            <a:schemeClr val="tx1"/>
-                          </a:solidFill>
-                          <a:effectLst/>
-                          <a:latin typeface="+mn-lt"/>
-                          <a:ea typeface="+mn-ea"/>
-                          <a:cs typeface="+mn-cs"/>
-                        </a:rPr>
-                        <a:t>2. As per direction of the Project Manager.</a:t>
-                      </a:r>
-                    </a:p>
-                  </a:txBody>
-                  <a:tcPr marL="61450" marR="61450" marT="0" marB="0" anchor="ctr"/>
-                </a:tc>
-                <a:tc>
-                  <a:txBody>
-                    <a:bodyPr/>
-                    <a:lstStyle/>
-                    <a:p>
-                      <a:pPr marL="0" marR="0" algn="l">
-                        <a:lnSpc>
-                          <a:spcPct val="150000"/>
-                        </a:lnSpc>
-                        <a:spcBef>
-                          <a:spcPts val="0"/>
-                        </a:spcBef>
-                        <a:spcAft>
-                          <a:spcPts val="0"/>
-                        </a:spcAft>
-                      </a:pPr>
-                      <a:r>
-                        <a:rPr lang="en-US" sz="1600" kern="100" dirty="0">
-                          <a:solidFill>
-                            <a:schemeClr val="tx1"/>
-                          </a:solidFill>
-                          <a:effectLst/>
-                        </a:rPr>
-                        <a:t>AAHSTO T191 </a:t>
-                      </a:r>
-                      <a:br>
-                        <a:rPr lang="en-US" sz="1600" kern="100" dirty="0">
-                          <a:solidFill>
-                            <a:schemeClr val="tx1"/>
-                          </a:solidFill>
-                          <a:effectLst/>
-                        </a:rPr>
-                      </a:br>
-                      <a:r>
-                        <a:rPr lang="en-US" sz="1600" kern="100" dirty="0">
-                          <a:solidFill>
-                            <a:schemeClr val="tx1"/>
-                          </a:solidFill>
-                          <a:effectLst/>
-                        </a:rPr>
-                        <a:t>or </a:t>
-                      </a:r>
-                      <a:endParaRPr lang="en-US" sz="1600" dirty="0">
-                        <a:solidFill>
-                          <a:schemeClr val="tx1"/>
-                        </a:solidFill>
-                        <a:effectLst/>
-                      </a:endParaRPr>
-                    </a:p>
-                    <a:p>
-                      <a:pPr marL="0" marR="0" algn="l">
-                        <a:lnSpc>
-                          <a:spcPct val="150000"/>
-                        </a:lnSpc>
-                        <a:spcBef>
-                          <a:spcPts val="0"/>
-                        </a:spcBef>
-                        <a:spcAft>
-                          <a:spcPts val="0"/>
-                        </a:spcAft>
-                      </a:pPr>
-                      <a:r>
-                        <a:rPr lang="en-US" sz="1600" kern="100" dirty="0">
-                          <a:solidFill>
-                            <a:schemeClr val="tx1"/>
-                          </a:solidFill>
-                          <a:effectLst/>
-                        </a:rPr>
-                        <a:t>Equivalent</a:t>
-                      </a:r>
-                      <a:endParaRPr lang="en-US" sz="1600" dirty="0">
-                        <a:solidFill>
-                          <a:schemeClr val="tx1"/>
-                        </a:solidFill>
-                        <a:effectLst/>
-                        <a:latin typeface="Calibri" panose="020F0502020204030204" pitchFamily="34" charset="0"/>
-                        <a:ea typeface="Calibri" panose="020F0502020204030204" pitchFamily="34" charset="0"/>
-                        <a:cs typeface="Vrinda" panose="020B0502040204020203" pitchFamily="34" charset="0"/>
-                      </a:endParaRPr>
-                    </a:p>
-                  </a:txBody>
-                  <a:tcPr marL="61450" marR="61450" marT="0" marB="0" anchor="ctr"/>
-                </a:tc>
-                <a:extLst>
-                  <a:ext uri="{0D108BD9-81ED-4DB2-BD59-A6C34878D82A}">
-                    <a16:rowId xmlns:a16="http://schemas.microsoft.com/office/drawing/2014/main" val="1619351646"/>
-                  </a:ext>
-                </a:extLst>
-              </a:tr>
-              <a:tr h="202649">
-                <a:tc>
-                  <a:txBody>
-                    <a:bodyPr/>
-                    <a:lstStyle/>
-                    <a:p>
-                      <a:pPr>
-                        <a:lnSpc>
-                          <a:spcPct val="115000"/>
-                        </a:lnSpc>
-                      </a:pPr>
-                      <a:endParaRPr lang="en-US" sz="1000">
-                        <a:effectLst/>
-                        <a:latin typeface="Calibri" panose="020F0502020204030204" pitchFamily="34" charset="0"/>
-                        <a:cs typeface="Vrinda" panose="020B0502040204020203" pitchFamily="34" charset="0"/>
-                      </a:endParaRPr>
-                    </a:p>
-                  </a:txBody>
-                  <a:tcPr marL="61450" marR="61450" marT="0" marB="0" anchor="ctr"/>
-                </a:tc>
-                <a:tc>
-                  <a:txBody>
-                    <a:bodyPr/>
-                    <a:lstStyle/>
-                    <a:p>
-                      <a:pPr>
-                        <a:lnSpc>
-                          <a:spcPct val="115000"/>
-                        </a:lnSpc>
-                      </a:pPr>
-                      <a:endParaRPr lang="en-US" sz="1000">
-                        <a:effectLst/>
-                        <a:latin typeface="Calibri" panose="020F0502020204030204" pitchFamily="34" charset="0"/>
-                        <a:cs typeface="Vrinda" panose="020B0502040204020203" pitchFamily="34" charset="0"/>
-                      </a:endParaRPr>
-                    </a:p>
-                  </a:txBody>
-                  <a:tcPr marL="61450" marR="61450" marT="0" marB="0" anchor="ctr"/>
-                </a:tc>
-                <a:tc>
-                  <a:txBody>
-                    <a:bodyPr/>
-                    <a:lstStyle/>
-                    <a:p>
-                      <a:pPr>
-                        <a:lnSpc>
-                          <a:spcPct val="115000"/>
-                        </a:lnSpc>
-                      </a:pPr>
-                      <a:endParaRPr lang="en-US" sz="1000">
-                        <a:effectLst/>
-                        <a:latin typeface="Calibri" panose="020F0502020204030204" pitchFamily="34" charset="0"/>
-                        <a:cs typeface="Vrinda" panose="020B0502040204020203" pitchFamily="34" charset="0"/>
-                      </a:endParaRPr>
-                    </a:p>
-                  </a:txBody>
-                  <a:tcPr marL="61450" marR="61450" marT="0" marB="0" anchor="ctr"/>
-                </a:tc>
-                <a:tc>
-                  <a:txBody>
-                    <a:bodyPr/>
-                    <a:lstStyle/>
-                    <a:p>
-                      <a:pPr>
-                        <a:lnSpc>
-                          <a:spcPct val="115000"/>
-                        </a:lnSpc>
-                      </a:pPr>
-                      <a:endParaRPr lang="en-US" sz="1000" dirty="0">
-                        <a:effectLst/>
-                        <a:latin typeface="Calibri" panose="020F0502020204030204" pitchFamily="34" charset="0"/>
-                        <a:cs typeface="Vrinda" panose="020B0502040204020203" pitchFamily="34" charset="0"/>
-                      </a:endParaRPr>
-                    </a:p>
-                  </a:txBody>
-                  <a:tcPr marL="61450" marR="61450" marT="0" marB="0" anchor="ctr"/>
-                </a:tc>
-                <a:extLst>
-                  <a:ext uri="{0D108BD9-81ED-4DB2-BD59-A6C34878D82A}">
-                    <a16:rowId xmlns:a16="http://schemas.microsoft.com/office/drawing/2014/main" val="3275676910"/>
-                  </a:ext>
-                </a:extLst>
-              </a:tr>
-            </a:tbl>
+          <a:graphicData uri="http://schemas.openxmlformats.org/presentationml/2006/ole">
+            <mc:AlternateContent xmlns:mc="http://schemas.openxmlformats.org/markup-compatibility/2006">
+              <mc:Choice xmlns:v="urn:schemas-microsoft-com:vml" Requires="v">
+                <p:oleObj spid="_x0000_s8222" name="PDF" r:id="rId3" imgW="0" imgH="360" progId="FoxitPhantomPDF.Document">
+                  <p:embed/>
+                </p:oleObj>
+              </mc:Choice>
+              <mc:Fallback>
+                <p:oleObj name="PDF" r:id="rId3" imgW="0" imgH="360" progId="FoxitPhantomPDF.Document">
+                  <p:embed/>
+                  <p:pic>
+                    <p:nvPicPr>
+                      <p:cNvPr id="0" name=""/>
+                      <p:cNvPicPr/>
+                      <p:nvPr/>
+                    </p:nvPicPr>
+                    <p:blipFill>
+                      <a:blip r:embed="rId4"/>
+                      <a:stretch>
+                        <a:fillRect/>
+                      </a:stretch>
+                    </p:blipFill>
+                    <p:spPr>
+                      <a:xfrm>
+                        <a:off x="165100" y="812800"/>
+                        <a:ext cx="11696700" cy="5740400"/>
+                      </a:xfrm>
+                      <a:prstGeom prst="rect">
+                        <a:avLst/>
+                      </a:prstGeom>
+                    </p:spPr>
+                  </p:pic>
+                </p:oleObj>
+              </mc:Fallback>
+            </mc:AlternateContent>
           </a:graphicData>
         </a:graphic>
       </p:graphicFrame>
     </p:spTree>
     <p:extLst>
       <p:ext uri="{BB962C8B-B14F-4D97-AF65-F5344CB8AC3E}">
-        <p14:creationId xmlns:p14="http://schemas.microsoft.com/office/powerpoint/2010/main" val="3931226335"/>
+        <p14:creationId xmlns:p14="http://schemas.microsoft.com/office/powerpoint/2010/main" val="295378728"/>
       </p:ext>
     </p:extLst>
   </p:cSld>
@@ -25405,7 +26808,7 @@
             <a:pPr algn="ctr"/>
             <a:r>
               <a:rPr lang="en-US" dirty="0" smtClean="0"/>
-              <a:t>Standard Sampling and Testing for CC Block</a:t>
+              <a:t>Standard Sampling and Testing for Embankment</a:t>
             </a:r>
             <a:endParaRPr lang="en-US" dirty="0"/>
           </a:p>
@@ -25460,59 +26863,59 @@
       </p:sp>
       <p:graphicFrame>
         <p:nvGraphicFramePr>
-          <p:cNvPr id="3" name="Table 2"/>
+          <p:cNvPr id="6" name="Table 5"/>
           <p:cNvGraphicFramePr>
             <a:graphicFrameLocks noGrp="1"/>
           </p:cNvGraphicFramePr>
           <p:nvPr>
             <p:extLst>
               <p:ext uri="{D42A27DB-BD31-4B8C-83A1-F6EECF244321}">
-                <p14:modId xmlns:p14="http://schemas.microsoft.com/office/powerpoint/2010/main" val="2231479779"/>
+                <p14:modId xmlns:p14="http://schemas.microsoft.com/office/powerpoint/2010/main" val="743819975"/>
               </p:ext>
             </p:extLst>
           </p:nvPr>
         </p:nvGraphicFramePr>
         <p:xfrm>
-          <a:off x="313899" y="655094"/>
-          <a:ext cx="11395501" cy="6121120"/>
+          <a:off x="635001" y="812324"/>
+          <a:ext cx="10842767" cy="5979807"/>
         </p:xfrm>
         <a:graphic>
           <a:graphicData uri="http://schemas.openxmlformats.org/drawingml/2006/table">
             <a:tbl>
-              <a:tblPr firstRow="1" firstCol="1" bandRow="1">
+              <a:tblPr firstRow="1" firstCol="1" lastRow="1" lastCol="1" bandRow="1" bandCol="1">
                 <a:tableStyleId>{5C22544A-7EE6-4342-B048-85BDC9FD1C3A}</a:tableStyleId>
               </a:tblPr>
               <a:tblGrid>
-                <a:gridCol w="447465">
+                <a:gridCol w="678413">
                   <a:extLst>
                     <a:ext uri="{9D8B030D-6E8A-4147-A177-3AD203B41FA5}">
-                      <a16:colId xmlns:a16="http://schemas.microsoft.com/office/drawing/2014/main" val="1726919557"/>
+                      <a16:colId xmlns:a16="http://schemas.microsoft.com/office/drawing/2014/main" val="1746728612"/>
                     </a:ext>
                   </a:extLst>
                 </a:gridCol>
-                <a:gridCol w="3308427">
+                <a:gridCol w="2372078">
                   <a:extLst>
                     <a:ext uri="{9D8B030D-6E8A-4147-A177-3AD203B41FA5}">
-                      <a16:colId xmlns:a16="http://schemas.microsoft.com/office/drawing/2014/main" val="562434387"/>
+                      <a16:colId xmlns:a16="http://schemas.microsoft.com/office/drawing/2014/main" val="715445339"/>
                     </a:ext>
                   </a:extLst>
                 </a:gridCol>
-                <a:gridCol w="4181741">
+                <a:gridCol w="5443919">
                   <a:extLst>
                     <a:ext uri="{9D8B030D-6E8A-4147-A177-3AD203B41FA5}">
-                      <a16:colId xmlns:a16="http://schemas.microsoft.com/office/drawing/2014/main" val="2114888677"/>
+                      <a16:colId xmlns:a16="http://schemas.microsoft.com/office/drawing/2014/main" val="3658057331"/>
                     </a:ext>
                   </a:extLst>
                 </a:gridCol>
-                <a:gridCol w="3457868">
+                <a:gridCol w="2348357">
                   <a:extLst>
                     <a:ext uri="{9D8B030D-6E8A-4147-A177-3AD203B41FA5}">
-                      <a16:colId xmlns:a16="http://schemas.microsoft.com/office/drawing/2014/main" val="3936431509"/>
+                      <a16:colId xmlns:a16="http://schemas.microsoft.com/office/drawing/2014/main" val="2749780671"/>
                     </a:ext>
                   </a:extLst>
                 </a:gridCol>
               </a:tblGrid>
-              <a:tr h="295796">
+              <a:tr h="290758">
                 <a:tc>
                   <a:txBody>
                     <a:bodyPr/>
@@ -25520,7 +26923,7 @@
                     <a:p>
                       <a:pPr marL="0" marR="0" algn="ctr">
                         <a:lnSpc>
-                          <a:spcPct val="115000"/>
+                          <a:spcPct val="150000"/>
                         </a:lnSpc>
                         <a:spcBef>
                           <a:spcPts val="0"/>
@@ -25530,12 +26933,12 @@
                         </a:spcAft>
                       </a:pPr>
                       <a:r>
-                        <a:rPr lang="en-US" sz="800">
+                        <a:rPr lang="en-US" sz="1100">
                           <a:effectLst/>
                         </a:rPr>
                         <a:t>Sl</a:t>
                       </a:r>
-                      <a:endParaRPr lang="en-US" sz="800">
+                      <a:endParaRPr lang="en-US" sz="1000">
                         <a:effectLst/>
                         <a:latin typeface="Calibri" panose="020F0502020204030204" pitchFamily="34" charset="0"/>
                         <a:ea typeface="Calibri" panose="020F0502020204030204" pitchFamily="34" charset="0"/>
@@ -25543,7 +26946,7 @@
                       </a:endParaRPr>
                     </a:p>
                   </a:txBody>
-                  <a:tcPr marL="49932" marR="49932" marT="0" marB="0"/>
+                  <a:tcPr marL="61450" marR="61450" marT="0" marB="0" anchor="ctr"/>
                 </a:tc>
                 <a:tc>
                   <a:txBody>
@@ -25552,7 +26955,7 @@
                     <a:p>
                       <a:pPr marL="0" marR="0" algn="ctr">
                         <a:lnSpc>
-                          <a:spcPct val="115000"/>
+                          <a:spcPct val="150000"/>
                         </a:lnSpc>
                         <a:spcBef>
                           <a:spcPts val="0"/>
@@ -25562,12 +26965,12 @@
                         </a:spcAft>
                       </a:pPr>
                       <a:r>
-                        <a:rPr lang="en-US" sz="800">
+                        <a:rPr lang="en-US" sz="1100">
                           <a:effectLst/>
                         </a:rPr>
                         <a:t>Name of Test</a:t>
                       </a:r>
-                      <a:endParaRPr lang="en-US" sz="800">
+                      <a:endParaRPr lang="en-US" sz="1000">
                         <a:effectLst/>
                         <a:latin typeface="Calibri" panose="020F0502020204030204" pitchFamily="34" charset="0"/>
                         <a:ea typeface="Calibri" panose="020F0502020204030204" pitchFamily="34" charset="0"/>
@@ -25575,7 +26978,7 @@
                       </a:endParaRPr>
                     </a:p>
                   </a:txBody>
-                  <a:tcPr marL="49932" marR="49932" marT="0" marB="0" anchor="ctr"/>
+                  <a:tcPr marL="61450" marR="61450" marT="0" marB="0" anchor="ctr"/>
                 </a:tc>
                 <a:tc>
                   <a:txBody>
@@ -25584,7 +26987,7 @@
                     <a:p>
                       <a:pPr marL="0" marR="0" algn="ctr">
                         <a:lnSpc>
-                          <a:spcPct val="115000"/>
+                          <a:spcPct val="150000"/>
                         </a:lnSpc>
                         <a:spcBef>
                           <a:spcPts val="0"/>
@@ -25594,12 +26997,12 @@
                         </a:spcAft>
                       </a:pPr>
                       <a:r>
-                        <a:rPr lang="en-US" sz="800" dirty="0">
+                        <a:rPr lang="en-US" sz="1100">
                           <a:effectLst/>
                         </a:rPr>
                         <a:t>Frequency of Test</a:t>
                       </a:r>
-                      <a:endParaRPr lang="en-US" sz="800" dirty="0">
+                      <a:endParaRPr lang="en-US" sz="1000">
                         <a:effectLst/>
                         <a:latin typeface="Calibri" panose="020F0502020204030204" pitchFamily="34" charset="0"/>
                         <a:ea typeface="Calibri" panose="020F0502020204030204" pitchFamily="34" charset="0"/>
@@ -25607,7 +27010,7 @@
                       </a:endParaRPr>
                     </a:p>
                   </a:txBody>
-                  <a:tcPr marL="49932" marR="49932" marT="0" marB="0" anchor="ctr"/>
+                  <a:tcPr marL="61450" marR="61450" marT="0" marB="0" anchor="ctr"/>
                 </a:tc>
                 <a:tc>
                   <a:txBody>
@@ -25616,7 +27019,7 @@
                     <a:p>
                       <a:pPr marL="0" marR="0" algn="ctr">
                         <a:lnSpc>
-                          <a:spcPct val="115000"/>
+                          <a:spcPct val="150000"/>
                         </a:lnSpc>
                         <a:spcBef>
                           <a:spcPts val="0"/>
@@ -25626,12 +27029,12 @@
                         </a:spcAft>
                       </a:pPr>
                       <a:r>
-                        <a:rPr lang="en-US" sz="800">
+                        <a:rPr lang="en-US" sz="1100">
                           <a:effectLst/>
                         </a:rPr>
                         <a:t>Test Method</a:t>
                       </a:r>
-                      <a:endParaRPr lang="en-US" sz="800">
+                      <a:endParaRPr lang="en-US" sz="1000">
                         <a:effectLst/>
                         <a:latin typeface="Calibri" panose="020F0502020204030204" pitchFamily="34" charset="0"/>
                         <a:ea typeface="Calibri" panose="020F0502020204030204" pitchFamily="34" charset="0"/>
@@ -25639,15 +27042,15 @@
                       </a:endParaRPr>
                     </a:p>
                   </a:txBody>
-                  <a:tcPr marL="49932" marR="49932" marT="0" marB="0" anchor="ctr"/>
+                  <a:tcPr marL="61450" marR="61450" marT="0" marB="0" anchor="ctr"/>
                 </a:tc>
                 <a:extLst>
                   <a:ext uri="{0D108BD9-81ED-4DB2-BD59-A6C34878D82A}">
-                    <a16:rowId xmlns:a16="http://schemas.microsoft.com/office/drawing/2014/main" val="3266497986"/>
+                    <a16:rowId xmlns:a16="http://schemas.microsoft.com/office/drawing/2014/main" val="885273331"/>
                   </a:ext>
                 </a:extLst>
               </a:tr>
-              <a:tr h="1865538">
+              <a:tr h="1421066">
                 <a:tc>
                   <a:txBody>
                     <a:bodyPr/>
@@ -25655,7 +27058,7 @@
                     <a:p>
                       <a:pPr marL="0" marR="0" algn="just">
                         <a:lnSpc>
-                          <a:spcPct val="115000"/>
+                          <a:spcPct val="150000"/>
                         </a:lnSpc>
                         <a:spcBef>
                           <a:spcPts val="0"/>
@@ -25665,12 +27068,12 @@
                         </a:spcAft>
                       </a:pPr>
                       <a:r>
-                        <a:rPr lang="en-US" sz="800">
+                        <a:rPr lang="en-US" sz="1100" kern="100">
                           <a:effectLst/>
                         </a:rPr>
                         <a:t>1</a:t>
                       </a:r>
-                      <a:endParaRPr lang="en-US" sz="800">
+                      <a:endParaRPr lang="en-US" sz="1000">
                         <a:effectLst/>
                         <a:latin typeface="Calibri" panose="020F0502020204030204" pitchFamily="34" charset="0"/>
                         <a:ea typeface="Calibri" panose="020F0502020204030204" pitchFamily="34" charset="0"/>
@@ -25678,16 +27081,16 @@
                       </a:endParaRPr>
                     </a:p>
                   </a:txBody>
-                  <a:tcPr marL="49932" marR="49932" marT="0" marB="0"/>
+                  <a:tcPr marL="61450" marR="61450" marT="0" marB="0" anchor="ctr"/>
                 </a:tc>
                 <a:tc>
                   <a:txBody>
                     <a:bodyPr/>
                     <a:lstStyle/>
                     <a:p>
-                      <a:pPr marL="0" marR="0" algn="just">
+                      <a:pPr marL="0" marR="0" algn="l" defTabSz="914400" rtl="0" eaLnBrk="1" latinLnBrk="0" hangingPunct="1">
                         <a:lnSpc>
-                          <a:spcPct val="115000"/>
+                          <a:spcPct val="150000"/>
                         </a:lnSpc>
                         <a:spcBef>
                           <a:spcPts val="0"/>
@@ -25697,170 +27100,34 @@
                         </a:spcAft>
                       </a:pPr>
                       <a:r>
-                        <a:rPr lang="en-US" sz="1400">
-                          <a:effectLst/>
-                        </a:rPr>
-                        <a:t>Cement:</a:t>
-                      </a:r>
-                    </a:p>
-                    <a:p>
-                      <a:pPr marL="342900" marR="0" lvl="0" indent="-342900" algn="just">
+                        <a:rPr lang="en-US" sz="1600" b="1" kern="100" dirty="0" err="1">
+                          <a:solidFill>
+                            <a:schemeClr val="tx1"/>
+                          </a:solidFill>
+                          <a:effectLst/>
+                          <a:latin typeface="+mn-lt"/>
+                          <a:ea typeface="+mn-ea"/>
+                          <a:cs typeface="+mn-cs"/>
+                        </a:rPr>
+                        <a:t>Atterberg's</a:t>
+                      </a:r>
+                      <a:r>
+                        <a:rPr lang="en-US" sz="1600" b="1" kern="100" dirty="0">
+                          <a:solidFill>
+                            <a:schemeClr val="tx1"/>
+                          </a:solidFill>
+                          <a:effectLst/>
+                          <a:latin typeface="+mn-lt"/>
+                          <a:ea typeface="+mn-ea"/>
+                          <a:cs typeface="+mn-cs"/>
+                        </a:rPr>
+                        <a:t> Limit</a:t>
+                      </a:r>
+                    </a:p>
+                    <a:p>
+                      <a:pPr marL="0" marR="0" algn="l" defTabSz="914400" rtl="0" eaLnBrk="1" latinLnBrk="0" hangingPunct="1">
                         <a:lnSpc>
-                          <a:spcPct val="115000"/>
-                        </a:lnSpc>
-                        <a:spcBef>
-                          <a:spcPts val="0"/>
-                        </a:spcBef>
-                        <a:spcAft>
-                          <a:spcPts val="0"/>
-                        </a:spcAft>
-                        <a:buFont typeface="+mj-lt"/>
-                        <a:buAutoNum type="romanLcPeriod"/>
-                      </a:pPr>
-                      <a:r>
-                        <a:rPr lang="en-US" sz="1400" kern="0">
-                          <a:effectLst/>
-                        </a:rPr>
-                        <a:t>Fineness</a:t>
-                      </a:r>
-                      <a:endParaRPr lang="en-US" sz="1400" kern="100">
-                        <a:effectLst/>
-                      </a:endParaRPr>
-                    </a:p>
-                    <a:p>
-                      <a:pPr marL="342900" marR="0" lvl="0" indent="-342900" algn="just">
-                        <a:lnSpc>
-                          <a:spcPct val="115000"/>
-                        </a:lnSpc>
-                        <a:spcBef>
-                          <a:spcPts val="0"/>
-                        </a:spcBef>
-                        <a:spcAft>
-                          <a:spcPts val="0"/>
-                        </a:spcAft>
-                        <a:buFont typeface="+mj-lt"/>
-                        <a:buAutoNum type="romanLcPeriod"/>
-                      </a:pPr>
-                      <a:r>
-                        <a:rPr lang="en-US" sz="1400" kern="0">
-                          <a:effectLst/>
-                        </a:rPr>
-                        <a:t>Soundness</a:t>
-                      </a:r>
-                      <a:endParaRPr lang="en-US" sz="1400" kern="100">
-                        <a:effectLst/>
-                      </a:endParaRPr>
-                    </a:p>
-                    <a:p>
-                      <a:pPr marL="342900" marR="0" lvl="0" indent="-342900" algn="just">
-                        <a:lnSpc>
-                          <a:spcPct val="115000"/>
-                        </a:lnSpc>
-                        <a:spcBef>
-                          <a:spcPts val="0"/>
-                        </a:spcBef>
-                        <a:spcAft>
-                          <a:spcPts val="0"/>
-                        </a:spcAft>
-                        <a:buFont typeface="+mj-lt"/>
-                        <a:buAutoNum type="romanLcPeriod"/>
-                      </a:pPr>
-                      <a:r>
-                        <a:rPr lang="en-US" sz="1400" kern="0">
-                          <a:effectLst/>
-                        </a:rPr>
-                        <a:t>Initial Setting Time and Final Setting Time</a:t>
-                      </a:r>
-                      <a:endParaRPr lang="en-US" sz="1400" kern="100">
-                        <a:effectLst/>
-                      </a:endParaRPr>
-                    </a:p>
-                    <a:p>
-                      <a:pPr marL="342900" marR="0" lvl="0" indent="-342900" algn="just">
-                        <a:lnSpc>
-                          <a:spcPct val="115000"/>
-                        </a:lnSpc>
-                        <a:spcBef>
-                          <a:spcPts val="0"/>
-                        </a:spcBef>
-                        <a:spcAft>
-                          <a:spcPts val="0"/>
-                        </a:spcAft>
-                        <a:buFont typeface="+mj-lt"/>
-                        <a:buAutoNum type="romanLcPeriod"/>
-                      </a:pPr>
-                      <a:r>
-                        <a:rPr lang="en-US" sz="1400" kern="0">
-                          <a:effectLst/>
-                        </a:rPr>
-                        <a:t>Compressive Strength</a:t>
-                      </a:r>
-                      <a:endParaRPr lang="en-US" sz="1400" kern="100">
-                        <a:effectLst/>
-                      </a:endParaRPr>
-                    </a:p>
-                    <a:p>
-                      <a:pPr marL="342900" marR="0" lvl="0" indent="-342900" algn="just">
-                        <a:lnSpc>
-                          <a:spcPct val="115000"/>
-                        </a:lnSpc>
-                        <a:spcBef>
-                          <a:spcPts val="0"/>
-                        </a:spcBef>
-                        <a:spcAft>
-                          <a:spcPts val="0"/>
-                        </a:spcAft>
-                        <a:buFont typeface="+mj-lt"/>
-                        <a:buAutoNum type="romanLcPeriod"/>
-                      </a:pPr>
-                      <a:r>
-                        <a:rPr lang="en-US" sz="1400" kern="0">
-                          <a:effectLst/>
-                        </a:rPr>
-                        <a:t>Tensile Strength</a:t>
-                      </a:r>
-                      <a:endParaRPr lang="en-US" sz="1400" kern="100">
-                        <a:effectLst/>
-                      </a:endParaRPr>
-                    </a:p>
-                    <a:p>
-                      <a:pPr marL="342900" marR="0" lvl="0" indent="-342900" algn="just">
-                        <a:lnSpc>
-                          <a:spcPct val="115000"/>
-                        </a:lnSpc>
-                        <a:spcBef>
-                          <a:spcPts val="0"/>
-                        </a:spcBef>
-                        <a:spcAft>
-                          <a:spcPts val="0"/>
-                        </a:spcAft>
-                        <a:buFont typeface="+mj-lt"/>
-                        <a:buAutoNum type="romanLcPeriod"/>
-                      </a:pPr>
-                      <a:r>
-                        <a:rPr lang="en-US" sz="1400" kern="0">
-                          <a:effectLst/>
-                        </a:rPr>
-                        <a:t>Unit Weight</a:t>
-                      </a:r>
-                      <a:endParaRPr lang="en-US" sz="1400" kern="100">
-                        <a:effectLst/>
-                        <a:latin typeface="Century" panose="02040604050505020304" pitchFamily="18" charset="0"/>
-                        <a:ea typeface="MS Mincho"/>
-                        <a:cs typeface="Times New Roman" panose="02020603050405020304" pitchFamily="18" charset="0"/>
-                      </a:endParaRPr>
-                    </a:p>
-                  </a:txBody>
-                  <a:tcPr marL="49932" marR="49932" marT="0" marB="0"/>
-                </a:tc>
-                <a:tc>
-                  <a:txBody>
-                    <a:bodyPr/>
-                    <a:lstStyle/>
-                    <a:p>
-                      <a:pPr marL="0" marR="0" algn="just">
-                        <a:lnSpc>
-                          <a:spcPct val="115000"/>
+                          <a:spcPct val="150000"/>
                         </a:lnSpc>
                         <a:spcBef>
                           <a:spcPts val="0"/>
@@ -25870,104 +27137,22 @@
                         </a:spcAft>
                       </a:pPr>
                       <a:r>
-                        <a:rPr lang="en-US" sz="1400">
-                          <a:effectLst/>
-                        </a:rPr>
-                        <a:t> </a:t>
-                      </a:r>
-                    </a:p>
-                    <a:p>
-                      <a:pPr marL="342900" marR="0" lvl="0" indent="-342900" algn="just">
+                        <a:rPr lang="en-US" sz="1600" b="1" kern="100" dirty="0">
+                          <a:solidFill>
+                            <a:schemeClr val="tx1"/>
+                          </a:solidFill>
+                          <a:effectLst/>
+                          <a:latin typeface="+mn-lt"/>
+                          <a:ea typeface="+mn-ea"/>
+                          <a:cs typeface="+mn-cs"/>
+                        </a:rPr>
+                        <a:t>(Plastic Limit &amp;</a:t>
+                      </a:r>
+                    </a:p>
+                    <a:p>
+                      <a:pPr marL="0" marR="0" algn="l" defTabSz="914400" rtl="0" eaLnBrk="1" latinLnBrk="0" hangingPunct="1">
                         <a:lnSpc>
-                          <a:spcPct val="115000"/>
-                        </a:lnSpc>
-                        <a:spcBef>
-                          <a:spcPts val="0"/>
-                        </a:spcBef>
-                        <a:spcAft>
-                          <a:spcPts val="0"/>
-                        </a:spcAft>
-                        <a:buFont typeface="+mj-lt"/>
-                        <a:buAutoNum type="arabicPeriod"/>
-                      </a:pPr>
-                      <a:r>
-                        <a:rPr lang="en-US" sz="1400" kern="0">
-                          <a:effectLst/>
-                        </a:rPr>
-                        <a:t>For each fresh Consignment arriving at Site</a:t>
-                      </a:r>
-                      <a:endParaRPr lang="en-US" sz="1400" kern="100">
-                        <a:effectLst/>
-                      </a:endParaRPr>
-                    </a:p>
-                    <a:p>
-                      <a:pPr marL="342900" marR="0" lvl="0" indent="-342900" algn="just">
-                        <a:lnSpc>
-                          <a:spcPct val="115000"/>
-                        </a:lnSpc>
-                        <a:spcBef>
-                          <a:spcPts val="0"/>
-                        </a:spcBef>
-                        <a:spcAft>
-                          <a:spcPts val="0"/>
-                        </a:spcAft>
-                        <a:buFont typeface="+mj-lt"/>
-                        <a:buAutoNum type="arabicPeriod"/>
-                      </a:pPr>
-                      <a:r>
-                        <a:rPr lang="en-US" sz="1400" kern="0">
-                          <a:effectLst/>
-                        </a:rPr>
-                        <a:t>For each 100 M. Ton</a:t>
-                      </a:r>
-                      <a:endParaRPr lang="en-US" sz="1400" kern="100">
-                        <a:effectLst/>
-                      </a:endParaRPr>
-                    </a:p>
-                    <a:p>
-                      <a:pPr marL="342900" marR="0" lvl="0" indent="-342900" algn="just">
-                        <a:lnSpc>
-                          <a:spcPct val="115000"/>
-                        </a:lnSpc>
-                        <a:spcBef>
-                          <a:spcPts val="0"/>
-                        </a:spcBef>
-                        <a:spcAft>
-                          <a:spcPts val="0"/>
-                        </a:spcAft>
-                        <a:buFont typeface="+mj-lt"/>
-                        <a:buAutoNum type="arabicPeriod"/>
-                      </a:pPr>
-                      <a:r>
-                        <a:rPr lang="en-US" sz="1400" kern="0">
-                          <a:effectLst/>
-                        </a:rPr>
-                        <a:t>As approved or directed by </a:t>
-                      </a:r>
-                      <a:r>
-                        <a:rPr lang="en-US" sz="1400" kern="100">
-                          <a:effectLst/>
-                        </a:rPr>
-                        <a:t>the Project Manager.</a:t>
-                      </a:r>
-                      <a:endParaRPr lang="en-US" sz="1400" kern="100">
-                        <a:effectLst/>
-                        <a:latin typeface="Century" panose="02040604050505020304" pitchFamily="18" charset="0"/>
-                        <a:ea typeface="MS Mincho"/>
-                        <a:cs typeface="Times New Roman" panose="02020603050405020304" pitchFamily="18" charset="0"/>
-                      </a:endParaRPr>
-                    </a:p>
-                  </a:txBody>
-                  <a:tcPr marL="49932" marR="49932" marT="0" marB="0"/>
-                </a:tc>
-                <a:tc>
-                  <a:txBody>
-                    <a:bodyPr/>
-                    <a:lstStyle/>
-                    <a:p>
-                      <a:pPr marL="0" marR="0" algn="just">
-                        <a:lnSpc>
-                          <a:spcPct val="115000"/>
+                          <a:spcPct val="150000"/>
                         </a:lnSpc>
                         <a:spcBef>
                           <a:spcPts val="0"/>
@@ -25977,16 +27162,29 @@
                         </a:spcAft>
                       </a:pPr>
                       <a:r>
-                        <a:rPr lang="en-US" sz="1400" dirty="0">
-                          <a:effectLst/>
-                        </a:rPr>
-                        <a:t> </a:t>
-                      </a:r>
-                    </a:p>
-                    <a:p>
-                      <a:pPr marL="0" marR="0" algn="just">
+                        <a:rPr lang="en-US" sz="1600" b="1" kern="100" dirty="0">
+                          <a:solidFill>
+                            <a:schemeClr val="tx1"/>
+                          </a:solidFill>
+                          <a:effectLst/>
+                          <a:latin typeface="+mn-lt"/>
+                          <a:ea typeface="+mn-ea"/>
+                          <a:cs typeface="+mn-cs"/>
+                        </a:rPr>
+                        <a:t>Liquid Limit)</a:t>
+                      </a:r>
+                    </a:p>
+                  </a:txBody>
+                  <a:tcPr marL="61450" marR="61450" marT="0" marB="0" anchor="ctr"/>
+                </a:tc>
+                <a:tc>
+                  <a:txBody>
+                    <a:bodyPr/>
+                    <a:lstStyle/>
+                    <a:p>
+                      <a:pPr marL="0" marR="0" algn="l" defTabSz="914400" rtl="0" eaLnBrk="1" latinLnBrk="0" hangingPunct="1">
                         <a:lnSpc>
-                          <a:spcPct val="115000"/>
+                          <a:spcPct val="150000"/>
                         </a:lnSpc>
                         <a:spcBef>
                           <a:spcPts val="0"/>
@@ -25996,16 +27194,22 @@
                         </a:spcAft>
                       </a:pPr>
                       <a:r>
-                        <a:rPr lang="en-US" sz="1400" dirty="0">
-                          <a:effectLst/>
-                        </a:rPr>
-                        <a:t>ASTM C786,</a:t>
-                      </a:r>
-                    </a:p>
-                    <a:p>
-                      <a:pPr marL="0" marR="0" algn="just">
+                        <a:rPr lang="en-US" sz="1600" b="1" kern="100" dirty="0">
+                          <a:solidFill>
+                            <a:schemeClr val="tx1"/>
+                          </a:solidFill>
+                          <a:effectLst/>
+                          <a:latin typeface="+mn-lt"/>
+                          <a:ea typeface="+mn-ea"/>
+                          <a:cs typeface="+mn-cs"/>
+                        </a:rPr>
+                        <a:t>1. For each source of fill materials</a:t>
+                      </a:r>
+                    </a:p>
+                    <a:p>
+                      <a:pPr marL="0" marR="0" indent="-184150" algn="l" defTabSz="914400" rtl="0" eaLnBrk="1" latinLnBrk="0" hangingPunct="1">
                         <a:lnSpc>
-                          <a:spcPct val="115000"/>
+                          <a:spcPct val="150000"/>
                         </a:lnSpc>
                         <a:spcBef>
                           <a:spcPts val="0"/>
@@ -26015,16 +27219,22 @@
                         </a:spcAft>
                       </a:pPr>
                       <a:r>
-                        <a:rPr lang="en-US" sz="1400" dirty="0">
-                          <a:effectLst/>
-                        </a:rPr>
-                        <a:t>ASTI C403,</a:t>
-                      </a:r>
-                    </a:p>
-                    <a:p>
-                      <a:pPr marL="0" marR="0" algn="just">
+                        <a:rPr lang="en-US" sz="1600" b="1" kern="100" dirty="0">
+                          <a:solidFill>
+                            <a:schemeClr val="tx1"/>
+                          </a:solidFill>
+                          <a:effectLst/>
+                          <a:latin typeface="+mn-lt"/>
+                          <a:ea typeface="+mn-ea"/>
+                          <a:cs typeface="+mn-cs"/>
+                        </a:rPr>
+                        <a:t>2. One Sample for each 10,000 Cum of fill material</a:t>
+                      </a:r>
+                    </a:p>
+                    <a:p>
+                      <a:pPr marL="0" marR="0" indent="-184150" algn="l" defTabSz="914400" rtl="0" eaLnBrk="1" latinLnBrk="0" hangingPunct="1">
                         <a:lnSpc>
-                          <a:spcPct val="115000"/>
+                          <a:spcPct val="150000"/>
                         </a:lnSpc>
                         <a:spcBef>
                           <a:spcPts val="0"/>
@@ -26034,16 +27244,29 @@
                         </a:spcAft>
                       </a:pPr>
                       <a:r>
-                        <a:rPr lang="en-US" sz="1400" dirty="0">
-                          <a:effectLst/>
-                        </a:rPr>
-                        <a:t>ISO 679:2009</a:t>
-                      </a:r>
-                    </a:p>
-                    <a:p>
-                      <a:pPr marL="0" marR="0" algn="just">
+                        <a:rPr lang="en-US" sz="1600" b="1" kern="100" dirty="0">
+                          <a:solidFill>
+                            <a:schemeClr val="tx1"/>
+                          </a:solidFill>
+                          <a:effectLst/>
+                          <a:latin typeface="+mn-lt"/>
+                          <a:ea typeface="+mn-ea"/>
+                          <a:cs typeface="+mn-cs"/>
+                        </a:rPr>
+                        <a:t>3. Change in the Characteristics of the material noticed on visual examination.</a:t>
+                      </a:r>
+                    </a:p>
+                  </a:txBody>
+                  <a:tcPr marL="61450" marR="61450" marT="0" marB="0" anchor="ctr"/>
+                </a:tc>
+                <a:tc>
+                  <a:txBody>
+                    <a:bodyPr/>
+                    <a:lstStyle/>
+                    <a:p>
+                      <a:pPr marL="0" marR="0" algn="l">
                         <a:lnSpc>
-                          <a:spcPct val="115000"/>
+                          <a:spcPct val="150000"/>
                         </a:lnSpc>
                         <a:spcBef>
                           <a:spcPts val="0"/>
@@ -26053,16 +27276,59 @@
                         </a:spcAft>
                       </a:pPr>
                       <a:r>
-                        <a:rPr lang="en-US" sz="1400" dirty="0">
-                          <a:effectLst/>
-                        </a:rPr>
-                        <a:t>or</a:t>
-                      </a:r>
-                    </a:p>
+                        <a:rPr lang="en-US" sz="1600" kern="100" dirty="0">
+                          <a:solidFill>
+                            <a:schemeClr val="tx1"/>
+                          </a:solidFill>
+                          <a:effectLst/>
+                        </a:rPr>
+                        <a:t>ASTM D 4318 </a:t>
+                      </a:r>
+                      <a:br>
+                        <a:rPr lang="en-US" sz="1600" kern="100" dirty="0">
+                          <a:solidFill>
+                            <a:schemeClr val="tx1"/>
+                          </a:solidFill>
+                          <a:effectLst/>
+                        </a:rPr>
+                      </a:br>
+                      <a:r>
+                        <a:rPr lang="en-US" sz="1600" kern="100" dirty="0">
+                          <a:solidFill>
+                            <a:schemeClr val="tx1"/>
+                          </a:solidFill>
+                          <a:effectLst/>
+                        </a:rPr>
+                        <a:t>or Equivalent</a:t>
+                      </a:r>
+                      <a:endParaRPr lang="en-US" sz="1600" dirty="0">
+                        <a:solidFill>
+                          <a:schemeClr val="tx1"/>
+                        </a:solidFill>
+                        <a:effectLst/>
+                        <a:latin typeface="Calibri" panose="020F0502020204030204" pitchFamily="34" charset="0"/>
+                        <a:ea typeface="Calibri" panose="020F0502020204030204" pitchFamily="34" charset="0"/>
+                        <a:cs typeface="Vrinda" panose="020B0502040204020203" pitchFamily="34" charset="0"/>
+                      </a:endParaRPr>
+                    </a:p>
+                  </a:txBody>
+                  <a:tcPr marL="61450" marR="61450" marT="0" marB="0" anchor="ctr"/>
+                </a:tc>
+                <a:extLst>
+                  <a:ext uri="{0D108BD9-81ED-4DB2-BD59-A6C34878D82A}">
+                    <a16:rowId xmlns:a16="http://schemas.microsoft.com/office/drawing/2014/main" val="879665230"/>
+                  </a:ext>
+                </a:extLst>
+              </a:tr>
+              <a:tr h="872274">
+                <a:tc>
+                  <a:txBody>
+                    <a:bodyPr/>
+                    <a:lstStyle/>
                     <a:p>
                       <a:pPr marL="0" marR="0" algn="just">
                         <a:lnSpc>
-                          <a:spcPct val="115000"/>
+                          <a:spcPct val="150000"/>
                         </a:lnSpc>
                         <a:spcBef>
                           <a:spcPts val="0"/>
@@ -26072,12 +27338,12 @@
                         </a:spcAft>
                       </a:pPr>
                       <a:r>
-                        <a:rPr lang="en-US" sz="1400" dirty="0">
-                          <a:effectLst/>
-                        </a:rPr>
-                        <a:t>Equivalent</a:t>
-                      </a:r>
-                      <a:endParaRPr lang="en-US" sz="1400" dirty="0">
+                        <a:rPr lang="en-US" sz="1100" kern="100">
+                          <a:effectLst/>
+                        </a:rPr>
+                        <a:t>2</a:t>
+                      </a:r>
+                      <a:endParaRPr lang="en-US" sz="1000">
                         <a:effectLst/>
                         <a:latin typeface="Calibri" panose="020F0502020204030204" pitchFamily="34" charset="0"/>
                         <a:ea typeface="Calibri" panose="020F0502020204030204" pitchFamily="34" charset="0"/>
@@ -26085,23 +27351,16 @@
                       </a:endParaRPr>
                     </a:p>
                   </a:txBody>
-                  <a:tcPr marL="49932" marR="49932" marT="0" marB="0"/>
-                </a:tc>
-                <a:extLst>
-                  <a:ext uri="{0D108BD9-81ED-4DB2-BD59-A6C34878D82A}">
-                    <a16:rowId xmlns:a16="http://schemas.microsoft.com/office/drawing/2014/main" val="3164827841"/>
-                  </a:ext>
-                </a:extLst>
-              </a:tr>
-              <a:tr h="727130">
+                  <a:tcPr marL="61450" marR="61450" marT="0" marB="0" anchor="ctr"/>
+                </a:tc>
                 <a:tc>
                   <a:txBody>
                     <a:bodyPr/>
                     <a:lstStyle/>
                     <a:p>
-                      <a:pPr marL="0" marR="0" algn="just">
+                      <a:pPr marL="0" marR="0" algn="l" defTabSz="914400" rtl="0" eaLnBrk="1" latinLnBrk="0" hangingPunct="1">
                         <a:lnSpc>
-                          <a:spcPct val="115000"/>
+                          <a:spcPct val="150000"/>
                         </a:lnSpc>
                         <a:spcBef>
                           <a:spcPts val="0"/>
@@ -26111,29 +27370,29 @@
                         </a:spcAft>
                       </a:pPr>
                       <a:r>
-                        <a:rPr lang="en-US" sz="800">
-                          <a:effectLst/>
-                        </a:rPr>
-                        <a:t>2</a:t>
-                      </a:r>
-                      <a:endParaRPr lang="en-US" sz="800">
-                        <a:effectLst/>
-                        <a:latin typeface="Calibri" panose="020F0502020204030204" pitchFamily="34" charset="0"/>
-                        <a:ea typeface="Calibri" panose="020F0502020204030204" pitchFamily="34" charset="0"/>
-                        <a:cs typeface="Vrinda" panose="020B0502040204020203" pitchFamily="34" charset="0"/>
-                      </a:endParaRPr>
-                    </a:p>
-                  </a:txBody>
-                  <a:tcPr marL="49932" marR="49932" marT="0" marB="0"/>
+                        <a:rPr lang="en-US" sz="1600" b="1" kern="100" dirty="0">
+                          <a:solidFill>
+                            <a:schemeClr val="tx1"/>
+                          </a:solidFill>
+                          <a:effectLst/>
+                          <a:latin typeface="+mn-lt"/>
+                          <a:ea typeface="+mn-ea"/>
+                          <a:cs typeface="+mn-cs"/>
+                        </a:rPr>
+                        <a:t>Grain Size Distribution </a:t>
+                      </a:r>
+                    </a:p>
+                  </a:txBody>
+                  <a:tcPr marL="61450" marR="61450" marT="0" marB="0" anchor="ctr"/>
                 </a:tc>
                 <a:tc>
                   <a:txBody>
                     <a:bodyPr/>
                     <a:lstStyle/>
                     <a:p>
-                      <a:pPr marL="0" marR="0" algn="just">
+                      <a:pPr marL="0" marR="0" algn="l" defTabSz="914400" rtl="0" eaLnBrk="1" latinLnBrk="0" hangingPunct="1">
                         <a:lnSpc>
-                          <a:spcPct val="115000"/>
+                          <a:spcPct val="150000"/>
                         </a:lnSpc>
                         <a:spcBef>
                           <a:spcPts val="0"/>
@@ -26143,16 +27402,29 @@
                         </a:spcAft>
                       </a:pPr>
                       <a:r>
-                        <a:rPr lang="en-US" sz="1400">
-                          <a:effectLst/>
-                        </a:rPr>
-                        <a:t>Fine Aggregate (Sand)</a:t>
-                      </a:r>
-                    </a:p>
-                    <a:p>
-                      <a:pPr marL="0" marR="0" algn="just">
+                        <a:rPr lang="en-US" sz="1600" b="1" kern="100" dirty="0">
+                          <a:solidFill>
+                            <a:schemeClr val="tx1"/>
+                          </a:solidFill>
+                          <a:effectLst/>
+                          <a:latin typeface="+mn-lt"/>
+                          <a:ea typeface="+mn-ea"/>
+                          <a:cs typeface="+mn-cs"/>
+                        </a:rPr>
+                        <a:t>As stated above </a:t>
+                      </a:r>
+                    </a:p>
+                  </a:txBody>
+                  <a:tcPr marL="61450" marR="61450" marT="0" marB="0" anchor="ctr"/>
+                </a:tc>
+                <a:tc>
+                  <a:txBody>
+                    <a:bodyPr/>
+                    <a:lstStyle/>
+                    <a:p>
+                      <a:pPr marL="0" marR="0" algn="l">
                         <a:lnSpc>
-                          <a:spcPct val="115000"/>
+                          <a:spcPct val="150000"/>
                         </a:lnSpc>
                         <a:spcBef>
                           <a:spcPts val="0"/>
@@ -26162,16 +27434,76 @@
                         </a:spcAft>
                       </a:pPr>
                       <a:r>
-                        <a:rPr lang="en-US" sz="1400">
-                          <a:effectLst/>
-                        </a:rPr>
-                        <a:t> i) Fineness Modulus</a:t>
-                      </a:r>
-                    </a:p>
+                        <a:rPr lang="en-US" sz="1600" kern="100">
+                          <a:solidFill>
+                            <a:schemeClr val="tx1"/>
+                          </a:solidFill>
+                          <a:effectLst/>
+                        </a:rPr>
+                        <a:t>ASTM D 422 </a:t>
+                      </a:r>
+                      <a:br>
+                        <a:rPr lang="en-US" sz="1600" kern="100">
+                          <a:solidFill>
+                            <a:schemeClr val="tx1"/>
+                          </a:solidFill>
+                          <a:effectLst/>
+                        </a:rPr>
+                      </a:br>
+                      <a:r>
+                        <a:rPr lang="en-US" sz="1600" kern="100">
+                          <a:solidFill>
+                            <a:schemeClr val="tx1"/>
+                          </a:solidFill>
+                          <a:effectLst/>
+                        </a:rPr>
+                        <a:t>or </a:t>
+                      </a:r>
+                      <a:br>
+                        <a:rPr lang="en-US" sz="1600" kern="100">
+                          <a:solidFill>
+                            <a:schemeClr val="tx1"/>
+                          </a:solidFill>
+                          <a:effectLst/>
+                        </a:rPr>
+                      </a:br>
+                      <a:r>
+                        <a:rPr lang="en-US" sz="1600" kern="100">
+                          <a:solidFill>
+                            <a:schemeClr val="tx1"/>
+                          </a:solidFill>
+                          <a:effectLst/>
+                        </a:rPr>
+                        <a:t>Equivalent</a:t>
+                      </a:r>
+                      <a:endParaRPr lang="en-US" sz="1600">
+                        <a:solidFill>
+                          <a:schemeClr val="tx1"/>
+                        </a:solidFill>
+                        <a:effectLst/>
+                        <a:latin typeface="Calibri" panose="020F0502020204030204" pitchFamily="34" charset="0"/>
+                        <a:ea typeface="Calibri" panose="020F0502020204030204" pitchFamily="34" charset="0"/>
+                        <a:cs typeface="Vrinda" panose="020B0502040204020203" pitchFamily="34" charset="0"/>
+                      </a:endParaRPr>
+                    </a:p>
+                  </a:txBody>
+                  <a:tcPr marL="61450" marR="61450" marT="0" marB="0" anchor="ctr"/>
+                </a:tc>
+                <a:extLst>
+                  <a:ext uri="{0D108BD9-81ED-4DB2-BD59-A6C34878D82A}">
+                    <a16:rowId xmlns:a16="http://schemas.microsoft.com/office/drawing/2014/main" val="2926806311"/>
+                  </a:ext>
+                </a:extLst>
+              </a:tr>
+              <a:tr h="581516">
+                <a:tc>
+                  <a:txBody>
+                    <a:bodyPr/>
+                    <a:lstStyle/>
                     <a:p>
                       <a:pPr marL="0" marR="0" algn="just">
                         <a:lnSpc>
-                          <a:spcPct val="115000"/>
+                          <a:spcPct val="150000"/>
                         </a:lnSpc>
                         <a:spcBef>
                           <a:spcPts val="0"/>
@@ -26181,12 +27513,12 @@
                         </a:spcAft>
                       </a:pPr>
                       <a:r>
-                        <a:rPr lang="en-US" sz="1400">
-                          <a:effectLst/>
-                        </a:rPr>
-                        <a:t> </a:t>
-                      </a:r>
-                      <a:endParaRPr lang="en-US" sz="1400">
+                        <a:rPr lang="en-US" sz="1100" kern="100">
+                          <a:effectLst/>
+                        </a:rPr>
+                        <a:t>3</a:t>
+                      </a:r>
+                      <a:endParaRPr lang="en-US" sz="1000">
                         <a:effectLst/>
                         <a:latin typeface="Calibri" panose="020F0502020204030204" pitchFamily="34" charset="0"/>
                         <a:ea typeface="Calibri" panose="020F0502020204030204" pitchFamily="34" charset="0"/>
@@ -26194,104 +27526,16 @@
                       </a:endParaRPr>
                     </a:p>
                   </a:txBody>
-                  <a:tcPr marL="49932" marR="49932" marT="0" marB="0"/>
+                  <a:tcPr marL="61450" marR="61450" marT="0" marB="0" anchor="ctr"/>
                 </a:tc>
                 <a:tc>
                   <a:txBody>
                     <a:bodyPr/>
                     <a:lstStyle/>
                     <a:p>
-                      <a:pPr marL="342900" marR="0" lvl="0" indent="-342900" algn="just">
+                      <a:pPr marL="0" marR="0" algn="l" defTabSz="914400" rtl="0" eaLnBrk="1" latinLnBrk="0" hangingPunct="1">
                         <a:lnSpc>
-                          <a:spcPct val="115000"/>
-                        </a:lnSpc>
-                        <a:spcBef>
-                          <a:spcPts val="0"/>
-                        </a:spcBef>
-                        <a:spcAft>
-                          <a:spcPts val="0"/>
-                        </a:spcAft>
-                        <a:buFont typeface="+mj-lt"/>
-                        <a:buAutoNum type="arabicPeriod"/>
-                      </a:pPr>
-                      <a:r>
-                        <a:rPr lang="en-US" sz="1400" kern="0">
-                          <a:effectLst/>
-                        </a:rPr>
-                        <a:t>1(one) Sample for each 350 Cum or part thereof</a:t>
-                      </a:r>
-                      <a:endParaRPr lang="en-US" sz="1400" kern="100">
-                        <a:effectLst/>
-                      </a:endParaRPr>
-                    </a:p>
-                    <a:p>
-                      <a:pPr marL="342900" marR="0" lvl="0" indent="-342900" algn="just">
-                        <a:lnSpc>
-                          <a:spcPct val="115000"/>
-                        </a:lnSpc>
-                        <a:spcBef>
-                          <a:spcPts val="0"/>
-                        </a:spcBef>
-                        <a:spcAft>
-                          <a:spcPts val="0"/>
-                        </a:spcAft>
-                        <a:buFont typeface="+mj-lt"/>
-                        <a:buAutoNum type="arabicPeriod"/>
-                      </a:pPr>
-                      <a:r>
-                        <a:rPr lang="en-US" sz="1400" kern="0">
-                          <a:effectLst/>
-                        </a:rPr>
-                        <a:t>At least 1 Sample in a week</a:t>
-                      </a:r>
-                      <a:endParaRPr lang="en-US" sz="1400" kern="100">
-                        <a:effectLst/>
-                      </a:endParaRPr>
-                    </a:p>
-                    <a:p>
-                      <a:pPr marL="342900" marR="0" lvl="0" indent="-342900" algn="just">
-                        <a:lnSpc>
-                          <a:spcPct val="115000"/>
-                        </a:lnSpc>
-                        <a:spcBef>
-                          <a:spcPts val="0"/>
-                        </a:spcBef>
-                        <a:spcAft>
-                          <a:spcPts val="0"/>
-                        </a:spcAft>
-                        <a:buFont typeface="+mj-lt"/>
-                        <a:buAutoNum type="arabicPeriod"/>
-                      </a:pPr>
-                      <a:r>
-                        <a:rPr lang="en-US" sz="1400" kern="0">
-                          <a:effectLst/>
-                        </a:rPr>
-                        <a:t>As approved or directed by </a:t>
-                      </a:r>
-                      <a:r>
-                        <a:rPr lang="en-US" sz="1400" kern="100">
-                          <a:effectLst/>
-                        </a:rPr>
-                        <a:t>the Project Manager.</a:t>
-                      </a:r>
-                      <a:endParaRPr lang="en-US" sz="1400" kern="100">
-                        <a:effectLst/>
-                        <a:latin typeface="Century" panose="02040604050505020304" pitchFamily="18" charset="0"/>
-                        <a:ea typeface="MS Mincho"/>
-                        <a:cs typeface="Times New Roman" panose="02020603050405020304" pitchFamily="18" charset="0"/>
-                      </a:endParaRPr>
-                    </a:p>
-                  </a:txBody>
-                  <a:tcPr marL="49932" marR="49932" marT="0" marB="0"/>
-                </a:tc>
-                <a:tc>
-                  <a:txBody>
-                    <a:bodyPr/>
-                    <a:lstStyle/>
-                    <a:p>
-                      <a:pPr marL="0" marR="0" algn="just">
-                        <a:lnSpc>
-                          <a:spcPct val="115000"/>
+                          <a:spcPct val="150000"/>
                         </a:lnSpc>
                         <a:spcBef>
                           <a:spcPts val="0"/>
@@ -26301,16 +27545,29 @@
                         </a:spcAft>
                       </a:pPr>
                       <a:r>
-                        <a:rPr lang="en-US" sz="1400">
-                          <a:effectLst/>
-                        </a:rPr>
-                        <a:t>ASTM C 33</a:t>
-                      </a:r>
-                    </a:p>
-                    <a:p>
-                      <a:pPr marL="0" marR="0" algn="just">
+                        <a:rPr lang="en-US" sz="1600" b="1" kern="100">
+                          <a:solidFill>
+                            <a:schemeClr val="tx1"/>
+                          </a:solidFill>
+                          <a:effectLst/>
+                          <a:latin typeface="+mn-lt"/>
+                          <a:ea typeface="+mn-ea"/>
+                          <a:cs typeface="+mn-cs"/>
+                        </a:rPr>
+                        <a:t>Modified Proctor Test</a:t>
+                      </a:r>
+                    </a:p>
+                  </a:txBody>
+                  <a:tcPr marL="61450" marR="61450" marT="0" marB="0" anchor="ctr"/>
+                </a:tc>
+                <a:tc>
+                  <a:txBody>
+                    <a:bodyPr/>
+                    <a:lstStyle/>
+                    <a:p>
+                      <a:pPr marL="0" marR="0" algn="l" defTabSz="914400" rtl="0" eaLnBrk="1" latinLnBrk="0" hangingPunct="1">
                         <a:lnSpc>
-                          <a:spcPct val="115000"/>
+                          <a:spcPct val="150000"/>
                         </a:lnSpc>
                         <a:spcBef>
                           <a:spcPts val="0"/>
@@ -26320,16 +27577,29 @@
                         </a:spcAft>
                       </a:pPr>
                       <a:r>
-                        <a:rPr lang="en-US" sz="1400">
-                          <a:effectLst/>
-                        </a:rPr>
-                        <a:t>or</a:t>
-                      </a:r>
-                    </a:p>
-                    <a:p>
-                      <a:pPr marL="0" marR="0" algn="just">
+                        <a:rPr lang="en-US" sz="1600" b="1" kern="100" dirty="0">
+                          <a:solidFill>
+                            <a:schemeClr val="tx1"/>
+                          </a:solidFill>
+                          <a:effectLst/>
+                          <a:latin typeface="+mn-lt"/>
+                          <a:ea typeface="+mn-ea"/>
+                          <a:cs typeface="+mn-cs"/>
+                        </a:rPr>
+                        <a:t>As stated above </a:t>
+                      </a:r>
+                    </a:p>
+                  </a:txBody>
+                  <a:tcPr marL="61450" marR="61450" marT="0" marB="0" anchor="ctr"/>
+                </a:tc>
+                <a:tc>
+                  <a:txBody>
+                    <a:bodyPr/>
+                    <a:lstStyle/>
+                    <a:p>
+                      <a:pPr marL="0" marR="0" algn="l">
                         <a:lnSpc>
-                          <a:spcPct val="115000"/>
+                          <a:spcPct val="150000"/>
                         </a:lnSpc>
                         <a:spcBef>
                           <a:spcPts val="0"/>
@@ -26339,36 +27609,25 @@
                         </a:spcAft>
                       </a:pPr>
                       <a:r>
-                        <a:rPr lang="en-US" sz="1400">
-                          <a:effectLst/>
-                        </a:rPr>
-                        <a:t>Equivalent</a:t>
-                      </a:r>
-                      <a:endParaRPr lang="en-US" sz="1400">
+                        <a:rPr lang="en-US" sz="1600" kern="100">
+                          <a:solidFill>
+                            <a:schemeClr val="tx1"/>
+                          </a:solidFill>
+                          <a:effectLst/>
+                        </a:rPr>
+                        <a:t>ASTM D 1557 &amp;</a:t>
+                      </a:r>
+                      <a:endParaRPr lang="en-US" sz="1600">
+                        <a:solidFill>
+                          <a:schemeClr val="tx1"/>
+                        </a:solidFill>
                         <a:effectLst/>
-                        <a:latin typeface="Calibri" panose="020F0502020204030204" pitchFamily="34" charset="0"/>
-                        <a:ea typeface="Calibri" panose="020F0502020204030204" pitchFamily="34" charset="0"/>
-                        <a:cs typeface="Vrinda" panose="020B0502040204020203" pitchFamily="34" charset="0"/>
                       </a:endParaRPr>
                     </a:p>
-                  </a:txBody>
-                  <a:tcPr marL="49932" marR="49932" marT="0" marB="0"/>
-                </a:tc>
-                <a:extLst>
-                  <a:ext uri="{0D108BD9-81ED-4DB2-BD59-A6C34878D82A}">
-                    <a16:rowId xmlns:a16="http://schemas.microsoft.com/office/drawing/2014/main" val="3405217943"/>
-                  </a:ext>
-                </a:extLst>
-              </a:tr>
-              <a:tr h="1397024">
-                <a:tc>
-                  <a:txBody>
-                    <a:bodyPr/>
-                    <a:lstStyle/>
-                    <a:p>
-                      <a:pPr marL="0" marR="0" algn="just">
+                    <a:p>
+                      <a:pPr marL="0" marR="0" algn="l">
                         <a:lnSpc>
-                          <a:spcPct val="115000"/>
+                          <a:spcPct val="150000"/>
                         </a:lnSpc>
                         <a:spcBef>
                           <a:spcPts val="0"/>
@@ -26378,12 +27637,18 @@
                         </a:spcAft>
                       </a:pPr>
                       <a:r>
-                        <a:rPr lang="en-US" sz="800">
-                          <a:effectLst/>
-                        </a:rPr>
-                        <a:t>3</a:t>
-                      </a:r>
-                      <a:endParaRPr lang="en-US" sz="800">
+                        <a:rPr lang="en-US" sz="1600" kern="100">
+                          <a:solidFill>
+                            <a:schemeClr val="tx1"/>
+                          </a:solidFill>
+                          <a:effectLst/>
+                        </a:rPr>
+                        <a:t>ASSTO T 180 D</a:t>
+                      </a:r>
+                      <a:endParaRPr lang="en-US" sz="1600">
+                        <a:solidFill>
+                          <a:schemeClr val="tx1"/>
+                        </a:solidFill>
                         <a:effectLst/>
                         <a:latin typeface="Calibri" panose="020F0502020204030204" pitchFamily="34" charset="0"/>
                         <a:ea typeface="Calibri" panose="020F0502020204030204" pitchFamily="34" charset="0"/>
@@ -26391,8 +27656,15 @@
                       </a:endParaRPr>
                     </a:p>
                   </a:txBody>
-                  <a:tcPr marL="49932" marR="49932" marT="0" marB="0"/>
-                </a:tc>
+                  <a:tcPr marL="61450" marR="61450" marT="0" marB="0" anchor="ctr"/>
+                </a:tc>
+                <a:extLst>
+                  <a:ext uri="{0D108BD9-81ED-4DB2-BD59-A6C34878D82A}">
+                    <a16:rowId xmlns:a16="http://schemas.microsoft.com/office/drawing/2014/main" val="2811145712"/>
+                  </a:ext>
+                </a:extLst>
+              </a:tr>
+              <a:tr h="852639">
                 <a:tc>
                   <a:txBody>
                     <a:bodyPr/>
@@ -26400,7 +27672,7 @@
                     <a:p>
                       <a:pPr marL="0" marR="0" algn="just">
                         <a:lnSpc>
-                          <a:spcPct val="115000"/>
+                          <a:spcPct val="150000"/>
                         </a:lnSpc>
                         <a:spcBef>
                           <a:spcPts val="0"/>
@@ -26410,40 +27682,29 @@
                         </a:spcAft>
                       </a:pPr>
                       <a:r>
-                        <a:rPr lang="en-US" sz="1400">
-                          <a:effectLst/>
-                        </a:rPr>
-                        <a:t>Coarse Aggregate (Stone Chips)</a:t>
-                      </a:r>
-                    </a:p>
-                    <a:p>
-                      <a:pPr marL="342900" marR="0" lvl="0" indent="-342900" algn="just">
+                        <a:rPr lang="en-US" sz="1100" kern="100">
+                          <a:effectLst/>
+                        </a:rPr>
+                        <a:t>4</a:t>
+                      </a:r>
+                      <a:endParaRPr lang="en-US" sz="1000">
+                        <a:effectLst/>
+                        <a:latin typeface="Calibri" panose="020F0502020204030204" pitchFamily="34" charset="0"/>
+                        <a:ea typeface="Calibri" panose="020F0502020204030204" pitchFamily="34" charset="0"/>
+                        <a:cs typeface="Vrinda" panose="020B0502040204020203" pitchFamily="34" charset="0"/>
+                      </a:endParaRPr>
+                    </a:p>
+                  </a:txBody>
+                  <a:tcPr marL="61450" marR="61450" marT="0" marB="0" anchor="ctr"/>
+                </a:tc>
+                <a:tc>
+                  <a:txBody>
+                    <a:bodyPr/>
+                    <a:lstStyle/>
+                    <a:p>
+                      <a:pPr marL="0" marR="0" algn="l" defTabSz="914400" rtl="0" eaLnBrk="1" latinLnBrk="0" hangingPunct="1">
                         <a:lnSpc>
-                          <a:spcPct val="115000"/>
-                        </a:lnSpc>
-                        <a:spcBef>
-                          <a:spcPts val="0"/>
-                        </a:spcBef>
-                        <a:spcAft>
-                          <a:spcPts val="0"/>
-                        </a:spcAft>
-                        <a:buFont typeface="+mj-lt"/>
-                        <a:buAutoNum type="romanLcPeriod"/>
-                      </a:pPr>
-                      <a:r>
-                        <a:rPr lang="en-US" sz="1400" kern="0">
-                          <a:effectLst/>
-                        </a:rPr>
-                        <a:t>Gradation Test</a:t>
-                      </a:r>
-                      <a:endParaRPr lang="en-US" sz="1400" kern="100">
-                        <a:effectLst/>
-                      </a:endParaRPr>
-                    </a:p>
-                    <a:p>
-                      <a:pPr marL="217170" marR="0" algn="just">
-                        <a:lnSpc>
-                          <a:spcPct val="115000"/>
+                          <a:spcPct val="150000"/>
                         </a:lnSpc>
                         <a:spcBef>
                           <a:spcPts val="0"/>
@@ -26453,117 +27714,29 @@
                         </a:spcAft>
                       </a:pPr>
                       <a:r>
-                        <a:rPr lang="en-US" sz="1400" kern="0">
-                          <a:effectLst/>
-                        </a:rPr>
-                        <a:t> </a:t>
-                      </a:r>
-                      <a:endParaRPr lang="en-US" sz="1400" kern="100">
-                        <a:effectLst/>
-                        <a:latin typeface="Century" panose="02040604050505020304" pitchFamily="18" charset="0"/>
-                        <a:ea typeface="MS Mincho"/>
-                        <a:cs typeface="Times New Roman" panose="02020603050405020304" pitchFamily="18" charset="0"/>
-                      </a:endParaRPr>
-                    </a:p>
-                  </a:txBody>
-                  <a:tcPr marL="49932" marR="49932" marT="0" marB="0"/>
+                        <a:rPr lang="en-US" sz="1600" b="1" kern="100">
+                          <a:solidFill>
+                            <a:schemeClr val="tx1"/>
+                          </a:solidFill>
+                          <a:effectLst/>
+                          <a:latin typeface="+mn-lt"/>
+                          <a:ea typeface="+mn-ea"/>
+                          <a:cs typeface="+mn-cs"/>
+                        </a:rPr>
+                        <a:t>Moisture Content </a:t>
+                      </a:r>
+                    </a:p>
+                  </a:txBody>
+                  <a:tcPr marL="61450" marR="61450" marT="0" marB="0" anchor="ctr"/>
                 </a:tc>
                 <a:tc>
                   <a:txBody>
                     <a:bodyPr/>
                     <a:lstStyle/>
                     <a:p>
-                      <a:pPr marL="342900" marR="0" lvl="0" indent="-342900" algn="just">
+                      <a:pPr marL="0" marR="0" algn="l" defTabSz="914400" rtl="0" eaLnBrk="1" latinLnBrk="0" hangingPunct="1">
                         <a:lnSpc>
-                          <a:spcPct val="115000"/>
-                        </a:lnSpc>
-                        <a:spcBef>
-                          <a:spcPts val="0"/>
-                        </a:spcBef>
-                        <a:spcAft>
-                          <a:spcPts val="0"/>
-                        </a:spcAft>
-                        <a:buFont typeface="+mj-lt"/>
-                        <a:buAutoNum type="arabicPeriod"/>
-                      </a:pPr>
-                      <a:r>
-                        <a:rPr lang="en-US" sz="1400" kern="0">
-                          <a:effectLst/>
-                        </a:rPr>
-                        <a:t>1(one) Sample for each 700 Cum or part thereof</a:t>
-                      </a:r>
-                      <a:endParaRPr lang="en-US" sz="1400" kern="100">
-                        <a:effectLst/>
-                      </a:endParaRPr>
-                    </a:p>
-                    <a:p>
-                      <a:pPr marL="342900" marR="0" lvl="0" indent="-342900" algn="just">
-                        <a:lnSpc>
-                          <a:spcPct val="115000"/>
-                        </a:lnSpc>
-                        <a:spcBef>
-                          <a:spcPts val="0"/>
-                        </a:spcBef>
-                        <a:spcAft>
-                          <a:spcPts val="0"/>
-                        </a:spcAft>
-                        <a:buFont typeface="+mj-lt"/>
-                        <a:buAutoNum type="arabicPeriod"/>
-                      </a:pPr>
-                      <a:r>
-                        <a:rPr lang="en-US" sz="1400" kern="0">
-                          <a:effectLst/>
-                        </a:rPr>
-                        <a:t>At least 1 Sample in a week</a:t>
-                      </a:r>
-                      <a:endParaRPr lang="en-US" sz="1400" kern="100">
-                        <a:effectLst/>
-                      </a:endParaRPr>
-                    </a:p>
-                    <a:p>
-                      <a:pPr marL="342900" marR="0" lvl="0" indent="-342900" algn="just">
-                        <a:lnSpc>
-                          <a:spcPct val="115000"/>
-                        </a:lnSpc>
-                        <a:spcBef>
-                          <a:spcPts val="0"/>
-                        </a:spcBef>
-                        <a:spcAft>
-                          <a:spcPts val="0"/>
-                        </a:spcAft>
-                        <a:buFont typeface="+mj-lt"/>
-                        <a:buAutoNum type="arabicPeriod"/>
-                      </a:pPr>
-                      <a:r>
-                        <a:rPr lang="en-US" sz="1400" kern="0">
-                          <a:effectLst/>
-                        </a:rPr>
-                        <a:t>As approved or directed by </a:t>
-                      </a:r>
-                      <a:r>
-                        <a:rPr lang="en-US" sz="1400" kern="100">
-                          <a:effectLst/>
-                        </a:rPr>
-                        <a:t>the Project Manager.</a:t>
-                      </a:r>
-                      <a:endParaRPr lang="en-US" sz="1400" kern="100">
-                        <a:effectLst/>
-                        <a:latin typeface="Century" panose="02040604050505020304" pitchFamily="18" charset="0"/>
-                        <a:ea typeface="MS Mincho"/>
-                        <a:cs typeface="Times New Roman" panose="02020603050405020304" pitchFamily="18" charset="0"/>
-                      </a:endParaRPr>
-                    </a:p>
-                  </a:txBody>
-                  <a:tcPr marL="49932" marR="49932" marT="0" marB="0"/>
-                </a:tc>
-                <a:tc>
-                  <a:txBody>
-                    <a:bodyPr/>
-                    <a:lstStyle/>
-                    <a:p>
-                      <a:pPr marL="0" marR="0" algn="just">
-                        <a:lnSpc>
-                          <a:spcPct val="115000"/>
+                          <a:spcPct val="150000"/>
                         </a:lnSpc>
                         <a:spcBef>
                           <a:spcPts val="0"/>
@@ -26573,16 +27746,52 @@
                         </a:spcAft>
                       </a:pPr>
                       <a:r>
-                        <a:rPr lang="en-US" sz="1400">
-                          <a:effectLst/>
-                        </a:rPr>
-                        <a:t>ASTM C330,</a:t>
-                      </a:r>
-                    </a:p>
-                    <a:p>
-                      <a:pPr marL="0" marR="0" algn="just">
+                        <a:rPr lang="en-US" sz="1600" b="1" kern="100" dirty="0">
+                          <a:solidFill>
+                            <a:schemeClr val="tx1"/>
+                          </a:solidFill>
+                          <a:effectLst/>
+                          <a:latin typeface="+mn-lt"/>
+                          <a:ea typeface="+mn-ea"/>
+                          <a:cs typeface="+mn-cs"/>
+                        </a:rPr>
+                        <a:t>I .For each 5000 cum of fill material </a:t>
+                      </a:r>
+                      <a:br>
+                        <a:rPr lang="en-US" sz="1600" b="1" kern="100" dirty="0">
+                          <a:solidFill>
+                            <a:schemeClr val="tx1"/>
+                          </a:solidFill>
+                          <a:effectLst/>
+                          <a:latin typeface="+mn-lt"/>
+                          <a:ea typeface="+mn-ea"/>
+                          <a:cs typeface="+mn-cs"/>
+                        </a:rPr>
+                      </a:br>
+                      <a:r>
+                        <a:rPr lang="en-US" sz="1600" b="1" kern="100" dirty="0">
+                          <a:solidFill>
+                            <a:schemeClr val="tx1"/>
+                          </a:solidFill>
+                          <a:effectLst/>
+                          <a:latin typeface="+mn-lt"/>
+                          <a:ea typeface="+mn-ea"/>
+                          <a:cs typeface="+mn-cs"/>
+                        </a:rPr>
+                        <a:t>2. As per direction of the Project Manager.</a:t>
+                      </a:r>
+                    </a:p>
+                  </a:txBody>
+                  <a:tcPr marL="61450" marR="61450" marT="0" marB="0" anchor="ctr"/>
+                </a:tc>
+                <a:tc>
+                  <a:txBody>
+                    <a:bodyPr/>
+                    <a:lstStyle/>
+                    <a:p>
+                      <a:pPr marL="0" marR="0" algn="l">
                         <a:lnSpc>
-                          <a:spcPct val="115000"/>
+                          <a:spcPct val="150000"/>
                         </a:lnSpc>
                         <a:spcBef>
                           <a:spcPts val="0"/>
@@ -26592,16 +27801,59 @@
                         </a:spcAft>
                       </a:pPr>
                       <a:r>
-                        <a:rPr lang="en-US" sz="1400">
-                          <a:effectLst/>
-                        </a:rPr>
-                        <a:t>AASHTO T-85, BS-</a:t>
-                      </a:r>
-                    </a:p>
+                        <a:rPr lang="en-US" sz="1600" kern="100" dirty="0">
+                          <a:solidFill>
+                            <a:schemeClr val="tx1"/>
+                          </a:solidFill>
+                          <a:effectLst/>
+                        </a:rPr>
+                        <a:t>ASTM D 4346 &amp; ASTM D 4944 </a:t>
+                      </a:r>
+                      <a:br>
+                        <a:rPr lang="en-US" sz="1600" kern="100" dirty="0">
+                          <a:solidFill>
+                            <a:schemeClr val="tx1"/>
+                          </a:solidFill>
+                          <a:effectLst/>
+                        </a:rPr>
+                      </a:br>
+                      <a:r>
+                        <a:rPr lang="en-US" sz="1600" kern="100" dirty="0">
+                          <a:solidFill>
+                            <a:schemeClr val="tx1"/>
+                          </a:solidFill>
+                          <a:effectLst/>
+                        </a:rPr>
+                        <a:t>or V Equivalent</a:t>
+                      </a:r>
+                      <a:endParaRPr lang="en-US" sz="1600" dirty="0">
+                        <a:solidFill>
+                          <a:schemeClr val="tx1"/>
+                        </a:solidFill>
+                        <a:effectLst/>
+                        <a:latin typeface="Calibri" panose="020F0502020204030204" pitchFamily="34" charset="0"/>
+                        <a:ea typeface="Calibri" panose="020F0502020204030204" pitchFamily="34" charset="0"/>
+                        <a:cs typeface="Vrinda" panose="020B0502040204020203" pitchFamily="34" charset="0"/>
+                      </a:endParaRPr>
+                    </a:p>
+                  </a:txBody>
+                  <a:tcPr marL="61450" marR="61450" marT="0" marB="0" anchor="ctr"/>
+                </a:tc>
+                <a:extLst>
+                  <a:ext uri="{0D108BD9-81ED-4DB2-BD59-A6C34878D82A}">
+                    <a16:rowId xmlns:a16="http://schemas.microsoft.com/office/drawing/2014/main" val="3343853734"/>
+                  </a:ext>
+                </a:extLst>
+              </a:tr>
+              <a:tr h="872274">
+                <a:tc>
+                  <a:txBody>
+                    <a:bodyPr/>
+                    <a:lstStyle/>
                     <a:p>
                       <a:pPr marL="0" marR="0" algn="just">
                         <a:lnSpc>
-                          <a:spcPct val="115000"/>
+                          <a:spcPct val="150000"/>
                         </a:lnSpc>
                         <a:spcBef>
                           <a:spcPts val="0"/>
@@ -26611,16 +27863,29 @@
                         </a:spcAft>
                       </a:pPr>
                       <a:r>
-                        <a:rPr lang="en-US" sz="1400">
-                          <a:effectLst/>
-                        </a:rPr>
-                        <a:t>812,</a:t>
-                      </a:r>
-                    </a:p>
-                    <a:p>
-                      <a:pPr marL="0" marR="0" algn="just">
+                        <a:rPr lang="en-US" sz="1100" kern="100">
+                          <a:effectLst/>
+                        </a:rPr>
+                        <a:t>5</a:t>
+                      </a:r>
+                      <a:endParaRPr lang="en-US" sz="1000">
+                        <a:effectLst/>
+                        <a:latin typeface="Calibri" panose="020F0502020204030204" pitchFamily="34" charset="0"/>
+                        <a:ea typeface="Calibri" panose="020F0502020204030204" pitchFamily="34" charset="0"/>
+                        <a:cs typeface="Vrinda" panose="020B0502040204020203" pitchFamily="34" charset="0"/>
+                      </a:endParaRPr>
+                    </a:p>
+                  </a:txBody>
+                  <a:tcPr marL="61450" marR="61450" marT="0" marB="0" anchor="ctr"/>
+                </a:tc>
+                <a:tc>
+                  <a:txBody>
+                    <a:bodyPr/>
+                    <a:lstStyle/>
+                    <a:p>
+                      <a:pPr marL="0" marR="0" algn="l" defTabSz="914400" rtl="0" eaLnBrk="1" latinLnBrk="0" hangingPunct="1">
                         <a:lnSpc>
-                          <a:spcPct val="115000"/>
+                          <a:spcPct val="150000"/>
                         </a:lnSpc>
                         <a:spcBef>
                           <a:spcPts val="0"/>
@@ -26630,16 +27895,38 @@
                         </a:spcAft>
                       </a:pPr>
                       <a:r>
-                        <a:rPr lang="en-US" sz="1400">
-                          <a:effectLst/>
-                        </a:rPr>
-                        <a:t>ASTM C-535</a:t>
-                      </a:r>
-                    </a:p>
-                    <a:p>
-                      <a:pPr marL="0" marR="0" algn="just">
+                        <a:rPr lang="en-US" sz="1600" b="1" kern="100" dirty="0" smtClean="0">
+                          <a:solidFill>
+                            <a:schemeClr val="tx1"/>
+                          </a:solidFill>
+                          <a:effectLst/>
+                          <a:latin typeface="+mn-lt"/>
+                          <a:ea typeface="+mn-ea"/>
+                          <a:cs typeface="+mn-cs"/>
+                        </a:rPr>
+                        <a:t>Field Dry Density Test</a:t>
+                      </a:r>
+                      <a:endParaRPr lang="en-US" sz="1600" b="1" kern="100" dirty="0">
+                        <a:solidFill>
+                          <a:schemeClr val="tx1"/>
+                        </a:solidFill>
+                        <a:effectLst/>
+                        <a:latin typeface="+mn-lt"/>
+                        <a:ea typeface="+mn-ea"/>
+                        <a:cs typeface="+mn-cs"/>
+                      </a:endParaRPr>
+                    </a:p>
+                  </a:txBody>
+                  <a:tcPr marL="61450" marR="61450" marT="0" marB="0" anchor="ctr"/>
+                </a:tc>
+                <a:tc>
+                  <a:txBody>
+                    <a:bodyPr/>
+                    <a:lstStyle/>
+                    <a:p>
+                      <a:pPr marL="0" marR="0" indent="-127000" algn="l" defTabSz="914400" rtl="0" eaLnBrk="1" latinLnBrk="0" hangingPunct="1">
                         <a:lnSpc>
-                          <a:spcPct val="115000"/>
+                          <a:spcPct val="150000"/>
                         </a:lnSpc>
                         <a:spcBef>
                           <a:spcPts val="0"/>
@@ -26649,16 +27936,46 @@
                         </a:spcAft>
                       </a:pPr>
                       <a:r>
-                        <a:rPr lang="en-US" sz="1400">
-                          <a:effectLst/>
-                        </a:rPr>
-                        <a:t>or</a:t>
-                      </a:r>
-                    </a:p>
-                    <a:p>
-                      <a:pPr marL="0" marR="0" algn="just">
+                        <a:rPr lang="en-US" sz="1600" b="1" kern="100" dirty="0">
+                          <a:solidFill>
+                            <a:schemeClr val="tx1"/>
+                          </a:solidFill>
+                          <a:effectLst/>
+                          <a:latin typeface="+mn-lt"/>
+                          <a:ea typeface="+mn-ea"/>
+                          <a:cs typeface="+mn-cs"/>
+                        </a:rPr>
+                        <a:t>1. One Sample for each 1000 </a:t>
+                      </a:r>
+                      <a:r>
+                        <a:rPr lang="en-US" sz="1600" b="1" kern="100" dirty="0" err="1">
+                          <a:solidFill>
+                            <a:schemeClr val="tx1"/>
+                          </a:solidFill>
+                          <a:effectLst/>
+                          <a:latin typeface="+mn-lt"/>
+                          <a:ea typeface="+mn-ea"/>
+                          <a:cs typeface="+mn-cs"/>
+                        </a:rPr>
+                        <a:t>sqm</a:t>
+                      </a:r>
+                      <a:r>
+                        <a:rPr lang="en-US" sz="1600" b="1" kern="100" dirty="0">
+                          <a:solidFill>
+                            <a:schemeClr val="tx1"/>
+                          </a:solidFill>
+                          <a:effectLst/>
+                          <a:latin typeface="+mn-lt"/>
+                          <a:ea typeface="+mn-ea"/>
+                          <a:cs typeface="+mn-cs"/>
+                        </a:rPr>
+                        <a:t> of compacted surface in each layer </a:t>
+                      </a:r>
+                    </a:p>
+                    <a:p>
+                      <a:pPr marL="0" marR="0" algn="l" defTabSz="914400" rtl="0" eaLnBrk="1" latinLnBrk="0" hangingPunct="1">
                         <a:lnSpc>
-                          <a:spcPct val="115000"/>
+                          <a:spcPct val="150000"/>
                         </a:lnSpc>
                         <a:spcBef>
                           <a:spcPts val="0"/>
@@ -26668,36 +27985,29 @@
                         </a:spcAft>
                       </a:pPr>
                       <a:r>
-                        <a:rPr lang="en-US" sz="1400">
-                          <a:effectLst/>
-                        </a:rPr>
-                        <a:t>Equivalent</a:t>
-                      </a:r>
-                      <a:endParaRPr lang="en-US" sz="1400">
-                        <a:effectLst/>
-                        <a:latin typeface="Calibri" panose="020F0502020204030204" pitchFamily="34" charset="0"/>
-                        <a:ea typeface="Calibri" panose="020F0502020204030204" pitchFamily="34" charset="0"/>
-                        <a:cs typeface="Vrinda" panose="020B0502040204020203" pitchFamily="34" charset="0"/>
-                      </a:endParaRPr>
-                    </a:p>
-                  </a:txBody>
-                  <a:tcPr marL="49932" marR="49932" marT="0" marB="0"/>
-                </a:tc>
-                <a:extLst>
-                  <a:ext uri="{0D108BD9-81ED-4DB2-BD59-A6C34878D82A}">
-                    <a16:rowId xmlns:a16="http://schemas.microsoft.com/office/drawing/2014/main" val="292675629"/>
-                  </a:ext>
-                </a:extLst>
-              </a:tr>
-              <a:tr h="456466">
+                        <a:rPr lang="en-US" sz="1600" b="1" kern="100" dirty="0">
+                          <a:solidFill>
+                            <a:schemeClr val="tx1"/>
+                          </a:solidFill>
+                          <a:effectLst/>
+                          <a:latin typeface="+mn-lt"/>
+                          <a:ea typeface="+mn-ea"/>
+                          <a:cs typeface="+mn-cs"/>
+                        </a:rPr>
+                        <a:t>2. As per direction of the Project Manager.</a:t>
+                      </a:r>
+                    </a:p>
+                  </a:txBody>
+                  <a:tcPr marL="61450" marR="61450" marT="0" marB="0" anchor="ctr"/>
+                </a:tc>
                 <a:tc>
                   <a:txBody>
                     <a:bodyPr/>
                     <a:lstStyle/>
                     <a:p>
-                      <a:pPr marL="0" marR="0" algn="just">
+                      <a:pPr marL="0" marR="0" algn="l">
                         <a:lnSpc>
-                          <a:spcPct val="115000"/>
+                          <a:spcPct val="150000"/>
                         </a:lnSpc>
                         <a:spcBef>
                           <a:spcPts val="0"/>
@@ -26707,29 +28017,42 @@
                         </a:spcAft>
                       </a:pPr>
                       <a:r>
-                        <a:rPr lang="en-US" sz="800">
-                          <a:effectLst/>
-                        </a:rPr>
-                        <a:t>4</a:t>
-                      </a:r>
-                      <a:endParaRPr lang="en-US" sz="800">
+                        <a:rPr lang="en-US" sz="1600" kern="100" dirty="0">
+                          <a:solidFill>
+                            <a:schemeClr val="tx1"/>
+                          </a:solidFill>
+                          <a:effectLst/>
+                        </a:rPr>
+                        <a:t>AAHSTO T191 </a:t>
+                      </a:r>
+                      <a:br>
+                        <a:rPr lang="en-US" sz="1600" kern="100" dirty="0">
+                          <a:solidFill>
+                            <a:schemeClr val="tx1"/>
+                          </a:solidFill>
+                          <a:effectLst/>
+                        </a:rPr>
+                      </a:br>
+                      <a:r>
+                        <a:rPr lang="en-US" sz="1600" kern="100" dirty="0">
+                          <a:solidFill>
+                            <a:schemeClr val="tx1"/>
+                          </a:solidFill>
+                          <a:effectLst/>
+                        </a:rPr>
+                        <a:t>or </a:t>
+                      </a:r>
+                      <a:endParaRPr lang="en-US" sz="1600" dirty="0">
+                        <a:solidFill>
+                          <a:schemeClr val="tx1"/>
+                        </a:solidFill>
                         <a:effectLst/>
-                        <a:latin typeface="Calibri" panose="020F0502020204030204" pitchFamily="34" charset="0"/>
-                        <a:ea typeface="Calibri" panose="020F0502020204030204" pitchFamily="34" charset="0"/>
-                        <a:cs typeface="Vrinda" panose="020B0502040204020203" pitchFamily="34" charset="0"/>
                       </a:endParaRPr>
                     </a:p>
-                  </a:txBody>
-                  <a:tcPr marL="49932" marR="49932" marT="0" marB="0"/>
-                </a:tc>
-                <a:tc>
-                  <a:txBody>
-                    <a:bodyPr/>
-                    <a:lstStyle/>
-                    <a:p>
-                      <a:pPr marL="0" marR="0" algn="just">
+                    <a:p>
+                      <a:pPr marL="0" marR="0" algn="l">
                         <a:lnSpc>
-                          <a:spcPct val="115000"/>
+                          <a:spcPct val="150000"/>
                         </a:lnSpc>
                         <a:spcBef>
                           <a:spcPts val="0"/>
@@ -26739,31 +28062,18 @@
                         </a:spcAft>
                       </a:pPr>
                       <a:r>
-                        <a:rPr lang="en-US" sz="1400">
-                          <a:effectLst/>
-                        </a:rPr>
-                        <a:t>Water</a:t>
-                      </a:r>
-                    </a:p>
-                    <a:p>
-                      <a:pPr marL="0" marR="0" algn="just">
-                        <a:lnSpc>
-                          <a:spcPct val="115000"/>
-                        </a:lnSpc>
-                        <a:spcBef>
-                          <a:spcPts val="0"/>
-                        </a:spcBef>
-                        <a:spcAft>
-                          <a:spcPts val="0"/>
-                        </a:spcAft>
-                      </a:pPr>
-                      <a:r>
-                        <a:rPr lang="en-US" sz="1400">
-                          <a:effectLst/>
-                        </a:rPr>
-                        <a:t>Suitability of Water for Concrete Mixing</a:t>
-                      </a:r>
-                      <a:endParaRPr lang="en-US" sz="1400">
+                        <a:rPr lang="en-US" sz="1600" kern="100" dirty="0">
+                          <a:solidFill>
+                            <a:schemeClr val="tx1"/>
+                          </a:solidFill>
+                          <a:effectLst/>
+                        </a:rPr>
+                        <a:t>Equivalent</a:t>
+                      </a:r>
+                      <a:endParaRPr lang="en-US" sz="1600" dirty="0">
+                        <a:solidFill>
+                          <a:schemeClr val="tx1"/>
+                        </a:solidFill>
                         <a:effectLst/>
                         <a:latin typeface="Calibri" panose="020F0502020204030204" pitchFamily="34" charset="0"/>
                         <a:ea typeface="Calibri" panose="020F0502020204030204" pitchFamily="34" charset="0"/>
@@ -26771,383 +28081,94 @@
                       </a:endParaRPr>
                     </a:p>
                   </a:txBody>
-                  <a:tcPr marL="49932" marR="49932" marT="0" marB="0"/>
-                </a:tc>
+                  <a:tcPr marL="61450" marR="61450" marT="0" marB="0" anchor="ctr"/>
+                </a:tc>
+                <a:extLst>
+                  <a:ext uri="{0D108BD9-81ED-4DB2-BD59-A6C34878D82A}">
+                    <a16:rowId xmlns:a16="http://schemas.microsoft.com/office/drawing/2014/main" val="1619351646"/>
+                  </a:ext>
+                </a:extLst>
+              </a:tr>
+              <a:tr h="202649">
                 <a:tc>
                   <a:txBody>
                     <a:bodyPr/>
                     <a:lstStyle/>
                     <a:p>
-                      <a:pPr marL="342900" marR="0" lvl="0" indent="-342900" algn="just">
+                      <a:pPr>
                         <a:lnSpc>
                           <a:spcPct val="115000"/>
                         </a:lnSpc>
-                        <a:spcBef>
-                          <a:spcPts val="0"/>
-                        </a:spcBef>
-                        <a:spcAft>
-                          <a:spcPts val="0"/>
-                        </a:spcAft>
-                        <a:buFont typeface="+mj-lt"/>
-                        <a:buAutoNum type="arabicPeriod"/>
                       </a:pPr>
-                      <a:r>
-                        <a:rPr lang="en-US" sz="1400" kern="0">
-                          <a:effectLst/>
-                        </a:rPr>
-                        <a:t>For Each source of Water</a:t>
-                      </a:r>
-                      <a:endParaRPr lang="en-US" sz="1400" kern="100">
+                      <a:endParaRPr lang="en-US" sz="1000">
                         <a:effectLst/>
+                        <a:latin typeface="Calibri" panose="020F0502020204030204" pitchFamily="34" charset="0"/>
+                        <a:cs typeface="Vrinda" panose="020B0502040204020203" pitchFamily="34" charset="0"/>
                       </a:endParaRPr>
                     </a:p>
-                    <a:p>
-                      <a:pPr marL="342900" marR="0" lvl="0" indent="-342900" algn="just">
+                  </a:txBody>
+                  <a:tcPr marL="61450" marR="61450" marT="0" marB="0" anchor="ctr"/>
+                </a:tc>
+                <a:tc>
+                  <a:txBody>
+                    <a:bodyPr/>
+                    <a:lstStyle/>
+                    <a:p>
+                      <a:pPr>
                         <a:lnSpc>
                           <a:spcPct val="115000"/>
                         </a:lnSpc>
-                        <a:spcBef>
-                          <a:spcPts val="0"/>
-                        </a:spcBef>
-                        <a:spcAft>
-                          <a:spcPts val="0"/>
-                        </a:spcAft>
-                        <a:buFont typeface="+mj-lt"/>
-                        <a:buAutoNum type="arabicPeriod"/>
                       </a:pPr>
-                      <a:r>
-                        <a:rPr lang="en-US" sz="1400" kern="0">
-                          <a:effectLst/>
-                        </a:rPr>
-                        <a:t>As approved or directed by </a:t>
-                      </a:r>
-                      <a:r>
-                        <a:rPr lang="en-US" sz="1400" kern="100">
-                          <a:effectLst/>
-                        </a:rPr>
-                        <a:t>the Project Manager.</a:t>
-                      </a:r>
-                      <a:endParaRPr lang="en-US" sz="1400" kern="100">
+                      <a:endParaRPr lang="en-US" sz="1000">
                         <a:effectLst/>
-                        <a:latin typeface="Century" panose="02040604050505020304" pitchFamily="18" charset="0"/>
-                        <a:ea typeface="MS Mincho"/>
-                        <a:cs typeface="Times New Roman" panose="02020603050405020304" pitchFamily="18" charset="0"/>
+                        <a:latin typeface="Calibri" panose="020F0502020204030204" pitchFamily="34" charset="0"/>
+                        <a:cs typeface="Vrinda" panose="020B0502040204020203" pitchFamily="34" charset="0"/>
                       </a:endParaRPr>
                     </a:p>
                   </a:txBody>
-                  <a:tcPr marL="49932" marR="49932" marT="0" marB="0"/>
+                  <a:tcPr marL="61450" marR="61450" marT="0" marB="0" anchor="ctr"/>
                 </a:tc>
                 <a:tc>
                   <a:txBody>
                     <a:bodyPr/>
                     <a:lstStyle/>
                     <a:p>
-                      <a:pPr marL="0" marR="0" algn="just">
+                      <a:pPr>
                         <a:lnSpc>
                           <a:spcPct val="115000"/>
                         </a:lnSpc>
-                        <a:spcBef>
-                          <a:spcPts val="0"/>
-                        </a:spcBef>
-                        <a:spcAft>
-                          <a:spcPts val="0"/>
-                        </a:spcAft>
                       </a:pPr>
-                      <a:r>
-                        <a:rPr lang="en-US" sz="1400">
-                          <a:effectLst/>
-                        </a:rPr>
-                        <a:t>BS EN BS EN</a:t>
-                      </a:r>
-                    </a:p>
-                    <a:p>
-                      <a:pPr marL="0" marR="0" algn="just">
+                      <a:endParaRPr lang="en-US" sz="1000">
+                        <a:effectLst/>
+                        <a:latin typeface="Calibri" panose="020F0502020204030204" pitchFamily="34" charset="0"/>
+                        <a:cs typeface="Vrinda" panose="020B0502040204020203" pitchFamily="34" charset="0"/>
+                      </a:endParaRPr>
+                    </a:p>
+                  </a:txBody>
+                  <a:tcPr marL="61450" marR="61450" marT="0" marB="0" anchor="ctr"/>
+                </a:tc>
+                <a:tc>
+                  <a:txBody>
+                    <a:bodyPr/>
+                    <a:lstStyle/>
+                    <a:p>
+                      <a:pPr>
                         <a:lnSpc>
                           <a:spcPct val="115000"/>
                         </a:lnSpc>
-                        <a:spcBef>
-                          <a:spcPts val="0"/>
-                        </a:spcBef>
-                        <a:spcAft>
-                          <a:spcPts val="0"/>
-                        </a:spcAft>
                       </a:pPr>
-                      <a:r>
-                        <a:rPr lang="en-US" sz="1400">
-                          <a:effectLst/>
-                        </a:rPr>
-                        <a:t>1008:2002</a:t>
-                      </a:r>
-                      <a:endParaRPr lang="en-US" sz="1400">
+                      <a:endParaRPr lang="en-US" sz="1000" dirty="0">
                         <a:effectLst/>
                         <a:latin typeface="Calibri" panose="020F0502020204030204" pitchFamily="34" charset="0"/>
-                        <a:ea typeface="Calibri" panose="020F0502020204030204" pitchFamily="34" charset="0"/>
                         <a:cs typeface="Vrinda" panose="020B0502040204020203" pitchFamily="34" charset="0"/>
                       </a:endParaRPr>
                     </a:p>
                   </a:txBody>
-                  <a:tcPr marL="49932" marR="49932" marT="0" marB="0"/>
+                  <a:tcPr marL="61450" marR="61450" marT="0" marB="0" anchor="ctr"/>
                 </a:tc>
                 <a:extLst>
                   <a:ext uri="{0D108BD9-81ED-4DB2-BD59-A6C34878D82A}">
-                    <a16:rowId xmlns:a16="http://schemas.microsoft.com/office/drawing/2014/main" val="1413000809"/>
-                  </a:ext>
-                </a:extLst>
-              </a:tr>
-              <a:tr h="1163408">
-                <a:tc>
-                  <a:txBody>
-                    <a:bodyPr/>
-                    <a:lstStyle/>
-                    <a:p>
-                      <a:pPr marL="0" marR="0" algn="just">
-                        <a:lnSpc>
-                          <a:spcPct val="115000"/>
-                        </a:lnSpc>
-                        <a:spcBef>
-                          <a:spcPts val="0"/>
-                        </a:spcBef>
-                        <a:spcAft>
-                          <a:spcPts val="0"/>
-                        </a:spcAft>
-                      </a:pPr>
-                      <a:r>
-                        <a:rPr lang="en-US" sz="800">
-                          <a:effectLst/>
-                        </a:rPr>
-                        <a:t>5</a:t>
-                      </a:r>
-                      <a:endParaRPr lang="en-US" sz="800">
-                        <a:effectLst/>
-                        <a:latin typeface="Calibri" panose="020F0502020204030204" pitchFamily="34" charset="0"/>
-                        <a:ea typeface="Calibri" panose="020F0502020204030204" pitchFamily="34" charset="0"/>
-                        <a:cs typeface="Vrinda" panose="020B0502040204020203" pitchFamily="34" charset="0"/>
-                      </a:endParaRPr>
-                    </a:p>
-                  </a:txBody>
-                  <a:tcPr marL="49932" marR="49932" marT="0" marB="0"/>
-                </a:tc>
-                <a:tc>
-                  <a:txBody>
-                    <a:bodyPr/>
-                    <a:lstStyle/>
-                    <a:p>
-                      <a:pPr marL="0" marR="0" algn="just">
-                        <a:lnSpc>
-                          <a:spcPct val="115000"/>
-                        </a:lnSpc>
-                        <a:spcBef>
-                          <a:spcPts val="0"/>
-                        </a:spcBef>
-                        <a:spcAft>
-                          <a:spcPts val="0"/>
-                        </a:spcAft>
-                      </a:pPr>
-                      <a:r>
-                        <a:rPr lang="en-US" sz="1400" dirty="0">
-                          <a:effectLst/>
-                        </a:rPr>
-                        <a:t>Concrete</a:t>
-                      </a:r>
-                    </a:p>
-                    <a:p>
-                      <a:pPr marL="342900" marR="0" lvl="0" indent="-342900" algn="just">
-                        <a:lnSpc>
-                          <a:spcPct val="115000"/>
-                        </a:lnSpc>
-                        <a:spcBef>
-                          <a:spcPts val="0"/>
-                        </a:spcBef>
-                        <a:spcAft>
-                          <a:spcPts val="0"/>
-                        </a:spcAft>
-                        <a:buFont typeface="+mj-lt"/>
-                        <a:buAutoNum type="romanLcPeriod"/>
-                      </a:pPr>
-                      <a:r>
-                        <a:rPr lang="en-US" sz="1400" kern="0" dirty="0" smtClean="0">
-                          <a:effectLst/>
-                        </a:rPr>
-                        <a:t>Concrete </a:t>
-                      </a:r>
-                      <a:r>
-                        <a:rPr lang="en-US" sz="1400" kern="0" dirty="0">
-                          <a:effectLst/>
-                        </a:rPr>
-                        <a:t>Core Test</a:t>
-                      </a:r>
-                      <a:endParaRPr lang="en-US" sz="1400" kern="100" dirty="0">
-                        <a:effectLst/>
-                        <a:latin typeface="Century" panose="02040604050505020304" pitchFamily="18" charset="0"/>
-                        <a:ea typeface="MS Mincho"/>
-                        <a:cs typeface="Times New Roman" panose="02020603050405020304" pitchFamily="18" charset="0"/>
-                      </a:endParaRPr>
-                    </a:p>
-                  </a:txBody>
-                  <a:tcPr marL="49932" marR="49932" marT="0" marB="0"/>
-                </a:tc>
-                <a:tc>
-                  <a:txBody>
-                    <a:bodyPr/>
-                    <a:lstStyle/>
-                    <a:p>
-                      <a:pPr marL="342900" marR="0" lvl="0" indent="-342900" algn="just">
-                        <a:lnSpc>
-                          <a:spcPct val="115000"/>
-                        </a:lnSpc>
-                        <a:spcBef>
-                          <a:spcPts val="0"/>
-                        </a:spcBef>
-                        <a:spcAft>
-                          <a:spcPts val="0"/>
-                        </a:spcAft>
-                        <a:buFont typeface="+mj-lt"/>
-                        <a:buAutoNum type="arabicPeriod"/>
-                      </a:pPr>
-                      <a:r>
-                        <a:rPr lang="en-US" sz="1400" kern="0" dirty="0" smtClean="0">
-                          <a:effectLst/>
-                        </a:rPr>
-                        <a:t>Concrete </a:t>
-                      </a:r>
-                      <a:r>
-                        <a:rPr lang="en-US" sz="1400" kern="0" dirty="0">
-                          <a:effectLst/>
-                        </a:rPr>
-                        <a:t>Core Test will be carried out  for at least one block for each days casting</a:t>
-                      </a:r>
-                      <a:endParaRPr lang="en-US" sz="1400" kern="100" dirty="0">
-                        <a:effectLst/>
-                      </a:endParaRPr>
-                    </a:p>
-                    <a:p>
-                      <a:pPr marL="342900" marR="0" lvl="0" indent="-342900" algn="just">
-                        <a:lnSpc>
-                          <a:spcPct val="115000"/>
-                        </a:lnSpc>
-                        <a:spcBef>
-                          <a:spcPts val="0"/>
-                        </a:spcBef>
-                        <a:spcAft>
-                          <a:spcPts val="0"/>
-                        </a:spcAft>
-                        <a:buFont typeface="+mj-lt"/>
-                        <a:buAutoNum type="arabicPeriod"/>
-                      </a:pPr>
-                      <a:r>
-                        <a:rPr lang="en-US" sz="1400" kern="0" dirty="0">
-                          <a:effectLst/>
-                        </a:rPr>
-                        <a:t> As approved or directed by </a:t>
-                      </a:r>
-                      <a:r>
-                        <a:rPr lang="en-US" sz="1400" kern="100" dirty="0">
-                          <a:effectLst/>
-                        </a:rPr>
-                        <a:t>the Project Manager.</a:t>
-                      </a:r>
-                      <a:endParaRPr lang="en-US" sz="1400" kern="100" dirty="0">
-                        <a:effectLst/>
-                        <a:latin typeface="Century" panose="02040604050505020304" pitchFamily="18" charset="0"/>
-                        <a:ea typeface="MS Mincho"/>
-                        <a:cs typeface="Times New Roman" panose="02020603050405020304" pitchFamily="18" charset="0"/>
-                      </a:endParaRPr>
-                    </a:p>
-                  </a:txBody>
-                  <a:tcPr marL="49932" marR="49932" marT="0" marB="0"/>
-                </a:tc>
-                <a:tc>
-                  <a:txBody>
-                    <a:bodyPr/>
-                    <a:lstStyle/>
-                    <a:p>
-                      <a:pPr marL="0" marR="0" algn="just">
-                        <a:lnSpc>
-                          <a:spcPct val="115000"/>
-                        </a:lnSpc>
-                        <a:spcBef>
-                          <a:spcPts val="0"/>
-                        </a:spcBef>
-                        <a:spcAft>
-                          <a:spcPts val="0"/>
-                        </a:spcAft>
-                      </a:pPr>
-                      <a:r>
-                        <a:rPr lang="en-US" sz="1400" dirty="0">
-                          <a:effectLst/>
-                        </a:rPr>
-                        <a:t>BS 1881,</a:t>
-                      </a:r>
-                    </a:p>
-                    <a:p>
-                      <a:pPr marL="0" marR="0" algn="just">
-                        <a:lnSpc>
-                          <a:spcPct val="115000"/>
-                        </a:lnSpc>
-                        <a:spcBef>
-                          <a:spcPts val="0"/>
-                        </a:spcBef>
-                        <a:spcAft>
-                          <a:spcPts val="0"/>
-                        </a:spcAft>
-                      </a:pPr>
-                      <a:r>
-                        <a:rPr lang="en-US" sz="1400" dirty="0">
-                          <a:effectLst/>
-                        </a:rPr>
-                        <a:t>ASTM C-42</a:t>
-                      </a:r>
-                    </a:p>
-                    <a:p>
-                      <a:pPr marL="0" marR="0" algn="just">
-                        <a:lnSpc>
-                          <a:spcPct val="115000"/>
-                        </a:lnSpc>
-                        <a:spcBef>
-                          <a:spcPts val="0"/>
-                        </a:spcBef>
-                        <a:spcAft>
-                          <a:spcPts val="0"/>
-                        </a:spcAft>
-                      </a:pPr>
-                      <a:r>
-                        <a:rPr lang="en-US" sz="1400" dirty="0">
-                          <a:effectLst/>
-                        </a:rPr>
-                        <a:t>Or</a:t>
-                      </a:r>
-                    </a:p>
-                    <a:p>
-                      <a:pPr marL="0" marR="0" algn="just">
-                        <a:lnSpc>
-                          <a:spcPct val="115000"/>
-                        </a:lnSpc>
-                        <a:spcBef>
-                          <a:spcPts val="0"/>
-                        </a:spcBef>
-                        <a:spcAft>
-                          <a:spcPts val="0"/>
-                        </a:spcAft>
-                      </a:pPr>
-                      <a:r>
-                        <a:rPr lang="en-US" sz="1400" dirty="0">
-                          <a:effectLst/>
-                        </a:rPr>
-                        <a:t>similar standard</a:t>
-                      </a:r>
-                      <a:endParaRPr lang="en-US" sz="1400" dirty="0">
-                        <a:effectLst/>
-                        <a:latin typeface="Calibri" panose="020F0502020204030204" pitchFamily="34" charset="0"/>
-                        <a:ea typeface="Calibri" panose="020F0502020204030204" pitchFamily="34" charset="0"/>
-                        <a:cs typeface="Vrinda" panose="020B0502040204020203" pitchFamily="34" charset="0"/>
-                      </a:endParaRPr>
-                    </a:p>
-                  </a:txBody>
-                  <a:tcPr marL="49932" marR="49932" marT="0" marB="0"/>
-                </a:tc>
-                <a:extLst>
-                  <a:ext uri="{0D108BD9-81ED-4DB2-BD59-A6C34878D82A}">
-                    <a16:rowId xmlns:a16="http://schemas.microsoft.com/office/drawing/2014/main" val="2972195380"/>
+                    <a16:rowId xmlns:a16="http://schemas.microsoft.com/office/drawing/2014/main" val="3275676910"/>
                   </a:ext>
                 </a:extLst>
               </a:tr>
@@ -27158,7 +28179,7 @@
     </p:spTree>
     <p:extLst>
       <p:ext uri="{BB962C8B-B14F-4D97-AF65-F5344CB8AC3E}">
-        <p14:creationId xmlns:p14="http://schemas.microsoft.com/office/powerpoint/2010/main" val="1885552351"/>
+        <p14:creationId xmlns:p14="http://schemas.microsoft.com/office/powerpoint/2010/main" val="3931226335"/>
       </p:ext>
     </p:extLst>
   </p:cSld>
@@ -27348,6 +28369,1949 @@
             <a:pPr algn="ctr"/>
             <a:r>
               <a:rPr lang="en-US" dirty="0" smtClean="0"/>
+              <a:t>Standard Sampling and Testing for CC Block</a:t>
+            </a:r>
+            <a:endParaRPr lang="en-US" dirty="0"/>
+          </a:p>
+        </p:txBody>
+      </p:sp>
+      <p:sp>
+        <p:nvSpPr>
+          <p:cNvPr id="5" name="Rectangle 4"/>
+          <p:cNvSpPr/>
+          <p:nvPr/>
+        </p:nvSpPr>
+        <p:spPr>
+          <a:xfrm>
+            <a:off x="313899" y="1693084"/>
+            <a:ext cx="11163868" cy="480837"/>
+          </a:xfrm>
+          <a:prstGeom prst="rect">
+            <a:avLst/>
+          </a:prstGeom>
+        </p:spPr>
+        <p:txBody>
+          <a:bodyPr wrap="square">
+            <a:spAutoFit/>
+          </a:bodyPr>
+          <a:lstStyle/>
+          <a:p>
+            <a:pPr marL="342900" marR="0" lvl="0" indent="-342900" algn="just">
+              <a:lnSpc>
+                <a:spcPct val="115000"/>
+              </a:lnSpc>
+              <a:spcBef>
+                <a:spcPts val="0"/>
+              </a:spcBef>
+              <a:spcAft>
+                <a:spcPts val="0"/>
+              </a:spcAft>
+              <a:buFont typeface="+mj-lt"/>
+              <a:buAutoNum type="romanLcPeriod"/>
+            </a:pPr>
+            <a:endParaRPr lang="en-US" sz="2400" kern="100" dirty="0" smtClean="0">
+              <a:solidFill>
+                <a:schemeClr val="accent2">
+                  <a:lumMod val="75000"/>
+                </a:schemeClr>
+              </a:solidFill>
+              <a:latin typeface="Cambria" panose="02040503050406030204" pitchFamily="18" charset="0"/>
+              <a:ea typeface="MS Mincho"/>
+              <a:cs typeface="Times New Roman" panose="02020603050405020304" pitchFamily="18" charset="0"/>
+            </a:endParaRPr>
+          </a:p>
+        </p:txBody>
+      </p:sp>
+      <p:graphicFrame>
+        <p:nvGraphicFramePr>
+          <p:cNvPr id="3" name="Table 2"/>
+          <p:cNvGraphicFramePr>
+            <a:graphicFrameLocks noGrp="1"/>
+          </p:cNvGraphicFramePr>
+          <p:nvPr>
+            <p:extLst>
+              <p:ext uri="{D42A27DB-BD31-4B8C-83A1-F6EECF244321}">
+                <p14:modId xmlns:p14="http://schemas.microsoft.com/office/powerpoint/2010/main" val="2231479779"/>
+              </p:ext>
+            </p:extLst>
+          </p:nvPr>
+        </p:nvGraphicFramePr>
+        <p:xfrm>
+          <a:off x="313899" y="655094"/>
+          <a:ext cx="11395501" cy="6121120"/>
+        </p:xfrm>
+        <a:graphic>
+          <a:graphicData uri="http://schemas.openxmlformats.org/drawingml/2006/table">
+            <a:tbl>
+              <a:tblPr firstRow="1" firstCol="1" bandRow="1">
+                <a:tableStyleId>{5C22544A-7EE6-4342-B048-85BDC9FD1C3A}</a:tableStyleId>
+              </a:tblPr>
+              <a:tblGrid>
+                <a:gridCol w="447465">
+                  <a:extLst>
+                    <a:ext uri="{9D8B030D-6E8A-4147-A177-3AD203B41FA5}">
+                      <a16:colId xmlns:a16="http://schemas.microsoft.com/office/drawing/2014/main" val="1726919557"/>
+                    </a:ext>
+                  </a:extLst>
+                </a:gridCol>
+                <a:gridCol w="3308427">
+                  <a:extLst>
+                    <a:ext uri="{9D8B030D-6E8A-4147-A177-3AD203B41FA5}">
+                      <a16:colId xmlns:a16="http://schemas.microsoft.com/office/drawing/2014/main" val="562434387"/>
+                    </a:ext>
+                  </a:extLst>
+                </a:gridCol>
+                <a:gridCol w="4181741">
+                  <a:extLst>
+                    <a:ext uri="{9D8B030D-6E8A-4147-A177-3AD203B41FA5}">
+                      <a16:colId xmlns:a16="http://schemas.microsoft.com/office/drawing/2014/main" val="2114888677"/>
+                    </a:ext>
+                  </a:extLst>
+                </a:gridCol>
+                <a:gridCol w="3457868">
+                  <a:extLst>
+                    <a:ext uri="{9D8B030D-6E8A-4147-A177-3AD203B41FA5}">
+                      <a16:colId xmlns:a16="http://schemas.microsoft.com/office/drawing/2014/main" val="3936431509"/>
+                    </a:ext>
+                  </a:extLst>
+                </a:gridCol>
+              </a:tblGrid>
+              <a:tr h="295796">
+                <a:tc>
+                  <a:txBody>
+                    <a:bodyPr/>
+                    <a:lstStyle/>
+                    <a:p>
+                      <a:pPr marL="0" marR="0" algn="ctr">
+                        <a:lnSpc>
+                          <a:spcPct val="115000"/>
+                        </a:lnSpc>
+                        <a:spcBef>
+                          <a:spcPts val="0"/>
+                        </a:spcBef>
+                        <a:spcAft>
+                          <a:spcPts val="0"/>
+                        </a:spcAft>
+                      </a:pPr>
+                      <a:r>
+                        <a:rPr lang="en-US" sz="800">
+                          <a:effectLst/>
+                        </a:rPr>
+                        <a:t>Sl</a:t>
+                      </a:r>
+                      <a:endParaRPr lang="en-US" sz="800">
+                        <a:effectLst/>
+                        <a:latin typeface="Calibri" panose="020F0502020204030204" pitchFamily="34" charset="0"/>
+                        <a:ea typeface="Calibri" panose="020F0502020204030204" pitchFamily="34" charset="0"/>
+                        <a:cs typeface="Vrinda" panose="020B0502040204020203" pitchFamily="34" charset="0"/>
+                      </a:endParaRPr>
+                    </a:p>
+                  </a:txBody>
+                  <a:tcPr marL="49932" marR="49932" marT="0" marB="0"/>
+                </a:tc>
+                <a:tc>
+                  <a:txBody>
+                    <a:bodyPr/>
+                    <a:lstStyle/>
+                    <a:p>
+                      <a:pPr marL="0" marR="0" algn="ctr">
+                        <a:lnSpc>
+                          <a:spcPct val="115000"/>
+                        </a:lnSpc>
+                        <a:spcBef>
+                          <a:spcPts val="0"/>
+                        </a:spcBef>
+                        <a:spcAft>
+                          <a:spcPts val="0"/>
+                        </a:spcAft>
+                      </a:pPr>
+                      <a:r>
+                        <a:rPr lang="en-US" sz="800">
+                          <a:effectLst/>
+                        </a:rPr>
+                        <a:t>Name of Test</a:t>
+                      </a:r>
+                      <a:endParaRPr lang="en-US" sz="800">
+                        <a:effectLst/>
+                        <a:latin typeface="Calibri" panose="020F0502020204030204" pitchFamily="34" charset="0"/>
+                        <a:ea typeface="Calibri" panose="020F0502020204030204" pitchFamily="34" charset="0"/>
+                        <a:cs typeface="Vrinda" panose="020B0502040204020203" pitchFamily="34" charset="0"/>
+                      </a:endParaRPr>
+                    </a:p>
+                  </a:txBody>
+                  <a:tcPr marL="49932" marR="49932" marT="0" marB="0" anchor="ctr"/>
+                </a:tc>
+                <a:tc>
+                  <a:txBody>
+                    <a:bodyPr/>
+                    <a:lstStyle/>
+                    <a:p>
+                      <a:pPr marL="0" marR="0" algn="ctr">
+                        <a:lnSpc>
+                          <a:spcPct val="115000"/>
+                        </a:lnSpc>
+                        <a:spcBef>
+                          <a:spcPts val="0"/>
+                        </a:spcBef>
+                        <a:spcAft>
+                          <a:spcPts val="0"/>
+                        </a:spcAft>
+                      </a:pPr>
+                      <a:r>
+                        <a:rPr lang="en-US" sz="800" dirty="0">
+                          <a:effectLst/>
+                        </a:rPr>
+                        <a:t>Frequency of Test</a:t>
+                      </a:r>
+                      <a:endParaRPr lang="en-US" sz="800" dirty="0">
+                        <a:effectLst/>
+                        <a:latin typeface="Calibri" panose="020F0502020204030204" pitchFamily="34" charset="0"/>
+                        <a:ea typeface="Calibri" panose="020F0502020204030204" pitchFamily="34" charset="0"/>
+                        <a:cs typeface="Vrinda" panose="020B0502040204020203" pitchFamily="34" charset="0"/>
+                      </a:endParaRPr>
+                    </a:p>
+                  </a:txBody>
+                  <a:tcPr marL="49932" marR="49932" marT="0" marB="0" anchor="ctr"/>
+                </a:tc>
+                <a:tc>
+                  <a:txBody>
+                    <a:bodyPr/>
+                    <a:lstStyle/>
+                    <a:p>
+                      <a:pPr marL="0" marR="0" algn="ctr">
+                        <a:lnSpc>
+                          <a:spcPct val="115000"/>
+                        </a:lnSpc>
+                        <a:spcBef>
+                          <a:spcPts val="0"/>
+                        </a:spcBef>
+                        <a:spcAft>
+                          <a:spcPts val="0"/>
+                        </a:spcAft>
+                      </a:pPr>
+                      <a:r>
+                        <a:rPr lang="en-US" sz="800">
+                          <a:effectLst/>
+                        </a:rPr>
+                        <a:t>Test Method</a:t>
+                      </a:r>
+                      <a:endParaRPr lang="en-US" sz="800">
+                        <a:effectLst/>
+                        <a:latin typeface="Calibri" panose="020F0502020204030204" pitchFamily="34" charset="0"/>
+                        <a:ea typeface="Calibri" panose="020F0502020204030204" pitchFamily="34" charset="0"/>
+                        <a:cs typeface="Vrinda" panose="020B0502040204020203" pitchFamily="34" charset="0"/>
+                      </a:endParaRPr>
+                    </a:p>
+                  </a:txBody>
+                  <a:tcPr marL="49932" marR="49932" marT="0" marB="0" anchor="ctr"/>
+                </a:tc>
+                <a:extLst>
+                  <a:ext uri="{0D108BD9-81ED-4DB2-BD59-A6C34878D82A}">
+                    <a16:rowId xmlns:a16="http://schemas.microsoft.com/office/drawing/2014/main" val="3266497986"/>
+                  </a:ext>
+                </a:extLst>
+              </a:tr>
+              <a:tr h="1865538">
+                <a:tc>
+                  <a:txBody>
+                    <a:bodyPr/>
+                    <a:lstStyle/>
+                    <a:p>
+                      <a:pPr marL="0" marR="0" algn="just">
+                        <a:lnSpc>
+                          <a:spcPct val="115000"/>
+                        </a:lnSpc>
+                        <a:spcBef>
+                          <a:spcPts val="0"/>
+                        </a:spcBef>
+                        <a:spcAft>
+                          <a:spcPts val="0"/>
+                        </a:spcAft>
+                      </a:pPr>
+                      <a:r>
+                        <a:rPr lang="en-US" sz="800">
+                          <a:effectLst/>
+                        </a:rPr>
+                        <a:t>1</a:t>
+                      </a:r>
+                      <a:endParaRPr lang="en-US" sz="800">
+                        <a:effectLst/>
+                        <a:latin typeface="Calibri" panose="020F0502020204030204" pitchFamily="34" charset="0"/>
+                        <a:ea typeface="Calibri" panose="020F0502020204030204" pitchFamily="34" charset="0"/>
+                        <a:cs typeface="Vrinda" panose="020B0502040204020203" pitchFamily="34" charset="0"/>
+                      </a:endParaRPr>
+                    </a:p>
+                  </a:txBody>
+                  <a:tcPr marL="49932" marR="49932" marT="0" marB="0"/>
+                </a:tc>
+                <a:tc>
+                  <a:txBody>
+                    <a:bodyPr/>
+                    <a:lstStyle/>
+                    <a:p>
+                      <a:pPr marL="0" marR="0" algn="just">
+                        <a:lnSpc>
+                          <a:spcPct val="115000"/>
+                        </a:lnSpc>
+                        <a:spcBef>
+                          <a:spcPts val="0"/>
+                        </a:spcBef>
+                        <a:spcAft>
+                          <a:spcPts val="0"/>
+                        </a:spcAft>
+                      </a:pPr>
+                      <a:r>
+                        <a:rPr lang="en-US" sz="1400">
+                          <a:effectLst/>
+                        </a:rPr>
+                        <a:t>Cement:</a:t>
+                      </a:r>
+                    </a:p>
+                    <a:p>
+                      <a:pPr marL="342900" marR="0" lvl="0" indent="-342900" algn="just">
+                        <a:lnSpc>
+                          <a:spcPct val="115000"/>
+                        </a:lnSpc>
+                        <a:spcBef>
+                          <a:spcPts val="0"/>
+                        </a:spcBef>
+                        <a:spcAft>
+                          <a:spcPts val="0"/>
+                        </a:spcAft>
+                        <a:buFont typeface="+mj-lt"/>
+                        <a:buAutoNum type="romanLcPeriod"/>
+                      </a:pPr>
+                      <a:r>
+                        <a:rPr lang="en-US" sz="1400" kern="0">
+                          <a:effectLst/>
+                        </a:rPr>
+                        <a:t>Fineness</a:t>
+                      </a:r>
+                      <a:endParaRPr lang="en-US" sz="1400" kern="100">
+                        <a:effectLst/>
+                      </a:endParaRPr>
+                    </a:p>
+                    <a:p>
+                      <a:pPr marL="342900" marR="0" lvl="0" indent="-342900" algn="just">
+                        <a:lnSpc>
+                          <a:spcPct val="115000"/>
+                        </a:lnSpc>
+                        <a:spcBef>
+                          <a:spcPts val="0"/>
+                        </a:spcBef>
+                        <a:spcAft>
+                          <a:spcPts val="0"/>
+                        </a:spcAft>
+                        <a:buFont typeface="+mj-lt"/>
+                        <a:buAutoNum type="romanLcPeriod"/>
+                      </a:pPr>
+                      <a:r>
+                        <a:rPr lang="en-US" sz="1400" kern="0">
+                          <a:effectLst/>
+                        </a:rPr>
+                        <a:t>Soundness</a:t>
+                      </a:r>
+                      <a:endParaRPr lang="en-US" sz="1400" kern="100">
+                        <a:effectLst/>
+                      </a:endParaRPr>
+                    </a:p>
+                    <a:p>
+                      <a:pPr marL="342900" marR="0" lvl="0" indent="-342900" algn="just">
+                        <a:lnSpc>
+                          <a:spcPct val="115000"/>
+                        </a:lnSpc>
+                        <a:spcBef>
+                          <a:spcPts val="0"/>
+                        </a:spcBef>
+                        <a:spcAft>
+                          <a:spcPts val="0"/>
+                        </a:spcAft>
+                        <a:buFont typeface="+mj-lt"/>
+                        <a:buAutoNum type="romanLcPeriod"/>
+                      </a:pPr>
+                      <a:r>
+                        <a:rPr lang="en-US" sz="1400" kern="0">
+                          <a:effectLst/>
+                        </a:rPr>
+                        <a:t>Initial Setting Time and Final Setting Time</a:t>
+                      </a:r>
+                      <a:endParaRPr lang="en-US" sz="1400" kern="100">
+                        <a:effectLst/>
+                      </a:endParaRPr>
+                    </a:p>
+                    <a:p>
+                      <a:pPr marL="342900" marR="0" lvl="0" indent="-342900" algn="just">
+                        <a:lnSpc>
+                          <a:spcPct val="115000"/>
+                        </a:lnSpc>
+                        <a:spcBef>
+                          <a:spcPts val="0"/>
+                        </a:spcBef>
+                        <a:spcAft>
+                          <a:spcPts val="0"/>
+                        </a:spcAft>
+                        <a:buFont typeface="+mj-lt"/>
+                        <a:buAutoNum type="romanLcPeriod"/>
+                      </a:pPr>
+                      <a:r>
+                        <a:rPr lang="en-US" sz="1400" kern="0">
+                          <a:effectLst/>
+                        </a:rPr>
+                        <a:t>Compressive Strength</a:t>
+                      </a:r>
+                      <a:endParaRPr lang="en-US" sz="1400" kern="100">
+                        <a:effectLst/>
+                      </a:endParaRPr>
+                    </a:p>
+                    <a:p>
+                      <a:pPr marL="342900" marR="0" lvl="0" indent="-342900" algn="just">
+                        <a:lnSpc>
+                          <a:spcPct val="115000"/>
+                        </a:lnSpc>
+                        <a:spcBef>
+                          <a:spcPts val="0"/>
+                        </a:spcBef>
+                        <a:spcAft>
+                          <a:spcPts val="0"/>
+                        </a:spcAft>
+                        <a:buFont typeface="+mj-lt"/>
+                        <a:buAutoNum type="romanLcPeriod"/>
+                      </a:pPr>
+                      <a:r>
+                        <a:rPr lang="en-US" sz="1400" kern="0">
+                          <a:effectLst/>
+                        </a:rPr>
+                        <a:t>Tensile Strength</a:t>
+                      </a:r>
+                      <a:endParaRPr lang="en-US" sz="1400" kern="100">
+                        <a:effectLst/>
+                      </a:endParaRPr>
+                    </a:p>
+                    <a:p>
+                      <a:pPr marL="342900" marR="0" lvl="0" indent="-342900" algn="just">
+                        <a:lnSpc>
+                          <a:spcPct val="115000"/>
+                        </a:lnSpc>
+                        <a:spcBef>
+                          <a:spcPts val="0"/>
+                        </a:spcBef>
+                        <a:spcAft>
+                          <a:spcPts val="0"/>
+                        </a:spcAft>
+                        <a:buFont typeface="+mj-lt"/>
+                        <a:buAutoNum type="romanLcPeriod"/>
+                      </a:pPr>
+                      <a:r>
+                        <a:rPr lang="en-US" sz="1400" kern="0">
+                          <a:effectLst/>
+                        </a:rPr>
+                        <a:t>Unit Weight</a:t>
+                      </a:r>
+                      <a:endParaRPr lang="en-US" sz="1400" kern="100">
+                        <a:effectLst/>
+                        <a:latin typeface="Century" panose="02040604050505020304" pitchFamily="18" charset="0"/>
+                        <a:ea typeface="MS Mincho"/>
+                        <a:cs typeface="Times New Roman" panose="02020603050405020304" pitchFamily="18" charset="0"/>
+                      </a:endParaRPr>
+                    </a:p>
+                  </a:txBody>
+                  <a:tcPr marL="49932" marR="49932" marT="0" marB="0"/>
+                </a:tc>
+                <a:tc>
+                  <a:txBody>
+                    <a:bodyPr/>
+                    <a:lstStyle/>
+                    <a:p>
+                      <a:pPr marL="0" marR="0" algn="just">
+                        <a:lnSpc>
+                          <a:spcPct val="115000"/>
+                        </a:lnSpc>
+                        <a:spcBef>
+                          <a:spcPts val="0"/>
+                        </a:spcBef>
+                        <a:spcAft>
+                          <a:spcPts val="0"/>
+                        </a:spcAft>
+                      </a:pPr>
+                      <a:r>
+                        <a:rPr lang="en-US" sz="1400">
+                          <a:effectLst/>
+                        </a:rPr>
+                        <a:t> </a:t>
+                      </a:r>
+                    </a:p>
+                    <a:p>
+                      <a:pPr marL="342900" marR="0" lvl="0" indent="-342900" algn="just">
+                        <a:lnSpc>
+                          <a:spcPct val="115000"/>
+                        </a:lnSpc>
+                        <a:spcBef>
+                          <a:spcPts val="0"/>
+                        </a:spcBef>
+                        <a:spcAft>
+                          <a:spcPts val="0"/>
+                        </a:spcAft>
+                        <a:buFont typeface="+mj-lt"/>
+                        <a:buAutoNum type="arabicPeriod"/>
+                      </a:pPr>
+                      <a:r>
+                        <a:rPr lang="en-US" sz="1400" kern="0">
+                          <a:effectLst/>
+                        </a:rPr>
+                        <a:t>For each fresh Consignment arriving at Site</a:t>
+                      </a:r>
+                      <a:endParaRPr lang="en-US" sz="1400" kern="100">
+                        <a:effectLst/>
+                      </a:endParaRPr>
+                    </a:p>
+                    <a:p>
+                      <a:pPr marL="342900" marR="0" lvl="0" indent="-342900" algn="just">
+                        <a:lnSpc>
+                          <a:spcPct val="115000"/>
+                        </a:lnSpc>
+                        <a:spcBef>
+                          <a:spcPts val="0"/>
+                        </a:spcBef>
+                        <a:spcAft>
+                          <a:spcPts val="0"/>
+                        </a:spcAft>
+                        <a:buFont typeface="+mj-lt"/>
+                        <a:buAutoNum type="arabicPeriod"/>
+                      </a:pPr>
+                      <a:r>
+                        <a:rPr lang="en-US" sz="1400" kern="0">
+                          <a:effectLst/>
+                        </a:rPr>
+                        <a:t>For each 100 M. Ton</a:t>
+                      </a:r>
+                      <a:endParaRPr lang="en-US" sz="1400" kern="100">
+                        <a:effectLst/>
+                      </a:endParaRPr>
+                    </a:p>
+                    <a:p>
+                      <a:pPr marL="342900" marR="0" lvl="0" indent="-342900" algn="just">
+                        <a:lnSpc>
+                          <a:spcPct val="115000"/>
+                        </a:lnSpc>
+                        <a:spcBef>
+                          <a:spcPts val="0"/>
+                        </a:spcBef>
+                        <a:spcAft>
+                          <a:spcPts val="0"/>
+                        </a:spcAft>
+                        <a:buFont typeface="+mj-lt"/>
+                        <a:buAutoNum type="arabicPeriod"/>
+                      </a:pPr>
+                      <a:r>
+                        <a:rPr lang="en-US" sz="1400" kern="0">
+                          <a:effectLst/>
+                        </a:rPr>
+                        <a:t>As approved or directed by </a:t>
+                      </a:r>
+                      <a:r>
+                        <a:rPr lang="en-US" sz="1400" kern="100">
+                          <a:effectLst/>
+                        </a:rPr>
+                        <a:t>the Project Manager.</a:t>
+                      </a:r>
+                      <a:endParaRPr lang="en-US" sz="1400" kern="100">
+                        <a:effectLst/>
+                        <a:latin typeface="Century" panose="02040604050505020304" pitchFamily="18" charset="0"/>
+                        <a:ea typeface="MS Mincho"/>
+                        <a:cs typeface="Times New Roman" panose="02020603050405020304" pitchFamily="18" charset="0"/>
+                      </a:endParaRPr>
+                    </a:p>
+                  </a:txBody>
+                  <a:tcPr marL="49932" marR="49932" marT="0" marB="0"/>
+                </a:tc>
+                <a:tc>
+                  <a:txBody>
+                    <a:bodyPr/>
+                    <a:lstStyle/>
+                    <a:p>
+                      <a:pPr marL="0" marR="0" algn="just">
+                        <a:lnSpc>
+                          <a:spcPct val="115000"/>
+                        </a:lnSpc>
+                        <a:spcBef>
+                          <a:spcPts val="0"/>
+                        </a:spcBef>
+                        <a:spcAft>
+                          <a:spcPts val="0"/>
+                        </a:spcAft>
+                      </a:pPr>
+                      <a:r>
+                        <a:rPr lang="en-US" sz="1400" dirty="0">
+                          <a:effectLst/>
+                        </a:rPr>
+                        <a:t> </a:t>
+                      </a:r>
+                    </a:p>
+                    <a:p>
+                      <a:pPr marL="0" marR="0" algn="just">
+                        <a:lnSpc>
+                          <a:spcPct val="115000"/>
+                        </a:lnSpc>
+                        <a:spcBef>
+                          <a:spcPts val="0"/>
+                        </a:spcBef>
+                        <a:spcAft>
+                          <a:spcPts val="0"/>
+                        </a:spcAft>
+                      </a:pPr>
+                      <a:r>
+                        <a:rPr lang="en-US" sz="1400" dirty="0">
+                          <a:effectLst/>
+                        </a:rPr>
+                        <a:t>ASTM C786,</a:t>
+                      </a:r>
+                    </a:p>
+                    <a:p>
+                      <a:pPr marL="0" marR="0" algn="just">
+                        <a:lnSpc>
+                          <a:spcPct val="115000"/>
+                        </a:lnSpc>
+                        <a:spcBef>
+                          <a:spcPts val="0"/>
+                        </a:spcBef>
+                        <a:spcAft>
+                          <a:spcPts val="0"/>
+                        </a:spcAft>
+                      </a:pPr>
+                      <a:r>
+                        <a:rPr lang="en-US" sz="1400" dirty="0">
+                          <a:effectLst/>
+                        </a:rPr>
+                        <a:t>ASTI C403,</a:t>
+                      </a:r>
+                    </a:p>
+                    <a:p>
+                      <a:pPr marL="0" marR="0" algn="just">
+                        <a:lnSpc>
+                          <a:spcPct val="115000"/>
+                        </a:lnSpc>
+                        <a:spcBef>
+                          <a:spcPts val="0"/>
+                        </a:spcBef>
+                        <a:spcAft>
+                          <a:spcPts val="0"/>
+                        </a:spcAft>
+                      </a:pPr>
+                      <a:r>
+                        <a:rPr lang="en-US" sz="1400" dirty="0">
+                          <a:effectLst/>
+                        </a:rPr>
+                        <a:t>ISO 679:2009</a:t>
+                      </a:r>
+                    </a:p>
+                    <a:p>
+                      <a:pPr marL="0" marR="0" algn="just">
+                        <a:lnSpc>
+                          <a:spcPct val="115000"/>
+                        </a:lnSpc>
+                        <a:spcBef>
+                          <a:spcPts val="0"/>
+                        </a:spcBef>
+                        <a:spcAft>
+                          <a:spcPts val="0"/>
+                        </a:spcAft>
+                      </a:pPr>
+                      <a:r>
+                        <a:rPr lang="en-US" sz="1400" dirty="0">
+                          <a:effectLst/>
+                        </a:rPr>
+                        <a:t>or</a:t>
+                      </a:r>
+                    </a:p>
+                    <a:p>
+                      <a:pPr marL="0" marR="0" algn="just">
+                        <a:lnSpc>
+                          <a:spcPct val="115000"/>
+                        </a:lnSpc>
+                        <a:spcBef>
+                          <a:spcPts val="0"/>
+                        </a:spcBef>
+                        <a:spcAft>
+                          <a:spcPts val="0"/>
+                        </a:spcAft>
+                      </a:pPr>
+                      <a:r>
+                        <a:rPr lang="en-US" sz="1400" dirty="0">
+                          <a:effectLst/>
+                        </a:rPr>
+                        <a:t>Equivalent</a:t>
+                      </a:r>
+                      <a:endParaRPr lang="en-US" sz="1400" dirty="0">
+                        <a:effectLst/>
+                        <a:latin typeface="Calibri" panose="020F0502020204030204" pitchFamily="34" charset="0"/>
+                        <a:ea typeface="Calibri" panose="020F0502020204030204" pitchFamily="34" charset="0"/>
+                        <a:cs typeface="Vrinda" panose="020B0502040204020203" pitchFamily="34" charset="0"/>
+                      </a:endParaRPr>
+                    </a:p>
+                  </a:txBody>
+                  <a:tcPr marL="49932" marR="49932" marT="0" marB="0"/>
+                </a:tc>
+                <a:extLst>
+                  <a:ext uri="{0D108BD9-81ED-4DB2-BD59-A6C34878D82A}">
+                    <a16:rowId xmlns:a16="http://schemas.microsoft.com/office/drawing/2014/main" val="3164827841"/>
+                  </a:ext>
+                </a:extLst>
+              </a:tr>
+              <a:tr h="727130">
+                <a:tc>
+                  <a:txBody>
+                    <a:bodyPr/>
+                    <a:lstStyle/>
+                    <a:p>
+                      <a:pPr marL="0" marR="0" algn="just">
+                        <a:lnSpc>
+                          <a:spcPct val="115000"/>
+                        </a:lnSpc>
+                        <a:spcBef>
+                          <a:spcPts val="0"/>
+                        </a:spcBef>
+                        <a:spcAft>
+                          <a:spcPts val="0"/>
+                        </a:spcAft>
+                      </a:pPr>
+                      <a:r>
+                        <a:rPr lang="en-US" sz="800">
+                          <a:effectLst/>
+                        </a:rPr>
+                        <a:t>2</a:t>
+                      </a:r>
+                      <a:endParaRPr lang="en-US" sz="800">
+                        <a:effectLst/>
+                        <a:latin typeface="Calibri" panose="020F0502020204030204" pitchFamily="34" charset="0"/>
+                        <a:ea typeface="Calibri" panose="020F0502020204030204" pitchFamily="34" charset="0"/>
+                        <a:cs typeface="Vrinda" panose="020B0502040204020203" pitchFamily="34" charset="0"/>
+                      </a:endParaRPr>
+                    </a:p>
+                  </a:txBody>
+                  <a:tcPr marL="49932" marR="49932" marT="0" marB="0"/>
+                </a:tc>
+                <a:tc>
+                  <a:txBody>
+                    <a:bodyPr/>
+                    <a:lstStyle/>
+                    <a:p>
+                      <a:pPr marL="0" marR="0" algn="just">
+                        <a:lnSpc>
+                          <a:spcPct val="115000"/>
+                        </a:lnSpc>
+                        <a:spcBef>
+                          <a:spcPts val="0"/>
+                        </a:spcBef>
+                        <a:spcAft>
+                          <a:spcPts val="0"/>
+                        </a:spcAft>
+                      </a:pPr>
+                      <a:r>
+                        <a:rPr lang="en-US" sz="1400">
+                          <a:effectLst/>
+                        </a:rPr>
+                        <a:t>Fine Aggregate (Sand)</a:t>
+                      </a:r>
+                    </a:p>
+                    <a:p>
+                      <a:pPr marL="0" marR="0" algn="just">
+                        <a:lnSpc>
+                          <a:spcPct val="115000"/>
+                        </a:lnSpc>
+                        <a:spcBef>
+                          <a:spcPts val="0"/>
+                        </a:spcBef>
+                        <a:spcAft>
+                          <a:spcPts val="0"/>
+                        </a:spcAft>
+                      </a:pPr>
+                      <a:r>
+                        <a:rPr lang="en-US" sz="1400">
+                          <a:effectLst/>
+                        </a:rPr>
+                        <a:t> i) Fineness Modulus</a:t>
+                      </a:r>
+                    </a:p>
+                    <a:p>
+                      <a:pPr marL="0" marR="0" algn="just">
+                        <a:lnSpc>
+                          <a:spcPct val="115000"/>
+                        </a:lnSpc>
+                        <a:spcBef>
+                          <a:spcPts val="0"/>
+                        </a:spcBef>
+                        <a:spcAft>
+                          <a:spcPts val="0"/>
+                        </a:spcAft>
+                      </a:pPr>
+                      <a:r>
+                        <a:rPr lang="en-US" sz="1400">
+                          <a:effectLst/>
+                        </a:rPr>
+                        <a:t> </a:t>
+                      </a:r>
+                      <a:endParaRPr lang="en-US" sz="1400">
+                        <a:effectLst/>
+                        <a:latin typeface="Calibri" panose="020F0502020204030204" pitchFamily="34" charset="0"/>
+                        <a:ea typeface="Calibri" panose="020F0502020204030204" pitchFamily="34" charset="0"/>
+                        <a:cs typeface="Vrinda" panose="020B0502040204020203" pitchFamily="34" charset="0"/>
+                      </a:endParaRPr>
+                    </a:p>
+                  </a:txBody>
+                  <a:tcPr marL="49932" marR="49932" marT="0" marB="0"/>
+                </a:tc>
+                <a:tc>
+                  <a:txBody>
+                    <a:bodyPr/>
+                    <a:lstStyle/>
+                    <a:p>
+                      <a:pPr marL="342900" marR="0" lvl="0" indent="-342900" algn="just">
+                        <a:lnSpc>
+                          <a:spcPct val="115000"/>
+                        </a:lnSpc>
+                        <a:spcBef>
+                          <a:spcPts val="0"/>
+                        </a:spcBef>
+                        <a:spcAft>
+                          <a:spcPts val="0"/>
+                        </a:spcAft>
+                        <a:buFont typeface="+mj-lt"/>
+                        <a:buAutoNum type="arabicPeriod"/>
+                      </a:pPr>
+                      <a:r>
+                        <a:rPr lang="en-US" sz="1400" kern="0">
+                          <a:effectLst/>
+                        </a:rPr>
+                        <a:t>1(one) Sample for each 350 Cum or part thereof</a:t>
+                      </a:r>
+                      <a:endParaRPr lang="en-US" sz="1400" kern="100">
+                        <a:effectLst/>
+                      </a:endParaRPr>
+                    </a:p>
+                    <a:p>
+                      <a:pPr marL="342900" marR="0" lvl="0" indent="-342900" algn="just">
+                        <a:lnSpc>
+                          <a:spcPct val="115000"/>
+                        </a:lnSpc>
+                        <a:spcBef>
+                          <a:spcPts val="0"/>
+                        </a:spcBef>
+                        <a:spcAft>
+                          <a:spcPts val="0"/>
+                        </a:spcAft>
+                        <a:buFont typeface="+mj-lt"/>
+                        <a:buAutoNum type="arabicPeriod"/>
+                      </a:pPr>
+                      <a:r>
+                        <a:rPr lang="en-US" sz="1400" kern="0">
+                          <a:effectLst/>
+                        </a:rPr>
+                        <a:t>At least 1 Sample in a week</a:t>
+                      </a:r>
+                      <a:endParaRPr lang="en-US" sz="1400" kern="100">
+                        <a:effectLst/>
+                      </a:endParaRPr>
+                    </a:p>
+                    <a:p>
+                      <a:pPr marL="342900" marR="0" lvl="0" indent="-342900" algn="just">
+                        <a:lnSpc>
+                          <a:spcPct val="115000"/>
+                        </a:lnSpc>
+                        <a:spcBef>
+                          <a:spcPts val="0"/>
+                        </a:spcBef>
+                        <a:spcAft>
+                          <a:spcPts val="0"/>
+                        </a:spcAft>
+                        <a:buFont typeface="+mj-lt"/>
+                        <a:buAutoNum type="arabicPeriod"/>
+                      </a:pPr>
+                      <a:r>
+                        <a:rPr lang="en-US" sz="1400" kern="0">
+                          <a:effectLst/>
+                        </a:rPr>
+                        <a:t>As approved or directed by </a:t>
+                      </a:r>
+                      <a:r>
+                        <a:rPr lang="en-US" sz="1400" kern="100">
+                          <a:effectLst/>
+                        </a:rPr>
+                        <a:t>the Project Manager.</a:t>
+                      </a:r>
+                      <a:endParaRPr lang="en-US" sz="1400" kern="100">
+                        <a:effectLst/>
+                        <a:latin typeface="Century" panose="02040604050505020304" pitchFamily="18" charset="0"/>
+                        <a:ea typeface="MS Mincho"/>
+                        <a:cs typeface="Times New Roman" panose="02020603050405020304" pitchFamily="18" charset="0"/>
+                      </a:endParaRPr>
+                    </a:p>
+                  </a:txBody>
+                  <a:tcPr marL="49932" marR="49932" marT="0" marB="0"/>
+                </a:tc>
+                <a:tc>
+                  <a:txBody>
+                    <a:bodyPr/>
+                    <a:lstStyle/>
+                    <a:p>
+                      <a:pPr marL="0" marR="0" algn="just">
+                        <a:lnSpc>
+                          <a:spcPct val="115000"/>
+                        </a:lnSpc>
+                        <a:spcBef>
+                          <a:spcPts val="0"/>
+                        </a:spcBef>
+                        <a:spcAft>
+                          <a:spcPts val="0"/>
+                        </a:spcAft>
+                      </a:pPr>
+                      <a:r>
+                        <a:rPr lang="en-US" sz="1400">
+                          <a:effectLst/>
+                        </a:rPr>
+                        <a:t>ASTM C 33</a:t>
+                      </a:r>
+                    </a:p>
+                    <a:p>
+                      <a:pPr marL="0" marR="0" algn="just">
+                        <a:lnSpc>
+                          <a:spcPct val="115000"/>
+                        </a:lnSpc>
+                        <a:spcBef>
+                          <a:spcPts val="0"/>
+                        </a:spcBef>
+                        <a:spcAft>
+                          <a:spcPts val="0"/>
+                        </a:spcAft>
+                      </a:pPr>
+                      <a:r>
+                        <a:rPr lang="en-US" sz="1400">
+                          <a:effectLst/>
+                        </a:rPr>
+                        <a:t>or</a:t>
+                      </a:r>
+                    </a:p>
+                    <a:p>
+                      <a:pPr marL="0" marR="0" algn="just">
+                        <a:lnSpc>
+                          <a:spcPct val="115000"/>
+                        </a:lnSpc>
+                        <a:spcBef>
+                          <a:spcPts val="0"/>
+                        </a:spcBef>
+                        <a:spcAft>
+                          <a:spcPts val="0"/>
+                        </a:spcAft>
+                      </a:pPr>
+                      <a:r>
+                        <a:rPr lang="en-US" sz="1400">
+                          <a:effectLst/>
+                        </a:rPr>
+                        <a:t>Equivalent</a:t>
+                      </a:r>
+                      <a:endParaRPr lang="en-US" sz="1400">
+                        <a:effectLst/>
+                        <a:latin typeface="Calibri" panose="020F0502020204030204" pitchFamily="34" charset="0"/>
+                        <a:ea typeface="Calibri" panose="020F0502020204030204" pitchFamily="34" charset="0"/>
+                        <a:cs typeface="Vrinda" panose="020B0502040204020203" pitchFamily="34" charset="0"/>
+                      </a:endParaRPr>
+                    </a:p>
+                  </a:txBody>
+                  <a:tcPr marL="49932" marR="49932" marT="0" marB="0"/>
+                </a:tc>
+                <a:extLst>
+                  <a:ext uri="{0D108BD9-81ED-4DB2-BD59-A6C34878D82A}">
+                    <a16:rowId xmlns:a16="http://schemas.microsoft.com/office/drawing/2014/main" val="3405217943"/>
+                  </a:ext>
+                </a:extLst>
+              </a:tr>
+              <a:tr h="1397024">
+                <a:tc>
+                  <a:txBody>
+                    <a:bodyPr/>
+                    <a:lstStyle/>
+                    <a:p>
+                      <a:pPr marL="0" marR="0" algn="just">
+                        <a:lnSpc>
+                          <a:spcPct val="115000"/>
+                        </a:lnSpc>
+                        <a:spcBef>
+                          <a:spcPts val="0"/>
+                        </a:spcBef>
+                        <a:spcAft>
+                          <a:spcPts val="0"/>
+                        </a:spcAft>
+                      </a:pPr>
+                      <a:r>
+                        <a:rPr lang="en-US" sz="800">
+                          <a:effectLst/>
+                        </a:rPr>
+                        <a:t>3</a:t>
+                      </a:r>
+                      <a:endParaRPr lang="en-US" sz="800">
+                        <a:effectLst/>
+                        <a:latin typeface="Calibri" panose="020F0502020204030204" pitchFamily="34" charset="0"/>
+                        <a:ea typeface="Calibri" panose="020F0502020204030204" pitchFamily="34" charset="0"/>
+                        <a:cs typeface="Vrinda" panose="020B0502040204020203" pitchFamily="34" charset="0"/>
+                      </a:endParaRPr>
+                    </a:p>
+                  </a:txBody>
+                  <a:tcPr marL="49932" marR="49932" marT="0" marB="0"/>
+                </a:tc>
+                <a:tc>
+                  <a:txBody>
+                    <a:bodyPr/>
+                    <a:lstStyle/>
+                    <a:p>
+                      <a:pPr marL="0" marR="0" algn="just">
+                        <a:lnSpc>
+                          <a:spcPct val="115000"/>
+                        </a:lnSpc>
+                        <a:spcBef>
+                          <a:spcPts val="0"/>
+                        </a:spcBef>
+                        <a:spcAft>
+                          <a:spcPts val="0"/>
+                        </a:spcAft>
+                      </a:pPr>
+                      <a:r>
+                        <a:rPr lang="en-US" sz="1400">
+                          <a:effectLst/>
+                        </a:rPr>
+                        <a:t>Coarse Aggregate (Stone Chips)</a:t>
+                      </a:r>
+                    </a:p>
+                    <a:p>
+                      <a:pPr marL="342900" marR="0" lvl="0" indent="-342900" algn="just">
+                        <a:lnSpc>
+                          <a:spcPct val="115000"/>
+                        </a:lnSpc>
+                        <a:spcBef>
+                          <a:spcPts val="0"/>
+                        </a:spcBef>
+                        <a:spcAft>
+                          <a:spcPts val="0"/>
+                        </a:spcAft>
+                        <a:buFont typeface="+mj-lt"/>
+                        <a:buAutoNum type="romanLcPeriod"/>
+                      </a:pPr>
+                      <a:r>
+                        <a:rPr lang="en-US" sz="1400" kern="0">
+                          <a:effectLst/>
+                        </a:rPr>
+                        <a:t>Gradation Test</a:t>
+                      </a:r>
+                      <a:endParaRPr lang="en-US" sz="1400" kern="100">
+                        <a:effectLst/>
+                      </a:endParaRPr>
+                    </a:p>
+                    <a:p>
+                      <a:pPr marL="217170" marR="0" algn="just">
+                        <a:lnSpc>
+                          <a:spcPct val="115000"/>
+                        </a:lnSpc>
+                        <a:spcBef>
+                          <a:spcPts val="0"/>
+                        </a:spcBef>
+                        <a:spcAft>
+                          <a:spcPts val="0"/>
+                        </a:spcAft>
+                      </a:pPr>
+                      <a:r>
+                        <a:rPr lang="en-US" sz="1400" kern="0">
+                          <a:effectLst/>
+                        </a:rPr>
+                        <a:t> </a:t>
+                      </a:r>
+                      <a:endParaRPr lang="en-US" sz="1400" kern="100">
+                        <a:effectLst/>
+                        <a:latin typeface="Century" panose="02040604050505020304" pitchFamily="18" charset="0"/>
+                        <a:ea typeface="MS Mincho"/>
+                        <a:cs typeface="Times New Roman" panose="02020603050405020304" pitchFamily="18" charset="0"/>
+                      </a:endParaRPr>
+                    </a:p>
+                  </a:txBody>
+                  <a:tcPr marL="49932" marR="49932" marT="0" marB="0"/>
+                </a:tc>
+                <a:tc>
+                  <a:txBody>
+                    <a:bodyPr/>
+                    <a:lstStyle/>
+                    <a:p>
+                      <a:pPr marL="342900" marR="0" lvl="0" indent="-342900" algn="just">
+                        <a:lnSpc>
+                          <a:spcPct val="115000"/>
+                        </a:lnSpc>
+                        <a:spcBef>
+                          <a:spcPts val="0"/>
+                        </a:spcBef>
+                        <a:spcAft>
+                          <a:spcPts val="0"/>
+                        </a:spcAft>
+                        <a:buFont typeface="+mj-lt"/>
+                        <a:buAutoNum type="arabicPeriod"/>
+                      </a:pPr>
+                      <a:r>
+                        <a:rPr lang="en-US" sz="1400" kern="0">
+                          <a:effectLst/>
+                        </a:rPr>
+                        <a:t>1(one) Sample for each 700 Cum or part thereof</a:t>
+                      </a:r>
+                      <a:endParaRPr lang="en-US" sz="1400" kern="100">
+                        <a:effectLst/>
+                      </a:endParaRPr>
+                    </a:p>
+                    <a:p>
+                      <a:pPr marL="342900" marR="0" lvl="0" indent="-342900" algn="just">
+                        <a:lnSpc>
+                          <a:spcPct val="115000"/>
+                        </a:lnSpc>
+                        <a:spcBef>
+                          <a:spcPts val="0"/>
+                        </a:spcBef>
+                        <a:spcAft>
+                          <a:spcPts val="0"/>
+                        </a:spcAft>
+                        <a:buFont typeface="+mj-lt"/>
+                        <a:buAutoNum type="arabicPeriod"/>
+                      </a:pPr>
+                      <a:r>
+                        <a:rPr lang="en-US" sz="1400" kern="0">
+                          <a:effectLst/>
+                        </a:rPr>
+                        <a:t>At least 1 Sample in a week</a:t>
+                      </a:r>
+                      <a:endParaRPr lang="en-US" sz="1400" kern="100">
+                        <a:effectLst/>
+                      </a:endParaRPr>
+                    </a:p>
+                    <a:p>
+                      <a:pPr marL="342900" marR="0" lvl="0" indent="-342900" algn="just">
+                        <a:lnSpc>
+                          <a:spcPct val="115000"/>
+                        </a:lnSpc>
+                        <a:spcBef>
+                          <a:spcPts val="0"/>
+                        </a:spcBef>
+                        <a:spcAft>
+                          <a:spcPts val="0"/>
+                        </a:spcAft>
+                        <a:buFont typeface="+mj-lt"/>
+                        <a:buAutoNum type="arabicPeriod"/>
+                      </a:pPr>
+                      <a:r>
+                        <a:rPr lang="en-US" sz="1400" kern="0">
+                          <a:effectLst/>
+                        </a:rPr>
+                        <a:t>As approved or directed by </a:t>
+                      </a:r>
+                      <a:r>
+                        <a:rPr lang="en-US" sz="1400" kern="100">
+                          <a:effectLst/>
+                        </a:rPr>
+                        <a:t>the Project Manager.</a:t>
+                      </a:r>
+                      <a:endParaRPr lang="en-US" sz="1400" kern="100">
+                        <a:effectLst/>
+                        <a:latin typeface="Century" panose="02040604050505020304" pitchFamily="18" charset="0"/>
+                        <a:ea typeface="MS Mincho"/>
+                        <a:cs typeface="Times New Roman" panose="02020603050405020304" pitchFamily="18" charset="0"/>
+                      </a:endParaRPr>
+                    </a:p>
+                  </a:txBody>
+                  <a:tcPr marL="49932" marR="49932" marT="0" marB="0"/>
+                </a:tc>
+                <a:tc>
+                  <a:txBody>
+                    <a:bodyPr/>
+                    <a:lstStyle/>
+                    <a:p>
+                      <a:pPr marL="0" marR="0" algn="just">
+                        <a:lnSpc>
+                          <a:spcPct val="115000"/>
+                        </a:lnSpc>
+                        <a:spcBef>
+                          <a:spcPts val="0"/>
+                        </a:spcBef>
+                        <a:spcAft>
+                          <a:spcPts val="0"/>
+                        </a:spcAft>
+                      </a:pPr>
+                      <a:r>
+                        <a:rPr lang="en-US" sz="1400">
+                          <a:effectLst/>
+                        </a:rPr>
+                        <a:t>ASTM C330,</a:t>
+                      </a:r>
+                    </a:p>
+                    <a:p>
+                      <a:pPr marL="0" marR="0" algn="just">
+                        <a:lnSpc>
+                          <a:spcPct val="115000"/>
+                        </a:lnSpc>
+                        <a:spcBef>
+                          <a:spcPts val="0"/>
+                        </a:spcBef>
+                        <a:spcAft>
+                          <a:spcPts val="0"/>
+                        </a:spcAft>
+                      </a:pPr>
+                      <a:r>
+                        <a:rPr lang="en-US" sz="1400">
+                          <a:effectLst/>
+                        </a:rPr>
+                        <a:t>AASHTO T-85, BS-</a:t>
+                      </a:r>
+                    </a:p>
+                    <a:p>
+                      <a:pPr marL="0" marR="0" algn="just">
+                        <a:lnSpc>
+                          <a:spcPct val="115000"/>
+                        </a:lnSpc>
+                        <a:spcBef>
+                          <a:spcPts val="0"/>
+                        </a:spcBef>
+                        <a:spcAft>
+                          <a:spcPts val="0"/>
+                        </a:spcAft>
+                      </a:pPr>
+                      <a:r>
+                        <a:rPr lang="en-US" sz="1400">
+                          <a:effectLst/>
+                        </a:rPr>
+                        <a:t>812,</a:t>
+                      </a:r>
+                    </a:p>
+                    <a:p>
+                      <a:pPr marL="0" marR="0" algn="just">
+                        <a:lnSpc>
+                          <a:spcPct val="115000"/>
+                        </a:lnSpc>
+                        <a:spcBef>
+                          <a:spcPts val="0"/>
+                        </a:spcBef>
+                        <a:spcAft>
+                          <a:spcPts val="0"/>
+                        </a:spcAft>
+                      </a:pPr>
+                      <a:r>
+                        <a:rPr lang="en-US" sz="1400">
+                          <a:effectLst/>
+                        </a:rPr>
+                        <a:t>ASTM C-535</a:t>
+                      </a:r>
+                    </a:p>
+                    <a:p>
+                      <a:pPr marL="0" marR="0" algn="just">
+                        <a:lnSpc>
+                          <a:spcPct val="115000"/>
+                        </a:lnSpc>
+                        <a:spcBef>
+                          <a:spcPts val="0"/>
+                        </a:spcBef>
+                        <a:spcAft>
+                          <a:spcPts val="0"/>
+                        </a:spcAft>
+                      </a:pPr>
+                      <a:r>
+                        <a:rPr lang="en-US" sz="1400">
+                          <a:effectLst/>
+                        </a:rPr>
+                        <a:t>or</a:t>
+                      </a:r>
+                    </a:p>
+                    <a:p>
+                      <a:pPr marL="0" marR="0" algn="just">
+                        <a:lnSpc>
+                          <a:spcPct val="115000"/>
+                        </a:lnSpc>
+                        <a:spcBef>
+                          <a:spcPts val="0"/>
+                        </a:spcBef>
+                        <a:spcAft>
+                          <a:spcPts val="0"/>
+                        </a:spcAft>
+                      </a:pPr>
+                      <a:r>
+                        <a:rPr lang="en-US" sz="1400">
+                          <a:effectLst/>
+                        </a:rPr>
+                        <a:t>Equivalent</a:t>
+                      </a:r>
+                      <a:endParaRPr lang="en-US" sz="1400">
+                        <a:effectLst/>
+                        <a:latin typeface="Calibri" panose="020F0502020204030204" pitchFamily="34" charset="0"/>
+                        <a:ea typeface="Calibri" panose="020F0502020204030204" pitchFamily="34" charset="0"/>
+                        <a:cs typeface="Vrinda" panose="020B0502040204020203" pitchFamily="34" charset="0"/>
+                      </a:endParaRPr>
+                    </a:p>
+                  </a:txBody>
+                  <a:tcPr marL="49932" marR="49932" marT="0" marB="0"/>
+                </a:tc>
+                <a:extLst>
+                  <a:ext uri="{0D108BD9-81ED-4DB2-BD59-A6C34878D82A}">
+                    <a16:rowId xmlns:a16="http://schemas.microsoft.com/office/drawing/2014/main" val="292675629"/>
+                  </a:ext>
+                </a:extLst>
+              </a:tr>
+              <a:tr h="456466">
+                <a:tc>
+                  <a:txBody>
+                    <a:bodyPr/>
+                    <a:lstStyle/>
+                    <a:p>
+                      <a:pPr marL="0" marR="0" algn="just">
+                        <a:lnSpc>
+                          <a:spcPct val="115000"/>
+                        </a:lnSpc>
+                        <a:spcBef>
+                          <a:spcPts val="0"/>
+                        </a:spcBef>
+                        <a:spcAft>
+                          <a:spcPts val="0"/>
+                        </a:spcAft>
+                      </a:pPr>
+                      <a:r>
+                        <a:rPr lang="en-US" sz="800">
+                          <a:effectLst/>
+                        </a:rPr>
+                        <a:t>4</a:t>
+                      </a:r>
+                      <a:endParaRPr lang="en-US" sz="800">
+                        <a:effectLst/>
+                        <a:latin typeface="Calibri" panose="020F0502020204030204" pitchFamily="34" charset="0"/>
+                        <a:ea typeface="Calibri" panose="020F0502020204030204" pitchFamily="34" charset="0"/>
+                        <a:cs typeface="Vrinda" panose="020B0502040204020203" pitchFamily="34" charset="0"/>
+                      </a:endParaRPr>
+                    </a:p>
+                  </a:txBody>
+                  <a:tcPr marL="49932" marR="49932" marT="0" marB="0"/>
+                </a:tc>
+                <a:tc>
+                  <a:txBody>
+                    <a:bodyPr/>
+                    <a:lstStyle/>
+                    <a:p>
+                      <a:pPr marL="0" marR="0" algn="just">
+                        <a:lnSpc>
+                          <a:spcPct val="115000"/>
+                        </a:lnSpc>
+                        <a:spcBef>
+                          <a:spcPts val="0"/>
+                        </a:spcBef>
+                        <a:spcAft>
+                          <a:spcPts val="0"/>
+                        </a:spcAft>
+                      </a:pPr>
+                      <a:r>
+                        <a:rPr lang="en-US" sz="1400">
+                          <a:effectLst/>
+                        </a:rPr>
+                        <a:t>Water</a:t>
+                      </a:r>
+                    </a:p>
+                    <a:p>
+                      <a:pPr marL="0" marR="0" algn="just">
+                        <a:lnSpc>
+                          <a:spcPct val="115000"/>
+                        </a:lnSpc>
+                        <a:spcBef>
+                          <a:spcPts val="0"/>
+                        </a:spcBef>
+                        <a:spcAft>
+                          <a:spcPts val="0"/>
+                        </a:spcAft>
+                      </a:pPr>
+                      <a:r>
+                        <a:rPr lang="en-US" sz="1400">
+                          <a:effectLst/>
+                        </a:rPr>
+                        <a:t>Suitability of Water for Concrete Mixing</a:t>
+                      </a:r>
+                      <a:endParaRPr lang="en-US" sz="1400">
+                        <a:effectLst/>
+                        <a:latin typeface="Calibri" panose="020F0502020204030204" pitchFamily="34" charset="0"/>
+                        <a:ea typeface="Calibri" panose="020F0502020204030204" pitchFamily="34" charset="0"/>
+                        <a:cs typeface="Vrinda" panose="020B0502040204020203" pitchFamily="34" charset="0"/>
+                      </a:endParaRPr>
+                    </a:p>
+                  </a:txBody>
+                  <a:tcPr marL="49932" marR="49932" marT="0" marB="0"/>
+                </a:tc>
+                <a:tc>
+                  <a:txBody>
+                    <a:bodyPr/>
+                    <a:lstStyle/>
+                    <a:p>
+                      <a:pPr marL="342900" marR="0" lvl="0" indent="-342900" algn="just">
+                        <a:lnSpc>
+                          <a:spcPct val="115000"/>
+                        </a:lnSpc>
+                        <a:spcBef>
+                          <a:spcPts val="0"/>
+                        </a:spcBef>
+                        <a:spcAft>
+                          <a:spcPts val="0"/>
+                        </a:spcAft>
+                        <a:buFont typeface="+mj-lt"/>
+                        <a:buAutoNum type="arabicPeriod"/>
+                      </a:pPr>
+                      <a:r>
+                        <a:rPr lang="en-US" sz="1400" kern="0">
+                          <a:effectLst/>
+                        </a:rPr>
+                        <a:t>For Each source of Water</a:t>
+                      </a:r>
+                      <a:endParaRPr lang="en-US" sz="1400" kern="100">
+                        <a:effectLst/>
+                      </a:endParaRPr>
+                    </a:p>
+                    <a:p>
+                      <a:pPr marL="342900" marR="0" lvl="0" indent="-342900" algn="just">
+                        <a:lnSpc>
+                          <a:spcPct val="115000"/>
+                        </a:lnSpc>
+                        <a:spcBef>
+                          <a:spcPts val="0"/>
+                        </a:spcBef>
+                        <a:spcAft>
+                          <a:spcPts val="0"/>
+                        </a:spcAft>
+                        <a:buFont typeface="+mj-lt"/>
+                        <a:buAutoNum type="arabicPeriod"/>
+                      </a:pPr>
+                      <a:r>
+                        <a:rPr lang="en-US" sz="1400" kern="0">
+                          <a:effectLst/>
+                        </a:rPr>
+                        <a:t>As approved or directed by </a:t>
+                      </a:r>
+                      <a:r>
+                        <a:rPr lang="en-US" sz="1400" kern="100">
+                          <a:effectLst/>
+                        </a:rPr>
+                        <a:t>the Project Manager.</a:t>
+                      </a:r>
+                      <a:endParaRPr lang="en-US" sz="1400" kern="100">
+                        <a:effectLst/>
+                        <a:latin typeface="Century" panose="02040604050505020304" pitchFamily="18" charset="0"/>
+                        <a:ea typeface="MS Mincho"/>
+                        <a:cs typeface="Times New Roman" panose="02020603050405020304" pitchFamily="18" charset="0"/>
+                      </a:endParaRPr>
+                    </a:p>
+                  </a:txBody>
+                  <a:tcPr marL="49932" marR="49932" marT="0" marB="0"/>
+                </a:tc>
+                <a:tc>
+                  <a:txBody>
+                    <a:bodyPr/>
+                    <a:lstStyle/>
+                    <a:p>
+                      <a:pPr marL="0" marR="0" algn="just">
+                        <a:lnSpc>
+                          <a:spcPct val="115000"/>
+                        </a:lnSpc>
+                        <a:spcBef>
+                          <a:spcPts val="0"/>
+                        </a:spcBef>
+                        <a:spcAft>
+                          <a:spcPts val="0"/>
+                        </a:spcAft>
+                      </a:pPr>
+                      <a:r>
+                        <a:rPr lang="en-US" sz="1400">
+                          <a:effectLst/>
+                        </a:rPr>
+                        <a:t>BS EN BS EN</a:t>
+                      </a:r>
+                    </a:p>
+                    <a:p>
+                      <a:pPr marL="0" marR="0" algn="just">
+                        <a:lnSpc>
+                          <a:spcPct val="115000"/>
+                        </a:lnSpc>
+                        <a:spcBef>
+                          <a:spcPts val="0"/>
+                        </a:spcBef>
+                        <a:spcAft>
+                          <a:spcPts val="0"/>
+                        </a:spcAft>
+                      </a:pPr>
+                      <a:r>
+                        <a:rPr lang="en-US" sz="1400">
+                          <a:effectLst/>
+                        </a:rPr>
+                        <a:t>1008:2002</a:t>
+                      </a:r>
+                      <a:endParaRPr lang="en-US" sz="1400">
+                        <a:effectLst/>
+                        <a:latin typeface="Calibri" panose="020F0502020204030204" pitchFamily="34" charset="0"/>
+                        <a:ea typeface="Calibri" panose="020F0502020204030204" pitchFamily="34" charset="0"/>
+                        <a:cs typeface="Vrinda" panose="020B0502040204020203" pitchFamily="34" charset="0"/>
+                      </a:endParaRPr>
+                    </a:p>
+                  </a:txBody>
+                  <a:tcPr marL="49932" marR="49932" marT="0" marB="0"/>
+                </a:tc>
+                <a:extLst>
+                  <a:ext uri="{0D108BD9-81ED-4DB2-BD59-A6C34878D82A}">
+                    <a16:rowId xmlns:a16="http://schemas.microsoft.com/office/drawing/2014/main" val="1413000809"/>
+                  </a:ext>
+                </a:extLst>
+              </a:tr>
+              <a:tr h="1163408">
+                <a:tc>
+                  <a:txBody>
+                    <a:bodyPr/>
+                    <a:lstStyle/>
+                    <a:p>
+                      <a:pPr marL="0" marR="0" algn="just">
+                        <a:lnSpc>
+                          <a:spcPct val="115000"/>
+                        </a:lnSpc>
+                        <a:spcBef>
+                          <a:spcPts val="0"/>
+                        </a:spcBef>
+                        <a:spcAft>
+                          <a:spcPts val="0"/>
+                        </a:spcAft>
+                      </a:pPr>
+                      <a:r>
+                        <a:rPr lang="en-US" sz="800">
+                          <a:effectLst/>
+                        </a:rPr>
+                        <a:t>5</a:t>
+                      </a:r>
+                      <a:endParaRPr lang="en-US" sz="800">
+                        <a:effectLst/>
+                        <a:latin typeface="Calibri" panose="020F0502020204030204" pitchFamily="34" charset="0"/>
+                        <a:ea typeface="Calibri" panose="020F0502020204030204" pitchFamily="34" charset="0"/>
+                        <a:cs typeface="Vrinda" panose="020B0502040204020203" pitchFamily="34" charset="0"/>
+                      </a:endParaRPr>
+                    </a:p>
+                  </a:txBody>
+                  <a:tcPr marL="49932" marR="49932" marT="0" marB="0"/>
+                </a:tc>
+                <a:tc>
+                  <a:txBody>
+                    <a:bodyPr/>
+                    <a:lstStyle/>
+                    <a:p>
+                      <a:pPr marL="0" marR="0" algn="just">
+                        <a:lnSpc>
+                          <a:spcPct val="115000"/>
+                        </a:lnSpc>
+                        <a:spcBef>
+                          <a:spcPts val="0"/>
+                        </a:spcBef>
+                        <a:spcAft>
+                          <a:spcPts val="0"/>
+                        </a:spcAft>
+                      </a:pPr>
+                      <a:r>
+                        <a:rPr lang="en-US" sz="1400" dirty="0">
+                          <a:effectLst/>
+                        </a:rPr>
+                        <a:t>Concrete</a:t>
+                      </a:r>
+                    </a:p>
+                    <a:p>
+                      <a:pPr marL="342900" marR="0" lvl="0" indent="-342900" algn="just">
+                        <a:lnSpc>
+                          <a:spcPct val="115000"/>
+                        </a:lnSpc>
+                        <a:spcBef>
+                          <a:spcPts val="0"/>
+                        </a:spcBef>
+                        <a:spcAft>
+                          <a:spcPts val="0"/>
+                        </a:spcAft>
+                        <a:buFont typeface="+mj-lt"/>
+                        <a:buAutoNum type="romanLcPeriod"/>
+                      </a:pPr>
+                      <a:r>
+                        <a:rPr lang="en-US" sz="1400" kern="0" dirty="0" smtClean="0">
+                          <a:effectLst/>
+                        </a:rPr>
+                        <a:t>Concrete </a:t>
+                      </a:r>
+                      <a:r>
+                        <a:rPr lang="en-US" sz="1400" kern="0" dirty="0">
+                          <a:effectLst/>
+                        </a:rPr>
+                        <a:t>Core Test</a:t>
+                      </a:r>
+                      <a:endParaRPr lang="en-US" sz="1400" kern="100" dirty="0">
+                        <a:effectLst/>
+                        <a:latin typeface="Century" panose="02040604050505020304" pitchFamily="18" charset="0"/>
+                        <a:ea typeface="MS Mincho"/>
+                        <a:cs typeface="Times New Roman" panose="02020603050405020304" pitchFamily="18" charset="0"/>
+                      </a:endParaRPr>
+                    </a:p>
+                  </a:txBody>
+                  <a:tcPr marL="49932" marR="49932" marT="0" marB="0"/>
+                </a:tc>
+                <a:tc>
+                  <a:txBody>
+                    <a:bodyPr/>
+                    <a:lstStyle/>
+                    <a:p>
+                      <a:pPr marL="342900" marR="0" lvl="0" indent="-342900" algn="just">
+                        <a:lnSpc>
+                          <a:spcPct val="115000"/>
+                        </a:lnSpc>
+                        <a:spcBef>
+                          <a:spcPts val="0"/>
+                        </a:spcBef>
+                        <a:spcAft>
+                          <a:spcPts val="0"/>
+                        </a:spcAft>
+                        <a:buFont typeface="+mj-lt"/>
+                        <a:buAutoNum type="arabicPeriod"/>
+                      </a:pPr>
+                      <a:r>
+                        <a:rPr lang="en-US" sz="1400" kern="0" dirty="0" smtClean="0">
+                          <a:effectLst/>
+                        </a:rPr>
+                        <a:t>Concrete </a:t>
+                      </a:r>
+                      <a:r>
+                        <a:rPr lang="en-US" sz="1400" kern="0" dirty="0">
+                          <a:effectLst/>
+                        </a:rPr>
+                        <a:t>Core Test will be carried out  for at least one block for each days casting</a:t>
+                      </a:r>
+                      <a:endParaRPr lang="en-US" sz="1400" kern="100" dirty="0">
+                        <a:effectLst/>
+                      </a:endParaRPr>
+                    </a:p>
+                    <a:p>
+                      <a:pPr marL="342900" marR="0" lvl="0" indent="-342900" algn="just">
+                        <a:lnSpc>
+                          <a:spcPct val="115000"/>
+                        </a:lnSpc>
+                        <a:spcBef>
+                          <a:spcPts val="0"/>
+                        </a:spcBef>
+                        <a:spcAft>
+                          <a:spcPts val="0"/>
+                        </a:spcAft>
+                        <a:buFont typeface="+mj-lt"/>
+                        <a:buAutoNum type="arabicPeriod"/>
+                      </a:pPr>
+                      <a:r>
+                        <a:rPr lang="en-US" sz="1400" kern="0" dirty="0">
+                          <a:effectLst/>
+                        </a:rPr>
+                        <a:t> As approved or directed by </a:t>
+                      </a:r>
+                      <a:r>
+                        <a:rPr lang="en-US" sz="1400" kern="100" dirty="0">
+                          <a:effectLst/>
+                        </a:rPr>
+                        <a:t>the Project Manager.</a:t>
+                      </a:r>
+                      <a:endParaRPr lang="en-US" sz="1400" kern="100" dirty="0">
+                        <a:effectLst/>
+                        <a:latin typeface="Century" panose="02040604050505020304" pitchFamily="18" charset="0"/>
+                        <a:ea typeface="MS Mincho"/>
+                        <a:cs typeface="Times New Roman" panose="02020603050405020304" pitchFamily="18" charset="0"/>
+                      </a:endParaRPr>
+                    </a:p>
+                  </a:txBody>
+                  <a:tcPr marL="49932" marR="49932" marT="0" marB="0"/>
+                </a:tc>
+                <a:tc>
+                  <a:txBody>
+                    <a:bodyPr/>
+                    <a:lstStyle/>
+                    <a:p>
+                      <a:pPr marL="0" marR="0" algn="just">
+                        <a:lnSpc>
+                          <a:spcPct val="115000"/>
+                        </a:lnSpc>
+                        <a:spcBef>
+                          <a:spcPts val="0"/>
+                        </a:spcBef>
+                        <a:spcAft>
+                          <a:spcPts val="0"/>
+                        </a:spcAft>
+                      </a:pPr>
+                      <a:r>
+                        <a:rPr lang="en-US" sz="1400" dirty="0">
+                          <a:effectLst/>
+                        </a:rPr>
+                        <a:t>BS 1881,</a:t>
+                      </a:r>
+                    </a:p>
+                    <a:p>
+                      <a:pPr marL="0" marR="0" algn="just">
+                        <a:lnSpc>
+                          <a:spcPct val="115000"/>
+                        </a:lnSpc>
+                        <a:spcBef>
+                          <a:spcPts val="0"/>
+                        </a:spcBef>
+                        <a:spcAft>
+                          <a:spcPts val="0"/>
+                        </a:spcAft>
+                      </a:pPr>
+                      <a:r>
+                        <a:rPr lang="en-US" sz="1400" dirty="0">
+                          <a:effectLst/>
+                        </a:rPr>
+                        <a:t>ASTM C-42</a:t>
+                      </a:r>
+                    </a:p>
+                    <a:p>
+                      <a:pPr marL="0" marR="0" algn="just">
+                        <a:lnSpc>
+                          <a:spcPct val="115000"/>
+                        </a:lnSpc>
+                        <a:spcBef>
+                          <a:spcPts val="0"/>
+                        </a:spcBef>
+                        <a:spcAft>
+                          <a:spcPts val="0"/>
+                        </a:spcAft>
+                      </a:pPr>
+                      <a:r>
+                        <a:rPr lang="en-US" sz="1400" dirty="0">
+                          <a:effectLst/>
+                        </a:rPr>
+                        <a:t>Or</a:t>
+                      </a:r>
+                    </a:p>
+                    <a:p>
+                      <a:pPr marL="0" marR="0" algn="just">
+                        <a:lnSpc>
+                          <a:spcPct val="115000"/>
+                        </a:lnSpc>
+                        <a:spcBef>
+                          <a:spcPts val="0"/>
+                        </a:spcBef>
+                        <a:spcAft>
+                          <a:spcPts val="0"/>
+                        </a:spcAft>
+                      </a:pPr>
+                      <a:r>
+                        <a:rPr lang="en-US" sz="1400" dirty="0">
+                          <a:effectLst/>
+                        </a:rPr>
+                        <a:t>similar standard</a:t>
+                      </a:r>
+                      <a:endParaRPr lang="en-US" sz="1400" dirty="0">
+                        <a:effectLst/>
+                        <a:latin typeface="Calibri" panose="020F0502020204030204" pitchFamily="34" charset="0"/>
+                        <a:ea typeface="Calibri" panose="020F0502020204030204" pitchFamily="34" charset="0"/>
+                        <a:cs typeface="Vrinda" panose="020B0502040204020203" pitchFamily="34" charset="0"/>
+                      </a:endParaRPr>
+                    </a:p>
+                  </a:txBody>
+                  <a:tcPr marL="49932" marR="49932" marT="0" marB="0"/>
+                </a:tc>
+                <a:extLst>
+                  <a:ext uri="{0D108BD9-81ED-4DB2-BD59-A6C34878D82A}">
+                    <a16:rowId xmlns:a16="http://schemas.microsoft.com/office/drawing/2014/main" val="2972195380"/>
+                  </a:ext>
+                </a:extLst>
+              </a:tr>
+            </a:tbl>
+          </a:graphicData>
+        </a:graphic>
+      </p:graphicFrame>
+    </p:spTree>
+    <p:extLst>
+      <p:ext uri="{BB962C8B-B14F-4D97-AF65-F5344CB8AC3E}">
+        <p14:creationId xmlns:p14="http://schemas.microsoft.com/office/powerpoint/2010/main" val="1885552351"/>
+      </p:ext>
+    </p:extLst>
+  </p:cSld>
+  <p:clrMapOvr>
+    <a:masterClrMapping/>
+  </p:clrMapOvr>
+  <p:timing>
+    <p:tnLst>
+      <p:par>
+        <p:cTn id="1" dur="indefinite" restart="never" nodeType="tmRoot">
+          <p:childTnLst>
+            <p:seq concurrent="1" nextAc="seek">
+              <p:cTn id="2" dur="indefinite" nodeType="mainSeq">
+                <p:childTnLst>
+                  <p:par>
+                    <p:cTn id="3" fill="hold">
+                      <p:stCondLst>
+                        <p:cond delay="indefinite"/>
+                      </p:stCondLst>
+                      <p:childTnLst>
+                        <p:par>
+                          <p:cTn id="4" fill="hold">
+                            <p:stCondLst>
+                              <p:cond delay="0"/>
+                            </p:stCondLst>
+                            <p:childTnLst>
+                              <p:par>
+                                <p:cTn id="5" presetID="2" presetClass="entr" presetSubtype="4" fill="hold" nodeType="clickEffect" nodePh="1">
+                                  <p:stCondLst>
+                                    <p:cond delay="0"/>
+                                  </p:stCondLst>
+                                  <p:endCondLst>
+                                    <p:cond evt="begin" delay="0">
+                                      <p:tn val="5"/>
+                                    </p:cond>
+                                  </p:endCondLst>
+                                  <p:childTnLst>
+                                    <p:set>
+                                      <p:cBhvr>
+                                        <p:cTn id="6" dur="1" fill="hold">
+                                          <p:stCondLst>
+                                            <p:cond delay="0"/>
+                                          </p:stCondLst>
+                                        </p:cTn>
+                                        <p:tgtEl>
+                                          <p:spTgt spid="5">
+                                            <p:txEl>
+                                              <p:pRg st="0" end="0"/>
+                                            </p:txEl>
+                                          </p:spTgt>
+                                        </p:tgtEl>
+                                        <p:attrNameLst>
+                                          <p:attrName>style.visibility</p:attrName>
+                                        </p:attrNameLst>
+                                      </p:cBhvr>
+                                      <p:to>
+                                        <p:strVal val="visible"/>
+                                      </p:to>
+                                    </p:set>
+                                    <p:anim calcmode="lin" valueType="num">
+                                      <p:cBhvr additive="base">
+                                        <p:cTn id="7" dur="500" fill="hold"/>
+                                        <p:tgtEl>
+                                          <p:spTgt spid="5">
+                                            <p:txEl>
+                                              <p:pRg st="0" end="0"/>
+                                            </p:txEl>
+                                          </p:spTgt>
+                                        </p:tgtEl>
+                                        <p:attrNameLst>
+                                          <p:attrName>ppt_x</p:attrName>
+                                        </p:attrNameLst>
+                                      </p:cBhvr>
+                                      <p:tavLst>
+                                        <p:tav tm="0">
+                                          <p:val>
+                                            <p:strVal val="#ppt_x"/>
+                                          </p:val>
+                                        </p:tav>
+                                        <p:tav tm="100000">
+                                          <p:val>
+                                            <p:strVal val="#ppt_x"/>
+                                          </p:val>
+                                        </p:tav>
+                                      </p:tavLst>
+                                    </p:anim>
+                                    <p:anim calcmode="lin" valueType="num">
+                                      <p:cBhvr additive="base">
+                                        <p:cTn id="8" dur="500" fill="hold"/>
+                                        <p:tgtEl>
+                                          <p:spTgt spid="5">
+                                            <p:txEl>
+                                              <p:pRg st="0" end="0"/>
+                                            </p:txEl>
+                                          </p:spTgt>
+                                        </p:tgtEl>
+                                        <p:attrNameLst>
+                                          <p:attrName>ppt_y</p:attrName>
+                                        </p:attrNameLst>
+                                      </p:cBhvr>
+                                      <p:tavLst>
+                                        <p:tav tm="0">
+                                          <p:val>
+                                            <p:strVal val="1+#ppt_h/2"/>
+                                          </p:val>
+                                        </p:tav>
+                                        <p:tav tm="100000">
+                                          <p:val>
+                                            <p:strVal val="#ppt_y"/>
+                                          </p:val>
+                                        </p:tav>
+                                      </p:tavLst>
+                                    </p:anim>
+                                  </p:childTnLst>
+                                </p:cTn>
+                              </p:par>
+                            </p:childTnLst>
+                          </p:cTn>
+                        </p:par>
+                      </p:childTnLst>
+                    </p:cTn>
+                  </p:par>
+                </p:childTnLst>
+              </p:cTn>
+              <p:prevCondLst>
+                <p:cond evt="onPrev" delay="0">
+                  <p:tgtEl>
+                    <p:sldTgt/>
+                  </p:tgtEl>
+                </p:cond>
+              </p:prevCondLst>
+              <p:nextCondLst>
+                <p:cond evt="onNext" delay="0">
+                  <p:tgtEl>
+                    <p:sldTgt/>
+                  </p:tgtEl>
+                </p:cond>
+              </p:nextCondLst>
+            </p:seq>
+          </p:childTnLst>
+        </p:cTn>
+      </p:par>
+    </p:tnLst>
+  </p:timing>
+</p:sld>
+</file>
+
+<file path=ppt/slides/slide37.xml><?xml version="1.0" encoding="utf-8"?>
+<p:sld xmlns:a="http://schemas.openxmlformats.org/drawingml/2006/main" xmlns:r="http://schemas.openxmlformats.org/officeDocument/2006/relationships" xmlns:p="http://schemas.openxmlformats.org/presentationml/2006/main">
+  <p:cSld>
+    <p:spTree>
+      <p:nvGrpSpPr>
+        <p:cNvPr id="1" name=""/>
+        <p:cNvGrpSpPr/>
+        <p:nvPr/>
+      </p:nvGrpSpPr>
+      <p:grpSpPr>
+        <a:xfrm>
+          <a:off x="0" y="0"/>
+          <a:ext cx="0" cy="0"/>
+          <a:chOff x="0" y="0"/>
+          <a:chExt cx="0" cy="0"/>
+        </a:xfrm>
+      </p:grpSpPr>
+      <p:sp>
+        <p:nvSpPr>
+          <p:cNvPr id="2" name="Title 1"/>
+          <p:cNvSpPr>
+            <a:spLocks noGrp="1"/>
+          </p:cNvSpPr>
+          <p:nvPr>
+            <p:ph type="title"/>
+          </p:nvPr>
+        </p:nvSpPr>
+        <p:spPr>
+          <a:xfrm>
+            <a:off x="313899" y="365126"/>
+            <a:ext cx="11750722" cy="289968"/>
+          </a:xfrm>
+        </p:spPr>
+        <p:txBody>
+          <a:bodyPr>
+            <a:normAutofit fontScale="90000"/>
+          </a:bodyPr>
+          <a:lstStyle/>
+          <a:p>
+            <a:pPr algn="ctr"/>
+            <a:r>
+              <a:rPr lang="en-US" dirty="0" smtClean="0"/>
               <a:t>Standard Sampling and Testing for Geo Textile</a:t>
             </a:r>
             <a:endParaRPr lang="en-US" dirty="0"/>
@@ -29272,7 +32236,7 @@
 </p:sld>
 </file>
 
-<file path=ppt/slides/slide37.xml><?xml version="1.0" encoding="utf-8"?>
+<file path=ppt/slides/slide38.xml><?xml version="1.0" encoding="utf-8"?>
 <p:sld xmlns:a="http://schemas.openxmlformats.org/drawingml/2006/main" xmlns:r="http://schemas.openxmlformats.org/officeDocument/2006/relationships" xmlns:p="http://schemas.openxmlformats.org/presentationml/2006/main">
   <p:cSld>
     <p:spTree>
@@ -29760,11 +32724,7 @@
           <a:p>
             <a:r>
               <a:rPr lang="en-US" sz="2800" dirty="0" smtClean="0"/>
-              <a:t>IMMEDIATE ACTIONS REQUIRED </a:t>
-            </a:r>
-            <a:r>
-              <a:rPr lang="en-US" sz="2800" dirty="0" smtClean="0"/>
-              <a:t>FOR KISHOREGONJ</a:t>
+              <a:t>IMMEDIATE ACTIONS REQUIRED FOR KISHOREGONJ</a:t>
             </a:r>
             <a:endParaRPr lang="en-US" sz="2800" dirty="0"/>
           </a:p>
@@ -31996,11 +34956,7 @@
           <a:p>
             <a:r>
               <a:rPr lang="en-US" sz="2800" dirty="0" smtClean="0"/>
-              <a:t>IMMEDIATE ACTIONS REQUIRED </a:t>
-            </a:r>
-            <a:r>
-              <a:rPr lang="en-US" sz="2800" dirty="0" smtClean="0"/>
-              <a:t>FOR KISHOREGONJ</a:t>
+              <a:t>IMMEDIATE ACTIONS REQUIRED FOR KISHOREGONJ</a:t>
             </a:r>
             <a:endParaRPr lang="en-US" sz="2800" dirty="0"/>
           </a:p>
@@ -35627,11 +38583,7 @@
           <a:p>
             <a:r>
               <a:rPr lang="en-US" sz="2800" dirty="0" smtClean="0"/>
-              <a:t>IMMEDIATE ACTIONS REQUIRED </a:t>
-            </a:r>
-            <a:r>
-              <a:rPr lang="en-US" sz="2800" dirty="0" smtClean="0"/>
-              <a:t>FOR KISHOREGONJ</a:t>
+              <a:t>IMMEDIATE ACTIONS REQUIRED FOR KISHOREGONJ</a:t>
             </a:r>
             <a:endParaRPr lang="en-US" sz="2800" dirty="0"/>
           </a:p>

--- a/Civilworks cost/RADP Preparations/RADP Actions and Followups.pptx
+++ b/Civilworks cost/RADP Preparations/RADP Actions and Followups.pptx
@@ -6150,7 +6150,7 @@
           <a:p>
             <a:fld id="{094D706F-24D0-4272-ACA1-F6C86E395C60}" type="datetimeFigureOut">
               <a:rPr lang="en-US" smtClean="0"/>
-              <a:t>12/26/2020</a:t>
+              <a:t>12/30/2020</a:t>
             </a:fld>
             <a:endParaRPr lang="en-US"/>
           </a:p>
@@ -7557,7 +7557,7 @@
           <a:p>
             <a:fld id="{98B89941-8863-4190-945A-47CAE70C058B}" type="datetimeFigureOut">
               <a:rPr lang="en-US" smtClean="0"/>
-              <a:t>12/26/2020</a:t>
+              <a:t>12/30/2020</a:t>
             </a:fld>
             <a:endParaRPr lang="en-US"/>
           </a:p>
@@ -7727,7 +7727,7 @@
           <a:p>
             <a:fld id="{98B89941-8863-4190-945A-47CAE70C058B}" type="datetimeFigureOut">
               <a:rPr lang="en-US" smtClean="0"/>
-              <a:t>12/26/2020</a:t>
+              <a:t>12/30/2020</a:t>
             </a:fld>
             <a:endParaRPr lang="en-US"/>
           </a:p>
@@ -7907,7 +7907,7 @@
           <a:p>
             <a:fld id="{98B89941-8863-4190-945A-47CAE70C058B}" type="datetimeFigureOut">
               <a:rPr lang="en-US" smtClean="0"/>
-              <a:t>12/26/2020</a:t>
+              <a:t>12/30/2020</a:t>
             </a:fld>
             <a:endParaRPr lang="en-US"/>
           </a:p>
@@ -8077,7 +8077,7 @@
           <a:p>
             <a:fld id="{98B89941-8863-4190-945A-47CAE70C058B}" type="datetimeFigureOut">
               <a:rPr lang="en-US" smtClean="0"/>
-              <a:t>12/26/2020</a:t>
+              <a:t>12/30/2020</a:t>
             </a:fld>
             <a:endParaRPr lang="en-US"/>
           </a:p>
@@ -8323,7 +8323,7 @@
           <a:p>
             <a:fld id="{98B89941-8863-4190-945A-47CAE70C058B}" type="datetimeFigureOut">
               <a:rPr lang="en-US" smtClean="0"/>
-              <a:t>12/26/2020</a:t>
+              <a:t>12/30/2020</a:t>
             </a:fld>
             <a:endParaRPr lang="en-US"/>
           </a:p>
@@ -8555,7 +8555,7 @@
           <a:p>
             <a:fld id="{98B89941-8863-4190-945A-47CAE70C058B}" type="datetimeFigureOut">
               <a:rPr lang="en-US" smtClean="0"/>
-              <a:t>12/26/2020</a:t>
+              <a:t>12/30/2020</a:t>
             </a:fld>
             <a:endParaRPr lang="en-US"/>
           </a:p>
@@ -8922,7 +8922,7 @@
           <a:p>
             <a:fld id="{98B89941-8863-4190-945A-47CAE70C058B}" type="datetimeFigureOut">
               <a:rPr lang="en-US" smtClean="0"/>
-              <a:t>12/26/2020</a:t>
+              <a:t>12/30/2020</a:t>
             </a:fld>
             <a:endParaRPr lang="en-US"/>
           </a:p>
@@ -9040,7 +9040,7 @@
           <a:p>
             <a:fld id="{98B89941-8863-4190-945A-47CAE70C058B}" type="datetimeFigureOut">
               <a:rPr lang="en-US" smtClean="0"/>
-              <a:t>12/26/2020</a:t>
+              <a:t>12/30/2020</a:t>
             </a:fld>
             <a:endParaRPr lang="en-US"/>
           </a:p>
@@ -9135,7 +9135,7 @@
           <a:p>
             <a:fld id="{98B89941-8863-4190-945A-47CAE70C058B}" type="datetimeFigureOut">
               <a:rPr lang="en-US" smtClean="0"/>
-              <a:t>12/26/2020</a:t>
+              <a:t>12/30/2020</a:t>
             </a:fld>
             <a:endParaRPr lang="en-US"/>
           </a:p>
@@ -9412,7 +9412,7 @@
           <a:p>
             <a:fld id="{98B89941-8863-4190-945A-47CAE70C058B}" type="datetimeFigureOut">
               <a:rPr lang="en-US" smtClean="0"/>
-              <a:t>12/26/2020</a:t>
+              <a:t>12/30/2020</a:t>
             </a:fld>
             <a:endParaRPr lang="en-US"/>
           </a:p>
@@ -9665,7 +9665,7 @@
           <a:p>
             <a:fld id="{98B89941-8863-4190-945A-47CAE70C058B}" type="datetimeFigureOut">
               <a:rPr lang="en-US" smtClean="0"/>
-              <a:t>12/26/2020</a:t>
+              <a:t>12/30/2020</a:t>
             </a:fld>
             <a:endParaRPr lang="en-US"/>
           </a:p>
@@ -9908,7 +9908,7 @@
           <a:p>
             <a:fld id="{98B89941-8863-4190-945A-47CAE70C058B}" type="datetimeFigureOut">
               <a:rPr lang="en-US" smtClean="0"/>
-              <a:t>12/26/2020</a:t>
+              <a:t>12/30/2020</a:t>
             </a:fld>
             <a:endParaRPr lang="en-US"/>
           </a:p>
@@ -10383,7 +10383,7 @@
         </p:nvGraphicFramePr>
         <p:xfrm>
           <a:off x="136208" y="742951"/>
-          <a:ext cx="12055791" cy="6266446"/>
+          <a:ext cx="12055791" cy="6151134"/>
         </p:xfrm>
         <a:graphic>
           <a:graphicData uri="http://schemas.openxmlformats.org/drawingml/2006/table">
@@ -16569,11 +16569,7 @@
           <a:p>
             <a:r>
               <a:rPr lang="en-US" sz="2800" dirty="0" smtClean="0"/>
-              <a:t>IMMEDIATE ACTIONS REQUIRED FOR </a:t>
-            </a:r>
-            <a:r>
-              <a:rPr lang="en-US" sz="2800" dirty="0" smtClean="0"/>
-              <a:t>HOBIGANJ</a:t>
+              <a:t>IMMEDIATE ACTIONS REQUIRED FOR HOBIGANJ</a:t>
             </a:r>
             <a:endParaRPr lang="en-US" sz="2800" dirty="0"/>
           </a:p>
@@ -22660,7 +22656,7 @@
           <a:graphicData uri="http://schemas.openxmlformats.org/presentationml/2006/ole">
             <mc:AlternateContent xmlns:mc="http://schemas.openxmlformats.org/markup-compatibility/2006">
               <mc:Choice xmlns:v="urn:schemas-microsoft-com:vml" Requires="v">
-                <p:oleObj spid="_x0000_s1059" name="PDF" r:id="rId3" imgW="0" imgH="360" progId="FoxitPhantomPDF.Document">
+                <p:oleObj spid="_x0000_s1060" name="PDF" r:id="rId3" imgW="0" imgH="360" progId="FoxitPhantomPDF.Document">
                   <p:embed/>
                 </p:oleObj>
               </mc:Choice>
@@ -24641,7 +24637,7 @@
           <a:graphicData uri="http://schemas.openxmlformats.org/presentationml/2006/ole">
             <mc:AlternateContent xmlns:mc="http://schemas.openxmlformats.org/markup-compatibility/2006">
               <mc:Choice xmlns:v="urn:schemas-microsoft-com:vml" Requires="v">
-                <p:oleObj spid="_x0000_s2080" name="PDF" r:id="rId3" imgW="0" imgH="360" progId="FoxitPhantomPDF.Document">
+                <p:oleObj spid="_x0000_s2081" name="PDF" r:id="rId3" imgW="0" imgH="360" progId="FoxitPhantomPDF.Document">
                   <p:embed/>
                 </p:oleObj>
               </mc:Choice>
@@ -24944,7 +24940,7 @@
           <a:graphicData uri="http://schemas.openxmlformats.org/presentationml/2006/ole">
             <mc:AlternateContent xmlns:mc="http://schemas.openxmlformats.org/markup-compatibility/2006">
               <mc:Choice xmlns:v="urn:schemas-microsoft-com:vml" Requires="v">
-                <p:oleObj spid="_x0000_s3104" name="PDF" r:id="rId3" imgW="0" imgH="360" progId="FoxitPhantomPDF.Document">
+                <p:oleObj spid="_x0000_s3105" name="PDF" r:id="rId3" imgW="0" imgH="360" progId="FoxitPhantomPDF.Document">
                   <p:embed/>
                 </p:oleObj>
               </mc:Choice>
@@ -25366,7 +25362,7 @@
           <a:graphicData uri="http://schemas.openxmlformats.org/presentationml/2006/ole">
             <mc:AlternateContent xmlns:mc="http://schemas.openxmlformats.org/markup-compatibility/2006">
               <mc:Choice xmlns:v="urn:schemas-microsoft-com:vml" Requires="v">
-                <p:oleObj spid="_x0000_s4127" name="PDF" r:id="rId3" imgW="0" imgH="360" progId="FoxitPhantomPDF.Document">
+                <p:oleObj spid="_x0000_s4128" name="PDF" r:id="rId3" imgW="0" imgH="360" progId="FoxitPhantomPDF.Document">
                   <p:embed/>
                 </p:oleObj>
               </mc:Choice>
@@ -25669,7 +25665,7 @@
           <a:graphicData uri="http://schemas.openxmlformats.org/presentationml/2006/ole">
             <mc:AlternateContent xmlns:mc="http://schemas.openxmlformats.org/markup-compatibility/2006">
               <mc:Choice xmlns:v="urn:schemas-microsoft-com:vml" Requires="v">
-                <p:oleObj spid="_x0000_s5151" name="PDF" r:id="rId3" imgW="0" imgH="360" progId="FoxitPhantomPDF.Document">
+                <p:oleObj spid="_x0000_s5152" name="PDF" r:id="rId3" imgW="0" imgH="360" progId="FoxitPhantomPDF.Document">
                   <p:embed/>
                 </p:oleObj>
               </mc:Choice>
@@ -25972,7 +25968,7 @@
           <a:graphicData uri="http://schemas.openxmlformats.org/presentationml/2006/ole">
             <mc:AlternateContent xmlns:mc="http://schemas.openxmlformats.org/markup-compatibility/2006">
               <mc:Choice xmlns:v="urn:schemas-microsoft-com:vml" Requires="v">
-                <p:oleObj spid="_x0000_s6175" name="PDF" r:id="rId3" imgW="0" imgH="360" progId="FoxitPhantomPDF.Document">
+                <p:oleObj spid="_x0000_s6176" name="PDF" r:id="rId3" imgW="0" imgH="360" progId="FoxitPhantomPDF.Document">
                   <p:embed/>
                 </p:oleObj>
               </mc:Choice>
@@ -26276,7 +26272,7 @@
           <a:graphicData uri="http://schemas.openxmlformats.org/presentationml/2006/ole">
             <mc:AlternateContent xmlns:mc="http://schemas.openxmlformats.org/markup-compatibility/2006">
               <mc:Choice xmlns:v="urn:schemas-microsoft-com:vml" Requires="v">
-                <p:oleObj spid="_x0000_s7198" name="PDF" r:id="rId3" imgW="0" imgH="360" progId="FoxitPhantomPDF.Document">
+                <p:oleObj spid="_x0000_s7199" name="PDF" r:id="rId3" imgW="0" imgH="360" progId="FoxitPhantomPDF.Document">
                   <p:embed/>
                 </p:oleObj>
               </mc:Choice>
@@ -26580,7 +26576,7 @@
           <a:graphicData uri="http://schemas.openxmlformats.org/presentationml/2006/ole">
             <mc:AlternateContent xmlns:mc="http://schemas.openxmlformats.org/markup-compatibility/2006">
               <mc:Choice xmlns:v="urn:schemas-microsoft-com:vml" Requires="v">
-                <p:oleObj spid="_x0000_s8222" name="PDF" r:id="rId3" imgW="0" imgH="360" progId="FoxitPhantomPDF.Document">
+                <p:oleObj spid="_x0000_s8223" name="PDF" r:id="rId3" imgW="0" imgH="360" progId="FoxitPhantomPDF.Document">
                   <p:embed/>
                 </p:oleObj>
               </mc:Choice>
